--- a/trunk/artififical intelligence.pptx
+++ b/trunk/artififical intelligence.pptx
@@ -5,21 +5,23 @@
     <p:sldMasterId id="2147483660" r:id="rId1"/>
   </p:sldMasterIdLst>
   <p:notesMasterIdLst>
-    <p:notesMasterId r:id="rId14"/>
+    <p:notesMasterId r:id="rId16"/>
   </p:notesMasterIdLst>
   <p:sldIdLst>
     <p:sldId id="256" r:id="rId2"/>
     <p:sldId id="257" r:id="rId3"/>
-    <p:sldId id="258" r:id="rId4"/>
-    <p:sldId id="259" r:id="rId5"/>
-    <p:sldId id="260" r:id="rId6"/>
-    <p:sldId id="261" r:id="rId7"/>
-    <p:sldId id="262" r:id="rId8"/>
-    <p:sldId id="263" r:id="rId9"/>
-    <p:sldId id="264" r:id="rId10"/>
-    <p:sldId id="265" r:id="rId11"/>
-    <p:sldId id="266" r:id="rId12"/>
-    <p:sldId id="267" r:id="rId13"/>
+    <p:sldId id="269" r:id="rId4"/>
+    <p:sldId id="268" r:id="rId5"/>
+    <p:sldId id="258" r:id="rId6"/>
+    <p:sldId id="259" r:id="rId7"/>
+    <p:sldId id="260" r:id="rId8"/>
+    <p:sldId id="261" r:id="rId9"/>
+    <p:sldId id="262" r:id="rId10"/>
+    <p:sldId id="263" r:id="rId11"/>
+    <p:sldId id="264" r:id="rId12"/>
+    <p:sldId id="265" r:id="rId13"/>
+    <p:sldId id="266" r:id="rId14"/>
+    <p:sldId id="267" r:id="rId15"/>
   </p:sldIdLst>
   <p:sldSz cx="10160000" cy="7620000"/>
   <p:notesSz cx="6858000" cy="9144000"/>
@@ -266,7 +268,7 @@
         <p:nvSpPr>
           <p:cNvPr id="7171" name="Rectangle 3"/>
           <p:cNvSpPr>
-            <a:spLocks noChangeArrowheads="1" noTextEdit="1"/>
+            <a:spLocks noGrp="1" noRot="1" noChangeAspect="1" noChangeArrowheads="1" noTextEdit="1"/>
           </p:cNvSpPr>
           <p:nvPr>
             <p:ph type="sldImg" idx="2"/>
@@ -601,149 +603,66 @@
       </p:grpSpPr>
       <p:sp>
         <p:nvSpPr>
-          <p:cNvPr id="7" name="Rectangle 6"/>
-          <p:cNvSpPr>
-            <a:spLocks noGrp="1" noChangeArrowheads="1"/>
-          </p:cNvSpPr>
-          <p:nvPr>
-            <p:ph type="sldNum" sz="quarter" idx="5"/>
-          </p:nvPr>
-        </p:nvSpPr>
-        <p:spPr>
-          <a:ln/>
-        </p:spPr>
+          <p:cNvPr id="2" name="Slide Image Placeholder 1"/>
+          <p:cNvSpPr>
+            <a:spLocks noGrp="1" noRot="1" noChangeAspect="1"/>
+          </p:cNvSpPr>
+          <p:nvPr>
+            <p:ph type="sldImg"/>
+          </p:nvPr>
+        </p:nvSpPr>
+        <p:spPr/>
+      </p:sp>
+      <p:sp>
+        <p:nvSpPr>
+          <p:cNvPr id="3" name="Notes Placeholder 2"/>
+          <p:cNvSpPr>
+            <a:spLocks noGrp="1"/>
+          </p:cNvSpPr>
+          <p:nvPr>
+            <p:ph type="body" idx="1"/>
+          </p:nvPr>
+        </p:nvSpPr>
+        <p:spPr/>
+        <p:txBody>
+          <a:bodyPr>
+            <a:normAutofit/>
+          </a:bodyPr>
+          <a:lstStyle/>
+          <a:p>
+            <a:r>
+              <a:rPr lang="en-US" dirty="0" smtClean="0"/>
+              <a:t>Discussed the fact</a:t>
+            </a:r>
+            <a:r>
+              <a:rPr lang="en-US" baseline="0" dirty="0" smtClean="0"/>
+              <a:t> of lack of numbers in automotives, well aware it’s a hole in our research. Attempting to fix ASAP</a:t>
+            </a:r>
+            <a:endParaRPr lang="en-US" dirty="0"/>
+          </a:p>
+        </p:txBody>
+      </p:sp>
+      <p:sp>
+        <p:nvSpPr>
+          <p:cNvPr id="4" name="Slide Number Placeholder 3"/>
+          <p:cNvSpPr>
+            <a:spLocks noGrp="1"/>
+          </p:cNvSpPr>
+          <p:nvPr>
+            <p:ph type="sldNum" sz="quarter" idx="10"/>
+          </p:nvPr>
+        </p:nvSpPr>
+        <p:spPr/>
         <p:txBody>
           <a:bodyPr/>
           <a:lstStyle/>
           <a:p>
-            <a:fld id="{0E7090A5-3AD5-4A5C-B147-B80F16B4B8AE}" type="slidenum">
-              <a:rPr lang="en-US"/>
+            <a:fld id="{35E8DBCF-1A31-4444-8CFB-0DA56D6CEB6C}" type="slidenum">
+              <a:rPr lang="en-US" smtClean="0"/>
               <a:pPr/>
-              <a:t>5</a:t>
+              <a:t>6</a:t>
             </a:fld>
             <a:endParaRPr lang="en-US"/>
-          </a:p>
-        </p:txBody>
-      </p:sp>
-      <p:sp>
-        <p:nvSpPr>
-          <p:cNvPr id="8193" name="Rectangle 1"/>
-          <p:cNvSpPr>
-            <a:spLocks noChangeArrowheads="1"/>
-          </p:cNvSpPr>
-          <p:nvPr>
-            <p:ph type="sldImg"/>
-          </p:nvPr>
-        </p:nvSpPr>
-        <p:spPr>
-          <a:ln/>
-        </p:spPr>
-      </p:sp>
-      <p:sp>
-        <p:nvSpPr>
-          <p:cNvPr id="8194" name="Rectangle 2"/>
-          <p:cNvSpPr>
-            <a:spLocks noGrp="1" noChangeArrowheads="1"/>
-          </p:cNvSpPr>
-          <p:nvPr>
-            <p:ph type="body" idx="1"/>
-          </p:nvPr>
-        </p:nvSpPr>
-        <p:spPr/>
-        <p:txBody>
-          <a:bodyPr lIns="0" tIns="0" rIns="0" bIns="0"/>
-          <a:lstStyle/>
-          <a:p>
-            <a:pPr>
-              <a:lnSpc>
-                <a:spcPct val="95000"/>
-              </a:lnSpc>
-              <a:spcBef>
-                <a:spcPct val="0"/>
-              </a:spcBef>
-            </a:pPr>
-            <a:r>
-              <a:rPr lang="en-US" sz="1600">
-                <a:solidFill>
-                  <a:srgbClr val="DEDEDE"/>
-                </a:solidFill>
-                <a:latin typeface="Trebuchet MS" pitchFamily="34" charset="0"/>
-              </a:rPr>
-              <a:t>1st point; important questions in AI: can a machine feel?  does it have a soul?</a:t>
-            </a:r>
-            <a:endParaRPr lang="en-US"/>
-          </a:p>
-          <a:p>
-            <a:pPr>
-              <a:lnSpc>
-                <a:spcPct val="95000"/>
-              </a:lnSpc>
-              <a:spcBef>
-                <a:spcPct val="0"/>
-              </a:spcBef>
-            </a:pPr>
-            <a:r>
-              <a:rPr lang="en-US" sz="1600">
-                <a:solidFill>
-                  <a:srgbClr val="DEDEDE"/>
-                </a:solidFill>
-                <a:latin typeface="Trebuchet MS" pitchFamily="34" charset="0"/>
-              </a:rPr>
-              <a:t> </a:t>
-            </a:r>
-            <a:endParaRPr lang="en-US"/>
-          </a:p>
-          <a:p>
-            <a:pPr>
-              <a:lnSpc>
-                <a:spcPct val="95000"/>
-              </a:lnSpc>
-              <a:spcBef>
-                <a:spcPct val="0"/>
-              </a:spcBef>
-            </a:pPr>
-            <a:r>
-              <a:rPr lang="en-US" sz="1600">
-                <a:solidFill>
-                  <a:srgbClr val="DEDEDE"/>
-                </a:solidFill>
-                <a:latin typeface="Trebuchet MS" pitchFamily="34" charset="0"/>
-              </a:rPr>
-              <a:t>3rd point; exposit on difference between philosophy and ethics (ethics asks what it means *if* something is true) </a:t>
-            </a:r>
-            <a:endParaRPr lang="en-US"/>
-          </a:p>
-          <a:p>
-            <a:pPr>
-              <a:lnSpc>
-                <a:spcPct val="95000"/>
-              </a:lnSpc>
-              <a:spcBef>
-                <a:spcPct val="0"/>
-              </a:spcBef>
-            </a:pPr>
-            <a:endParaRPr lang="en-US" sz="1600">
-              <a:solidFill>
-                <a:srgbClr val="DEDEDE"/>
-              </a:solidFill>
-              <a:latin typeface="Trebuchet MS" pitchFamily="34" charset="0"/>
-            </a:endParaRPr>
-          </a:p>
-          <a:p>
-            <a:pPr>
-              <a:lnSpc>
-                <a:spcPct val="95000"/>
-              </a:lnSpc>
-              <a:spcBef>
-                <a:spcPct val="0"/>
-              </a:spcBef>
-            </a:pPr>
-            <a:endParaRPr lang="en-US" sz="1600">
-              <a:solidFill>
-                <a:srgbClr val="DEDEDE"/>
-              </a:solidFill>
-              <a:latin typeface="Trebuchet MS" pitchFamily="34" charset="0"/>
-            </a:endParaRPr>
           </a:p>
         </p:txBody>
       </p:sp>
@@ -789,10 +708,183 @@
           <a:bodyPr/>
           <a:lstStyle/>
           <a:p>
+            <a:fld id="{0E7090A5-3AD5-4A5C-B147-B80F16B4B8AE}" type="slidenum">
+              <a:rPr lang="en-US"/>
+              <a:pPr/>
+              <a:t>7</a:t>
+            </a:fld>
+            <a:endParaRPr lang="en-US"/>
+          </a:p>
+        </p:txBody>
+      </p:sp>
+      <p:sp>
+        <p:nvSpPr>
+          <p:cNvPr id="8193" name="Rectangle 1"/>
+          <p:cNvSpPr>
+            <a:spLocks noGrp="1" noRot="1" noChangeAspect="1" noChangeArrowheads="1"/>
+          </p:cNvSpPr>
+          <p:nvPr>
+            <p:ph type="sldImg"/>
+          </p:nvPr>
+        </p:nvSpPr>
+        <p:spPr>
+          <a:ln/>
+        </p:spPr>
+      </p:sp>
+      <p:sp>
+        <p:nvSpPr>
+          <p:cNvPr id="8194" name="Rectangle 2"/>
+          <p:cNvSpPr>
+            <a:spLocks noGrp="1" noChangeArrowheads="1"/>
+          </p:cNvSpPr>
+          <p:nvPr>
+            <p:ph type="body" idx="1"/>
+          </p:nvPr>
+        </p:nvSpPr>
+        <p:spPr/>
+        <p:txBody>
+          <a:bodyPr lIns="0" tIns="0" rIns="0" bIns="0"/>
+          <a:lstStyle/>
+          <a:p>
+            <a:pPr>
+              <a:lnSpc>
+                <a:spcPct val="95000"/>
+              </a:lnSpc>
+              <a:spcBef>
+                <a:spcPct val="0"/>
+              </a:spcBef>
+            </a:pPr>
+            <a:r>
+              <a:rPr lang="en-US" sz="1600">
+                <a:solidFill>
+                  <a:srgbClr val="DEDEDE"/>
+                </a:solidFill>
+                <a:latin typeface="Trebuchet MS" pitchFamily="34" charset="0"/>
+              </a:rPr>
+              <a:t>1st point; important questions in AI: can a machine feel?  does it have a soul?</a:t>
+            </a:r>
+            <a:endParaRPr lang="en-US"/>
+          </a:p>
+          <a:p>
+            <a:pPr>
+              <a:lnSpc>
+                <a:spcPct val="95000"/>
+              </a:lnSpc>
+              <a:spcBef>
+                <a:spcPct val="0"/>
+              </a:spcBef>
+            </a:pPr>
+            <a:r>
+              <a:rPr lang="en-US" sz="1600">
+                <a:solidFill>
+                  <a:srgbClr val="DEDEDE"/>
+                </a:solidFill>
+                <a:latin typeface="Trebuchet MS" pitchFamily="34" charset="0"/>
+              </a:rPr>
+              <a:t> </a:t>
+            </a:r>
+            <a:endParaRPr lang="en-US"/>
+          </a:p>
+          <a:p>
+            <a:pPr>
+              <a:lnSpc>
+                <a:spcPct val="95000"/>
+              </a:lnSpc>
+              <a:spcBef>
+                <a:spcPct val="0"/>
+              </a:spcBef>
+            </a:pPr>
+            <a:r>
+              <a:rPr lang="en-US" sz="1600">
+                <a:solidFill>
+                  <a:srgbClr val="DEDEDE"/>
+                </a:solidFill>
+                <a:latin typeface="Trebuchet MS" pitchFamily="34" charset="0"/>
+              </a:rPr>
+              <a:t>3rd point; exposit on difference between philosophy and ethics (ethics asks what it means *if* something is true) </a:t>
+            </a:r>
+            <a:endParaRPr lang="en-US"/>
+          </a:p>
+          <a:p>
+            <a:pPr>
+              <a:lnSpc>
+                <a:spcPct val="95000"/>
+              </a:lnSpc>
+              <a:spcBef>
+                <a:spcPct val="0"/>
+              </a:spcBef>
+            </a:pPr>
+            <a:endParaRPr lang="en-US" sz="1600">
+              <a:solidFill>
+                <a:srgbClr val="DEDEDE"/>
+              </a:solidFill>
+              <a:latin typeface="Trebuchet MS" pitchFamily="34" charset="0"/>
+            </a:endParaRPr>
+          </a:p>
+          <a:p>
+            <a:pPr>
+              <a:lnSpc>
+                <a:spcPct val="95000"/>
+              </a:lnSpc>
+              <a:spcBef>
+                <a:spcPct val="0"/>
+              </a:spcBef>
+            </a:pPr>
+            <a:endParaRPr lang="en-US" sz="1600">
+              <a:solidFill>
+                <a:srgbClr val="DEDEDE"/>
+              </a:solidFill>
+              <a:latin typeface="Trebuchet MS" pitchFamily="34" charset="0"/>
+            </a:endParaRPr>
+          </a:p>
+        </p:txBody>
+      </p:sp>
+    </p:spTree>
+  </p:cSld>
+  <p:clrMapOvr>
+    <a:masterClrMapping/>
+  </p:clrMapOvr>
+</p:notes>
+</file>
+
+<file path=ppt/notesSlides/notesSlide3.xml><?xml version="1.0" encoding="utf-8"?>
+<p:notes xmlns:a="http://schemas.openxmlformats.org/drawingml/2006/main" xmlns:r="http://schemas.openxmlformats.org/officeDocument/2006/relationships" xmlns:p="http://schemas.openxmlformats.org/presentationml/2006/main">
+  <p:cSld>
+    <p:spTree>
+      <p:nvGrpSpPr>
+        <p:cNvPr id="1" name=""/>
+        <p:cNvGrpSpPr/>
+        <p:nvPr/>
+      </p:nvGrpSpPr>
+      <p:grpSpPr>
+        <a:xfrm>
+          <a:off x="0" y="0"/>
+          <a:ext cx="0" cy="0"/>
+          <a:chOff x="0" y="0"/>
+          <a:chExt cx="0" cy="0"/>
+        </a:xfrm>
+      </p:grpSpPr>
+      <p:sp>
+        <p:nvSpPr>
+          <p:cNvPr id="7" name="Rectangle 6"/>
+          <p:cNvSpPr>
+            <a:spLocks noGrp="1" noChangeArrowheads="1"/>
+          </p:cNvSpPr>
+          <p:nvPr>
+            <p:ph type="sldNum" sz="quarter" idx="5"/>
+          </p:nvPr>
+        </p:nvSpPr>
+        <p:spPr>
+          <a:ln/>
+        </p:spPr>
+        <p:txBody>
+          <a:bodyPr/>
+          <a:lstStyle/>
+          <a:p>
             <a:fld id="{2B961348-EAED-42D9-BC65-1B9A33AE06B4}" type="slidenum">
               <a:rPr lang="en-US"/>
               <a:pPr/>
-              <a:t>6</a:t>
+              <a:t>8</a:t>
             </a:fld>
             <a:endParaRPr lang="en-US"/>
           </a:p>
@@ -802,7 +894,7 @@
         <p:nvSpPr>
           <p:cNvPr id="10241" name="Rectangle 1"/>
           <p:cNvSpPr>
-            <a:spLocks noChangeArrowheads="1"/>
+            <a:spLocks noGrp="1" noRot="1" noChangeAspect="1" noChangeArrowheads="1"/>
           </p:cNvSpPr>
           <p:nvPr>
             <p:ph type="sldImg"/>
@@ -4532,25 +4624,7 @@
                 </a:solidFill>
                 <a:latin typeface="Trebuchet MS" pitchFamily="34" charset="0"/>
               </a:rPr>
-              <a:t>Daniel </a:t>
-            </a:r>
-            <a:r>
-              <a:rPr lang="en-US" dirty="0" err="1">
-                <a:solidFill>
-                  <a:srgbClr val="DEDEDE"/>
-                </a:solidFill>
-                <a:latin typeface="Trebuchet MS" pitchFamily="34" charset="0"/>
-              </a:rPr>
-              <a:t>Breneman</a:t>
-            </a:r>
-            <a:r>
-              <a:rPr lang="en-US" dirty="0">
-                <a:solidFill>
-                  <a:srgbClr val="DEDEDE"/>
-                </a:solidFill>
-                <a:latin typeface="Trebuchet MS" pitchFamily="34" charset="0"/>
-              </a:rPr>
-              <a:t> </a:t>
+              <a:t>Daniel Breneman </a:t>
             </a:r>
             <a:endParaRPr lang="en-US" dirty="0"/>
           </a:p>
@@ -4653,1316 +4727,17 @@
   <p:clrMapOvr>
     <a:masterClrMapping/>
   </p:clrMapOvr>
+  <p:timing>
+    <p:tnLst>
+      <p:par>
+        <p:cTn id="1" dur="indefinite" restart="never" nodeType="tmRoot"/>
+      </p:par>
+    </p:tnLst>
+  </p:timing>
 </p:sld>
 </file>
 
 <file path=ppt/slides/slide10.xml><?xml version="1.0" encoding="utf-8"?>
-<p:sld xmlns:a="http://schemas.openxmlformats.org/drawingml/2006/main" xmlns:r="http://schemas.openxmlformats.org/officeDocument/2006/relationships" xmlns:p="http://schemas.openxmlformats.org/presentationml/2006/main">
-  <p:cSld>
-    <p:spTree>
-      <p:nvGrpSpPr>
-        <p:cNvPr id="1" name=""/>
-        <p:cNvGrpSpPr/>
-        <p:nvPr/>
-      </p:nvGrpSpPr>
-      <p:grpSpPr>
-        <a:xfrm>
-          <a:off x="0" y="0"/>
-          <a:ext cx="0" cy="0"/>
-          <a:chOff x="0" y="0"/>
-          <a:chExt cx="0" cy="0"/>
-        </a:xfrm>
-      </p:grpSpPr>
-      <p:pic>
-        <p:nvPicPr>
-          <p:cNvPr id="14340" name="Picture 4"/>
-          <p:cNvPicPr>
-            <a:picLocks noChangeAspect="1" noChangeArrowheads="1"/>
-          </p:cNvPicPr>
-          <p:nvPr/>
-        </p:nvPicPr>
-        <p:blipFill>
-          <a:blip r:embed="rId2"/>
-          <a:srcRect/>
-          <a:stretch>
-            <a:fillRect/>
-          </a:stretch>
-        </p:blipFill>
-        <p:spPr bwMode="auto">
-          <a:xfrm>
-            <a:off x="0" y="0"/>
-            <a:ext cx="10201275" cy="7666038"/>
-          </a:xfrm>
-          <a:prstGeom prst="rect">
-            <a:avLst/>
-          </a:prstGeom>
-          <a:noFill/>
-        </p:spPr>
-      </p:pic>
-    </p:spTree>
-  </p:cSld>
-  <p:clrMapOvr>
-    <a:masterClrMapping/>
-  </p:clrMapOvr>
-</p:sld>
-</file>
-
-<file path=ppt/slides/slide11.xml><?xml version="1.0" encoding="utf-8"?>
-<p:sld xmlns:a="http://schemas.openxmlformats.org/drawingml/2006/main" xmlns:r="http://schemas.openxmlformats.org/officeDocument/2006/relationships" xmlns:p="http://schemas.openxmlformats.org/presentationml/2006/main">
-  <p:cSld>
-    <p:spTree>
-      <p:nvGrpSpPr>
-        <p:cNvPr id="1" name=""/>
-        <p:cNvGrpSpPr/>
-        <p:nvPr/>
-      </p:nvGrpSpPr>
-      <p:grpSpPr>
-        <a:xfrm>
-          <a:off x="0" y="0"/>
-          <a:ext cx="0" cy="0"/>
-          <a:chOff x="0" y="0"/>
-          <a:chExt cx="0" cy="0"/>
-        </a:xfrm>
-      </p:grpSpPr>
-      <p:sp>
-        <p:nvSpPr>
-          <p:cNvPr id="15361" name="Rectangle 1"/>
-          <p:cNvSpPr>
-            <a:spLocks noGrp="1" noChangeArrowheads="1"/>
-          </p:cNvSpPr>
-          <p:nvPr>
-            <p:ph type="title"/>
-          </p:nvPr>
-        </p:nvSpPr>
-        <p:spPr>
-          <a:xfrm>
-            <a:off x="247650" y="304800"/>
-            <a:ext cx="9664700" cy="914400"/>
-          </a:xfrm>
-        </p:spPr>
-        <p:txBody>
-          <a:bodyPr lIns="0" tIns="0" rIns="0" bIns="0" anchor="t"/>
-          <a:lstStyle/>
-          <a:p>
-            <a:pPr algn="l">
-              <a:lnSpc>
-                <a:spcPct val="95000"/>
-              </a:lnSpc>
-            </a:pPr>
-            <a:r>
-              <a:rPr lang="en-US" sz="4300">
-                <a:solidFill>
-                  <a:srgbClr val="DEDEDE"/>
-                </a:solidFill>
-                <a:latin typeface="Trebuchet MS" pitchFamily="34" charset="0"/>
-              </a:rPr>
-              <a:t>Conclusion</a:t>
-            </a:r>
-          </a:p>
-        </p:txBody>
-      </p:sp>
-      <p:sp>
-        <p:nvSpPr>
-          <p:cNvPr id="15362" name="Rectangle 2"/>
-          <p:cNvSpPr>
-            <a:spLocks noGrp="1" noChangeArrowheads="1"/>
-          </p:cNvSpPr>
-          <p:nvPr>
-            <p:ph idx="1"/>
-          </p:nvPr>
-        </p:nvSpPr>
-        <p:spPr>
-          <a:xfrm>
-            <a:off x="247650" y="1828800"/>
-            <a:ext cx="9664700" cy="5486400"/>
-          </a:xfrm>
-        </p:spPr>
-        <p:txBody>
-          <a:bodyPr lIns="0" tIns="0" rIns="0" bIns="0"/>
-          <a:lstStyle/>
-          <a:p>
-            <a:pPr marL="0" indent="0">
-              <a:lnSpc>
-                <a:spcPct val="95000"/>
-              </a:lnSpc>
-              <a:spcBef>
-                <a:spcPct val="0"/>
-              </a:spcBef>
-              <a:buFontTx/>
-              <a:buNone/>
-            </a:pPr>
-            <a:r>
-              <a:rPr lang="en-US" sz="2700">
-                <a:solidFill>
-                  <a:srgbClr val="DEDEDE"/>
-                </a:solidFill>
-                <a:latin typeface="Trebuchet MS" pitchFamily="34" charset="0"/>
-              </a:rPr>
-              <a:t> </a:t>
-            </a:r>
-          </a:p>
-        </p:txBody>
-      </p:sp>
-    </p:spTree>
-  </p:cSld>
-  <p:clrMapOvr>
-    <a:masterClrMapping/>
-  </p:clrMapOvr>
-</p:sld>
-</file>
-
-<file path=ppt/slides/slide12.xml><?xml version="1.0" encoding="utf-8"?>
-<p:sld xmlns:a="http://schemas.openxmlformats.org/drawingml/2006/main" xmlns:r="http://schemas.openxmlformats.org/officeDocument/2006/relationships" xmlns:p="http://schemas.openxmlformats.org/presentationml/2006/main">
-  <p:cSld>
-    <p:spTree>
-      <p:nvGrpSpPr>
-        <p:cNvPr id="1" name=""/>
-        <p:cNvGrpSpPr/>
-        <p:nvPr/>
-      </p:nvGrpSpPr>
-      <p:grpSpPr>
-        <a:xfrm>
-          <a:off x="0" y="0"/>
-          <a:ext cx="0" cy="0"/>
-          <a:chOff x="0" y="0"/>
-          <a:chExt cx="0" cy="0"/>
-        </a:xfrm>
-      </p:grpSpPr>
-      <p:sp>
-        <p:nvSpPr>
-          <p:cNvPr id="16385" name="Rectangle 1"/>
-          <p:cNvSpPr>
-            <a:spLocks noGrp="1" noChangeArrowheads="1"/>
-          </p:cNvSpPr>
-          <p:nvPr>
-            <p:ph type="title"/>
-          </p:nvPr>
-        </p:nvSpPr>
-        <p:spPr>
-          <a:xfrm>
-            <a:off x="247650" y="304800"/>
-            <a:ext cx="9664700" cy="914400"/>
-          </a:xfrm>
-        </p:spPr>
-        <p:txBody>
-          <a:bodyPr lIns="0" tIns="0" rIns="0" bIns="0" anchor="t"/>
-          <a:lstStyle/>
-          <a:p>
-            <a:pPr algn="l">
-              <a:lnSpc>
-                <a:spcPct val="95000"/>
-              </a:lnSpc>
-            </a:pPr>
-            <a:r>
-              <a:rPr lang="en-US" sz="4300">
-                <a:solidFill>
-                  <a:srgbClr val="DEDEDE"/>
-                </a:solidFill>
-                <a:latin typeface="Trebuchet MS" pitchFamily="34" charset="0"/>
-              </a:rPr>
-              <a:t>References</a:t>
-            </a:r>
-          </a:p>
-        </p:txBody>
-      </p:sp>
-      <p:sp>
-        <p:nvSpPr>
-          <p:cNvPr id="16386" name="Rectangle 2"/>
-          <p:cNvSpPr>
-            <a:spLocks noGrp="1" noChangeArrowheads="1"/>
-          </p:cNvSpPr>
-          <p:nvPr>
-            <p:ph idx="1"/>
-          </p:nvPr>
-        </p:nvSpPr>
-        <p:spPr>
-          <a:xfrm>
-            <a:off x="247650" y="1828800"/>
-            <a:ext cx="9664700" cy="5486400"/>
-          </a:xfrm>
-        </p:spPr>
-        <p:txBody>
-          <a:bodyPr lIns="0" tIns="0" rIns="0" bIns="0"/>
-          <a:lstStyle/>
-          <a:p>
-            <a:pPr marL="0" indent="0">
-              <a:lnSpc>
-                <a:spcPct val="95000"/>
-              </a:lnSpc>
-              <a:spcBef>
-                <a:spcPct val="0"/>
-              </a:spcBef>
-              <a:buFontTx/>
-              <a:buNone/>
-            </a:pPr>
-            <a:r>
-              <a:rPr lang="en-US" sz="2700">
-                <a:solidFill>
-                  <a:srgbClr val="DEDEDE"/>
-                </a:solidFill>
-                <a:latin typeface="Trebuchet MS" pitchFamily="34" charset="0"/>
-              </a:rPr>
-              <a:t>Economics Image: </a:t>
-            </a:r>
-            <a:r>
-              <a:rPr lang="en-US" sz="2700" u="sng">
-                <a:solidFill>
-                  <a:srgbClr val="0384BF"/>
-                </a:solidFill>
-                <a:latin typeface="Trebuchet MS" pitchFamily="34" charset="0"/>
-                <a:hlinkClick r:id="rId2"/>
-              </a:rPr>
-              <a:t>http://warning.zoned.dk/</a:t>
-            </a:r>
-            <a:endParaRPr lang="en-US" sz="2700" u="sng">
-              <a:solidFill>
-                <a:srgbClr val="0384BF"/>
-              </a:solidFill>
-              <a:latin typeface="Trebuchet MS" pitchFamily="34" charset="0"/>
-            </a:endParaRPr>
-          </a:p>
-        </p:txBody>
-      </p:sp>
-    </p:spTree>
-  </p:cSld>
-  <p:clrMapOvr>
-    <a:masterClrMapping/>
-  </p:clrMapOvr>
-</p:sld>
-</file>
-
-<file path=ppt/slides/slide2.xml><?xml version="1.0" encoding="utf-8"?>
-<p:sld xmlns:a="http://schemas.openxmlformats.org/drawingml/2006/main" xmlns:r="http://schemas.openxmlformats.org/officeDocument/2006/relationships" xmlns:p="http://schemas.openxmlformats.org/presentationml/2006/main">
-  <p:cSld>
-    <p:spTree>
-      <p:nvGrpSpPr>
-        <p:cNvPr id="1" name=""/>
-        <p:cNvGrpSpPr/>
-        <p:nvPr/>
-      </p:nvGrpSpPr>
-      <p:grpSpPr>
-        <a:xfrm>
-          <a:off x="0" y="0"/>
-          <a:ext cx="0" cy="0"/>
-          <a:chOff x="0" y="0"/>
-          <a:chExt cx="0" cy="0"/>
-        </a:xfrm>
-      </p:grpSpPr>
-      <p:sp>
-        <p:nvSpPr>
-          <p:cNvPr id="3073" name="Rectangle 1"/>
-          <p:cNvSpPr>
-            <a:spLocks noGrp="1" noChangeArrowheads="1"/>
-          </p:cNvSpPr>
-          <p:nvPr>
-            <p:ph type="title"/>
-          </p:nvPr>
-        </p:nvSpPr>
-        <p:spPr>
-          <a:xfrm>
-            <a:off x="247650" y="304800"/>
-            <a:ext cx="9664700" cy="914400"/>
-          </a:xfrm>
-        </p:spPr>
-        <p:txBody>
-          <a:bodyPr lIns="0" tIns="0" rIns="0" bIns="0" anchor="t"/>
-          <a:lstStyle/>
-          <a:p>
-            <a:pPr algn="l">
-              <a:lnSpc>
-                <a:spcPct val="95000"/>
-              </a:lnSpc>
-            </a:pPr>
-            <a:r>
-              <a:rPr lang="en-US" sz="4300" dirty="0">
-                <a:solidFill>
-                  <a:srgbClr val="DEDEDE"/>
-                </a:solidFill>
-                <a:latin typeface="Trebuchet MS" pitchFamily="34" charset="0"/>
-              </a:rPr>
-              <a:t>Overview</a:t>
-            </a:r>
-          </a:p>
-        </p:txBody>
-      </p:sp>
-      <p:sp>
-        <p:nvSpPr>
-          <p:cNvPr id="3074" name="Rectangle 2"/>
-          <p:cNvSpPr>
-            <a:spLocks noGrp="1" noChangeArrowheads="1"/>
-          </p:cNvSpPr>
-          <p:nvPr>
-            <p:ph idx="1"/>
-          </p:nvPr>
-        </p:nvSpPr>
-        <p:spPr>
-          <a:xfrm>
-            <a:off x="247650" y="1828800"/>
-            <a:ext cx="9664700" cy="5486400"/>
-          </a:xfrm>
-        </p:spPr>
-        <p:txBody>
-          <a:bodyPr lIns="0" tIns="0" rIns="0" bIns="0"/>
-          <a:lstStyle/>
-          <a:p>
-            <a:pPr marL="457200" lvl="1" indent="-342900">
-              <a:lnSpc>
-                <a:spcPct val="95000"/>
-              </a:lnSpc>
-              <a:spcBef>
-                <a:spcPct val="0"/>
-              </a:spcBef>
-              <a:buClr>
-                <a:srgbClr val="000000"/>
-              </a:buClr>
-              <a:buFontTx/>
-              <a:buChar char="•"/>
-            </a:pPr>
-            <a:r>
-              <a:rPr lang="en-US" sz="2700" dirty="0">
-                <a:solidFill>
-                  <a:srgbClr val="DEDEDE"/>
-                </a:solidFill>
-                <a:latin typeface="Trebuchet MS" pitchFamily="34" charset="0"/>
-              </a:rPr>
-              <a:t>//Introduction (including video) </a:t>
-            </a:r>
-            <a:endParaRPr lang="en-US" dirty="0"/>
-          </a:p>
-          <a:p>
-            <a:pPr marL="457200" lvl="1" indent="-342900">
-              <a:lnSpc>
-                <a:spcPct val="95000"/>
-              </a:lnSpc>
-              <a:spcBef>
-                <a:spcPct val="0"/>
-              </a:spcBef>
-              <a:buClr>
-                <a:srgbClr val="000000"/>
-              </a:buClr>
-              <a:buFontTx/>
-              <a:buChar char="•"/>
-            </a:pPr>
-            <a:r>
-              <a:rPr lang="en-US" sz="2700" dirty="0">
-                <a:solidFill>
-                  <a:srgbClr val="DEDEDE"/>
-                </a:solidFill>
-                <a:latin typeface="Trebuchet MS" pitchFamily="34" charset="0"/>
-              </a:rPr>
-              <a:t>History</a:t>
-            </a:r>
-            <a:endParaRPr lang="en-US" dirty="0"/>
-          </a:p>
-          <a:p>
-            <a:pPr marL="457200" lvl="1" indent="-342900">
-              <a:lnSpc>
-                <a:spcPct val="95000"/>
-              </a:lnSpc>
-              <a:spcBef>
-                <a:spcPct val="0"/>
-              </a:spcBef>
-              <a:buClr>
-                <a:srgbClr val="000000"/>
-              </a:buClr>
-              <a:buFontTx/>
-              <a:buChar char="•"/>
-            </a:pPr>
-            <a:r>
-              <a:rPr lang="en-US" sz="2700" dirty="0">
-                <a:solidFill>
-                  <a:srgbClr val="DEDEDE"/>
-                </a:solidFill>
-                <a:latin typeface="Trebuchet MS" pitchFamily="34" charset="0"/>
-              </a:rPr>
-              <a:t>Economics</a:t>
-            </a:r>
-            <a:endParaRPr lang="en-US" dirty="0"/>
-          </a:p>
-          <a:p>
-            <a:pPr marL="457200" lvl="1" indent="-342900">
-              <a:lnSpc>
-                <a:spcPct val="95000"/>
-              </a:lnSpc>
-              <a:spcBef>
-                <a:spcPct val="0"/>
-              </a:spcBef>
-              <a:buClr>
-                <a:srgbClr val="000000"/>
-              </a:buClr>
-              <a:buFontTx/>
-              <a:buChar char="•"/>
-            </a:pPr>
-            <a:r>
-              <a:rPr lang="en-US" sz="2700" dirty="0">
-                <a:solidFill>
-                  <a:srgbClr val="DEDEDE"/>
-                </a:solidFill>
-                <a:latin typeface="Trebuchet MS" pitchFamily="34" charset="0"/>
-              </a:rPr>
-              <a:t>Ethics</a:t>
-            </a:r>
-            <a:endParaRPr lang="en-US" dirty="0"/>
-          </a:p>
-          <a:p>
-            <a:pPr marL="457200" lvl="1" indent="-342900">
-              <a:lnSpc>
-                <a:spcPct val="95000"/>
-              </a:lnSpc>
-              <a:spcBef>
-                <a:spcPct val="0"/>
-              </a:spcBef>
-              <a:buClr>
-                <a:srgbClr val="000000"/>
-              </a:buClr>
-              <a:buFontTx/>
-              <a:buChar char="•"/>
-            </a:pPr>
-            <a:r>
-              <a:rPr lang="en-US" sz="2700" dirty="0">
-                <a:solidFill>
-                  <a:srgbClr val="DEDEDE"/>
-                </a:solidFill>
-                <a:latin typeface="Trebuchet MS" pitchFamily="34" charset="0"/>
-              </a:rPr>
-              <a:t>Philosophy</a:t>
-            </a:r>
-            <a:endParaRPr lang="en-US" dirty="0"/>
-          </a:p>
-          <a:p>
-            <a:pPr marL="457200" lvl="1" indent="-342900">
-              <a:lnSpc>
-                <a:spcPct val="95000"/>
-              </a:lnSpc>
-              <a:spcBef>
-                <a:spcPct val="0"/>
-              </a:spcBef>
-              <a:buClr>
-                <a:srgbClr val="000000"/>
-              </a:buClr>
-              <a:buFontTx/>
-              <a:buChar char="•"/>
-            </a:pPr>
-            <a:r>
-              <a:rPr lang="en-US" sz="2700" dirty="0">
-                <a:solidFill>
-                  <a:srgbClr val="DEDEDE"/>
-                </a:solidFill>
-                <a:latin typeface="Trebuchet MS" pitchFamily="34" charset="0"/>
-              </a:rPr>
-              <a:t>Culture</a:t>
-            </a:r>
-            <a:endParaRPr lang="en-US" dirty="0"/>
-          </a:p>
-          <a:p>
-            <a:pPr marL="457200" lvl="1" indent="-342900">
-              <a:lnSpc>
-                <a:spcPct val="95000"/>
-              </a:lnSpc>
-              <a:spcBef>
-                <a:spcPct val="0"/>
-              </a:spcBef>
-              <a:buClr>
-                <a:srgbClr val="000000"/>
-              </a:buClr>
-              <a:buFontTx/>
-              <a:buChar char="•"/>
-            </a:pPr>
-            <a:r>
-              <a:rPr lang="en-US" sz="2700" dirty="0">
-                <a:solidFill>
-                  <a:srgbClr val="DEDEDE"/>
-                </a:solidFill>
-                <a:latin typeface="Trebuchet MS" pitchFamily="34" charset="0"/>
-              </a:rPr>
-              <a:t>Conclusion (including video) </a:t>
-            </a:r>
-            <a:endParaRPr lang="en-US" dirty="0"/>
-          </a:p>
-          <a:p>
-            <a:pPr marL="0" indent="0">
-              <a:lnSpc>
-                <a:spcPct val="95000"/>
-              </a:lnSpc>
-              <a:spcBef>
-                <a:spcPct val="0"/>
-              </a:spcBef>
-              <a:buFontTx/>
-              <a:buNone/>
-            </a:pPr>
-            <a:r>
-              <a:rPr lang="en-US" sz="2700" dirty="0">
-                <a:solidFill>
-                  <a:srgbClr val="DEDEDE"/>
-                </a:solidFill>
-                <a:latin typeface="Trebuchet MS" pitchFamily="34" charset="0"/>
-              </a:rPr>
-              <a:t> </a:t>
-            </a:r>
-          </a:p>
-        </p:txBody>
-      </p:sp>
-    </p:spTree>
-  </p:cSld>
-  <p:clrMapOvr>
-    <a:masterClrMapping/>
-  </p:clrMapOvr>
-</p:sld>
-</file>
-
-<file path=ppt/slides/slide3.xml><?xml version="1.0" encoding="utf-8"?>
-<p:sld xmlns:a="http://schemas.openxmlformats.org/drawingml/2006/main" xmlns:r="http://schemas.openxmlformats.org/officeDocument/2006/relationships" xmlns:p="http://schemas.openxmlformats.org/presentationml/2006/main">
-  <p:cSld>
-    <p:spTree>
-      <p:nvGrpSpPr>
-        <p:cNvPr id="1" name=""/>
-        <p:cNvGrpSpPr/>
-        <p:nvPr/>
-      </p:nvGrpSpPr>
-      <p:grpSpPr>
-        <a:xfrm>
-          <a:off x="0" y="0"/>
-          <a:ext cx="0" cy="0"/>
-          <a:chOff x="0" y="0"/>
-          <a:chExt cx="0" cy="0"/>
-        </a:xfrm>
-      </p:grpSpPr>
-      <p:sp>
-        <p:nvSpPr>
-          <p:cNvPr id="4097" name="Rectangle 1"/>
-          <p:cNvSpPr>
-            <a:spLocks noGrp="1" noChangeArrowheads="1"/>
-          </p:cNvSpPr>
-          <p:nvPr>
-            <p:ph type="title"/>
-          </p:nvPr>
-        </p:nvSpPr>
-        <p:spPr>
-          <a:xfrm>
-            <a:off x="247650" y="304800"/>
-            <a:ext cx="9664700" cy="914400"/>
-          </a:xfrm>
-        </p:spPr>
-        <p:txBody>
-          <a:bodyPr lIns="0" tIns="0" rIns="0" bIns="0" anchor="t"/>
-          <a:lstStyle/>
-          <a:p>
-            <a:pPr algn="l">
-              <a:lnSpc>
-                <a:spcPct val="95000"/>
-              </a:lnSpc>
-            </a:pPr>
-            <a:r>
-              <a:rPr lang="en-US" sz="4300" dirty="0">
-                <a:solidFill>
-                  <a:srgbClr val="DEDEDE"/>
-                </a:solidFill>
-                <a:latin typeface="Trebuchet MS" pitchFamily="34" charset="0"/>
-              </a:rPr>
-              <a:t>History</a:t>
-            </a:r>
-          </a:p>
-        </p:txBody>
-      </p:sp>
-      <p:sp>
-        <p:nvSpPr>
-          <p:cNvPr id="4098" name="Rectangle 2"/>
-          <p:cNvSpPr>
-            <a:spLocks noGrp="1" noChangeArrowheads="1"/>
-          </p:cNvSpPr>
-          <p:nvPr>
-            <p:ph idx="1"/>
-          </p:nvPr>
-        </p:nvSpPr>
-        <p:spPr>
-          <a:xfrm>
-            <a:off x="247650" y="1828800"/>
-            <a:ext cx="9664700" cy="5486400"/>
-          </a:xfrm>
-        </p:spPr>
-        <p:txBody>
-          <a:bodyPr lIns="0" tIns="0" rIns="0" bIns="0"/>
-          <a:lstStyle/>
-          <a:p>
-            <a:pPr marL="457200" lvl="1" indent="-342900">
-              <a:lnSpc>
-                <a:spcPct val="95000"/>
-              </a:lnSpc>
-              <a:spcBef>
-                <a:spcPct val="0"/>
-              </a:spcBef>
-              <a:buClr>
-                <a:srgbClr val="000000"/>
-              </a:buClr>
-              <a:buFontTx/>
-              <a:buChar char="•"/>
-            </a:pPr>
-            <a:r>
-              <a:rPr lang="en-US" sz="2700" dirty="0">
-                <a:solidFill>
-                  <a:srgbClr val="DEDEDE"/>
-                </a:solidFill>
-                <a:latin typeface="Trebuchet MS" pitchFamily="34" charset="0"/>
-              </a:rPr>
-              <a:t>First suggested by Alan Turing in the 1950's</a:t>
-            </a:r>
-          </a:p>
-        </p:txBody>
-      </p:sp>
-    </p:spTree>
-  </p:cSld>
-  <p:clrMapOvr>
-    <a:masterClrMapping/>
-  </p:clrMapOvr>
-</p:sld>
-</file>
-
-<file path=ppt/slides/slide4.xml><?xml version="1.0" encoding="utf-8"?>
-<p:sld xmlns:a="http://schemas.openxmlformats.org/drawingml/2006/main" xmlns:r="http://schemas.openxmlformats.org/officeDocument/2006/relationships" xmlns:p="http://schemas.openxmlformats.org/presentationml/2006/main">
-  <p:cSld>
-    <p:spTree>
-      <p:nvGrpSpPr>
-        <p:cNvPr id="1" name=""/>
-        <p:cNvGrpSpPr/>
-        <p:nvPr/>
-      </p:nvGrpSpPr>
-      <p:grpSpPr>
-        <a:xfrm>
-          <a:off x="0" y="0"/>
-          <a:ext cx="0" cy="0"/>
-          <a:chOff x="0" y="0"/>
-          <a:chExt cx="0" cy="0"/>
-        </a:xfrm>
-      </p:grpSpPr>
-      <p:sp>
-        <p:nvSpPr>
-          <p:cNvPr id="5121" name="Rectangle 1"/>
-          <p:cNvSpPr>
-            <a:spLocks noGrp="1" noChangeArrowheads="1"/>
-          </p:cNvSpPr>
-          <p:nvPr>
-            <p:ph type="title"/>
-          </p:nvPr>
-        </p:nvSpPr>
-        <p:spPr>
-          <a:xfrm>
-            <a:off x="239713" y="296863"/>
-            <a:ext cx="9664700" cy="1357312"/>
-          </a:xfrm>
-        </p:spPr>
-        <p:txBody>
-          <a:bodyPr lIns="0" tIns="0" rIns="0" bIns="0" anchor="t"/>
-          <a:lstStyle/>
-          <a:p>
-            <a:pPr algn="l">
-              <a:lnSpc>
-                <a:spcPct val="95000"/>
-              </a:lnSpc>
-            </a:pPr>
-            <a:r>
-              <a:rPr lang="en-US" sz="4300" dirty="0">
-                <a:solidFill>
-                  <a:srgbClr val="DEDEDE"/>
-                </a:solidFill>
-                <a:latin typeface="Trebuchet MS" pitchFamily="34" charset="0"/>
-              </a:rPr>
-              <a:t>Economics</a:t>
-            </a:r>
-            <a:r>
-              <a:rPr lang="en-US" dirty="0"/>
-              <a:t/>
-            </a:r>
-            <a:br>
-              <a:rPr lang="en-US" dirty="0"/>
-            </a:br>
-            <a:r>
-              <a:rPr lang="en-US" sz="4300" dirty="0">
-                <a:solidFill>
-                  <a:srgbClr val="DEDEDE"/>
-                </a:solidFill>
-                <a:latin typeface="Trebuchet MS" pitchFamily="34" charset="0"/>
-              </a:rPr>
-              <a:t> </a:t>
-            </a:r>
-          </a:p>
-        </p:txBody>
-      </p:sp>
-      <p:pic>
-        <p:nvPicPr>
-          <p:cNvPr id="5124" name="Picture 4"/>
-          <p:cNvPicPr>
-            <a:picLocks noChangeAspect="1" noChangeArrowheads="1"/>
-          </p:cNvPicPr>
-          <p:nvPr/>
-        </p:nvPicPr>
-        <p:blipFill>
-          <a:blip r:embed="rId2"/>
-          <a:srcRect/>
-          <a:stretch>
-            <a:fillRect/>
-          </a:stretch>
-        </p:blipFill>
-        <p:spPr bwMode="auto">
-          <a:xfrm>
-            <a:off x="1565275" y="889000"/>
-            <a:ext cx="30163" cy="6011863"/>
-          </a:xfrm>
-          <a:prstGeom prst="rect">
-            <a:avLst/>
-          </a:prstGeom>
-          <a:noFill/>
-        </p:spPr>
-      </p:pic>
-      <p:pic>
-        <p:nvPicPr>
-          <p:cNvPr id="5125" name="Picture 5"/>
-          <p:cNvPicPr>
-            <a:picLocks noChangeAspect="1" noChangeArrowheads="1"/>
-          </p:cNvPicPr>
-          <p:nvPr/>
-        </p:nvPicPr>
-        <p:blipFill>
-          <a:blip r:embed="rId3"/>
-          <a:srcRect/>
-          <a:stretch>
-            <a:fillRect/>
-          </a:stretch>
-        </p:blipFill>
-        <p:spPr bwMode="auto">
-          <a:xfrm>
-            <a:off x="2336800" y="2032000"/>
-            <a:ext cx="5080000" cy="3810000"/>
-          </a:xfrm>
-          <a:prstGeom prst="rect">
-            <a:avLst/>
-          </a:prstGeom>
-          <a:noFill/>
-        </p:spPr>
-      </p:pic>
-    </p:spTree>
-  </p:cSld>
-  <p:clrMapOvr>
-    <a:masterClrMapping/>
-  </p:clrMapOvr>
-</p:sld>
-</file>
-
-<file path=ppt/slides/slide5.xml><?xml version="1.0" encoding="utf-8"?>
-<p:sld xmlns:a="http://schemas.openxmlformats.org/drawingml/2006/main" xmlns:r="http://schemas.openxmlformats.org/officeDocument/2006/relationships" xmlns:p="http://schemas.openxmlformats.org/presentationml/2006/main">
-  <p:cSld>
-    <p:spTree>
-      <p:nvGrpSpPr>
-        <p:cNvPr id="1" name=""/>
-        <p:cNvGrpSpPr/>
-        <p:nvPr/>
-      </p:nvGrpSpPr>
-      <p:grpSpPr>
-        <a:xfrm>
-          <a:off x="0" y="0"/>
-          <a:ext cx="0" cy="0"/>
-          <a:chOff x="0" y="0"/>
-          <a:chExt cx="0" cy="0"/>
-        </a:xfrm>
-      </p:grpSpPr>
-      <p:sp>
-        <p:nvSpPr>
-          <p:cNvPr id="6145" name="Rectangle 1"/>
-          <p:cNvSpPr>
-            <a:spLocks noGrp="1" noChangeArrowheads="1"/>
-          </p:cNvSpPr>
-          <p:nvPr>
-            <p:ph type="title"/>
-          </p:nvPr>
-        </p:nvSpPr>
-        <p:spPr>
-          <a:xfrm>
-            <a:off x="247650" y="304800"/>
-            <a:ext cx="9664700" cy="914400"/>
-          </a:xfrm>
-        </p:spPr>
-        <p:txBody>
-          <a:bodyPr lIns="0" tIns="0" rIns="0" bIns="0" anchor="t"/>
-          <a:lstStyle/>
-          <a:p>
-            <a:pPr algn="l">
-              <a:lnSpc>
-                <a:spcPct val="95000"/>
-              </a:lnSpc>
-            </a:pPr>
-            <a:r>
-              <a:rPr lang="en-US" sz="4300" dirty="0">
-                <a:solidFill>
-                  <a:srgbClr val="DEDEDE"/>
-                </a:solidFill>
-                <a:latin typeface="Trebuchet MS" pitchFamily="34" charset="0"/>
-              </a:rPr>
-              <a:t>Philosophy</a:t>
-            </a:r>
-          </a:p>
-        </p:txBody>
-      </p:sp>
-      <p:sp>
-        <p:nvSpPr>
-          <p:cNvPr id="6146" name="Rectangle 2"/>
-          <p:cNvSpPr>
-            <a:spLocks noGrp="1" noChangeArrowheads="1"/>
-          </p:cNvSpPr>
-          <p:nvPr>
-            <p:ph idx="1"/>
-          </p:nvPr>
-        </p:nvSpPr>
-        <p:spPr>
-          <a:xfrm>
-            <a:off x="247650" y="1828800"/>
-            <a:ext cx="9664700" cy="5486400"/>
-          </a:xfrm>
-        </p:spPr>
-        <p:txBody>
-          <a:bodyPr lIns="0" tIns="0" rIns="0" bIns="0"/>
-          <a:lstStyle/>
-          <a:p>
-            <a:pPr marL="457200" lvl="1" indent="-342900">
-              <a:lnSpc>
-                <a:spcPct val="95000"/>
-              </a:lnSpc>
-              <a:spcBef>
-                <a:spcPct val="0"/>
-              </a:spcBef>
-              <a:buClr>
-                <a:srgbClr val="000000"/>
-              </a:buClr>
-              <a:buFontTx/>
-              <a:buChar char="•"/>
-            </a:pPr>
-            <a:r>
-              <a:rPr lang="en-US" sz="2700" dirty="0">
-                <a:solidFill>
-                  <a:srgbClr val="DEDEDE"/>
-                </a:solidFill>
-                <a:latin typeface="Trebuchet MS" pitchFamily="34" charset="0"/>
-              </a:rPr>
-              <a:t>All about asking questions, and putting them in context</a:t>
-            </a:r>
-            <a:endParaRPr lang="en-US" dirty="0"/>
-          </a:p>
-          <a:p>
-            <a:pPr marL="0" indent="0">
-              <a:lnSpc>
-                <a:spcPct val="95000"/>
-              </a:lnSpc>
-              <a:spcBef>
-                <a:spcPct val="0"/>
-              </a:spcBef>
-              <a:buFontTx/>
-              <a:buNone/>
-            </a:pPr>
-            <a:r>
-              <a:rPr lang="en-US" sz="2700" dirty="0">
-                <a:solidFill>
-                  <a:srgbClr val="DEDEDE"/>
-                </a:solidFill>
-                <a:latin typeface="Trebuchet MS" pitchFamily="34" charset="0"/>
-              </a:rPr>
-              <a:t> </a:t>
-            </a:r>
-            <a:endParaRPr lang="en-US" dirty="0"/>
-          </a:p>
-          <a:p>
-            <a:pPr marL="0" indent="0">
-              <a:lnSpc>
-                <a:spcPct val="95000"/>
-              </a:lnSpc>
-              <a:spcBef>
-                <a:spcPct val="0"/>
-              </a:spcBef>
-              <a:buFontTx/>
-              <a:buNone/>
-            </a:pPr>
-            <a:r>
-              <a:rPr lang="en-US" sz="2700" dirty="0">
-                <a:solidFill>
-                  <a:srgbClr val="DEDEDE"/>
-                </a:solidFill>
-                <a:latin typeface="Trebuchet MS" pitchFamily="34" charset="0"/>
-              </a:rPr>
-              <a:t> </a:t>
-            </a:r>
-            <a:endParaRPr lang="en-US" dirty="0"/>
-          </a:p>
-          <a:p>
-            <a:pPr marL="457200" lvl="1" indent="-342900">
-              <a:lnSpc>
-                <a:spcPct val="95000"/>
-              </a:lnSpc>
-              <a:spcBef>
-                <a:spcPct val="0"/>
-              </a:spcBef>
-              <a:buClr>
-                <a:srgbClr val="000000"/>
-              </a:buClr>
-              <a:buFontTx/>
-              <a:buChar char="•"/>
-            </a:pPr>
-            <a:r>
-              <a:rPr lang="en-US" sz="2700" dirty="0">
-                <a:solidFill>
-                  <a:srgbClr val="DEDEDE"/>
-                </a:solidFill>
-                <a:latin typeface="Trebuchet MS" pitchFamily="34" charset="0"/>
-              </a:rPr>
-              <a:t>After asking questions, ask how they reflect upon yourself</a:t>
-            </a:r>
-            <a:endParaRPr lang="en-US" dirty="0"/>
-          </a:p>
-          <a:p>
-            <a:pPr marL="457200" lvl="1" indent="-342900">
-              <a:lnSpc>
-                <a:spcPct val="95000"/>
-              </a:lnSpc>
-              <a:spcBef>
-                <a:spcPct val="0"/>
-              </a:spcBef>
-              <a:buClr>
-                <a:srgbClr val="000000"/>
-              </a:buClr>
-              <a:buFontTx/>
-              <a:buChar char="•"/>
-            </a:pPr>
-            <a:r>
-              <a:rPr lang="en-US" sz="2700" dirty="0">
-                <a:solidFill>
-                  <a:srgbClr val="DEDEDE"/>
-                </a:solidFill>
-                <a:latin typeface="Trebuchet MS" pitchFamily="34" charset="0"/>
-              </a:rPr>
-              <a:t>Philosophy asks whether something is true.</a:t>
-            </a:r>
-          </a:p>
-        </p:txBody>
-      </p:sp>
-      <p:pic>
-        <p:nvPicPr>
-          <p:cNvPr id="6148" name="Picture 4"/>
-          <p:cNvPicPr>
-            <a:picLocks noChangeAspect="1" noChangeArrowheads="1"/>
-          </p:cNvPicPr>
-          <p:nvPr/>
-        </p:nvPicPr>
-        <p:blipFill>
-          <a:blip r:embed="rId3"/>
-          <a:srcRect/>
-          <a:stretch>
-            <a:fillRect/>
-          </a:stretch>
-        </p:blipFill>
-        <p:spPr bwMode="auto">
-          <a:xfrm>
-            <a:off x="7207250" y="3546475"/>
-            <a:ext cx="2732088" cy="3856038"/>
-          </a:xfrm>
-          <a:prstGeom prst="rect">
-            <a:avLst/>
-          </a:prstGeom>
-          <a:noFill/>
-        </p:spPr>
-      </p:pic>
-    </p:spTree>
-  </p:cSld>
-  <p:clrMapOvr>
-    <a:masterClrMapping/>
-  </p:clrMapOvr>
-</p:sld>
-</file>
-
-<file path=ppt/slides/slide6.xml><?xml version="1.0" encoding="utf-8"?>
-<p:sld xmlns:a="http://schemas.openxmlformats.org/drawingml/2006/main" xmlns:r="http://schemas.openxmlformats.org/officeDocument/2006/relationships" xmlns:p="http://schemas.openxmlformats.org/presentationml/2006/main">
-  <p:cSld>
-    <p:spTree>
-      <p:nvGrpSpPr>
-        <p:cNvPr id="1" name=""/>
-        <p:cNvGrpSpPr/>
-        <p:nvPr/>
-      </p:nvGrpSpPr>
-      <p:grpSpPr>
-        <a:xfrm>
-          <a:off x="0" y="0"/>
-          <a:ext cx="0" cy="0"/>
-          <a:chOff x="0" y="0"/>
-          <a:chExt cx="0" cy="0"/>
-        </a:xfrm>
-      </p:grpSpPr>
-      <p:sp>
-        <p:nvSpPr>
-          <p:cNvPr id="9217" name="Rectangle 1"/>
-          <p:cNvSpPr>
-            <a:spLocks noGrp="1" noChangeArrowheads="1"/>
-          </p:cNvSpPr>
-          <p:nvPr>
-            <p:ph type="title"/>
-          </p:nvPr>
-        </p:nvSpPr>
-        <p:spPr>
-          <a:xfrm>
-            <a:off x="247650" y="304800"/>
-            <a:ext cx="9664700" cy="914400"/>
-          </a:xfrm>
-        </p:spPr>
-        <p:txBody>
-          <a:bodyPr lIns="0" tIns="0" rIns="0" bIns="0" anchor="t"/>
-          <a:lstStyle/>
-          <a:p>
-            <a:pPr algn="l">
-              <a:lnSpc>
-                <a:spcPct val="95000"/>
-              </a:lnSpc>
-            </a:pPr>
-            <a:r>
-              <a:rPr lang="en-US" sz="4300" dirty="0">
-                <a:solidFill>
-                  <a:srgbClr val="DEDEDE"/>
-                </a:solidFill>
-                <a:latin typeface="Trebuchet MS" pitchFamily="34" charset="0"/>
-              </a:rPr>
-              <a:t>Common Philosophical Questions</a:t>
-            </a:r>
-          </a:p>
-        </p:txBody>
-      </p:sp>
-      <p:sp>
-        <p:nvSpPr>
-          <p:cNvPr id="9218" name="Rectangle 2"/>
-          <p:cNvSpPr>
-            <a:spLocks noGrp="1" noChangeArrowheads="1"/>
-          </p:cNvSpPr>
-          <p:nvPr>
-            <p:ph idx="1"/>
-          </p:nvPr>
-        </p:nvSpPr>
-        <p:spPr>
-          <a:xfrm>
-            <a:off x="247650" y="1828800"/>
-            <a:ext cx="9664700" cy="5486400"/>
-          </a:xfrm>
-        </p:spPr>
-        <p:txBody>
-          <a:bodyPr lIns="0" tIns="0" rIns="0" bIns="0"/>
-          <a:lstStyle/>
-          <a:p>
-            <a:pPr marL="0" indent="0">
-              <a:lnSpc>
-                <a:spcPct val="95000"/>
-              </a:lnSpc>
-              <a:spcBef>
-                <a:spcPct val="0"/>
-              </a:spcBef>
-              <a:buFontTx/>
-              <a:buNone/>
-            </a:pPr>
-            <a:r>
-              <a:rPr lang="en-US" sz="2700" dirty="0">
-                <a:solidFill>
-                  <a:srgbClr val="DEDEDE"/>
-                </a:solidFill>
-                <a:latin typeface="Trebuchet MS" pitchFamily="34" charset="0"/>
-              </a:rPr>
-              <a:t>Can a machine feel emotions?</a:t>
-            </a:r>
-            <a:endParaRPr lang="en-US" dirty="0"/>
-          </a:p>
-          <a:p>
-            <a:pPr marL="0" indent="0">
-              <a:lnSpc>
-                <a:spcPct val="95000"/>
-              </a:lnSpc>
-              <a:spcBef>
-                <a:spcPct val="0"/>
-              </a:spcBef>
-              <a:buFontTx/>
-              <a:buNone/>
-            </a:pPr>
-            <a:endParaRPr lang="en-US" sz="2700" dirty="0">
-              <a:solidFill>
-                <a:srgbClr val="DEDEDE"/>
-              </a:solidFill>
-              <a:latin typeface="Trebuchet MS" pitchFamily="34" charset="0"/>
-            </a:endParaRPr>
-          </a:p>
-          <a:p>
-            <a:pPr marL="0" indent="0">
-              <a:lnSpc>
-                <a:spcPct val="95000"/>
-              </a:lnSpc>
-              <a:spcBef>
-                <a:spcPct val="0"/>
-              </a:spcBef>
-              <a:buFontTx/>
-              <a:buNone/>
-            </a:pPr>
-            <a:r>
-              <a:rPr lang="en-US" sz="2700" dirty="0">
-                <a:solidFill>
-                  <a:srgbClr val="DEDEDE"/>
-                </a:solidFill>
-                <a:latin typeface="Trebuchet MS" pitchFamily="34" charset="0"/>
-              </a:rPr>
-              <a:t>Does an AI have a soul?</a:t>
-            </a:r>
-            <a:endParaRPr lang="en-US" dirty="0"/>
-          </a:p>
-          <a:p>
-            <a:pPr marL="0" indent="0">
-              <a:lnSpc>
-                <a:spcPct val="95000"/>
-              </a:lnSpc>
-              <a:spcBef>
-                <a:spcPct val="0"/>
-              </a:spcBef>
-              <a:buFontTx/>
-              <a:buNone/>
-            </a:pPr>
-            <a:endParaRPr lang="en-US" sz="2700" dirty="0">
-              <a:solidFill>
-                <a:srgbClr val="DEDEDE"/>
-              </a:solidFill>
-              <a:latin typeface="Trebuchet MS" pitchFamily="34" charset="0"/>
-            </a:endParaRPr>
-          </a:p>
-          <a:p>
-            <a:pPr marL="0" indent="0">
-              <a:lnSpc>
-                <a:spcPct val="95000"/>
-              </a:lnSpc>
-              <a:spcBef>
-                <a:spcPct val="0"/>
-              </a:spcBef>
-              <a:buFontTx/>
-              <a:buNone/>
-            </a:pPr>
-            <a:r>
-              <a:rPr lang="en-US" sz="2700" dirty="0">
-                <a:solidFill>
-                  <a:srgbClr val="DEDEDE"/>
-                </a:solidFill>
-                <a:latin typeface="Trebuchet MS" pitchFamily="34" charset="0"/>
-              </a:rPr>
-              <a:t>Is an AI a person?</a:t>
-            </a:r>
-          </a:p>
-        </p:txBody>
-      </p:sp>
-    </p:spTree>
-  </p:cSld>
-  <p:clrMapOvr>
-    <a:masterClrMapping/>
-  </p:clrMapOvr>
-</p:sld>
-</file>
-
-<file path=ppt/slides/slide7.xml><?xml version="1.0" encoding="utf-8"?>
-<p:sld xmlns:a="http://schemas.openxmlformats.org/drawingml/2006/main" xmlns:r="http://schemas.openxmlformats.org/officeDocument/2006/relationships" xmlns:p="http://schemas.openxmlformats.org/presentationml/2006/main">
-  <p:cSld>
-    <p:spTree>
-      <p:nvGrpSpPr>
-        <p:cNvPr id="1" name=""/>
-        <p:cNvGrpSpPr/>
-        <p:nvPr/>
-      </p:nvGrpSpPr>
-      <p:grpSpPr>
-        <a:xfrm>
-          <a:off x="0" y="0"/>
-          <a:ext cx="0" cy="0"/>
-          <a:chOff x="0" y="0"/>
-          <a:chExt cx="0" cy="0"/>
-        </a:xfrm>
-      </p:grpSpPr>
-      <p:sp>
-        <p:nvSpPr>
-          <p:cNvPr id="11265" name="Rectangle 1"/>
-          <p:cNvSpPr>
-            <a:spLocks noGrp="1" noChangeArrowheads="1"/>
-          </p:cNvSpPr>
-          <p:nvPr>
-            <p:ph type="title"/>
-          </p:nvPr>
-        </p:nvSpPr>
-        <p:spPr>
-          <a:xfrm>
-            <a:off x="247650" y="304800"/>
-            <a:ext cx="9664700" cy="914400"/>
-          </a:xfrm>
-        </p:spPr>
-        <p:txBody>
-          <a:bodyPr lIns="0" tIns="0" rIns="0" bIns="0" anchor="t"/>
-          <a:lstStyle/>
-          <a:p>
-            <a:pPr algn="l">
-              <a:lnSpc>
-                <a:spcPct val="95000"/>
-              </a:lnSpc>
-            </a:pPr>
-            <a:r>
-              <a:rPr lang="en-US" sz="4300">
-                <a:solidFill>
-                  <a:srgbClr val="DEDEDE"/>
-                </a:solidFill>
-                <a:latin typeface="Trebuchet MS" pitchFamily="34" charset="0"/>
-              </a:rPr>
-              <a:t>Ethics</a:t>
-            </a:r>
-          </a:p>
-        </p:txBody>
-      </p:sp>
-      <p:sp>
-        <p:nvSpPr>
-          <p:cNvPr id="11266" name="Rectangle 2"/>
-          <p:cNvSpPr>
-            <a:spLocks noGrp="1" noChangeArrowheads="1"/>
-          </p:cNvSpPr>
-          <p:nvPr>
-            <p:ph idx="1"/>
-          </p:nvPr>
-        </p:nvSpPr>
-        <p:spPr>
-          <a:xfrm>
-            <a:off x="247650" y="1828800"/>
-            <a:ext cx="9664700" cy="5486400"/>
-          </a:xfrm>
-        </p:spPr>
-        <p:txBody>
-          <a:bodyPr lIns="0" tIns="0" rIns="0" bIns="0"/>
-          <a:lstStyle/>
-          <a:p>
-            <a:pPr marL="0" indent="0">
-              <a:lnSpc>
-                <a:spcPct val="95000"/>
-              </a:lnSpc>
-              <a:spcBef>
-                <a:spcPct val="0"/>
-              </a:spcBef>
-              <a:buFontTx/>
-              <a:buNone/>
-            </a:pPr>
-            <a:r>
-              <a:rPr lang="en-US" sz="2700">
-                <a:solidFill>
-                  <a:srgbClr val="DEDEDE"/>
-                </a:solidFill>
-                <a:latin typeface="Trebuchet MS" pitchFamily="34" charset="0"/>
-              </a:rPr>
-              <a:t> </a:t>
-            </a:r>
-          </a:p>
-        </p:txBody>
-      </p:sp>
-    </p:spTree>
-  </p:cSld>
-  <p:clrMapOvr>
-    <a:masterClrMapping/>
-  </p:clrMapOvr>
-</p:sld>
-</file>
-
-<file path=ppt/slides/slide8.xml><?xml version="1.0" encoding="utf-8"?>
 <p:sld xmlns:a="http://schemas.openxmlformats.org/drawingml/2006/main" xmlns:r="http://schemas.openxmlformats.org/officeDocument/2006/relationships" xmlns:p="http://schemas.openxmlformats.org/presentationml/2006/main">
   <p:cSld>
     <p:spTree>
@@ -6231,10 +5006,17 @@
   <p:clrMapOvr>
     <a:masterClrMapping/>
   </p:clrMapOvr>
+  <p:timing>
+    <p:tnLst>
+      <p:par>
+        <p:cTn id="1" dur="indefinite" restart="never" nodeType="tmRoot"/>
+      </p:par>
+    </p:tnLst>
+  </p:timing>
 </p:sld>
 </file>
 
-<file path=ppt/slides/slide9.xml><?xml version="1.0" encoding="utf-8"?>
+<file path=ppt/slides/slide11.xml><?xml version="1.0" encoding="utf-8"?>
 <p:sld xmlns:a="http://schemas.openxmlformats.org/drawingml/2006/main" xmlns:r="http://schemas.openxmlformats.org/officeDocument/2006/relationships" xmlns:p="http://schemas.openxmlformats.org/presentationml/2006/main">
   <p:cSld>
     <p:spTree>
@@ -6481,6 +5263,1986 @@
   <p:clrMapOvr>
     <a:masterClrMapping/>
   </p:clrMapOvr>
+  <p:timing>
+    <p:tnLst>
+      <p:par>
+        <p:cTn id="1" dur="indefinite" restart="never" nodeType="tmRoot"/>
+      </p:par>
+    </p:tnLst>
+  </p:timing>
+</p:sld>
+</file>
+
+<file path=ppt/slides/slide12.xml><?xml version="1.0" encoding="utf-8"?>
+<p:sld xmlns:a="http://schemas.openxmlformats.org/drawingml/2006/main" xmlns:r="http://schemas.openxmlformats.org/officeDocument/2006/relationships" xmlns:p="http://schemas.openxmlformats.org/presentationml/2006/main">
+  <p:cSld>
+    <p:spTree>
+      <p:nvGrpSpPr>
+        <p:cNvPr id="1" name=""/>
+        <p:cNvGrpSpPr/>
+        <p:nvPr/>
+      </p:nvGrpSpPr>
+      <p:grpSpPr>
+        <a:xfrm>
+          <a:off x="0" y="0"/>
+          <a:ext cx="0" cy="0"/>
+          <a:chOff x="0" y="0"/>
+          <a:chExt cx="0" cy="0"/>
+        </a:xfrm>
+      </p:grpSpPr>
+      <p:pic>
+        <p:nvPicPr>
+          <p:cNvPr id="14340" name="Picture 4"/>
+          <p:cNvPicPr>
+            <a:picLocks noChangeAspect="1" noChangeArrowheads="1"/>
+          </p:cNvPicPr>
+          <p:nvPr/>
+        </p:nvPicPr>
+        <p:blipFill>
+          <a:blip r:embed="rId2"/>
+          <a:srcRect/>
+          <a:stretch>
+            <a:fillRect/>
+          </a:stretch>
+        </p:blipFill>
+        <p:spPr bwMode="auto">
+          <a:xfrm>
+            <a:off x="0" y="0"/>
+            <a:ext cx="10201275" cy="7666038"/>
+          </a:xfrm>
+          <a:prstGeom prst="rect">
+            <a:avLst/>
+          </a:prstGeom>
+          <a:noFill/>
+        </p:spPr>
+      </p:pic>
+    </p:spTree>
+  </p:cSld>
+  <p:clrMapOvr>
+    <a:masterClrMapping/>
+  </p:clrMapOvr>
+  <p:timing>
+    <p:tnLst>
+      <p:par>
+        <p:cTn id="1" dur="indefinite" restart="never" nodeType="tmRoot"/>
+      </p:par>
+    </p:tnLst>
+  </p:timing>
+</p:sld>
+</file>
+
+<file path=ppt/slides/slide13.xml><?xml version="1.0" encoding="utf-8"?>
+<p:sld xmlns:a="http://schemas.openxmlformats.org/drawingml/2006/main" xmlns:r="http://schemas.openxmlformats.org/officeDocument/2006/relationships" xmlns:p="http://schemas.openxmlformats.org/presentationml/2006/main">
+  <p:cSld>
+    <p:spTree>
+      <p:nvGrpSpPr>
+        <p:cNvPr id="1" name=""/>
+        <p:cNvGrpSpPr/>
+        <p:nvPr/>
+      </p:nvGrpSpPr>
+      <p:grpSpPr>
+        <a:xfrm>
+          <a:off x="0" y="0"/>
+          <a:ext cx="0" cy="0"/>
+          <a:chOff x="0" y="0"/>
+          <a:chExt cx="0" cy="0"/>
+        </a:xfrm>
+      </p:grpSpPr>
+      <p:sp>
+        <p:nvSpPr>
+          <p:cNvPr id="15361" name="Rectangle 1"/>
+          <p:cNvSpPr>
+            <a:spLocks noGrp="1" noChangeArrowheads="1"/>
+          </p:cNvSpPr>
+          <p:nvPr>
+            <p:ph type="title"/>
+          </p:nvPr>
+        </p:nvSpPr>
+        <p:spPr>
+          <a:xfrm>
+            <a:off x="247650" y="304800"/>
+            <a:ext cx="9664700" cy="914400"/>
+          </a:xfrm>
+        </p:spPr>
+        <p:txBody>
+          <a:bodyPr lIns="0" tIns="0" rIns="0" bIns="0" anchor="t"/>
+          <a:lstStyle/>
+          <a:p>
+            <a:pPr algn="l">
+              <a:lnSpc>
+                <a:spcPct val="95000"/>
+              </a:lnSpc>
+            </a:pPr>
+            <a:r>
+              <a:rPr lang="en-US" sz="4300">
+                <a:solidFill>
+                  <a:srgbClr val="DEDEDE"/>
+                </a:solidFill>
+                <a:latin typeface="Trebuchet MS" pitchFamily="34" charset="0"/>
+              </a:rPr>
+              <a:t>Conclusion</a:t>
+            </a:r>
+          </a:p>
+        </p:txBody>
+      </p:sp>
+      <p:sp>
+        <p:nvSpPr>
+          <p:cNvPr id="15362" name="Rectangle 2"/>
+          <p:cNvSpPr>
+            <a:spLocks noGrp="1" noChangeArrowheads="1"/>
+          </p:cNvSpPr>
+          <p:nvPr>
+            <p:ph idx="1"/>
+          </p:nvPr>
+        </p:nvSpPr>
+        <p:spPr>
+          <a:xfrm>
+            <a:off x="247650" y="1828800"/>
+            <a:ext cx="9664700" cy="5486400"/>
+          </a:xfrm>
+        </p:spPr>
+        <p:txBody>
+          <a:bodyPr lIns="0" tIns="0" rIns="0" bIns="0"/>
+          <a:lstStyle/>
+          <a:p>
+            <a:pPr marL="0" indent="0">
+              <a:lnSpc>
+                <a:spcPct val="95000"/>
+              </a:lnSpc>
+              <a:spcBef>
+                <a:spcPct val="0"/>
+              </a:spcBef>
+              <a:buFontTx/>
+              <a:buNone/>
+            </a:pPr>
+            <a:r>
+              <a:rPr lang="en-US" sz="2700">
+                <a:solidFill>
+                  <a:srgbClr val="DEDEDE"/>
+                </a:solidFill>
+                <a:latin typeface="Trebuchet MS" pitchFamily="34" charset="0"/>
+              </a:rPr>
+              <a:t> </a:t>
+            </a:r>
+          </a:p>
+        </p:txBody>
+      </p:sp>
+    </p:spTree>
+  </p:cSld>
+  <p:clrMapOvr>
+    <a:masterClrMapping/>
+  </p:clrMapOvr>
+  <p:timing>
+    <p:tnLst>
+      <p:par>
+        <p:cTn id="1" dur="indefinite" restart="never" nodeType="tmRoot"/>
+      </p:par>
+    </p:tnLst>
+  </p:timing>
+</p:sld>
+</file>
+
+<file path=ppt/slides/slide14.xml><?xml version="1.0" encoding="utf-8"?>
+<p:sld xmlns:a="http://schemas.openxmlformats.org/drawingml/2006/main" xmlns:r="http://schemas.openxmlformats.org/officeDocument/2006/relationships" xmlns:p="http://schemas.openxmlformats.org/presentationml/2006/main">
+  <p:cSld>
+    <p:spTree>
+      <p:nvGrpSpPr>
+        <p:cNvPr id="1" name=""/>
+        <p:cNvGrpSpPr/>
+        <p:nvPr/>
+      </p:nvGrpSpPr>
+      <p:grpSpPr>
+        <a:xfrm>
+          <a:off x="0" y="0"/>
+          <a:ext cx="0" cy="0"/>
+          <a:chOff x="0" y="0"/>
+          <a:chExt cx="0" cy="0"/>
+        </a:xfrm>
+      </p:grpSpPr>
+      <p:sp>
+        <p:nvSpPr>
+          <p:cNvPr id="16385" name="Rectangle 1"/>
+          <p:cNvSpPr>
+            <a:spLocks noGrp="1" noChangeArrowheads="1"/>
+          </p:cNvSpPr>
+          <p:nvPr>
+            <p:ph type="title"/>
+          </p:nvPr>
+        </p:nvSpPr>
+        <p:spPr>
+          <a:xfrm>
+            <a:off x="247650" y="304800"/>
+            <a:ext cx="9664700" cy="914400"/>
+          </a:xfrm>
+        </p:spPr>
+        <p:txBody>
+          <a:bodyPr lIns="0" tIns="0" rIns="0" bIns="0" anchor="t"/>
+          <a:lstStyle/>
+          <a:p>
+            <a:pPr algn="l">
+              <a:lnSpc>
+                <a:spcPct val="95000"/>
+              </a:lnSpc>
+            </a:pPr>
+            <a:r>
+              <a:rPr lang="en-US" sz="4300">
+                <a:solidFill>
+                  <a:srgbClr val="DEDEDE"/>
+                </a:solidFill>
+                <a:latin typeface="Trebuchet MS" pitchFamily="34" charset="0"/>
+              </a:rPr>
+              <a:t>References</a:t>
+            </a:r>
+          </a:p>
+        </p:txBody>
+      </p:sp>
+      <p:sp>
+        <p:nvSpPr>
+          <p:cNvPr id="16386" name="Rectangle 2"/>
+          <p:cNvSpPr>
+            <a:spLocks noGrp="1" noChangeArrowheads="1"/>
+          </p:cNvSpPr>
+          <p:nvPr>
+            <p:ph idx="1"/>
+          </p:nvPr>
+        </p:nvSpPr>
+        <p:spPr>
+          <a:xfrm>
+            <a:off x="247650" y="1828800"/>
+            <a:ext cx="9664700" cy="5486400"/>
+          </a:xfrm>
+        </p:spPr>
+        <p:txBody>
+          <a:bodyPr lIns="0" tIns="0" rIns="0" bIns="0"/>
+          <a:lstStyle/>
+          <a:p>
+            <a:pPr marL="0" indent="0">
+              <a:lnSpc>
+                <a:spcPct val="95000"/>
+              </a:lnSpc>
+              <a:spcBef>
+                <a:spcPct val="0"/>
+              </a:spcBef>
+              <a:buFontTx/>
+              <a:buNone/>
+            </a:pPr>
+            <a:r>
+              <a:rPr lang="en-US" sz="2700">
+                <a:solidFill>
+                  <a:srgbClr val="DEDEDE"/>
+                </a:solidFill>
+                <a:latin typeface="Trebuchet MS" pitchFamily="34" charset="0"/>
+              </a:rPr>
+              <a:t>Economics Image: </a:t>
+            </a:r>
+            <a:r>
+              <a:rPr lang="en-US" sz="2700" u="sng">
+                <a:solidFill>
+                  <a:srgbClr val="0384BF"/>
+                </a:solidFill>
+                <a:latin typeface="Trebuchet MS" pitchFamily="34" charset="0"/>
+                <a:hlinkClick r:id="rId2"/>
+              </a:rPr>
+              <a:t>http://warning.zoned.dk/</a:t>
+            </a:r>
+            <a:endParaRPr lang="en-US" sz="2700" u="sng">
+              <a:solidFill>
+                <a:srgbClr val="0384BF"/>
+              </a:solidFill>
+              <a:latin typeface="Trebuchet MS" pitchFamily="34" charset="0"/>
+            </a:endParaRPr>
+          </a:p>
+        </p:txBody>
+      </p:sp>
+    </p:spTree>
+  </p:cSld>
+  <p:clrMapOvr>
+    <a:masterClrMapping/>
+  </p:clrMapOvr>
+  <p:timing>
+    <p:tnLst>
+      <p:par>
+        <p:cTn id="1" dur="indefinite" restart="never" nodeType="tmRoot"/>
+      </p:par>
+    </p:tnLst>
+  </p:timing>
+</p:sld>
+</file>
+
+<file path=ppt/slides/slide2.xml><?xml version="1.0" encoding="utf-8"?>
+<p:sld xmlns:a="http://schemas.openxmlformats.org/drawingml/2006/main" xmlns:r="http://schemas.openxmlformats.org/officeDocument/2006/relationships" xmlns:p="http://schemas.openxmlformats.org/presentationml/2006/main">
+  <p:cSld>
+    <p:spTree>
+      <p:nvGrpSpPr>
+        <p:cNvPr id="1" name=""/>
+        <p:cNvGrpSpPr/>
+        <p:nvPr/>
+      </p:nvGrpSpPr>
+      <p:grpSpPr>
+        <a:xfrm>
+          <a:off x="0" y="0"/>
+          <a:ext cx="0" cy="0"/>
+          <a:chOff x="0" y="0"/>
+          <a:chExt cx="0" cy="0"/>
+        </a:xfrm>
+      </p:grpSpPr>
+      <p:sp>
+        <p:nvSpPr>
+          <p:cNvPr id="3073" name="Rectangle 1"/>
+          <p:cNvSpPr>
+            <a:spLocks noGrp="1" noChangeArrowheads="1"/>
+          </p:cNvSpPr>
+          <p:nvPr>
+            <p:ph type="title"/>
+          </p:nvPr>
+        </p:nvSpPr>
+        <p:spPr>
+          <a:xfrm>
+            <a:off x="247650" y="304800"/>
+            <a:ext cx="9664700" cy="914400"/>
+          </a:xfrm>
+        </p:spPr>
+        <p:txBody>
+          <a:bodyPr lIns="0" tIns="0" rIns="0" bIns="0" anchor="t"/>
+          <a:lstStyle/>
+          <a:p>
+            <a:pPr algn="l">
+              <a:lnSpc>
+                <a:spcPct val="95000"/>
+              </a:lnSpc>
+            </a:pPr>
+            <a:r>
+              <a:rPr lang="en-US" sz="4300" dirty="0">
+                <a:solidFill>
+                  <a:srgbClr val="DEDEDE"/>
+                </a:solidFill>
+                <a:latin typeface="Trebuchet MS" pitchFamily="34" charset="0"/>
+              </a:rPr>
+              <a:t>Overview</a:t>
+            </a:r>
+          </a:p>
+        </p:txBody>
+      </p:sp>
+      <p:sp>
+        <p:nvSpPr>
+          <p:cNvPr id="3074" name="Rectangle 2"/>
+          <p:cNvSpPr>
+            <a:spLocks noGrp="1" noChangeArrowheads="1"/>
+          </p:cNvSpPr>
+          <p:nvPr>
+            <p:ph idx="1"/>
+          </p:nvPr>
+        </p:nvSpPr>
+        <p:spPr>
+          <a:xfrm>
+            <a:off x="247650" y="1828800"/>
+            <a:ext cx="9664700" cy="5486400"/>
+          </a:xfrm>
+        </p:spPr>
+        <p:txBody>
+          <a:bodyPr lIns="0" tIns="0" rIns="0" bIns="0"/>
+          <a:lstStyle/>
+          <a:p>
+            <a:pPr marL="457200" lvl="1" indent="-342900">
+              <a:lnSpc>
+                <a:spcPct val="95000"/>
+              </a:lnSpc>
+              <a:spcBef>
+                <a:spcPct val="0"/>
+              </a:spcBef>
+              <a:buClr>
+                <a:srgbClr val="000000"/>
+              </a:buClr>
+              <a:buFontTx/>
+              <a:buChar char="•"/>
+            </a:pPr>
+            <a:r>
+              <a:rPr lang="en-US" sz="2700" dirty="0" smtClean="0">
+                <a:solidFill>
+                  <a:srgbClr val="DEDEDE"/>
+                </a:solidFill>
+                <a:latin typeface="Trebuchet MS" pitchFamily="34" charset="0"/>
+              </a:rPr>
+              <a:t>Definition</a:t>
+            </a:r>
+          </a:p>
+          <a:p>
+            <a:pPr marL="457200" lvl="1" indent="-342900">
+              <a:lnSpc>
+                <a:spcPct val="95000"/>
+              </a:lnSpc>
+              <a:spcBef>
+                <a:spcPct val="0"/>
+              </a:spcBef>
+              <a:buClr>
+                <a:srgbClr val="000000"/>
+              </a:buClr>
+              <a:buFontTx/>
+              <a:buChar char="•"/>
+            </a:pPr>
+            <a:r>
+              <a:rPr lang="en-US" sz="2700" dirty="0" smtClean="0">
+                <a:solidFill>
+                  <a:srgbClr val="DEDEDE"/>
+                </a:solidFill>
+                <a:latin typeface="Trebuchet MS" pitchFamily="34" charset="0"/>
+              </a:rPr>
+              <a:t>History</a:t>
+            </a:r>
+            <a:endParaRPr lang="en-US" dirty="0"/>
+          </a:p>
+          <a:p>
+            <a:pPr marL="457200" lvl="1" indent="-342900">
+              <a:lnSpc>
+                <a:spcPct val="95000"/>
+              </a:lnSpc>
+              <a:spcBef>
+                <a:spcPct val="0"/>
+              </a:spcBef>
+              <a:buClr>
+                <a:srgbClr val="000000"/>
+              </a:buClr>
+              <a:buFontTx/>
+              <a:buChar char="•"/>
+            </a:pPr>
+            <a:r>
+              <a:rPr lang="en-US" sz="2700" dirty="0">
+                <a:solidFill>
+                  <a:srgbClr val="DEDEDE"/>
+                </a:solidFill>
+                <a:latin typeface="Trebuchet MS" pitchFamily="34" charset="0"/>
+              </a:rPr>
+              <a:t>Economics</a:t>
+            </a:r>
+            <a:endParaRPr lang="en-US" dirty="0"/>
+          </a:p>
+          <a:p>
+            <a:pPr marL="457200" lvl="1" indent="-342900">
+              <a:lnSpc>
+                <a:spcPct val="95000"/>
+              </a:lnSpc>
+              <a:spcBef>
+                <a:spcPct val="0"/>
+              </a:spcBef>
+              <a:buClr>
+                <a:srgbClr val="000000"/>
+              </a:buClr>
+              <a:buFontTx/>
+              <a:buChar char="•"/>
+            </a:pPr>
+            <a:r>
+              <a:rPr lang="en-US" sz="2700" dirty="0" smtClean="0">
+                <a:solidFill>
+                  <a:srgbClr val="DEDEDE"/>
+                </a:solidFill>
+                <a:latin typeface="Trebuchet MS" pitchFamily="34" charset="0"/>
+              </a:rPr>
+              <a:t>Philosophy</a:t>
+            </a:r>
+          </a:p>
+          <a:p>
+            <a:pPr marL="457200" lvl="1" indent="-342900">
+              <a:lnSpc>
+                <a:spcPct val="95000"/>
+              </a:lnSpc>
+              <a:spcBef>
+                <a:spcPct val="0"/>
+              </a:spcBef>
+              <a:buClr>
+                <a:srgbClr val="000000"/>
+              </a:buClr>
+              <a:buFontTx/>
+              <a:buChar char="•"/>
+            </a:pPr>
+            <a:r>
+              <a:rPr lang="en-US" sz="2800" dirty="0" smtClean="0">
+                <a:solidFill>
+                  <a:srgbClr val="DEDEDE"/>
+                </a:solidFill>
+                <a:latin typeface="Trebuchet MS" pitchFamily="34" charset="0"/>
+              </a:rPr>
+              <a:t>Ethics</a:t>
+            </a:r>
+            <a:endParaRPr lang="en-US" sz="2800" dirty="0"/>
+          </a:p>
+          <a:p>
+            <a:pPr marL="457200" lvl="1" indent="-342900">
+              <a:lnSpc>
+                <a:spcPct val="95000"/>
+              </a:lnSpc>
+              <a:spcBef>
+                <a:spcPct val="0"/>
+              </a:spcBef>
+              <a:buClr>
+                <a:srgbClr val="000000"/>
+              </a:buClr>
+              <a:buFontTx/>
+              <a:buChar char="•"/>
+            </a:pPr>
+            <a:r>
+              <a:rPr lang="en-US" sz="2700" dirty="0">
+                <a:solidFill>
+                  <a:srgbClr val="DEDEDE"/>
+                </a:solidFill>
+                <a:latin typeface="Trebuchet MS" pitchFamily="34" charset="0"/>
+              </a:rPr>
+              <a:t>Culture</a:t>
+            </a:r>
+            <a:endParaRPr lang="en-US" dirty="0"/>
+          </a:p>
+          <a:p>
+            <a:pPr marL="457200" lvl="1" indent="-342900">
+              <a:lnSpc>
+                <a:spcPct val="95000"/>
+              </a:lnSpc>
+              <a:spcBef>
+                <a:spcPct val="0"/>
+              </a:spcBef>
+              <a:buClr>
+                <a:srgbClr val="000000"/>
+              </a:buClr>
+              <a:buFontTx/>
+              <a:buChar char="•"/>
+            </a:pPr>
+            <a:r>
+              <a:rPr lang="en-US" sz="2700" dirty="0" smtClean="0">
+                <a:solidFill>
+                  <a:srgbClr val="DEDEDE"/>
+                </a:solidFill>
+                <a:latin typeface="Trebuchet MS" pitchFamily="34" charset="0"/>
+              </a:rPr>
+              <a:t>Conclusion </a:t>
+            </a:r>
+            <a:endParaRPr lang="en-US" dirty="0"/>
+          </a:p>
+          <a:p>
+            <a:pPr marL="0" indent="0">
+              <a:lnSpc>
+                <a:spcPct val="95000"/>
+              </a:lnSpc>
+              <a:spcBef>
+                <a:spcPct val="0"/>
+              </a:spcBef>
+              <a:buFontTx/>
+              <a:buNone/>
+            </a:pPr>
+            <a:r>
+              <a:rPr lang="en-US" sz="2700" dirty="0">
+                <a:solidFill>
+                  <a:srgbClr val="DEDEDE"/>
+                </a:solidFill>
+                <a:latin typeface="Trebuchet MS" pitchFamily="34" charset="0"/>
+              </a:rPr>
+              <a:t> </a:t>
+            </a:r>
+          </a:p>
+        </p:txBody>
+      </p:sp>
+    </p:spTree>
+  </p:cSld>
+  <p:clrMapOvr>
+    <a:masterClrMapping/>
+  </p:clrMapOvr>
+  <p:timing>
+    <p:tnLst>
+      <p:par>
+        <p:cTn id="1" dur="indefinite" restart="never" nodeType="tmRoot"/>
+      </p:par>
+    </p:tnLst>
+  </p:timing>
+</p:sld>
+</file>
+
+<file path=ppt/slides/slide3.xml><?xml version="1.0" encoding="utf-8"?>
+<p:sld xmlns:a="http://schemas.openxmlformats.org/drawingml/2006/main" xmlns:r="http://schemas.openxmlformats.org/officeDocument/2006/relationships" xmlns:p="http://schemas.openxmlformats.org/presentationml/2006/main">
+  <p:cSld>
+    <p:spTree>
+      <p:nvGrpSpPr>
+        <p:cNvPr id="1" name=""/>
+        <p:cNvGrpSpPr/>
+        <p:nvPr/>
+      </p:nvGrpSpPr>
+      <p:grpSpPr>
+        <a:xfrm>
+          <a:off x="0" y="0"/>
+          <a:ext cx="0" cy="0"/>
+          <a:chOff x="0" y="0"/>
+          <a:chExt cx="0" cy="0"/>
+        </a:xfrm>
+      </p:grpSpPr>
+      <p:sp>
+        <p:nvSpPr>
+          <p:cNvPr id="2" name="Title 1"/>
+          <p:cNvSpPr>
+            <a:spLocks noGrp="1"/>
+          </p:cNvSpPr>
+          <p:nvPr>
+            <p:ph type="title"/>
+          </p:nvPr>
+        </p:nvSpPr>
+        <p:spPr/>
+        <p:txBody>
+          <a:bodyPr/>
+          <a:lstStyle/>
+          <a:p>
+            <a:endParaRPr lang="en-US"/>
+          </a:p>
+        </p:txBody>
+      </p:sp>
+      <p:pic>
+        <p:nvPicPr>
+          <p:cNvPr id="4" name="AI fictional media.wmv">
+            <a:hlinkClick r:id="" action="ppaction://media"/>
+          </p:cNvPr>
+          <p:cNvPicPr>
+            <a:picLocks noGrp="1" noRot="1" noChangeAspect="1"/>
+          </p:cNvPicPr>
+          <p:nvPr>
+            <p:ph idx="1"/>
+            <a:videoFile r:link="rId1"/>
+          </p:nvPr>
+        </p:nvPicPr>
+        <p:blipFill>
+          <a:blip r:embed="rId3"/>
+          <a:stretch>
+            <a:fillRect/>
+          </a:stretch>
+        </p:blipFill>
+        <p:spPr>
+          <a:xfrm>
+            <a:off x="0" y="0"/>
+            <a:ext cx="10160000" cy="7620000"/>
+          </a:xfrm>
+          <a:prstGeom prst="rect">
+            <a:avLst/>
+          </a:prstGeom>
+        </p:spPr>
+      </p:pic>
+    </p:spTree>
+  </p:cSld>
+  <p:clrMapOvr>
+    <a:masterClrMapping/>
+  </p:clrMapOvr>
+  <p:timing>
+    <p:tnLst>
+      <p:par>
+        <p:cTn id="1" dur="indefinite" restart="never" nodeType="tmRoot">
+          <p:childTnLst>
+            <p:seq concurrent="1" nextAc="seek">
+              <p:cTn id="2" dur="indefinite" nodeType="mainSeq">
+                <p:childTnLst>
+                  <p:par>
+                    <p:cTn id="3" fill="hold">
+                      <p:stCondLst>
+                        <p:cond delay="indefinite"/>
+                        <p:cond evt="onBegin" delay="0">
+                          <p:tn val="2"/>
+                        </p:cond>
+                      </p:stCondLst>
+                      <p:childTnLst>
+                        <p:par>
+                          <p:cTn id="4" fill="hold">
+                            <p:stCondLst>
+                              <p:cond delay="0"/>
+                            </p:stCondLst>
+                            <p:childTnLst>
+                              <p:par>
+                                <p:cTn id="5" presetID="1" presetClass="mediacall" presetSubtype="0" fill="hold" nodeType="afterEffect">
+                                  <p:stCondLst>
+                                    <p:cond delay="0"/>
+                                  </p:stCondLst>
+                                  <p:childTnLst>
+                                    <p:cmd type="call" cmd="playFrom(0.0)">
+                                      <p:cBhvr>
+                                        <p:cTn id="6" dur="235435" fill="hold"/>
+                                        <p:tgtEl>
+                                          <p:spTgt spid="4"/>
+                                        </p:tgtEl>
+                                      </p:cBhvr>
+                                    </p:cmd>
+                                  </p:childTnLst>
+                                </p:cTn>
+                              </p:par>
+                            </p:childTnLst>
+                          </p:cTn>
+                        </p:par>
+                      </p:childTnLst>
+                    </p:cTn>
+                  </p:par>
+                </p:childTnLst>
+              </p:cTn>
+              <p:prevCondLst>
+                <p:cond evt="onPrev" delay="0">
+                  <p:tgtEl>
+                    <p:sldTgt/>
+                  </p:tgtEl>
+                </p:cond>
+              </p:prevCondLst>
+              <p:nextCondLst>
+                <p:cond evt="onNext" delay="0">
+                  <p:tgtEl>
+                    <p:sldTgt/>
+                  </p:tgtEl>
+                </p:cond>
+              </p:nextCondLst>
+            </p:seq>
+            <p:video>
+              <p:cMediaNode>
+                <p:cTn id="7" fill="hold" display="0">
+                  <p:stCondLst>
+                    <p:cond delay="indefinite"/>
+                  </p:stCondLst>
+                  <p:endCondLst>
+                    <p:cond evt="onNext" delay="0">
+                      <p:tgtEl>
+                        <p:sldTgt/>
+                      </p:tgtEl>
+                    </p:cond>
+                    <p:cond evt="onPrev" delay="0">
+                      <p:tgtEl>
+                        <p:sldTgt/>
+                      </p:tgtEl>
+                    </p:cond>
+                  </p:endCondLst>
+                </p:cTn>
+                <p:tgtEl>
+                  <p:spTgt spid="4"/>
+                </p:tgtEl>
+              </p:cMediaNode>
+            </p:video>
+            <p:seq concurrent="1" nextAc="seek">
+              <p:cTn id="8" restart="whenNotActive" fill="hold" evtFilter="cancelBubble" nodeType="interactiveSeq">
+                <p:stCondLst>
+                  <p:cond evt="onClick" delay="0">
+                    <p:tgtEl>
+                      <p:spTgt spid="4"/>
+                    </p:tgtEl>
+                  </p:cond>
+                </p:stCondLst>
+                <p:endSync evt="end" delay="0">
+                  <p:rtn val="all"/>
+                </p:endSync>
+                <p:childTnLst>
+                  <p:par>
+                    <p:cTn id="9" fill="hold">
+                      <p:stCondLst>
+                        <p:cond delay="0"/>
+                      </p:stCondLst>
+                      <p:childTnLst>
+                        <p:par>
+                          <p:cTn id="10" fill="hold">
+                            <p:stCondLst>
+                              <p:cond delay="0"/>
+                            </p:stCondLst>
+                            <p:childTnLst>
+                              <p:par>
+                                <p:cTn id="11" presetID="2" presetClass="mediacall" presetSubtype="0" fill="hold" nodeType="clickEffect">
+                                  <p:stCondLst>
+                                    <p:cond delay="0"/>
+                                  </p:stCondLst>
+                                  <p:childTnLst>
+                                    <p:cmd type="call" cmd="togglePause">
+                                      <p:cBhvr>
+                                        <p:cTn id="12" dur="1" fill="hold"/>
+                                        <p:tgtEl>
+                                          <p:spTgt spid="4"/>
+                                        </p:tgtEl>
+                                      </p:cBhvr>
+                                    </p:cmd>
+                                  </p:childTnLst>
+                                </p:cTn>
+                              </p:par>
+                            </p:childTnLst>
+                          </p:cTn>
+                        </p:par>
+                      </p:childTnLst>
+                    </p:cTn>
+                  </p:par>
+                </p:childTnLst>
+              </p:cTn>
+              <p:nextCondLst>
+                <p:cond evt="onClick" delay="0">
+                  <p:tgtEl>
+                    <p:spTgt spid="4"/>
+                  </p:tgtEl>
+                </p:cond>
+              </p:nextCondLst>
+            </p:seq>
+          </p:childTnLst>
+        </p:cTn>
+      </p:par>
+    </p:tnLst>
+  </p:timing>
+</p:sld>
+</file>
+
+<file path=ppt/slides/slide4.xml><?xml version="1.0" encoding="utf-8"?>
+<p:sld xmlns:a="http://schemas.openxmlformats.org/drawingml/2006/main" xmlns:r="http://schemas.openxmlformats.org/officeDocument/2006/relationships" xmlns:p="http://schemas.openxmlformats.org/presentationml/2006/main">
+  <p:cSld>
+    <p:spTree>
+      <p:nvGrpSpPr>
+        <p:cNvPr id="1" name=""/>
+        <p:cNvGrpSpPr/>
+        <p:nvPr/>
+      </p:nvGrpSpPr>
+      <p:grpSpPr>
+        <a:xfrm>
+          <a:off x="0" y="0"/>
+          <a:ext cx="0" cy="0"/>
+          <a:chOff x="0" y="0"/>
+          <a:chExt cx="0" cy="0"/>
+        </a:xfrm>
+      </p:grpSpPr>
+      <p:sp>
+        <p:nvSpPr>
+          <p:cNvPr id="2" name="Title 1"/>
+          <p:cNvSpPr>
+            <a:spLocks noGrp="1"/>
+          </p:cNvSpPr>
+          <p:nvPr>
+            <p:ph type="title"/>
+          </p:nvPr>
+        </p:nvSpPr>
+        <p:spPr/>
+        <p:txBody>
+          <a:bodyPr/>
+          <a:lstStyle/>
+          <a:p>
+            <a:r>
+              <a:rPr lang="en-US" dirty="0" smtClean="0"/>
+              <a:t>Definition</a:t>
+            </a:r>
+            <a:endParaRPr lang="en-US" dirty="0"/>
+          </a:p>
+        </p:txBody>
+      </p:sp>
+      <p:sp>
+        <p:nvSpPr>
+          <p:cNvPr id="3" name="Content Placeholder 2"/>
+          <p:cNvSpPr>
+            <a:spLocks noGrp="1"/>
+          </p:cNvSpPr>
+          <p:nvPr>
+            <p:ph idx="1"/>
+          </p:nvPr>
+        </p:nvSpPr>
+        <p:spPr/>
+        <p:txBody>
+          <a:bodyPr/>
+          <a:lstStyle/>
+          <a:p>
+            <a:r>
+              <a:rPr lang="en-US" dirty="0" err="1" smtClean="0"/>
+              <a:t>blarg</a:t>
+            </a:r>
+            <a:endParaRPr lang="en-US" dirty="0"/>
+          </a:p>
+        </p:txBody>
+      </p:sp>
+    </p:spTree>
+  </p:cSld>
+  <p:clrMapOvr>
+    <a:masterClrMapping/>
+  </p:clrMapOvr>
+  <p:timing>
+    <p:tnLst>
+      <p:par>
+        <p:cTn id="1" dur="indefinite" restart="never" nodeType="tmRoot"/>
+      </p:par>
+    </p:tnLst>
+  </p:timing>
+</p:sld>
+</file>
+
+<file path=ppt/slides/slide5.xml><?xml version="1.0" encoding="utf-8"?>
+<p:sld xmlns:a="http://schemas.openxmlformats.org/drawingml/2006/main" xmlns:r="http://schemas.openxmlformats.org/officeDocument/2006/relationships" xmlns:p="http://schemas.openxmlformats.org/presentationml/2006/main">
+  <p:cSld>
+    <p:spTree>
+      <p:nvGrpSpPr>
+        <p:cNvPr id="1" name=""/>
+        <p:cNvGrpSpPr/>
+        <p:nvPr/>
+      </p:nvGrpSpPr>
+      <p:grpSpPr>
+        <a:xfrm>
+          <a:off x="0" y="0"/>
+          <a:ext cx="0" cy="0"/>
+          <a:chOff x="0" y="0"/>
+          <a:chExt cx="0" cy="0"/>
+        </a:xfrm>
+      </p:grpSpPr>
+      <p:sp>
+        <p:nvSpPr>
+          <p:cNvPr id="4097" name="Rectangle 1"/>
+          <p:cNvSpPr>
+            <a:spLocks noGrp="1" noChangeArrowheads="1"/>
+          </p:cNvSpPr>
+          <p:nvPr>
+            <p:ph type="title"/>
+          </p:nvPr>
+        </p:nvSpPr>
+        <p:spPr>
+          <a:xfrm>
+            <a:off x="247650" y="304800"/>
+            <a:ext cx="9664700" cy="914400"/>
+          </a:xfrm>
+        </p:spPr>
+        <p:txBody>
+          <a:bodyPr lIns="0" tIns="0" rIns="0" bIns="0" anchor="t"/>
+          <a:lstStyle/>
+          <a:p>
+            <a:pPr algn="l">
+              <a:lnSpc>
+                <a:spcPct val="95000"/>
+              </a:lnSpc>
+            </a:pPr>
+            <a:r>
+              <a:rPr lang="en-US" sz="4300" dirty="0">
+                <a:solidFill>
+                  <a:srgbClr val="DEDEDE"/>
+                </a:solidFill>
+                <a:latin typeface="Trebuchet MS" pitchFamily="34" charset="0"/>
+              </a:rPr>
+              <a:t>History</a:t>
+            </a:r>
+          </a:p>
+        </p:txBody>
+      </p:sp>
+      <p:sp>
+        <p:nvSpPr>
+          <p:cNvPr id="4098" name="Rectangle 2"/>
+          <p:cNvSpPr>
+            <a:spLocks noGrp="1" noChangeArrowheads="1"/>
+          </p:cNvSpPr>
+          <p:nvPr>
+            <p:ph idx="1"/>
+          </p:nvPr>
+        </p:nvSpPr>
+        <p:spPr>
+          <a:xfrm>
+            <a:off x="247650" y="1828800"/>
+            <a:ext cx="9664700" cy="5486400"/>
+          </a:xfrm>
+        </p:spPr>
+        <p:txBody>
+          <a:bodyPr lIns="0" tIns="0" rIns="0" bIns="0"/>
+          <a:lstStyle/>
+          <a:p>
+            <a:pPr marL="457200" lvl="1" indent="-342900">
+              <a:lnSpc>
+                <a:spcPct val="95000"/>
+              </a:lnSpc>
+              <a:spcBef>
+                <a:spcPct val="0"/>
+              </a:spcBef>
+              <a:buClr>
+                <a:srgbClr val="000000"/>
+              </a:buClr>
+              <a:buFontTx/>
+              <a:buChar char="•"/>
+            </a:pPr>
+            <a:r>
+              <a:rPr lang="en-US" sz="2700" dirty="0">
+                <a:solidFill>
+                  <a:srgbClr val="DEDEDE"/>
+                </a:solidFill>
+                <a:latin typeface="Trebuchet MS" pitchFamily="34" charset="0"/>
+              </a:rPr>
+              <a:t>First suggested by Alan Turing in the 1950's</a:t>
+            </a:r>
+          </a:p>
+        </p:txBody>
+      </p:sp>
+    </p:spTree>
+  </p:cSld>
+  <p:clrMapOvr>
+    <a:masterClrMapping/>
+  </p:clrMapOvr>
+  <p:timing>
+    <p:tnLst>
+      <p:par>
+        <p:cTn id="1" dur="indefinite" restart="never" nodeType="tmRoot"/>
+      </p:par>
+    </p:tnLst>
+  </p:timing>
+</p:sld>
+</file>
+
+<file path=ppt/slides/slide6.xml><?xml version="1.0" encoding="utf-8"?>
+<p:sld xmlns:a="http://schemas.openxmlformats.org/drawingml/2006/main" xmlns:r="http://schemas.openxmlformats.org/officeDocument/2006/relationships" xmlns:p="http://schemas.openxmlformats.org/presentationml/2006/main">
+  <p:cSld>
+    <p:spTree>
+      <p:nvGrpSpPr>
+        <p:cNvPr id="1" name=""/>
+        <p:cNvGrpSpPr/>
+        <p:nvPr/>
+      </p:nvGrpSpPr>
+      <p:grpSpPr>
+        <a:xfrm>
+          <a:off x="0" y="0"/>
+          <a:ext cx="0" cy="0"/>
+          <a:chOff x="0" y="0"/>
+          <a:chExt cx="0" cy="0"/>
+        </a:xfrm>
+      </p:grpSpPr>
+      <p:sp>
+        <p:nvSpPr>
+          <p:cNvPr id="5121" name="Rectangle 1"/>
+          <p:cNvSpPr>
+            <a:spLocks noGrp="1" noChangeArrowheads="1"/>
+          </p:cNvSpPr>
+          <p:nvPr>
+            <p:ph type="title"/>
+          </p:nvPr>
+        </p:nvSpPr>
+        <p:spPr>
+          <a:xfrm>
+            <a:off x="239713" y="296863"/>
+            <a:ext cx="9664700" cy="1357312"/>
+          </a:xfrm>
+        </p:spPr>
+        <p:txBody>
+          <a:bodyPr lIns="0" tIns="0" rIns="0" bIns="0" anchor="t"/>
+          <a:lstStyle/>
+          <a:p>
+            <a:pPr algn="l">
+              <a:lnSpc>
+                <a:spcPct val="95000"/>
+              </a:lnSpc>
+            </a:pPr>
+            <a:r>
+              <a:rPr lang="en-US" sz="4300" dirty="0">
+                <a:solidFill>
+                  <a:srgbClr val="DEDEDE"/>
+                </a:solidFill>
+                <a:latin typeface="Trebuchet MS" pitchFamily="34" charset="0"/>
+              </a:rPr>
+              <a:t>Economics</a:t>
+            </a:r>
+            <a:r>
+              <a:rPr lang="en-US" dirty="0"/>
+              <a:t/>
+            </a:r>
+            <a:br>
+              <a:rPr lang="en-US" dirty="0"/>
+            </a:br>
+            <a:r>
+              <a:rPr lang="en-US" sz="4300" dirty="0">
+                <a:solidFill>
+                  <a:srgbClr val="DEDEDE"/>
+                </a:solidFill>
+                <a:latin typeface="Trebuchet MS" pitchFamily="34" charset="0"/>
+              </a:rPr>
+              <a:t> </a:t>
+            </a:r>
+          </a:p>
+        </p:txBody>
+      </p:sp>
+      <p:pic>
+        <p:nvPicPr>
+          <p:cNvPr id="5124" name="Picture 4"/>
+          <p:cNvPicPr>
+            <a:picLocks noChangeAspect="1" noChangeArrowheads="1"/>
+          </p:cNvPicPr>
+          <p:nvPr/>
+        </p:nvPicPr>
+        <p:blipFill>
+          <a:blip r:embed="rId3"/>
+          <a:srcRect/>
+          <a:stretch>
+            <a:fillRect/>
+          </a:stretch>
+        </p:blipFill>
+        <p:spPr bwMode="auto">
+          <a:xfrm>
+            <a:off x="1565275" y="889000"/>
+            <a:ext cx="30163" cy="6011863"/>
+          </a:xfrm>
+          <a:prstGeom prst="rect">
+            <a:avLst/>
+          </a:prstGeom>
+          <a:noFill/>
+        </p:spPr>
+      </p:pic>
+      <p:pic>
+        <p:nvPicPr>
+          <p:cNvPr id="5125" name="Picture 5"/>
+          <p:cNvPicPr>
+            <a:picLocks noChangeAspect="1" noChangeArrowheads="1"/>
+          </p:cNvPicPr>
+          <p:nvPr/>
+        </p:nvPicPr>
+        <p:blipFill>
+          <a:blip r:embed="rId4"/>
+          <a:srcRect/>
+          <a:stretch>
+            <a:fillRect/>
+          </a:stretch>
+        </p:blipFill>
+        <p:spPr bwMode="auto">
+          <a:xfrm>
+            <a:off x="4775200" y="3581400"/>
+            <a:ext cx="5080000" cy="3810000"/>
+          </a:xfrm>
+          <a:prstGeom prst="rect">
+            <a:avLst/>
+          </a:prstGeom>
+          <a:noFill/>
+        </p:spPr>
+      </p:pic>
+      <p:sp>
+        <p:nvSpPr>
+          <p:cNvPr id="5" name="TextBox 4"/>
+          <p:cNvSpPr txBox="1"/>
+          <p:nvPr/>
+        </p:nvSpPr>
+        <p:spPr>
+          <a:xfrm>
+            <a:off x="279400" y="1752600"/>
+            <a:ext cx="9220200" cy="3831818"/>
+          </a:xfrm>
+          <a:prstGeom prst="rect">
+            <a:avLst/>
+          </a:prstGeom>
+          <a:noFill/>
+        </p:spPr>
+        <p:txBody>
+          <a:bodyPr wrap="square" rtlCol="0">
+            <a:spAutoFit/>
+          </a:bodyPr>
+          <a:lstStyle/>
+          <a:p>
+            <a:pPr>
+              <a:buFont typeface="Arial" pitchFamily="34" charset="0"/>
+              <a:buChar char="•"/>
+            </a:pPr>
+            <a:r>
+              <a:rPr lang="en-US" sz="2700" dirty="0" smtClean="0">
+                <a:solidFill>
+                  <a:srgbClr val="DEDEDE"/>
+                </a:solidFill>
+                <a:latin typeface="Trebuchet MS" pitchFamily="34" charset="0"/>
+              </a:rPr>
+              <a:t>Automotive</a:t>
+            </a:r>
+          </a:p>
+          <a:p>
+            <a:pPr>
+              <a:buFont typeface="Arial" pitchFamily="34" charset="0"/>
+              <a:buChar char="•"/>
+            </a:pPr>
+            <a:endParaRPr lang="en-US" sz="2700" dirty="0" smtClean="0">
+              <a:solidFill>
+                <a:srgbClr val="DEDEDE"/>
+              </a:solidFill>
+              <a:latin typeface="Trebuchet MS" pitchFamily="34" charset="0"/>
+            </a:endParaRPr>
+          </a:p>
+          <a:p>
+            <a:pPr>
+              <a:buFont typeface="Arial" pitchFamily="34" charset="0"/>
+              <a:buChar char="•"/>
+            </a:pPr>
+            <a:endParaRPr lang="en-US" sz="2700" dirty="0" smtClean="0">
+              <a:solidFill>
+                <a:srgbClr val="DEDEDE"/>
+              </a:solidFill>
+              <a:latin typeface="Trebuchet MS" pitchFamily="34" charset="0"/>
+            </a:endParaRPr>
+          </a:p>
+          <a:p>
+            <a:pPr>
+              <a:buFont typeface="Arial" pitchFamily="34" charset="0"/>
+              <a:buChar char="•"/>
+            </a:pPr>
+            <a:r>
+              <a:rPr lang="en-US" sz="2700" dirty="0" smtClean="0">
+                <a:solidFill>
+                  <a:srgbClr val="DEDEDE"/>
+                </a:solidFill>
+                <a:latin typeface="Trebuchet MS" pitchFamily="34" charset="0"/>
+              </a:rPr>
+              <a:t>Shipping</a:t>
+            </a:r>
+          </a:p>
+          <a:p>
+            <a:pPr>
+              <a:buFont typeface="Arial" pitchFamily="34" charset="0"/>
+              <a:buChar char="•"/>
+            </a:pPr>
+            <a:endParaRPr lang="en-US" sz="2700" dirty="0" smtClean="0">
+              <a:solidFill>
+                <a:srgbClr val="DEDEDE"/>
+              </a:solidFill>
+              <a:latin typeface="Trebuchet MS" pitchFamily="34" charset="0"/>
+            </a:endParaRPr>
+          </a:p>
+          <a:p>
+            <a:pPr>
+              <a:buFont typeface="Arial" pitchFamily="34" charset="0"/>
+              <a:buChar char="•"/>
+            </a:pPr>
+            <a:endParaRPr lang="en-US" sz="2700" dirty="0" smtClean="0">
+              <a:solidFill>
+                <a:srgbClr val="DEDEDE"/>
+              </a:solidFill>
+              <a:latin typeface="Trebuchet MS" pitchFamily="34" charset="0"/>
+            </a:endParaRPr>
+          </a:p>
+          <a:p>
+            <a:pPr>
+              <a:buFont typeface="Arial" pitchFamily="34" charset="0"/>
+              <a:buChar char="•"/>
+            </a:pPr>
+            <a:r>
+              <a:rPr lang="en-US" sz="2700" dirty="0" smtClean="0">
+                <a:solidFill>
+                  <a:srgbClr val="DEDEDE"/>
+                </a:solidFill>
+                <a:latin typeface="Trebuchet MS" pitchFamily="34" charset="0"/>
+              </a:rPr>
+              <a:t>Agriculture</a:t>
+            </a:r>
+          </a:p>
+          <a:p>
+            <a:pPr>
+              <a:buFont typeface="Arial" pitchFamily="34" charset="0"/>
+              <a:buChar char="•"/>
+            </a:pPr>
+            <a:endParaRPr lang="en-US" sz="2700" dirty="0" smtClean="0">
+              <a:solidFill>
+                <a:srgbClr val="DEDEDE"/>
+              </a:solidFill>
+              <a:latin typeface="Trebuchet MS" pitchFamily="34" charset="0"/>
+            </a:endParaRPr>
+          </a:p>
+          <a:p>
+            <a:pPr>
+              <a:buFont typeface="Arial" pitchFamily="34" charset="0"/>
+              <a:buChar char="•"/>
+            </a:pPr>
+            <a:endParaRPr lang="en-US" sz="2700" dirty="0">
+              <a:solidFill>
+                <a:srgbClr val="DEDEDE"/>
+              </a:solidFill>
+              <a:latin typeface="Trebuchet MS" pitchFamily="34" charset="0"/>
+            </a:endParaRPr>
+          </a:p>
+        </p:txBody>
+      </p:sp>
+    </p:spTree>
+  </p:cSld>
+  <p:clrMapOvr>
+    <a:masterClrMapping/>
+  </p:clrMapOvr>
+  <p:timing>
+    <p:tnLst>
+      <p:par>
+        <p:cTn id="1" dur="indefinite" restart="never" nodeType="tmRoot"/>
+      </p:par>
+    </p:tnLst>
+  </p:timing>
+</p:sld>
+</file>
+
+<file path=ppt/slides/slide7.xml><?xml version="1.0" encoding="utf-8"?>
+<p:sld xmlns:a="http://schemas.openxmlformats.org/drawingml/2006/main" xmlns:r="http://schemas.openxmlformats.org/officeDocument/2006/relationships" xmlns:p="http://schemas.openxmlformats.org/presentationml/2006/main">
+  <p:cSld>
+    <p:spTree>
+      <p:nvGrpSpPr>
+        <p:cNvPr id="1" name=""/>
+        <p:cNvGrpSpPr/>
+        <p:nvPr/>
+      </p:nvGrpSpPr>
+      <p:grpSpPr>
+        <a:xfrm>
+          <a:off x="0" y="0"/>
+          <a:ext cx="0" cy="0"/>
+          <a:chOff x="0" y="0"/>
+          <a:chExt cx="0" cy="0"/>
+        </a:xfrm>
+      </p:grpSpPr>
+      <p:sp>
+        <p:nvSpPr>
+          <p:cNvPr id="6145" name="Rectangle 1"/>
+          <p:cNvSpPr>
+            <a:spLocks noGrp="1" noChangeArrowheads="1"/>
+          </p:cNvSpPr>
+          <p:nvPr>
+            <p:ph type="title"/>
+          </p:nvPr>
+        </p:nvSpPr>
+        <p:spPr>
+          <a:xfrm>
+            <a:off x="247650" y="304800"/>
+            <a:ext cx="9664700" cy="914400"/>
+          </a:xfrm>
+        </p:spPr>
+        <p:txBody>
+          <a:bodyPr lIns="0" tIns="0" rIns="0" bIns="0" anchor="t"/>
+          <a:lstStyle/>
+          <a:p>
+            <a:pPr algn="l">
+              <a:lnSpc>
+                <a:spcPct val="95000"/>
+              </a:lnSpc>
+            </a:pPr>
+            <a:r>
+              <a:rPr lang="en-US" sz="4300" dirty="0">
+                <a:solidFill>
+                  <a:srgbClr val="DEDEDE"/>
+                </a:solidFill>
+                <a:latin typeface="Trebuchet MS" pitchFamily="34" charset="0"/>
+              </a:rPr>
+              <a:t>Philosophy</a:t>
+            </a:r>
+          </a:p>
+        </p:txBody>
+      </p:sp>
+      <p:sp>
+        <p:nvSpPr>
+          <p:cNvPr id="6146" name="Rectangle 2"/>
+          <p:cNvSpPr>
+            <a:spLocks noGrp="1" noChangeArrowheads="1"/>
+          </p:cNvSpPr>
+          <p:nvPr>
+            <p:ph idx="1"/>
+          </p:nvPr>
+        </p:nvSpPr>
+        <p:spPr>
+          <a:xfrm>
+            <a:off x="247650" y="1828800"/>
+            <a:ext cx="9664700" cy="5486400"/>
+          </a:xfrm>
+        </p:spPr>
+        <p:txBody>
+          <a:bodyPr lIns="0" tIns="0" rIns="0" bIns="0"/>
+          <a:lstStyle/>
+          <a:p>
+            <a:pPr marL="457200" lvl="1" indent="-342900">
+              <a:lnSpc>
+                <a:spcPct val="95000"/>
+              </a:lnSpc>
+              <a:spcBef>
+                <a:spcPct val="0"/>
+              </a:spcBef>
+              <a:buClr>
+                <a:srgbClr val="000000"/>
+              </a:buClr>
+              <a:buFontTx/>
+              <a:buChar char="•"/>
+            </a:pPr>
+            <a:r>
+              <a:rPr lang="en-US" sz="2700" dirty="0">
+                <a:solidFill>
+                  <a:srgbClr val="DEDEDE"/>
+                </a:solidFill>
+                <a:latin typeface="Trebuchet MS" pitchFamily="34" charset="0"/>
+              </a:rPr>
+              <a:t>All about asking questions, and putting them in context</a:t>
+            </a:r>
+            <a:endParaRPr lang="en-US" dirty="0"/>
+          </a:p>
+          <a:p>
+            <a:pPr marL="0" indent="0">
+              <a:lnSpc>
+                <a:spcPct val="95000"/>
+              </a:lnSpc>
+              <a:spcBef>
+                <a:spcPct val="0"/>
+              </a:spcBef>
+              <a:buFontTx/>
+              <a:buNone/>
+            </a:pPr>
+            <a:r>
+              <a:rPr lang="en-US" sz="2700" dirty="0">
+                <a:solidFill>
+                  <a:srgbClr val="DEDEDE"/>
+                </a:solidFill>
+                <a:latin typeface="Trebuchet MS" pitchFamily="34" charset="0"/>
+              </a:rPr>
+              <a:t> </a:t>
+            </a:r>
+            <a:endParaRPr lang="en-US" dirty="0"/>
+          </a:p>
+          <a:p>
+            <a:pPr marL="0" indent="0">
+              <a:lnSpc>
+                <a:spcPct val="95000"/>
+              </a:lnSpc>
+              <a:spcBef>
+                <a:spcPct val="0"/>
+              </a:spcBef>
+              <a:buFontTx/>
+              <a:buNone/>
+            </a:pPr>
+            <a:r>
+              <a:rPr lang="en-US" sz="2700" dirty="0">
+                <a:solidFill>
+                  <a:srgbClr val="DEDEDE"/>
+                </a:solidFill>
+                <a:latin typeface="Trebuchet MS" pitchFamily="34" charset="0"/>
+              </a:rPr>
+              <a:t> </a:t>
+            </a:r>
+            <a:endParaRPr lang="en-US" dirty="0"/>
+          </a:p>
+          <a:p>
+            <a:pPr marL="457200" lvl="1" indent="-342900">
+              <a:lnSpc>
+                <a:spcPct val="95000"/>
+              </a:lnSpc>
+              <a:spcBef>
+                <a:spcPct val="0"/>
+              </a:spcBef>
+              <a:buClr>
+                <a:srgbClr val="000000"/>
+              </a:buClr>
+              <a:buFontTx/>
+              <a:buChar char="•"/>
+            </a:pPr>
+            <a:r>
+              <a:rPr lang="en-US" sz="2700" dirty="0">
+                <a:solidFill>
+                  <a:srgbClr val="DEDEDE"/>
+                </a:solidFill>
+                <a:latin typeface="Trebuchet MS" pitchFamily="34" charset="0"/>
+              </a:rPr>
+              <a:t>After asking questions, ask how they reflect upon </a:t>
+            </a:r>
+            <a:r>
+              <a:rPr lang="en-US" sz="2700" dirty="0" smtClean="0">
+                <a:solidFill>
+                  <a:srgbClr val="DEDEDE"/>
+                </a:solidFill>
+                <a:latin typeface="Trebuchet MS" pitchFamily="34" charset="0"/>
+              </a:rPr>
+              <a:t>yourself</a:t>
+            </a:r>
+          </a:p>
+          <a:p>
+            <a:pPr marL="457200" lvl="1" indent="-342900">
+              <a:lnSpc>
+                <a:spcPct val="95000"/>
+              </a:lnSpc>
+              <a:spcBef>
+                <a:spcPct val="0"/>
+              </a:spcBef>
+              <a:buClr>
+                <a:srgbClr val="000000"/>
+              </a:buClr>
+              <a:buFontTx/>
+              <a:buChar char="•"/>
+            </a:pPr>
+            <a:endParaRPr lang="en-US" sz="2700" dirty="0" smtClean="0">
+              <a:solidFill>
+                <a:srgbClr val="DEDEDE"/>
+              </a:solidFill>
+              <a:latin typeface="Trebuchet MS" pitchFamily="34" charset="0"/>
+            </a:endParaRPr>
+          </a:p>
+          <a:p>
+            <a:pPr marL="457200" lvl="1" indent="-342900">
+              <a:lnSpc>
+                <a:spcPct val="95000"/>
+              </a:lnSpc>
+              <a:spcBef>
+                <a:spcPct val="0"/>
+              </a:spcBef>
+              <a:buClr>
+                <a:srgbClr val="000000"/>
+              </a:buClr>
+              <a:buNone/>
+            </a:pPr>
+            <a:endParaRPr lang="en-US" dirty="0"/>
+          </a:p>
+          <a:p>
+            <a:pPr marL="457200" lvl="1" indent="-342900">
+              <a:lnSpc>
+                <a:spcPct val="95000"/>
+              </a:lnSpc>
+              <a:spcBef>
+                <a:spcPct val="0"/>
+              </a:spcBef>
+              <a:buClr>
+                <a:srgbClr val="000000"/>
+              </a:buClr>
+              <a:buFontTx/>
+              <a:buChar char="•"/>
+            </a:pPr>
+            <a:r>
+              <a:rPr lang="en-US" sz="2700" dirty="0">
+                <a:solidFill>
+                  <a:srgbClr val="DEDEDE"/>
+                </a:solidFill>
+                <a:latin typeface="Trebuchet MS" pitchFamily="34" charset="0"/>
+              </a:rPr>
+              <a:t>Philosophy asks whether something is true.</a:t>
+            </a:r>
+          </a:p>
+        </p:txBody>
+      </p:sp>
+      <p:pic>
+        <p:nvPicPr>
+          <p:cNvPr id="6148" name="Picture 4"/>
+          <p:cNvPicPr>
+            <a:picLocks noChangeAspect="1" noChangeArrowheads="1"/>
+          </p:cNvPicPr>
+          <p:nvPr/>
+        </p:nvPicPr>
+        <p:blipFill>
+          <a:blip r:embed="rId3"/>
+          <a:srcRect/>
+          <a:stretch>
+            <a:fillRect/>
+          </a:stretch>
+        </p:blipFill>
+        <p:spPr bwMode="auto">
+          <a:xfrm>
+            <a:off x="7207250" y="3546475"/>
+            <a:ext cx="2732088" cy="3856038"/>
+          </a:xfrm>
+          <a:prstGeom prst="rect">
+            <a:avLst/>
+          </a:prstGeom>
+          <a:noFill/>
+        </p:spPr>
+      </p:pic>
+    </p:spTree>
+  </p:cSld>
+  <p:clrMapOvr>
+    <a:masterClrMapping/>
+  </p:clrMapOvr>
+  <p:timing>
+    <p:tnLst>
+      <p:par>
+        <p:cTn id="1" dur="indefinite" restart="never" nodeType="tmRoot"/>
+      </p:par>
+    </p:tnLst>
+  </p:timing>
+</p:sld>
+</file>
+
+<file path=ppt/slides/slide8.xml><?xml version="1.0" encoding="utf-8"?>
+<p:sld xmlns:a="http://schemas.openxmlformats.org/drawingml/2006/main" xmlns:r="http://schemas.openxmlformats.org/officeDocument/2006/relationships" xmlns:p="http://schemas.openxmlformats.org/presentationml/2006/main">
+  <p:cSld>
+    <p:spTree>
+      <p:nvGrpSpPr>
+        <p:cNvPr id="1" name=""/>
+        <p:cNvGrpSpPr/>
+        <p:nvPr/>
+      </p:nvGrpSpPr>
+      <p:grpSpPr>
+        <a:xfrm>
+          <a:off x="0" y="0"/>
+          <a:ext cx="0" cy="0"/>
+          <a:chOff x="0" y="0"/>
+          <a:chExt cx="0" cy="0"/>
+        </a:xfrm>
+      </p:grpSpPr>
+      <p:sp>
+        <p:nvSpPr>
+          <p:cNvPr id="9217" name="Rectangle 1"/>
+          <p:cNvSpPr>
+            <a:spLocks noGrp="1" noChangeArrowheads="1"/>
+          </p:cNvSpPr>
+          <p:nvPr>
+            <p:ph type="title"/>
+          </p:nvPr>
+        </p:nvSpPr>
+        <p:spPr>
+          <a:xfrm>
+            <a:off x="247650" y="304800"/>
+            <a:ext cx="9664700" cy="914400"/>
+          </a:xfrm>
+        </p:spPr>
+        <p:txBody>
+          <a:bodyPr lIns="0" tIns="0" rIns="0" bIns="0" anchor="t"/>
+          <a:lstStyle/>
+          <a:p>
+            <a:pPr algn="l">
+              <a:lnSpc>
+                <a:spcPct val="95000"/>
+              </a:lnSpc>
+            </a:pPr>
+            <a:r>
+              <a:rPr lang="en-US" sz="4300" dirty="0">
+                <a:solidFill>
+                  <a:srgbClr val="DEDEDE"/>
+                </a:solidFill>
+                <a:latin typeface="Trebuchet MS" pitchFamily="34" charset="0"/>
+              </a:rPr>
+              <a:t>Common Philosophical Questions</a:t>
+            </a:r>
+          </a:p>
+        </p:txBody>
+      </p:sp>
+      <p:sp>
+        <p:nvSpPr>
+          <p:cNvPr id="9218" name="Rectangle 2"/>
+          <p:cNvSpPr>
+            <a:spLocks noGrp="1" noChangeArrowheads="1"/>
+          </p:cNvSpPr>
+          <p:nvPr>
+            <p:ph idx="1"/>
+          </p:nvPr>
+        </p:nvSpPr>
+        <p:spPr>
+          <a:xfrm>
+            <a:off x="247650" y="1828800"/>
+            <a:ext cx="9664700" cy="5486400"/>
+          </a:xfrm>
+        </p:spPr>
+        <p:txBody>
+          <a:bodyPr lIns="0" tIns="0" rIns="0" bIns="0"/>
+          <a:lstStyle/>
+          <a:p>
+            <a:pPr marL="0" indent="0">
+              <a:lnSpc>
+                <a:spcPct val="95000"/>
+              </a:lnSpc>
+              <a:spcBef>
+                <a:spcPct val="0"/>
+              </a:spcBef>
+              <a:buFontTx/>
+              <a:buNone/>
+            </a:pPr>
+            <a:r>
+              <a:rPr lang="en-US" sz="2700" dirty="0">
+                <a:solidFill>
+                  <a:srgbClr val="DEDEDE"/>
+                </a:solidFill>
+                <a:latin typeface="Trebuchet MS" pitchFamily="34" charset="0"/>
+              </a:rPr>
+              <a:t>Can a machine feel emotions?</a:t>
+            </a:r>
+            <a:endParaRPr lang="en-US" dirty="0"/>
+          </a:p>
+          <a:p>
+            <a:pPr marL="0" indent="0">
+              <a:lnSpc>
+                <a:spcPct val="95000"/>
+              </a:lnSpc>
+              <a:spcBef>
+                <a:spcPct val="0"/>
+              </a:spcBef>
+              <a:buFontTx/>
+              <a:buNone/>
+            </a:pPr>
+            <a:endParaRPr lang="en-US" sz="2700" dirty="0">
+              <a:solidFill>
+                <a:srgbClr val="DEDEDE"/>
+              </a:solidFill>
+              <a:latin typeface="Trebuchet MS" pitchFamily="34" charset="0"/>
+            </a:endParaRPr>
+          </a:p>
+          <a:p>
+            <a:pPr marL="0" indent="0">
+              <a:lnSpc>
+                <a:spcPct val="95000"/>
+              </a:lnSpc>
+              <a:spcBef>
+                <a:spcPct val="0"/>
+              </a:spcBef>
+              <a:buFontTx/>
+              <a:buNone/>
+            </a:pPr>
+            <a:r>
+              <a:rPr lang="en-US" sz="2700" dirty="0">
+                <a:solidFill>
+                  <a:srgbClr val="DEDEDE"/>
+                </a:solidFill>
+                <a:latin typeface="Trebuchet MS" pitchFamily="34" charset="0"/>
+              </a:rPr>
+              <a:t>Does an AI have a soul?</a:t>
+            </a:r>
+            <a:endParaRPr lang="en-US" dirty="0"/>
+          </a:p>
+          <a:p>
+            <a:pPr marL="0" indent="0">
+              <a:lnSpc>
+                <a:spcPct val="95000"/>
+              </a:lnSpc>
+              <a:spcBef>
+                <a:spcPct val="0"/>
+              </a:spcBef>
+              <a:buFontTx/>
+              <a:buNone/>
+            </a:pPr>
+            <a:endParaRPr lang="en-US" sz="2700" dirty="0">
+              <a:solidFill>
+                <a:srgbClr val="DEDEDE"/>
+              </a:solidFill>
+              <a:latin typeface="Trebuchet MS" pitchFamily="34" charset="0"/>
+            </a:endParaRPr>
+          </a:p>
+          <a:p>
+            <a:pPr marL="0" indent="0">
+              <a:lnSpc>
+                <a:spcPct val="95000"/>
+              </a:lnSpc>
+              <a:spcBef>
+                <a:spcPct val="0"/>
+              </a:spcBef>
+              <a:buFontTx/>
+              <a:buNone/>
+            </a:pPr>
+            <a:r>
+              <a:rPr lang="en-US" sz="2700" dirty="0">
+                <a:solidFill>
+                  <a:srgbClr val="DEDEDE"/>
+                </a:solidFill>
+                <a:latin typeface="Trebuchet MS" pitchFamily="34" charset="0"/>
+              </a:rPr>
+              <a:t>Is an AI a person?</a:t>
+            </a:r>
+          </a:p>
+        </p:txBody>
+      </p:sp>
+    </p:spTree>
+  </p:cSld>
+  <p:clrMapOvr>
+    <a:masterClrMapping/>
+  </p:clrMapOvr>
+  <p:timing>
+    <p:tnLst>
+      <p:par>
+        <p:cTn id="1" dur="indefinite" restart="never" nodeType="tmRoot"/>
+      </p:par>
+    </p:tnLst>
+  </p:timing>
+</p:sld>
+</file>
+
+<file path=ppt/slides/slide9.xml><?xml version="1.0" encoding="utf-8"?>
+<p:sld xmlns:a="http://schemas.openxmlformats.org/drawingml/2006/main" xmlns:r="http://schemas.openxmlformats.org/officeDocument/2006/relationships" xmlns:p="http://schemas.openxmlformats.org/presentationml/2006/main">
+  <p:cSld>
+    <p:spTree>
+      <p:nvGrpSpPr>
+        <p:cNvPr id="1" name=""/>
+        <p:cNvGrpSpPr/>
+        <p:nvPr/>
+      </p:nvGrpSpPr>
+      <p:grpSpPr>
+        <a:xfrm>
+          <a:off x="0" y="0"/>
+          <a:ext cx="0" cy="0"/>
+          <a:chOff x="0" y="0"/>
+          <a:chExt cx="0" cy="0"/>
+        </a:xfrm>
+      </p:grpSpPr>
+      <p:sp>
+        <p:nvSpPr>
+          <p:cNvPr id="11265" name="Rectangle 1"/>
+          <p:cNvSpPr>
+            <a:spLocks noGrp="1" noChangeArrowheads="1"/>
+          </p:cNvSpPr>
+          <p:nvPr>
+            <p:ph type="title"/>
+          </p:nvPr>
+        </p:nvSpPr>
+        <p:spPr>
+          <a:xfrm>
+            <a:off x="247650" y="304800"/>
+            <a:ext cx="9664700" cy="914400"/>
+          </a:xfrm>
+        </p:spPr>
+        <p:txBody>
+          <a:bodyPr lIns="0" tIns="0" rIns="0" bIns="0" anchor="t"/>
+          <a:lstStyle/>
+          <a:p>
+            <a:pPr algn="l">
+              <a:lnSpc>
+                <a:spcPct val="95000"/>
+              </a:lnSpc>
+            </a:pPr>
+            <a:r>
+              <a:rPr lang="en-US" sz="4300">
+                <a:solidFill>
+                  <a:srgbClr val="DEDEDE"/>
+                </a:solidFill>
+                <a:latin typeface="Trebuchet MS" pitchFamily="34" charset="0"/>
+              </a:rPr>
+              <a:t>Ethics</a:t>
+            </a:r>
+          </a:p>
+        </p:txBody>
+      </p:sp>
+      <p:sp>
+        <p:nvSpPr>
+          <p:cNvPr id="11266" name="Rectangle 2"/>
+          <p:cNvSpPr>
+            <a:spLocks noGrp="1" noChangeArrowheads="1"/>
+          </p:cNvSpPr>
+          <p:nvPr>
+            <p:ph idx="1"/>
+          </p:nvPr>
+        </p:nvSpPr>
+        <p:spPr>
+          <a:xfrm>
+            <a:off x="247650" y="1828800"/>
+            <a:ext cx="9664700" cy="5486400"/>
+          </a:xfrm>
+        </p:spPr>
+        <p:txBody>
+          <a:bodyPr lIns="0" tIns="0" rIns="0" bIns="0"/>
+          <a:lstStyle/>
+          <a:p>
+            <a:pPr marL="0" indent="0">
+              <a:lnSpc>
+                <a:spcPct val="95000"/>
+              </a:lnSpc>
+              <a:spcBef>
+                <a:spcPct val="0"/>
+              </a:spcBef>
+              <a:buFontTx/>
+              <a:buNone/>
+            </a:pPr>
+            <a:r>
+              <a:rPr lang="en-US" sz="2700">
+                <a:solidFill>
+                  <a:srgbClr val="DEDEDE"/>
+                </a:solidFill>
+                <a:latin typeface="Trebuchet MS" pitchFamily="34" charset="0"/>
+              </a:rPr>
+              <a:t> </a:t>
+            </a:r>
+          </a:p>
+        </p:txBody>
+      </p:sp>
+      <p:sp>
+        <p:nvSpPr>
+          <p:cNvPr id="6" name="Rectangle 5"/>
+          <p:cNvSpPr/>
+          <p:nvPr/>
+        </p:nvSpPr>
+        <p:spPr>
+          <a:xfrm>
+            <a:off x="660400" y="1614784"/>
+            <a:ext cx="8686800" cy="2065950"/>
+          </a:xfrm>
+          <a:prstGeom prst="rect">
+            <a:avLst/>
+          </a:prstGeom>
+        </p:spPr>
+        <p:txBody>
+          <a:bodyPr wrap="square">
+            <a:spAutoFit/>
+          </a:bodyPr>
+          <a:lstStyle/>
+          <a:p>
+            <a:pPr lvl="1" indent="-342900">
+              <a:lnSpc>
+                <a:spcPct val="95000"/>
+              </a:lnSpc>
+              <a:buClr>
+                <a:srgbClr val="000000"/>
+              </a:buClr>
+              <a:buFontTx/>
+              <a:buChar char="•"/>
+            </a:pPr>
+            <a:r>
+              <a:rPr lang="en-US" sz="2700" dirty="0" smtClean="0">
+                <a:solidFill>
+                  <a:srgbClr val="DEDEDE"/>
+                </a:solidFill>
+                <a:latin typeface="Trebuchet MS" pitchFamily="34" charset="0"/>
+              </a:rPr>
+              <a:t>What is truly right? For humans? For robots?</a:t>
+            </a:r>
+          </a:p>
+          <a:p>
+            <a:pPr lvl="1" indent="-342900">
+              <a:lnSpc>
+                <a:spcPct val="95000"/>
+              </a:lnSpc>
+              <a:buClr>
+                <a:srgbClr val="000000"/>
+              </a:buClr>
+              <a:buFontTx/>
+              <a:buChar char="•"/>
+            </a:pPr>
+            <a:endParaRPr lang="en-US" sz="2700" dirty="0" smtClean="0">
+              <a:solidFill>
+                <a:srgbClr val="DEDEDE"/>
+              </a:solidFill>
+              <a:latin typeface="Trebuchet MS" pitchFamily="34" charset="0"/>
+            </a:endParaRPr>
+          </a:p>
+          <a:p>
+            <a:pPr lvl="1" indent="-342900">
+              <a:lnSpc>
+                <a:spcPct val="95000"/>
+              </a:lnSpc>
+              <a:buClr>
+                <a:srgbClr val="000000"/>
+              </a:buClr>
+              <a:buFontTx/>
+              <a:buChar char="•"/>
+            </a:pPr>
+            <a:r>
+              <a:rPr lang="en-US" sz="2700" dirty="0" smtClean="0">
+                <a:solidFill>
+                  <a:srgbClr val="DEDEDE"/>
+                </a:solidFill>
+                <a:latin typeface="Trebuchet MS" pitchFamily="34" charset="0"/>
+              </a:rPr>
+              <a:t>Capable of so much, but to what extent?</a:t>
+            </a:r>
+          </a:p>
+          <a:p>
+            <a:pPr lvl="1" indent="-342900">
+              <a:lnSpc>
+                <a:spcPct val="95000"/>
+              </a:lnSpc>
+              <a:buClr>
+                <a:srgbClr val="000000"/>
+              </a:buClr>
+              <a:buFontTx/>
+              <a:buChar char="•"/>
+            </a:pPr>
+            <a:endParaRPr lang="en-US" sz="2700" dirty="0" smtClean="0">
+              <a:solidFill>
+                <a:srgbClr val="DEDEDE"/>
+              </a:solidFill>
+              <a:latin typeface="Trebuchet MS" pitchFamily="34" charset="0"/>
+            </a:endParaRPr>
+          </a:p>
+          <a:p>
+            <a:pPr lvl="1" indent="-342900">
+              <a:lnSpc>
+                <a:spcPct val="95000"/>
+              </a:lnSpc>
+              <a:buClr>
+                <a:srgbClr val="000000"/>
+              </a:buClr>
+              <a:buFontTx/>
+              <a:buChar char="•"/>
+            </a:pPr>
+            <a:r>
+              <a:rPr lang="en-US" sz="2700" dirty="0" smtClean="0">
+                <a:solidFill>
+                  <a:srgbClr val="DEDEDE"/>
+                </a:solidFill>
+                <a:latin typeface="Trebuchet MS" pitchFamily="34" charset="0"/>
+              </a:rPr>
+              <a:t>Replacing humans with robots.</a:t>
+            </a:r>
+          </a:p>
+        </p:txBody>
+      </p:sp>
+    </p:spTree>
+  </p:cSld>
+  <p:clrMapOvr>
+    <a:masterClrMapping/>
+  </p:clrMapOvr>
+  <p:timing>
+    <p:tnLst>
+      <p:par>
+        <p:cTn id="1" dur="indefinite" restart="never" nodeType="tmRoot"/>
+      </p:par>
+    </p:tnLst>
+  </p:timing>
 </p:sld>
 </file>
 

--- a/trunk/artififical intelligence.pptx
+++ b/trunk/artififical intelligence.pptx
@@ -4958,7 +4958,7 @@
           <p:nvPr/>
         </p:nvPicPr>
         <p:blipFill>
-          <a:blip r:embed="rId2"/>
+          <a:blip r:embed="rId2" cstate="print"/>
           <a:srcRect/>
           <a:stretch>
             <a:fillRect/>
@@ -4984,7 +4984,7 @@
           <p:nvPr/>
         </p:nvPicPr>
         <p:blipFill>
-          <a:blip r:embed="rId3"/>
+          <a:blip r:embed="rId3" cstate="print"/>
           <a:srcRect/>
           <a:stretch>
             <a:fillRect/>
@@ -5215,7 +5215,7 @@
           <p:nvPr/>
         </p:nvPicPr>
         <p:blipFill>
-          <a:blip r:embed="rId2"/>
+          <a:blip r:embed="rId2" cstate="print"/>
           <a:srcRect/>
           <a:stretch>
             <a:fillRect/>
@@ -5241,7 +5241,7 @@
           <p:nvPr/>
         </p:nvPicPr>
         <p:blipFill>
-          <a:blip r:embed="rId3"/>
+          <a:blip r:embed="rId3" cstate="print"/>
           <a:srcRect/>
           <a:stretch>
             <a:fillRect/>
@@ -5299,7 +5299,7 @@
           <p:nvPr/>
         </p:nvPicPr>
         <p:blipFill>
-          <a:blip r:embed="rId2"/>
+          <a:blip r:embed="rId2" cstate="print"/>
           <a:srcRect/>
           <a:stretch>
             <a:fillRect/>
@@ -5903,7 +5903,7 @@
           </p:nvPr>
         </p:nvPicPr>
         <p:blipFill>
-          <a:blip r:embed="rId3"/>
+          <a:blip r:embed="rId3" cstate="print"/>
           <a:stretch>
             <a:fillRect/>
           </a:stretch>
@@ -6347,7 +6347,7 @@
           <p:nvPr/>
         </p:nvPicPr>
         <p:blipFill>
-          <a:blip r:embed="rId3"/>
+          <a:blip r:embed="rId3" cstate="print"/>
           <a:srcRect/>
           <a:stretch>
             <a:fillRect/>
@@ -6364,32 +6364,6 @@
           <a:noFill/>
         </p:spPr>
       </p:pic>
-      <p:pic>
-        <p:nvPicPr>
-          <p:cNvPr id="5125" name="Picture 5"/>
-          <p:cNvPicPr>
-            <a:picLocks noChangeAspect="1" noChangeArrowheads="1"/>
-          </p:cNvPicPr>
-          <p:nvPr/>
-        </p:nvPicPr>
-        <p:blipFill>
-          <a:blip r:embed="rId4"/>
-          <a:srcRect/>
-          <a:stretch>
-            <a:fillRect/>
-          </a:stretch>
-        </p:blipFill>
-        <p:spPr bwMode="auto">
-          <a:xfrm>
-            <a:off x="4775200" y="3581400"/>
-            <a:ext cx="5080000" cy="3810000"/>
-          </a:xfrm>
-          <a:prstGeom prst="rect">
-            <a:avLst/>
-          </a:prstGeom>
-          <a:noFill/>
-        </p:spPr>
-      </p:pic>
       <p:sp>
         <p:nvSpPr>
           <p:cNvPr id="5" name="TextBox 4"/>
@@ -6530,6 +6504,30 @@
           </a:p>
         </p:txBody>
       </p:sp>
+      <p:pic>
+        <p:nvPicPr>
+          <p:cNvPr id="6" name="Picture 5" descr="avg_worker.jpg"/>
+          <p:cNvPicPr>
+            <a:picLocks noChangeAspect="1"/>
+          </p:cNvPicPr>
+          <p:nvPr/>
+        </p:nvPicPr>
+        <p:blipFill>
+          <a:blip r:embed="rId4" cstate="print"/>
+          <a:stretch>
+            <a:fillRect/>
+          </a:stretch>
+        </p:blipFill>
+        <p:spPr>
+          <a:xfrm>
+            <a:off x="2871162" y="2667000"/>
+            <a:ext cx="7288838" cy="4953000"/>
+          </a:xfrm>
+          <a:prstGeom prst="rect">
+            <a:avLst/>
+          </a:prstGeom>
+        </p:spPr>
+      </p:pic>
     </p:spTree>
   </p:cSld>
   <p:clrMapOvr>
@@ -6791,7 +6789,7 @@
           <p:nvPr/>
         </p:nvPicPr>
         <p:blipFill>
-          <a:blip r:embed="rId3"/>
+          <a:blip r:embed="rId3" cstate="print"/>
           <a:srcRect/>
           <a:stretch>
             <a:fillRect/>

--- a/trunk/artififical intelligence.pptx
+++ b/trunk/artififical intelligence.pptx
@@ -5,7 +5,7 @@
     <p:sldMasterId id="2147483660" r:id="rId1"/>
   </p:sldMasterIdLst>
   <p:notesMasterIdLst>
-    <p:notesMasterId r:id="rId16"/>
+    <p:notesMasterId r:id="rId20"/>
   </p:notesMasterIdLst>
   <p:sldIdLst>
     <p:sldId id="256" r:id="rId2"/>
@@ -13,15 +13,19 @@
     <p:sldId id="269" r:id="rId4"/>
     <p:sldId id="268" r:id="rId5"/>
     <p:sldId id="258" r:id="rId6"/>
-    <p:sldId id="259" r:id="rId7"/>
-    <p:sldId id="260" r:id="rId8"/>
-    <p:sldId id="261" r:id="rId9"/>
-    <p:sldId id="262" r:id="rId10"/>
-    <p:sldId id="263" r:id="rId11"/>
-    <p:sldId id="264" r:id="rId12"/>
-    <p:sldId id="265" r:id="rId13"/>
-    <p:sldId id="266" r:id="rId14"/>
-    <p:sldId id="267" r:id="rId15"/>
+    <p:sldId id="271" r:id="rId7"/>
+    <p:sldId id="259" r:id="rId8"/>
+    <p:sldId id="260" r:id="rId9"/>
+    <p:sldId id="261" r:id="rId10"/>
+    <p:sldId id="270" r:id="rId11"/>
+    <p:sldId id="263" r:id="rId12"/>
+    <p:sldId id="264" r:id="rId13"/>
+    <p:sldId id="265" r:id="rId14"/>
+    <p:sldId id="272" r:id="rId15"/>
+    <p:sldId id="273" r:id="rId16"/>
+    <p:sldId id="266" r:id="rId17"/>
+    <p:sldId id="274" r:id="rId18"/>
+    <p:sldId id="267" r:id="rId19"/>
   </p:sldIdLst>
   <p:sldSz cx="10160000" cy="7620000"/>
   <p:notesSz cx="6858000" cy="9144000"/>
@@ -630,14 +634,6 @@
           </a:bodyPr>
           <a:lstStyle/>
           <a:p>
-            <a:r>
-              <a:rPr lang="en-US" dirty="0" smtClean="0"/>
-              <a:t>Discussed the fact</a:t>
-            </a:r>
-            <a:r>
-              <a:rPr lang="en-US" baseline="0" dirty="0" smtClean="0"/>
-              <a:t> of lack of numbers in automotives, well aware it’s a hole in our research. Attempting to fix ASAP</a:t>
-            </a:r>
             <a:endParaRPr lang="en-US" dirty="0"/>
           </a:p>
         </p:txBody>
@@ -660,7 +656,7 @@
             <a:fld id="{35E8DBCF-1A31-4444-8CFB-0DA56D6CEB6C}" type="slidenum">
               <a:rPr lang="en-US" smtClean="0"/>
               <a:pPr/>
-              <a:t>6</a:t>
+              <a:t>5</a:t>
             </a:fld>
             <a:endParaRPr lang="en-US"/>
           </a:p>
@@ -693,149 +689,66 @@
       </p:grpSpPr>
       <p:sp>
         <p:nvSpPr>
-          <p:cNvPr id="7" name="Rectangle 6"/>
-          <p:cNvSpPr>
-            <a:spLocks noGrp="1" noChangeArrowheads="1"/>
-          </p:cNvSpPr>
-          <p:nvPr>
-            <p:ph type="sldNum" sz="quarter" idx="5"/>
-          </p:nvPr>
-        </p:nvSpPr>
-        <p:spPr>
-          <a:ln/>
-        </p:spPr>
+          <p:cNvPr id="2" name="Slide Image Placeholder 1"/>
+          <p:cNvSpPr>
+            <a:spLocks noGrp="1" noRot="1" noChangeAspect="1"/>
+          </p:cNvSpPr>
+          <p:nvPr>
+            <p:ph type="sldImg"/>
+          </p:nvPr>
+        </p:nvSpPr>
+        <p:spPr/>
+      </p:sp>
+      <p:sp>
+        <p:nvSpPr>
+          <p:cNvPr id="3" name="Notes Placeholder 2"/>
+          <p:cNvSpPr>
+            <a:spLocks noGrp="1"/>
+          </p:cNvSpPr>
+          <p:nvPr>
+            <p:ph type="body" idx="1"/>
+          </p:nvPr>
+        </p:nvSpPr>
+        <p:spPr/>
+        <p:txBody>
+          <a:bodyPr>
+            <a:normAutofit/>
+          </a:bodyPr>
+          <a:lstStyle/>
+          <a:p>
+            <a:r>
+              <a:rPr lang="en-US" dirty="0" smtClean="0"/>
+              <a:t>Discussed the fact</a:t>
+            </a:r>
+            <a:r>
+              <a:rPr lang="en-US" baseline="0" dirty="0" smtClean="0"/>
+              <a:t> of lack of numbers in automotives, well aware it’s a hole in our research. Attempting to fix ASAP</a:t>
+            </a:r>
+            <a:endParaRPr lang="en-US" dirty="0"/>
+          </a:p>
+        </p:txBody>
+      </p:sp>
+      <p:sp>
+        <p:nvSpPr>
+          <p:cNvPr id="4" name="Slide Number Placeholder 3"/>
+          <p:cNvSpPr>
+            <a:spLocks noGrp="1"/>
+          </p:cNvSpPr>
+          <p:nvPr>
+            <p:ph type="sldNum" sz="quarter" idx="10"/>
+          </p:nvPr>
+        </p:nvSpPr>
+        <p:spPr/>
         <p:txBody>
           <a:bodyPr/>
           <a:lstStyle/>
           <a:p>
-            <a:fld id="{0E7090A5-3AD5-4A5C-B147-B80F16B4B8AE}" type="slidenum">
-              <a:rPr lang="en-US"/>
+            <a:fld id="{35E8DBCF-1A31-4444-8CFB-0DA56D6CEB6C}" type="slidenum">
+              <a:rPr lang="en-US" smtClean="0"/>
               <a:pPr/>
               <a:t>7</a:t>
             </a:fld>
             <a:endParaRPr lang="en-US"/>
-          </a:p>
-        </p:txBody>
-      </p:sp>
-      <p:sp>
-        <p:nvSpPr>
-          <p:cNvPr id="8193" name="Rectangle 1"/>
-          <p:cNvSpPr>
-            <a:spLocks noGrp="1" noRot="1" noChangeAspect="1" noChangeArrowheads="1"/>
-          </p:cNvSpPr>
-          <p:nvPr>
-            <p:ph type="sldImg"/>
-          </p:nvPr>
-        </p:nvSpPr>
-        <p:spPr>
-          <a:ln/>
-        </p:spPr>
-      </p:sp>
-      <p:sp>
-        <p:nvSpPr>
-          <p:cNvPr id="8194" name="Rectangle 2"/>
-          <p:cNvSpPr>
-            <a:spLocks noGrp="1" noChangeArrowheads="1"/>
-          </p:cNvSpPr>
-          <p:nvPr>
-            <p:ph type="body" idx="1"/>
-          </p:nvPr>
-        </p:nvSpPr>
-        <p:spPr/>
-        <p:txBody>
-          <a:bodyPr lIns="0" tIns="0" rIns="0" bIns="0"/>
-          <a:lstStyle/>
-          <a:p>
-            <a:pPr>
-              <a:lnSpc>
-                <a:spcPct val="95000"/>
-              </a:lnSpc>
-              <a:spcBef>
-                <a:spcPct val="0"/>
-              </a:spcBef>
-            </a:pPr>
-            <a:r>
-              <a:rPr lang="en-US" sz="1600">
-                <a:solidFill>
-                  <a:srgbClr val="DEDEDE"/>
-                </a:solidFill>
-                <a:latin typeface="Trebuchet MS" pitchFamily="34" charset="0"/>
-              </a:rPr>
-              <a:t>1st point; important questions in AI: can a machine feel?  does it have a soul?</a:t>
-            </a:r>
-            <a:endParaRPr lang="en-US"/>
-          </a:p>
-          <a:p>
-            <a:pPr>
-              <a:lnSpc>
-                <a:spcPct val="95000"/>
-              </a:lnSpc>
-              <a:spcBef>
-                <a:spcPct val="0"/>
-              </a:spcBef>
-            </a:pPr>
-            <a:r>
-              <a:rPr lang="en-US" sz="1600">
-                <a:solidFill>
-                  <a:srgbClr val="DEDEDE"/>
-                </a:solidFill>
-                <a:latin typeface="Trebuchet MS" pitchFamily="34" charset="0"/>
-              </a:rPr>
-              <a:t> </a:t>
-            </a:r>
-            <a:endParaRPr lang="en-US"/>
-          </a:p>
-          <a:p>
-            <a:pPr>
-              <a:lnSpc>
-                <a:spcPct val="95000"/>
-              </a:lnSpc>
-              <a:spcBef>
-                <a:spcPct val="0"/>
-              </a:spcBef>
-            </a:pPr>
-            <a:r>
-              <a:rPr lang="en-US" sz="1600">
-                <a:solidFill>
-                  <a:srgbClr val="DEDEDE"/>
-                </a:solidFill>
-                <a:latin typeface="Trebuchet MS" pitchFamily="34" charset="0"/>
-              </a:rPr>
-              <a:t>3rd point; exposit on difference between philosophy and ethics (ethics asks what it means *if* something is true) </a:t>
-            </a:r>
-            <a:endParaRPr lang="en-US"/>
-          </a:p>
-          <a:p>
-            <a:pPr>
-              <a:lnSpc>
-                <a:spcPct val="95000"/>
-              </a:lnSpc>
-              <a:spcBef>
-                <a:spcPct val="0"/>
-              </a:spcBef>
-            </a:pPr>
-            <a:endParaRPr lang="en-US" sz="1600">
-              <a:solidFill>
-                <a:srgbClr val="DEDEDE"/>
-              </a:solidFill>
-              <a:latin typeface="Trebuchet MS" pitchFamily="34" charset="0"/>
-            </a:endParaRPr>
-          </a:p>
-          <a:p>
-            <a:pPr>
-              <a:lnSpc>
-                <a:spcPct val="95000"/>
-              </a:lnSpc>
-              <a:spcBef>
-                <a:spcPct val="0"/>
-              </a:spcBef>
-            </a:pPr>
-            <a:endParaRPr lang="en-US" sz="1600">
-              <a:solidFill>
-                <a:srgbClr val="DEDEDE"/>
-              </a:solidFill>
-              <a:latin typeface="Trebuchet MS" pitchFamily="34" charset="0"/>
-            </a:endParaRPr>
           </a:p>
         </p:txBody>
       </p:sp>
@@ -881,10 +794,183 @@
           <a:bodyPr/>
           <a:lstStyle/>
           <a:p>
+            <a:fld id="{0E7090A5-3AD5-4A5C-B147-B80F16B4B8AE}" type="slidenum">
+              <a:rPr lang="en-US"/>
+              <a:pPr/>
+              <a:t>8</a:t>
+            </a:fld>
+            <a:endParaRPr lang="en-US"/>
+          </a:p>
+        </p:txBody>
+      </p:sp>
+      <p:sp>
+        <p:nvSpPr>
+          <p:cNvPr id="8193" name="Rectangle 1"/>
+          <p:cNvSpPr>
+            <a:spLocks noGrp="1" noRot="1" noChangeAspect="1" noChangeArrowheads="1"/>
+          </p:cNvSpPr>
+          <p:nvPr>
+            <p:ph type="sldImg"/>
+          </p:nvPr>
+        </p:nvSpPr>
+        <p:spPr>
+          <a:ln/>
+        </p:spPr>
+      </p:sp>
+      <p:sp>
+        <p:nvSpPr>
+          <p:cNvPr id="8194" name="Rectangle 2"/>
+          <p:cNvSpPr>
+            <a:spLocks noGrp="1" noChangeArrowheads="1"/>
+          </p:cNvSpPr>
+          <p:nvPr>
+            <p:ph type="body" idx="1"/>
+          </p:nvPr>
+        </p:nvSpPr>
+        <p:spPr/>
+        <p:txBody>
+          <a:bodyPr lIns="0" tIns="0" rIns="0" bIns="0"/>
+          <a:lstStyle/>
+          <a:p>
+            <a:pPr>
+              <a:lnSpc>
+                <a:spcPct val="95000"/>
+              </a:lnSpc>
+              <a:spcBef>
+                <a:spcPct val="0"/>
+              </a:spcBef>
+            </a:pPr>
+            <a:r>
+              <a:rPr lang="en-US" sz="1600">
+                <a:solidFill>
+                  <a:srgbClr val="DEDEDE"/>
+                </a:solidFill>
+                <a:latin typeface="Trebuchet MS" pitchFamily="34" charset="0"/>
+              </a:rPr>
+              <a:t>1st point; important questions in AI: can a machine feel?  does it have a soul?</a:t>
+            </a:r>
+            <a:endParaRPr lang="en-US"/>
+          </a:p>
+          <a:p>
+            <a:pPr>
+              <a:lnSpc>
+                <a:spcPct val="95000"/>
+              </a:lnSpc>
+              <a:spcBef>
+                <a:spcPct val="0"/>
+              </a:spcBef>
+            </a:pPr>
+            <a:r>
+              <a:rPr lang="en-US" sz="1600">
+                <a:solidFill>
+                  <a:srgbClr val="DEDEDE"/>
+                </a:solidFill>
+                <a:latin typeface="Trebuchet MS" pitchFamily="34" charset="0"/>
+              </a:rPr>
+              <a:t> </a:t>
+            </a:r>
+            <a:endParaRPr lang="en-US"/>
+          </a:p>
+          <a:p>
+            <a:pPr>
+              <a:lnSpc>
+                <a:spcPct val="95000"/>
+              </a:lnSpc>
+              <a:spcBef>
+                <a:spcPct val="0"/>
+              </a:spcBef>
+            </a:pPr>
+            <a:r>
+              <a:rPr lang="en-US" sz="1600">
+                <a:solidFill>
+                  <a:srgbClr val="DEDEDE"/>
+                </a:solidFill>
+                <a:latin typeface="Trebuchet MS" pitchFamily="34" charset="0"/>
+              </a:rPr>
+              <a:t>3rd point; exposit on difference between philosophy and ethics (ethics asks what it means *if* something is true) </a:t>
+            </a:r>
+            <a:endParaRPr lang="en-US"/>
+          </a:p>
+          <a:p>
+            <a:pPr>
+              <a:lnSpc>
+                <a:spcPct val="95000"/>
+              </a:lnSpc>
+              <a:spcBef>
+                <a:spcPct val="0"/>
+              </a:spcBef>
+            </a:pPr>
+            <a:endParaRPr lang="en-US" sz="1600">
+              <a:solidFill>
+                <a:srgbClr val="DEDEDE"/>
+              </a:solidFill>
+              <a:latin typeface="Trebuchet MS" pitchFamily="34" charset="0"/>
+            </a:endParaRPr>
+          </a:p>
+          <a:p>
+            <a:pPr>
+              <a:lnSpc>
+                <a:spcPct val="95000"/>
+              </a:lnSpc>
+              <a:spcBef>
+                <a:spcPct val="0"/>
+              </a:spcBef>
+            </a:pPr>
+            <a:endParaRPr lang="en-US" sz="1600">
+              <a:solidFill>
+                <a:srgbClr val="DEDEDE"/>
+              </a:solidFill>
+              <a:latin typeface="Trebuchet MS" pitchFamily="34" charset="0"/>
+            </a:endParaRPr>
+          </a:p>
+        </p:txBody>
+      </p:sp>
+    </p:spTree>
+  </p:cSld>
+  <p:clrMapOvr>
+    <a:masterClrMapping/>
+  </p:clrMapOvr>
+</p:notes>
+</file>
+
+<file path=ppt/notesSlides/notesSlide4.xml><?xml version="1.0" encoding="utf-8"?>
+<p:notes xmlns:a="http://schemas.openxmlformats.org/drawingml/2006/main" xmlns:r="http://schemas.openxmlformats.org/officeDocument/2006/relationships" xmlns:p="http://schemas.openxmlformats.org/presentationml/2006/main">
+  <p:cSld>
+    <p:spTree>
+      <p:nvGrpSpPr>
+        <p:cNvPr id="1" name=""/>
+        <p:cNvGrpSpPr/>
+        <p:nvPr/>
+      </p:nvGrpSpPr>
+      <p:grpSpPr>
+        <a:xfrm>
+          <a:off x="0" y="0"/>
+          <a:ext cx="0" cy="0"/>
+          <a:chOff x="0" y="0"/>
+          <a:chExt cx="0" cy="0"/>
+        </a:xfrm>
+      </p:grpSpPr>
+      <p:sp>
+        <p:nvSpPr>
+          <p:cNvPr id="7" name="Rectangle 6"/>
+          <p:cNvSpPr>
+            <a:spLocks noGrp="1" noChangeArrowheads="1"/>
+          </p:cNvSpPr>
+          <p:nvPr>
+            <p:ph type="sldNum" sz="quarter" idx="5"/>
+          </p:nvPr>
+        </p:nvSpPr>
+        <p:spPr>
+          <a:ln/>
+        </p:spPr>
+        <p:txBody>
+          <a:bodyPr/>
+          <a:lstStyle/>
+          <a:p>
             <a:fld id="{2B961348-EAED-42D9-BC65-1B9A33AE06B4}" type="slidenum">
               <a:rPr lang="en-US"/>
               <a:pPr/>
-              <a:t>8</a:t>
+              <a:t>9</a:t>
             </a:fld>
             <a:endParaRPr lang="en-US"/>
           </a:p>
@@ -1047,6 +1133,192 @@
               </a:rPr>
               <a:t> </a:t>
             </a:r>
+          </a:p>
+        </p:txBody>
+      </p:sp>
+    </p:spTree>
+  </p:cSld>
+  <p:clrMapOvr>
+    <a:masterClrMapping/>
+  </p:clrMapOvr>
+</p:notes>
+</file>
+
+<file path=ppt/notesSlides/notesSlide5.xml><?xml version="1.0" encoding="utf-8"?>
+<p:notes xmlns:a="http://schemas.openxmlformats.org/drawingml/2006/main" xmlns:r="http://schemas.openxmlformats.org/officeDocument/2006/relationships" xmlns:p="http://schemas.openxmlformats.org/presentationml/2006/main">
+  <p:cSld>
+    <p:spTree>
+      <p:nvGrpSpPr>
+        <p:cNvPr id="1" name=""/>
+        <p:cNvGrpSpPr/>
+        <p:nvPr/>
+      </p:nvGrpSpPr>
+      <p:grpSpPr>
+        <a:xfrm>
+          <a:off x="0" y="0"/>
+          <a:ext cx="0" cy="0"/>
+          <a:chOff x="0" y="0"/>
+          <a:chExt cx="0" cy="0"/>
+        </a:xfrm>
+      </p:grpSpPr>
+      <p:sp>
+        <p:nvSpPr>
+          <p:cNvPr id="2" name="Slide Image Placeholder 1"/>
+          <p:cNvSpPr>
+            <a:spLocks noGrp="1" noRot="1" noChangeAspect="1"/>
+          </p:cNvSpPr>
+          <p:nvPr>
+            <p:ph type="sldImg"/>
+          </p:nvPr>
+        </p:nvSpPr>
+        <p:spPr/>
+      </p:sp>
+      <p:sp>
+        <p:nvSpPr>
+          <p:cNvPr id="3" name="Notes Placeholder 2"/>
+          <p:cNvSpPr>
+            <a:spLocks noGrp="1"/>
+          </p:cNvSpPr>
+          <p:nvPr>
+            <p:ph type="body" idx="1"/>
+          </p:nvPr>
+        </p:nvSpPr>
+        <p:spPr/>
+        <p:txBody>
+          <a:bodyPr>
+            <a:normAutofit/>
+          </a:bodyPr>
+          <a:lstStyle/>
+          <a:p>
+            <a:pPr marL="228600" indent="-228600">
+              <a:buAutoNum type="arabicParenR"/>
+            </a:pPr>
+            <a:r>
+              <a:rPr lang="en-US" dirty="0" smtClean="0"/>
+              <a:t>Refer to Asimov’s Three</a:t>
+            </a:r>
+            <a:r>
+              <a:rPr lang="en-US" baseline="0" dirty="0" smtClean="0"/>
+              <a:t> Sets of Robotic Laws, Runaround = Short story introduced by Asimov about a space trip to Mercury involving the use of </a:t>
+            </a:r>
+          </a:p>
+          <a:p>
+            <a:r>
+              <a:rPr lang="en-US" sz="1200" b="0" i="0" kern="1200" dirty="0" smtClean="0">
+                <a:solidFill>
+                  <a:schemeClr val="tx1"/>
+                </a:solidFill>
+                <a:latin typeface="Times New Roman" pitchFamily="18" charset="0"/>
+                <a:ea typeface="+mn-ea"/>
+                <a:cs typeface="+mn-cs"/>
+              </a:rPr>
+              <a:t/>
+            </a:r>
+            <a:br>
+              <a:rPr lang="en-US" sz="1200" b="0" i="0" kern="1200" dirty="0" smtClean="0">
+                <a:solidFill>
+                  <a:schemeClr val="tx1"/>
+                </a:solidFill>
+                <a:latin typeface="Times New Roman" pitchFamily="18" charset="0"/>
+                <a:ea typeface="+mn-ea"/>
+                <a:cs typeface="+mn-cs"/>
+              </a:rPr>
+            </a:br>
+            <a:r>
+              <a:rPr lang="en-US" sz="1200" b="0" i="0" kern="1200" dirty="0" smtClean="0">
+                <a:solidFill>
+                  <a:schemeClr val="tx1"/>
+                </a:solidFill>
+                <a:latin typeface="Times New Roman" pitchFamily="18" charset="0"/>
+                <a:ea typeface="+mn-ea"/>
+                <a:cs typeface="+mn-cs"/>
+              </a:rPr>
+              <a:t>	A robot may not injure a human being, or, through inaction, allow a human being to come to harm.</a:t>
+            </a:r>
+          </a:p>
+          <a:p>
+            <a:r>
+              <a:rPr lang="en-US" sz="1200" b="0" i="0" kern="1200" dirty="0" smtClean="0">
+                <a:solidFill>
+                  <a:schemeClr val="tx1"/>
+                </a:solidFill>
+                <a:latin typeface="Times New Roman" pitchFamily="18" charset="0"/>
+                <a:ea typeface="+mn-ea"/>
+                <a:cs typeface="+mn-cs"/>
+              </a:rPr>
+              <a:t>	A robot must obey orders given it by human beings except where such orders would conflict with the First Law.</a:t>
+            </a:r>
+          </a:p>
+          <a:p>
+            <a:r>
+              <a:rPr lang="en-US" sz="1200" b="0" i="0" kern="1200" dirty="0" smtClean="0">
+                <a:solidFill>
+                  <a:schemeClr val="tx1"/>
+                </a:solidFill>
+                <a:latin typeface="Times New Roman" pitchFamily="18" charset="0"/>
+                <a:ea typeface="+mn-ea"/>
+                <a:cs typeface="+mn-cs"/>
+              </a:rPr>
+              <a:t>	A robot must protect its own existence as long as such protection does not conflict with the First or Second Law. (</a:t>
+            </a:r>
+            <a:r>
+              <a:rPr lang="en-US" sz="1200" b="0" i="1" kern="1200" dirty="0" smtClean="0">
+                <a:solidFill>
+                  <a:schemeClr val="tx1"/>
+                </a:solidFill>
+                <a:latin typeface="Times New Roman" pitchFamily="18" charset="0"/>
+                <a:ea typeface="+mn-ea"/>
+                <a:cs typeface="+mn-cs"/>
+              </a:rPr>
+              <a:t>I, Robot,</a:t>
+            </a:r>
+            <a:r>
+              <a:rPr lang="en-US" sz="1200" b="0" i="0" kern="1200" dirty="0" smtClean="0">
+                <a:solidFill>
+                  <a:schemeClr val="tx1"/>
+                </a:solidFill>
+                <a:latin typeface="Times New Roman" pitchFamily="18" charset="0"/>
+                <a:ea typeface="+mn-ea"/>
+                <a:cs typeface="+mn-cs"/>
+              </a:rPr>
+              <a:t>6)</a:t>
+            </a:r>
+          </a:p>
+          <a:p>
+            <a:pPr marL="685800" lvl="1" indent="-228600">
+              <a:buAutoNum type="arabicParenR"/>
+            </a:pPr>
+            <a:endParaRPr lang="en-US" baseline="0" dirty="0" smtClean="0"/>
+          </a:p>
+          <a:p>
+            <a:pPr marL="228600" indent="-228600">
+              <a:buAutoNum type="arabicParenR"/>
+            </a:pPr>
+            <a:endParaRPr lang="en-US" dirty="0"/>
+          </a:p>
+        </p:txBody>
+      </p:sp>
+      <p:sp>
+        <p:nvSpPr>
+          <p:cNvPr id="4" name="Slide Number Placeholder 3"/>
+          <p:cNvSpPr>
+            <a:spLocks noGrp="1"/>
+          </p:cNvSpPr>
+          <p:nvPr>
+            <p:ph type="sldNum" sz="quarter" idx="10"/>
+          </p:nvPr>
+        </p:nvSpPr>
+        <p:spPr/>
+        <p:txBody>
+          <a:bodyPr/>
+          <a:lstStyle/>
+          <a:p>
+            <a:fld id="{35E8DBCF-1A31-4444-8CFB-0DA56D6CEB6C}" type="slidenum">
+              <a:rPr lang="en-US" smtClean="0"/>
+              <a:pPr/>
+              <a:t>10</a:t>
+            </a:fld>
+            <a:endParaRPr lang="en-US"/>
           </a:p>
         </p:txBody>
       </p:sp>
@@ -4756,7 +5028,7 @@
       </p:grpSpPr>
       <p:sp>
         <p:nvSpPr>
-          <p:cNvPr id="12289" name="Rectangle 1"/>
+          <p:cNvPr id="11265" name="Rectangle 1"/>
           <p:cNvSpPr>
             <a:spLocks noGrp="1" noChangeArrowheads="1"/>
           </p:cNvSpPr>
@@ -4786,14 +5058,14 @@
                 </a:solidFill>
                 <a:latin typeface="Trebuchet MS" pitchFamily="34" charset="0"/>
               </a:rPr>
-              <a:t>Culture</a:t>
-            </a:r>
-          </a:p>
-        </p:txBody>
-      </p:sp>
-      <p:sp>
-        <p:nvSpPr>
-          <p:cNvPr id="12290" name="Rectangle 2"/>
+              <a:t>Ethics</a:t>
+            </a:r>
+          </a:p>
+        </p:txBody>
+      </p:sp>
+      <p:sp>
+        <p:nvSpPr>
+          <p:cNvPr id="11266" name="Rectangle 2"/>
           <p:cNvSpPr>
             <a:spLocks noGrp="1" noChangeArrowheads="1"/>
           </p:cNvSpPr>
@@ -4803,38 +5075,13 @@
         </p:nvSpPr>
         <p:spPr>
           <a:xfrm>
-            <a:off x="247650" y="1524000"/>
-            <a:ext cx="9667875" cy="5551488"/>
+            <a:off x="247650" y="1828800"/>
+            <a:ext cx="9664700" cy="5486400"/>
           </a:xfrm>
         </p:spPr>
         <p:txBody>
           <a:bodyPr lIns="0" tIns="0" rIns="0" bIns="0"/>
           <a:lstStyle/>
-          <a:p>
-            <a:pPr marL="457200" lvl="1" indent="-342900">
-              <a:lnSpc>
-                <a:spcPct val="95000"/>
-              </a:lnSpc>
-              <a:spcBef>
-                <a:spcPct val="0"/>
-              </a:spcBef>
-              <a:buClr>
-                <a:srgbClr val="000000"/>
-              </a:buClr>
-              <a:buFontTx/>
-              <a:buChar char="•"/>
-            </a:pPr>
-            <a:r>
-              <a:rPr lang="en-US" sz="2700">
-                <a:solidFill>
-                  <a:srgbClr val="DEDEDE"/>
-                </a:solidFill>
-                <a:latin typeface="Trebuchet MS" pitchFamily="34" charset="0"/>
-              </a:rPr>
-              <a:t>Idea of helping mankind with AI has been around since 1988</a:t>
-            </a:r>
-            <a:endParaRPr lang="en-US"/>
-          </a:p>
           <a:p>
             <a:pPr marL="0" indent="0">
               <a:lnSpc>
@@ -4847,7 +5094,7 @@
               <a:buNone/>
             </a:pPr>
             <a:r>
-              <a:rPr lang="en-US" sz="2700">
+              <a:rPr lang="en-US" sz="2700" dirty="0">
                 <a:solidFill>
                   <a:srgbClr val="DEDEDE"/>
                 </a:solidFill>
@@ -4855,38 +5102,112 @@
               </a:rPr>
               <a:t> </a:t>
             </a:r>
-            <a:endParaRPr lang="en-US"/>
-          </a:p>
-          <a:p>
-            <a:pPr marL="0" indent="0">
+          </a:p>
+        </p:txBody>
+      </p:sp>
+      <p:sp>
+        <p:nvSpPr>
+          <p:cNvPr id="4" name="Rectangle 2"/>
+          <p:cNvSpPr txBox="1">
+            <a:spLocks noChangeArrowheads="1"/>
+          </p:cNvSpPr>
+          <p:nvPr/>
+        </p:nvSpPr>
+        <p:spPr>
+          <a:xfrm>
+            <a:off x="400050" y="1981200"/>
+            <a:ext cx="9664700" cy="5486400"/>
+          </a:xfrm>
+          <a:prstGeom prst="rect">
+            <a:avLst/>
+          </a:prstGeom>
+        </p:spPr>
+        <p:txBody>
+          <a:bodyPr vert="horz" lIns="0" tIns="0" rIns="0" bIns="0">
+            <a:normAutofit/>
+          </a:bodyPr>
+          <a:lstStyle/>
+          <a:p>
+            <a:pPr marL="0" marR="0" lvl="0" indent="0" algn="l" defTabSz="914400" rtl="0" eaLnBrk="1" fontAlgn="auto" latinLnBrk="0" hangingPunct="1">
               <a:lnSpc>
                 <a:spcPct val="95000"/>
               </a:lnSpc>
               <a:spcBef>
                 <a:spcPct val="0"/>
               </a:spcBef>
+              <a:spcAft>
+                <a:spcPts val="0"/>
+              </a:spcAft>
+              <a:buClr>
+                <a:schemeClr val="accent1"/>
+              </a:buClr>
+              <a:buSzPct val="80000"/>
+              <a:tabLst/>
+              <a:defRPr/>
+            </a:pPr>
+            <a:endParaRPr kumimoji="0" lang="en-US" sz="2700" b="0" i="0" u="none" strike="noStrike" kern="1200" cap="none" spc="0" normalizeH="0" baseline="0" noProof="0" dirty="0">
+              <a:ln>
+                <a:noFill/>
+              </a:ln>
+              <a:solidFill>
+                <a:srgbClr val="DEDEDE"/>
+              </a:solidFill>
+              <a:effectLst/>
+              <a:uLnTx/>
+              <a:uFillTx/>
+              <a:latin typeface="Trebuchet MS" pitchFamily="34" charset="0"/>
+              <a:ea typeface="+mn-ea"/>
+              <a:cs typeface="+mn-cs"/>
+            </a:endParaRPr>
+          </a:p>
+        </p:txBody>
+      </p:sp>
+      <p:sp>
+        <p:nvSpPr>
+          <p:cNvPr id="5" name="Rectangle 4"/>
+          <p:cNvSpPr/>
+          <p:nvPr/>
+        </p:nvSpPr>
+        <p:spPr>
+          <a:xfrm>
+            <a:off x="431800" y="1295401"/>
+            <a:ext cx="9296400" cy="3907993"/>
+          </a:xfrm>
+          <a:prstGeom prst="rect">
+            <a:avLst/>
+          </a:prstGeom>
+        </p:spPr>
+        <p:txBody>
+          <a:bodyPr wrap="square">
+            <a:spAutoFit/>
+          </a:bodyPr>
+          <a:lstStyle/>
+          <a:p>
+            <a:pPr lvl="1" indent="-342900">
+              <a:lnSpc>
+                <a:spcPct val="95000"/>
+              </a:lnSpc>
+              <a:buClr>
+                <a:srgbClr val="000000"/>
+              </a:buClr>
               <a:buFontTx/>
-              <a:buNone/>
-            </a:pPr>
-            <a:r>
-              <a:rPr lang="en-US" sz="2700">
+              <a:buChar char="•"/>
+            </a:pPr>
+            <a:r>
+              <a:rPr lang="en-US" sz="2700" dirty="0" smtClean="0">
                 <a:solidFill>
                   <a:srgbClr val="DEDEDE"/>
                 </a:solidFill>
                 <a:latin typeface="Trebuchet MS" pitchFamily="34" charset="0"/>
               </a:rPr>
-              <a:t> </a:t>
-            </a:r>
-            <a:endParaRPr lang="en-US"/>
-          </a:p>
-          <a:p>
-            <a:pPr marL="457200" lvl="1" indent="-342900">
+              <a:t>What is truly right? For humans? For robots?</a:t>
+            </a:r>
+          </a:p>
+          <a:p>
+            <a:pPr lvl="2" indent="-342900">
               <a:lnSpc>
                 <a:spcPct val="95000"/>
               </a:lnSpc>
-              <a:spcBef>
-                <a:spcPct val="0"/>
-              </a:spcBef>
               <a:buClr>
                 <a:srgbClr val="000000"/>
               </a:buClr>
@@ -4894,113 +5215,223 @@
               <a:buChar char="•"/>
             </a:pPr>
             <a:r>
-              <a:rPr lang="en-US" sz="2700">
+              <a:rPr lang="en-US" sz="2700" dirty="0" smtClean="0">
                 <a:solidFill>
                   <a:srgbClr val="DEDEDE"/>
                 </a:solidFill>
                 <a:latin typeface="Trebuchet MS" pitchFamily="34" charset="0"/>
               </a:rPr>
-              <a:t>Intelligent knowledge gatherer systems such as Isabel help doctors make the tougher decisions in their career</a:t>
-            </a:r>
-            <a:endParaRPr lang="en-US"/>
-          </a:p>
-          <a:p>
-            <a:pPr marL="0" indent="0">
+              <a:t>Asimov’s Three Sets of Robotic Laws (Runaround)</a:t>
+            </a:r>
+          </a:p>
+          <a:p>
+            <a:pPr lvl="3" indent="-342900">
               <a:lnSpc>
                 <a:spcPct val="95000"/>
               </a:lnSpc>
-              <a:spcBef>
-                <a:spcPct val="0"/>
-              </a:spcBef>
+              <a:buClr>
+                <a:srgbClr val="000000"/>
+              </a:buClr>
+            </a:pPr>
+            <a:endParaRPr lang="en-US" sz="2700" dirty="0" smtClean="0">
+              <a:solidFill>
+                <a:srgbClr val="DEDEDE"/>
+              </a:solidFill>
+              <a:latin typeface="Trebuchet MS" pitchFamily="34" charset="0"/>
+            </a:endParaRPr>
+          </a:p>
+          <a:p>
+            <a:pPr lvl="1" indent="-342900">
+              <a:lnSpc>
+                <a:spcPct val="95000"/>
+              </a:lnSpc>
+              <a:buClr>
+                <a:srgbClr val="000000"/>
+              </a:buClr>
               <a:buFontTx/>
-              <a:buNone/>
-            </a:pPr>
-            <a:r>
-              <a:rPr lang="en-US" sz="2700">
+              <a:buChar char="•"/>
+            </a:pPr>
+            <a:r>
+              <a:rPr lang="en-US" sz="2700" dirty="0" smtClean="0">
                 <a:solidFill>
                   <a:srgbClr val="DEDEDE"/>
                 </a:solidFill>
                 <a:latin typeface="Trebuchet MS" pitchFamily="34" charset="0"/>
               </a:rPr>
-              <a:t> </a:t>
-            </a:r>
-            <a:endParaRPr lang="en-US"/>
-          </a:p>
-          <a:p>
-            <a:pPr marL="0" indent="0">
-              <a:lnSpc>
-                <a:spcPct val="95000"/>
-              </a:lnSpc>
-              <a:spcBef>
-                <a:spcPct val="0"/>
-              </a:spcBef>
-              <a:buFontTx/>
-              <a:buNone/>
-            </a:pPr>
-            <a:r>
-              <a:rPr lang="en-US" sz="2700">
+              <a:t>Replacing humans with robots</a:t>
+            </a:r>
+            <a:br>
+              <a:rPr lang="en-US" sz="2700" dirty="0" smtClean="0">
                 <a:solidFill>
                   <a:srgbClr val="DEDEDE"/>
                 </a:solidFill>
                 <a:latin typeface="Trebuchet MS" pitchFamily="34" charset="0"/>
               </a:rPr>
-              <a:t> </a:t>
-            </a:r>
+            </a:br>
+            <a:endParaRPr lang="en-US" sz="2700" dirty="0" smtClean="0">
+              <a:solidFill>
+                <a:srgbClr val="DEDEDE"/>
+              </a:solidFill>
+              <a:latin typeface="Trebuchet MS" pitchFamily="34" charset="0"/>
+            </a:endParaRPr>
+          </a:p>
+          <a:p>
+            <a:pPr lvl="1" indent="-342900">
+              <a:lnSpc>
+                <a:spcPct val="95000"/>
+              </a:lnSpc>
+              <a:buClr>
+                <a:srgbClr val="000000"/>
+              </a:buClr>
+              <a:buFontTx/>
+              <a:buChar char="•"/>
+            </a:pPr>
+            <a:r>
+              <a:rPr lang="en-US" sz="2700" dirty="0" smtClean="0">
+                <a:solidFill>
+                  <a:srgbClr val="DEDEDE"/>
+                </a:solidFill>
+                <a:latin typeface="Trebuchet MS" pitchFamily="34" charset="0"/>
+              </a:rPr>
+              <a:t>Capable of so much, but to what extent?</a:t>
+            </a:r>
+          </a:p>
+          <a:p>
+            <a:pPr lvl="2" indent="-342900">
+              <a:lnSpc>
+                <a:spcPct val="95000"/>
+              </a:lnSpc>
+              <a:buClr>
+                <a:srgbClr val="000000"/>
+              </a:buClr>
+              <a:buFontTx/>
+              <a:buChar char="•"/>
+            </a:pPr>
+            <a:r>
+              <a:rPr lang="en-US" sz="2700" dirty="0" smtClean="0">
+                <a:solidFill>
+                  <a:srgbClr val="DEDEDE"/>
+                </a:solidFill>
+                <a:latin typeface="Trebuchet MS" pitchFamily="34" charset="0"/>
+              </a:rPr>
+              <a:t>“We have hundreds of examples today of Narrow AI… and the narrowness is gradually getting less narrow”</a:t>
+            </a:r>
+          </a:p>
+          <a:p>
+            <a:pPr lvl="3" indent="-342900">
+              <a:lnSpc>
+                <a:spcPct val="95000"/>
+              </a:lnSpc>
+              <a:buClr>
+                <a:srgbClr val="000000"/>
+              </a:buClr>
+              <a:buFontTx/>
+              <a:buChar char="•"/>
+            </a:pPr>
+            <a:r>
+              <a:rPr lang="en-US" sz="1800" dirty="0" err="1" smtClean="0">
+                <a:solidFill>
+                  <a:srgbClr val="DEDEDE"/>
+                </a:solidFill>
+                <a:latin typeface="Trebuchet MS" pitchFamily="34" charset="0"/>
+              </a:rPr>
+              <a:t>Kurzweil’s</a:t>
+            </a:r>
+            <a:r>
+              <a:rPr lang="en-US" sz="1800" dirty="0" smtClean="0">
+                <a:solidFill>
+                  <a:srgbClr val="DEDEDE"/>
+                </a:solidFill>
+                <a:latin typeface="Trebuchet MS" pitchFamily="34" charset="0"/>
+              </a:rPr>
+              <a:t> “Merging with the Machines”</a:t>
+            </a:r>
+            <a:r>
+              <a:rPr lang="en-US" sz="2700" dirty="0" smtClean="0">
+                <a:solidFill>
+                  <a:srgbClr val="DEDEDE"/>
+                </a:solidFill>
+                <a:latin typeface="Trebuchet MS" pitchFamily="34" charset="0"/>
+              </a:rPr>
+              <a:t/>
+            </a:r>
+            <a:br>
+              <a:rPr lang="en-US" sz="2700" dirty="0" smtClean="0">
+                <a:solidFill>
+                  <a:srgbClr val="DEDEDE"/>
+                </a:solidFill>
+                <a:latin typeface="Trebuchet MS" pitchFamily="34" charset="0"/>
+              </a:rPr>
+            </a:br>
+            <a:endParaRPr lang="en-US" sz="2700" dirty="0" smtClean="0">
+              <a:solidFill>
+                <a:srgbClr val="DEDEDE"/>
+              </a:solidFill>
+              <a:latin typeface="Trebuchet MS" pitchFamily="34" charset="0"/>
+            </a:endParaRPr>
           </a:p>
         </p:txBody>
       </p:sp>
       <p:pic>
         <p:nvPicPr>
-          <p:cNvPr id="12292" name="Picture 4"/>
+          <p:cNvPr id="6" name="Picture 5" descr="worthingtonterminator.jpg"/>
           <p:cNvPicPr>
-            <a:picLocks noChangeAspect="1" noChangeArrowheads="1"/>
+            <a:picLocks noChangeAspect="1"/>
           </p:cNvPicPr>
           <p:nvPr/>
         </p:nvPicPr>
         <p:blipFill>
-          <a:blip r:embed="rId2" cstate="print"/>
-          <a:srcRect/>
+          <a:blip r:embed="rId3" cstate="print"/>
           <a:stretch>
             <a:fillRect/>
           </a:stretch>
         </p:blipFill>
-        <p:spPr bwMode="auto">
+        <p:spPr>
           <a:xfrm>
-            <a:off x="914400" y="3860800"/>
-            <a:ext cx="3573463" cy="3538538"/>
+            <a:off x="3683000" y="4876800"/>
+            <a:ext cx="6477000" cy="2743200"/>
+          </a:xfrm>
+          <a:prstGeom prst="rect">
+            <a:avLst/>
+          </a:prstGeom>
+        </p:spPr>
+      </p:pic>
+      <p:sp>
+        <p:nvSpPr>
+          <p:cNvPr id="8" name="TextBox 7"/>
+          <p:cNvSpPr txBox="1"/>
+          <p:nvPr/>
+        </p:nvSpPr>
+        <p:spPr>
+          <a:xfrm>
+            <a:off x="3784600" y="6789003"/>
+            <a:ext cx="2286000" cy="830997"/>
           </a:xfrm>
           <a:prstGeom prst="rect">
             <a:avLst/>
           </a:prstGeom>
           <a:noFill/>
         </p:spPr>
-      </p:pic>
-      <p:pic>
-        <p:nvPicPr>
-          <p:cNvPr id="12293" name="Picture 5"/>
-          <p:cNvPicPr>
-            <a:picLocks noChangeAspect="1" noChangeArrowheads="1"/>
-          </p:cNvPicPr>
-          <p:nvPr/>
-        </p:nvPicPr>
-        <p:blipFill>
-          <a:blip r:embed="rId3" cstate="print"/>
-          <a:srcRect/>
-          <a:stretch>
-            <a:fillRect/>
-          </a:stretch>
-        </p:blipFill>
-        <p:spPr bwMode="auto">
-          <a:xfrm>
-            <a:off x="5994400" y="3860800"/>
-            <a:ext cx="3324225" cy="3657600"/>
-          </a:xfrm>
-          <a:prstGeom prst="rect">
-            <a:avLst/>
-          </a:prstGeom>
-          <a:noFill/>
-        </p:spPr>
-      </p:pic>
+        <p:txBody>
+          <a:bodyPr wrap="square" rtlCol="0">
+            <a:spAutoFit/>
+          </a:bodyPr>
+          <a:lstStyle/>
+          <a:p>
+            <a:r>
+              <a:rPr lang="en-US" sz="1600" dirty="0" smtClean="0"/>
+              <a:t>Sam Worthington as Marcus Wright, </a:t>
+            </a:r>
+          </a:p>
+          <a:p>
+            <a:r>
+              <a:rPr lang="en-US" sz="1600" dirty="0" smtClean="0"/>
+              <a:t>Terminator Salvation</a:t>
+            </a:r>
+            <a:endParaRPr lang="en-US" sz="1600" dirty="0"/>
+          </a:p>
+        </p:txBody>
+      </p:sp>
     </p:spTree>
   </p:cSld>
   <p:clrMapOvr>
@@ -5035,7 +5466,7 @@
       </p:grpSpPr>
       <p:sp>
         <p:nvSpPr>
-          <p:cNvPr id="13313" name="Rectangle 1"/>
+          <p:cNvPr id="12289" name="Rectangle 1"/>
           <p:cNvSpPr>
             <a:spLocks noGrp="1" noChangeArrowheads="1"/>
           </p:cNvSpPr>
@@ -5065,14 +5496,14 @@
                 </a:solidFill>
                 <a:latin typeface="Trebuchet MS" pitchFamily="34" charset="0"/>
               </a:rPr>
-              <a:t>Culture (cont)</a:t>
-            </a:r>
-          </a:p>
-        </p:txBody>
-      </p:sp>
-      <p:sp>
-        <p:nvSpPr>
-          <p:cNvPr id="13314" name="Rectangle 2"/>
+              <a:t>Culture</a:t>
+            </a:r>
+          </a:p>
+        </p:txBody>
+      </p:sp>
+      <p:sp>
+        <p:nvSpPr>
+          <p:cNvPr id="12290" name="Rectangle 2"/>
           <p:cNvSpPr>
             <a:spLocks noGrp="1" noChangeArrowheads="1"/>
           </p:cNvSpPr>
@@ -5082,8 +5513,8 @@
         </p:nvSpPr>
         <p:spPr>
           <a:xfrm>
-            <a:off x="247650" y="1828800"/>
-            <a:ext cx="9664700" cy="5486400"/>
+            <a:off x="247650" y="1524000"/>
+            <a:ext cx="9667875" cy="5551488"/>
           </a:xfrm>
         </p:spPr>
         <p:txBody>
@@ -5110,7 +5541,7 @@
                 </a:solidFill>
                 <a:latin typeface="Trebuchet MS" pitchFamily="34" charset="0"/>
               </a:rPr>
-              <a:t>Adam utilizes robotics and a unique research intelligence to create, test and document biological experiments</a:t>
+              <a:t>Idea of helping mankind with AI has been around since 1988</a:t>
             </a:r>
             <a:endParaRPr lang="en-US"/>
           </a:p>
@@ -5179,7 +5610,7 @@
                 </a:solidFill>
                 <a:latin typeface="Trebuchet MS" pitchFamily="34" charset="0"/>
               </a:rPr>
-              <a:t>DARPA has been funding the creation of self driving cars, some of which are in our very area. </a:t>
+              <a:t>Intelligent knowledge gatherer systems such as Isabel help doctors make the tougher decisions in their career</a:t>
             </a:r>
             <a:endParaRPr lang="en-US"/>
           </a:p>
@@ -5191,31 +5622,53 @@
               <a:spcBef>
                 <a:spcPct val="0"/>
               </a:spcBef>
-              <a:buClr>
-                <a:srgbClr val="000000"/>
-              </a:buClr>
               <a:buFontTx/>
               <a:buNone/>
             </a:pPr>
-            <a:endParaRPr lang="en-US" sz="2700">
-              <a:solidFill>
-                <a:srgbClr val="DEDEDE"/>
-              </a:solidFill>
-              <a:latin typeface="Trebuchet MS" pitchFamily="34" charset="0"/>
-            </a:endParaRPr>
+            <a:r>
+              <a:rPr lang="en-US" sz="2700">
+                <a:solidFill>
+                  <a:srgbClr val="DEDEDE"/>
+                </a:solidFill>
+                <a:latin typeface="Trebuchet MS" pitchFamily="34" charset="0"/>
+              </a:rPr>
+              <a:t> </a:t>
+            </a:r>
+            <a:endParaRPr lang="en-US"/>
+          </a:p>
+          <a:p>
+            <a:pPr marL="0" indent="0">
+              <a:lnSpc>
+                <a:spcPct val="95000"/>
+              </a:lnSpc>
+              <a:spcBef>
+                <a:spcPct val="0"/>
+              </a:spcBef>
+              <a:buFontTx/>
+              <a:buNone/>
+            </a:pPr>
+            <a:r>
+              <a:rPr lang="en-US" sz="2700">
+                <a:solidFill>
+                  <a:srgbClr val="DEDEDE"/>
+                </a:solidFill>
+                <a:latin typeface="Trebuchet MS" pitchFamily="34" charset="0"/>
+              </a:rPr>
+              <a:t> </a:t>
+            </a:r>
           </a:p>
         </p:txBody>
       </p:sp>
       <p:pic>
         <p:nvPicPr>
-          <p:cNvPr id="13316" name="Picture 4"/>
+          <p:cNvPr id="12292" name="Picture 4"/>
           <p:cNvPicPr>
             <a:picLocks noChangeAspect="1" noChangeArrowheads="1"/>
           </p:cNvPicPr>
           <p:nvPr/>
         </p:nvPicPr>
         <p:blipFill>
-          <a:blip r:embed="rId2" cstate="print"/>
+          <a:blip r:embed="rId2"/>
           <a:srcRect/>
           <a:stretch>
             <a:fillRect/>
@@ -5223,8 +5676,8 @@
         </p:blipFill>
         <p:spPr bwMode="auto">
           <a:xfrm>
-            <a:off x="406400" y="4470400"/>
-            <a:ext cx="3240088" cy="2800350"/>
+            <a:off x="914400" y="3860800"/>
+            <a:ext cx="3573463" cy="3538538"/>
           </a:xfrm>
           <a:prstGeom prst="rect">
             <a:avLst/>
@@ -5234,14 +5687,14 @@
       </p:pic>
       <p:pic>
         <p:nvPicPr>
-          <p:cNvPr id="13317" name="Picture 5"/>
+          <p:cNvPr id="12293" name="Picture 5"/>
           <p:cNvPicPr>
             <a:picLocks noChangeAspect="1" noChangeArrowheads="1"/>
           </p:cNvPicPr>
           <p:nvPr/>
         </p:nvPicPr>
         <p:blipFill>
-          <a:blip r:embed="rId3" cstate="print"/>
+          <a:blip r:embed="rId3"/>
           <a:srcRect/>
           <a:stretch>
             <a:fillRect/>
@@ -5249,8 +5702,8 @@
         </p:blipFill>
         <p:spPr bwMode="auto">
           <a:xfrm>
-            <a:off x="5994400" y="4673600"/>
-            <a:ext cx="3805238" cy="2363788"/>
+            <a:off x="5994400" y="3860800"/>
+            <a:ext cx="3324225" cy="3657600"/>
           </a:xfrm>
           <a:prstGeom prst="rect">
             <a:avLst/>
@@ -5290,16 +5743,189 @@
           <a:chExt cx="0" cy="0"/>
         </a:xfrm>
       </p:grpSpPr>
+      <p:sp>
+        <p:nvSpPr>
+          <p:cNvPr id="13313" name="Rectangle 1"/>
+          <p:cNvSpPr>
+            <a:spLocks noGrp="1" noChangeArrowheads="1"/>
+          </p:cNvSpPr>
+          <p:nvPr>
+            <p:ph type="title"/>
+          </p:nvPr>
+        </p:nvSpPr>
+        <p:spPr>
+          <a:xfrm>
+            <a:off x="247650" y="304800"/>
+            <a:ext cx="9664700" cy="914400"/>
+          </a:xfrm>
+        </p:spPr>
+        <p:txBody>
+          <a:bodyPr lIns="0" tIns="0" rIns="0" bIns="0" anchor="t"/>
+          <a:lstStyle/>
+          <a:p>
+            <a:pPr algn="l">
+              <a:lnSpc>
+                <a:spcPct val="95000"/>
+              </a:lnSpc>
+            </a:pPr>
+            <a:r>
+              <a:rPr lang="en-US" sz="4300">
+                <a:solidFill>
+                  <a:srgbClr val="DEDEDE"/>
+                </a:solidFill>
+                <a:latin typeface="Trebuchet MS" pitchFamily="34" charset="0"/>
+              </a:rPr>
+              <a:t>Culture (cont)</a:t>
+            </a:r>
+          </a:p>
+        </p:txBody>
+      </p:sp>
+      <p:sp>
+        <p:nvSpPr>
+          <p:cNvPr id="13314" name="Rectangle 2"/>
+          <p:cNvSpPr>
+            <a:spLocks noGrp="1" noChangeArrowheads="1"/>
+          </p:cNvSpPr>
+          <p:nvPr>
+            <p:ph idx="1"/>
+          </p:nvPr>
+        </p:nvSpPr>
+        <p:spPr>
+          <a:xfrm>
+            <a:off x="247650" y="1828800"/>
+            <a:ext cx="9664700" cy="5486400"/>
+          </a:xfrm>
+        </p:spPr>
+        <p:txBody>
+          <a:bodyPr lIns="0" tIns="0" rIns="0" bIns="0"/>
+          <a:lstStyle/>
+          <a:p>
+            <a:pPr marL="457200" lvl="1" indent="-342900">
+              <a:lnSpc>
+                <a:spcPct val="95000"/>
+              </a:lnSpc>
+              <a:spcBef>
+                <a:spcPct val="0"/>
+              </a:spcBef>
+              <a:buClr>
+                <a:srgbClr val="000000"/>
+              </a:buClr>
+              <a:buFontTx/>
+              <a:buChar char="•"/>
+            </a:pPr>
+            <a:r>
+              <a:rPr lang="en-US" sz="2700">
+                <a:solidFill>
+                  <a:srgbClr val="DEDEDE"/>
+                </a:solidFill>
+                <a:latin typeface="Trebuchet MS" pitchFamily="34" charset="0"/>
+              </a:rPr>
+              <a:t>Adam utilizes robotics and a unique research intelligence to create, test and document biological experiments</a:t>
+            </a:r>
+            <a:endParaRPr lang="en-US"/>
+          </a:p>
+          <a:p>
+            <a:pPr marL="0" indent="0">
+              <a:lnSpc>
+                <a:spcPct val="95000"/>
+              </a:lnSpc>
+              <a:spcBef>
+                <a:spcPct val="0"/>
+              </a:spcBef>
+              <a:buFontTx/>
+              <a:buNone/>
+            </a:pPr>
+            <a:r>
+              <a:rPr lang="en-US" sz="2700">
+                <a:solidFill>
+                  <a:srgbClr val="DEDEDE"/>
+                </a:solidFill>
+                <a:latin typeface="Trebuchet MS" pitchFamily="34" charset="0"/>
+              </a:rPr>
+              <a:t> </a:t>
+            </a:r>
+            <a:endParaRPr lang="en-US"/>
+          </a:p>
+          <a:p>
+            <a:pPr marL="0" indent="0">
+              <a:lnSpc>
+                <a:spcPct val="95000"/>
+              </a:lnSpc>
+              <a:spcBef>
+                <a:spcPct val="0"/>
+              </a:spcBef>
+              <a:buFontTx/>
+              <a:buNone/>
+            </a:pPr>
+            <a:r>
+              <a:rPr lang="en-US" sz="2700">
+                <a:solidFill>
+                  <a:srgbClr val="DEDEDE"/>
+                </a:solidFill>
+                <a:latin typeface="Trebuchet MS" pitchFamily="34" charset="0"/>
+              </a:rPr>
+              <a:t> </a:t>
+            </a:r>
+            <a:endParaRPr lang="en-US"/>
+          </a:p>
+          <a:p>
+            <a:pPr marL="457200" lvl="1" indent="-342900">
+              <a:lnSpc>
+                <a:spcPct val="95000"/>
+              </a:lnSpc>
+              <a:spcBef>
+                <a:spcPct val="0"/>
+              </a:spcBef>
+              <a:buClr>
+                <a:srgbClr val="000000"/>
+              </a:buClr>
+              <a:buFontTx/>
+              <a:buChar char="•"/>
+            </a:pPr>
+            <a:r>
+              <a:rPr lang="en-US" sz="2700">
+                <a:solidFill>
+                  <a:srgbClr val="DEDEDE"/>
+                </a:solidFill>
+                <a:latin typeface="Trebuchet MS" pitchFamily="34" charset="0"/>
+              </a:rPr>
+              <a:t>DARPA has been funding the creation of self driving cars, some of which are in our very area. </a:t>
+            </a:r>
+            <a:endParaRPr lang="en-US"/>
+          </a:p>
+          <a:p>
+            <a:pPr marL="0" indent="0">
+              <a:lnSpc>
+                <a:spcPct val="95000"/>
+              </a:lnSpc>
+              <a:spcBef>
+                <a:spcPct val="0"/>
+              </a:spcBef>
+              <a:buClr>
+                <a:srgbClr val="000000"/>
+              </a:buClr>
+              <a:buFontTx/>
+              <a:buNone/>
+            </a:pPr>
+            <a:endParaRPr lang="en-US" sz="2700">
+              <a:solidFill>
+                <a:srgbClr val="DEDEDE"/>
+              </a:solidFill>
+              <a:latin typeface="Trebuchet MS" pitchFamily="34" charset="0"/>
+            </a:endParaRPr>
+          </a:p>
+        </p:txBody>
+      </p:sp>
       <p:pic>
         <p:nvPicPr>
-          <p:cNvPr id="14340" name="Picture 4"/>
+          <p:cNvPr id="13316" name="Picture 4"/>
           <p:cNvPicPr>
             <a:picLocks noChangeAspect="1" noChangeArrowheads="1"/>
           </p:cNvPicPr>
           <p:nvPr/>
         </p:nvPicPr>
         <p:blipFill>
-          <a:blip r:embed="rId2" cstate="print"/>
+          <a:blip r:embed="rId2"/>
           <a:srcRect/>
           <a:stretch>
             <a:fillRect/>
@@ -5307,8 +5933,34 @@
         </p:blipFill>
         <p:spPr bwMode="auto">
           <a:xfrm>
-            <a:off x="0" y="0"/>
-            <a:ext cx="10201275" cy="7666038"/>
+            <a:off x="406400" y="4470400"/>
+            <a:ext cx="3240088" cy="2800350"/>
+          </a:xfrm>
+          <a:prstGeom prst="rect">
+            <a:avLst/>
+          </a:prstGeom>
+          <a:noFill/>
+        </p:spPr>
+      </p:pic>
+      <p:pic>
+        <p:nvPicPr>
+          <p:cNvPr id="13317" name="Picture 5"/>
+          <p:cNvPicPr>
+            <a:picLocks noChangeAspect="1" noChangeArrowheads="1"/>
+          </p:cNvPicPr>
+          <p:nvPr/>
+        </p:nvPicPr>
+        <p:blipFill>
+          <a:blip r:embed="rId3"/>
+          <a:srcRect/>
+          <a:stretch>
+            <a:fillRect/>
+          </a:stretch>
+        </p:blipFill>
+        <p:spPr bwMode="auto">
+          <a:xfrm>
+            <a:off x="5994400" y="4673600"/>
+            <a:ext cx="3805238" cy="2363788"/>
           </a:xfrm>
           <a:prstGeom prst="rect">
             <a:avLst/>
@@ -5348,85 +6000,32 @@
           <a:chExt cx="0" cy="0"/>
         </a:xfrm>
       </p:grpSpPr>
-      <p:sp>
-        <p:nvSpPr>
-          <p:cNvPr id="15361" name="Rectangle 1"/>
-          <p:cNvSpPr>
-            <a:spLocks noGrp="1" noChangeArrowheads="1"/>
-          </p:cNvSpPr>
-          <p:nvPr>
-            <p:ph type="title"/>
-          </p:nvPr>
-        </p:nvSpPr>
-        <p:spPr>
+      <p:pic>
+        <p:nvPicPr>
+          <p:cNvPr id="14340" name="Picture 4"/>
+          <p:cNvPicPr>
+            <a:picLocks noChangeAspect="1" noChangeArrowheads="1"/>
+          </p:cNvPicPr>
+          <p:nvPr/>
+        </p:nvPicPr>
+        <p:blipFill>
+          <a:blip r:embed="rId2"/>
+          <a:srcRect/>
+          <a:stretch>
+            <a:fillRect/>
+          </a:stretch>
+        </p:blipFill>
+        <p:spPr bwMode="auto">
           <a:xfrm>
-            <a:off x="247650" y="304800"/>
-            <a:ext cx="9664700" cy="914400"/>
+            <a:off x="0" y="0"/>
+            <a:ext cx="10201275" cy="7666038"/>
           </a:xfrm>
+          <a:prstGeom prst="rect">
+            <a:avLst/>
+          </a:prstGeom>
+          <a:noFill/>
         </p:spPr>
-        <p:txBody>
-          <a:bodyPr lIns="0" tIns="0" rIns="0" bIns="0" anchor="t"/>
-          <a:lstStyle/>
-          <a:p>
-            <a:pPr algn="l">
-              <a:lnSpc>
-                <a:spcPct val="95000"/>
-              </a:lnSpc>
-            </a:pPr>
-            <a:r>
-              <a:rPr lang="en-US" sz="4300">
-                <a:solidFill>
-                  <a:srgbClr val="DEDEDE"/>
-                </a:solidFill>
-                <a:latin typeface="Trebuchet MS" pitchFamily="34" charset="0"/>
-              </a:rPr>
-              <a:t>Conclusion</a:t>
-            </a:r>
-          </a:p>
-        </p:txBody>
-      </p:sp>
-      <p:sp>
-        <p:nvSpPr>
-          <p:cNvPr id="15362" name="Rectangle 2"/>
-          <p:cNvSpPr>
-            <a:spLocks noGrp="1" noChangeArrowheads="1"/>
-          </p:cNvSpPr>
-          <p:nvPr>
-            <p:ph idx="1"/>
-          </p:nvPr>
-        </p:nvSpPr>
-        <p:spPr>
-          <a:xfrm>
-            <a:off x="247650" y="1828800"/>
-            <a:ext cx="9664700" cy="5486400"/>
-          </a:xfrm>
-        </p:spPr>
-        <p:txBody>
-          <a:bodyPr lIns="0" tIns="0" rIns="0" bIns="0"/>
-          <a:lstStyle/>
-          <a:p>
-            <a:pPr marL="0" indent="0">
-              <a:lnSpc>
-                <a:spcPct val="95000"/>
-              </a:lnSpc>
-              <a:spcBef>
-                <a:spcPct val="0"/>
-              </a:spcBef>
-              <a:buFontTx/>
-              <a:buNone/>
-            </a:pPr>
-            <a:r>
-              <a:rPr lang="en-US" sz="2700">
-                <a:solidFill>
-                  <a:srgbClr val="DEDEDE"/>
-                </a:solidFill>
-                <a:latin typeface="Trebuchet MS" pitchFamily="34" charset="0"/>
-              </a:rPr>
-              <a:t> </a:t>
-            </a:r>
-          </a:p>
-        </p:txBody>
-      </p:sp>
+      </p:pic>
     </p:spTree>
   </p:cSld>
   <p:clrMapOvr>
@@ -5461,6 +6060,527 @@
       </p:grpSpPr>
       <p:sp>
         <p:nvSpPr>
+          <p:cNvPr id="2" name="Title 1"/>
+          <p:cNvSpPr>
+            <a:spLocks noGrp="1"/>
+          </p:cNvSpPr>
+          <p:nvPr>
+            <p:ph type="title"/>
+          </p:nvPr>
+        </p:nvSpPr>
+        <p:spPr/>
+        <p:txBody>
+          <a:bodyPr/>
+          <a:lstStyle/>
+          <a:p>
+            <a:r>
+              <a:rPr lang="en-US" dirty="0" smtClean="0"/>
+              <a:t>Problems</a:t>
+            </a:r>
+            <a:endParaRPr lang="en-US" dirty="0"/>
+          </a:p>
+        </p:txBody>
+      </p:sp>
+      <p:sp>
+        <p:nvSpPr>
+          <p:cNvPr id="3" name="Content Placeholder 2"/>
+          <p:cNvSpPr>
+            <a:spLocks noGrp="1"/>
+          </p:cNvSpPr>
+          <p:nvPr>
+            <p:ph idx="1"/>
+          </p:nvPr>
+        </p:nvSpPr>
+        <p:spPr/>
+        <p:txBody>
+          <a:bodyPr/>
+          <a:lstStyle/>
+          <a:p>
+            <a:r>
+              <a:rPr lang="en-US" dirty="0" smtClean="0"/>
+              <a:t>Job outlook</a:t>
+            </a:r>
+          </a:p>
+          <a:p>
+            <a:endParaRPr lang="en-US" dirty="0" smtClean="0"/>
+          </a:p>
+          <a:p>
+            <a:endParaRPr lang="en-US" dirty="0" smtClean="0"/>
+          </a:p>
+          <a:p>
+            <a:r>
+              <a:rPr lang="en-US" dirty="0" smtClean="0"/>
+              <a:t>Rogue AI</a:t>
+            </a:r>
+            <a:endParaRPr lang="en-US" dirty="0" smtClean="0"/>
+          </a:p>
+        </p:txBody>
+      </p:sp>
+    </p:spTree>
+  </p:cSld>
+  <p:clrMapOvr>
+    <a:masterClrMapping/>
+  </p:clrMapOvr>
+</p:sld>
+</file>
+
+<file path=ppt/slides/slide15.xml><?xml version="1.0" encoding="utf-8"?>
+<p:sld xmlns:a="http://schemas.openxmlformats.org/drawingml/2006/main" xmlns:r="http://schemas.openxmlformats.org/officeDocument/2006/relationships" xmlns:p="http://schemas.openxmlformats.org/presentationml/2006/main">
+  <p:cSld>
+    <p:spTree>
+      <p:nvGrpSpPr>
+        <p:cNvPr id="1" name=""/>
+        <p:cNvGrpSpPr/>
+        <p:nvPr/>
+      </p:nvGrpSpPr>
+      <p:grpSpPr>
+        <a:xfrm>
+          <a:off x="0" y="0"/>
+          <a:ext cx="0" cy="0"/>
+          <a:chOff x="0" y="0"/>
+          <a:chExt cx="0" cy="0"/>
+        </a:xfrm>
+      </p:grpSpPr>
+      <p:sp>
+        <p:nvSpPr>
+          <p:cNvPr id="2" name="Title 1"/>
+          <p:cNvSpPr>
+            <a:spLocks noGrp="1"/>
+          </p:cNvSpPr>
+          <p:nvPr>
+            <p:ph type="title"/>
+          </p:nvPr>
+        </p:nvSpPr>
+        <p:spPr/>
+        <p:txBody>
+          <a:bodyPr/>
+          <a:lstStyle/>
+          <a:p>
+            <a:r>
+              <a:rPr lang="en-US" dirty="0" smtClean="0"/>
+              <a:t>Solutions</a:t>
+            </a:r>
+            <a:endParaRPr lang="en-US" dirty="0"/>
+          </a:p>
+        </p:txBody>
+      </p:sp>
+      <p:sp>
+        <p:nvSpPr>
+          <p:cNvPr id="3" name="Content Placeholder 2"/>
+          <p:cNvSpPr>
+            <a:spLocks noGrp="1"/>
+          </p:cNvSpPr>
+          <p:nvPr>
+            <p:ph idx="1"/>
+          </p:nvPr>
+        </p:nvSpPr>
+        <p:spPr/>
+        <p:txBody>
+          <a:bodyPr/>
+          <a:lstStyle/>
+          <a:p>
+            <a:r>
+              <a:rPr lang="en-US" dirty="0" smtClean="0"/>
+              <a:t>Advance humanity</a:t>
+            </a:r>
+          </a:p>
+          <a:p>
+            <a:endParaRPr lang="en-US" dirty="0" smtClean="0"/>
+          </a:p>
+          <a:p>
+            <a:endParaRPr lang="en-US" dirty="0" smtClean="0"/>
+          </a:p>
+          <a:p>
+            <a:endParaRPr lang="en-US" dirty="0" smtClean="0"/>
+          </a:p>
+          <a:p>
+            <a:endParaRPr lang="en-US" dirty="0" smtClean="0"/>
+          </a:p>
+          <a:p>
+            <a:endParaRPr lang="en-US" dirty="0" smtClean="0"/>
+          </a:p>
+          <a:p>
+            <a:r>
+              <a:rPr lang="en-US" dirty="0" smtClean="0"/>
+              <a:t>Say no to the red button</a:t>
+            </a:r>
+            <a:endParaRPr lang="en-US" dirty="0" smtClean="0"/>
+          </a:p>
+        </p:txBody>
+      </p:sp>
+      <p:pic>
+        <p:nvPicPr>
+          <p:cNvPr id="2051" name="Picture 3"/>
+          <p:cNvPicPr>
+            <a:picLocks noChangeAspect="1" noChangeArrowheads="1"/>
+          </p:cNvPicPr>
+          <p:nvPr/>
+        </p:nvPicPr>
+        <p:blipFill>
+          <a:blip r:embed="rId2"/>
+          <a:srcRect/>
+          <a:stretch>
+            <a:fillRect/>
+          </a:stretch>
+        </p:blipFill>
+        <p:spPr bwMode="auto">
+          <a:xfrm>
+            <a:off x="6299200" y="4038600"/>
+            <a:ext cx="3305175" cy="3397351"/>
+          </a:xfrm>
+          <a:prstGeom prst="rect">
+            <a:avLst/>
+          </a:prstGeom>
+          <a:noFill/>
+          <a:ln w="9525">
+            <a:noFill/>
+            <a:miter lim="800000"/>
+            <a:headEnd/>
+            <a:tailEnd/>
+          </a:ln>
+          <a:effectLst/>
+        </p:spPr>
+      </p:pic>
+      <p:pic>
+        <p:nvPicPr>
+          <p:cNvPr id="2052" name="Picture 4"/>
+          <p:cNvPicPr>
+            <a:picLocks noChangeAspect="1" noChangeArrowheads="1"/>
+          </p:cNvPicPr>
+          <p:nvPr/>
+        </p:nvPicPr>
+        <p:blipFill>
+          <a:blip r:embed="rId3"/>
+          <a:srcRect/>
+          <a:stretch>
+            <a:fillRect/>
+          </a:stretch>
+        </p:blipFill>
+        <p:spPr bwMode="auto">
+          <a:xfrm>
+            <a:off x="5461000" y="228600"/>
+            <a:ext cx="4368800" cy="3276600"/>
+          </a:xfrm>
+          <a:prstGeom prst="rect">
+            <a:avLst/>
+          </a:prstGeom>
+          <a:noFill/>
+          <a:ln w="9525">
+            <a:noFill/>
+            <a:miter lim="800000"/>
+            <a:headEnd/>
+            <a:tailEnd/>
+          </a:ln>
+          <a:effectLst/>
+        </p:spPr>
+      </p:pic>
+    </p:spTree>
+  </p:cSld>
+  <p:clrMapOvr>
+    <a:masterClrMapping/>
+  </p:clrMapOvr>
+</p:sld>
+</file>
+
+<file path=ppt/slides/slide16.xml><?xml version="1.0" encoding="utf-8"?>
+<p:sld xmlns:a="http://schemas.openxmlformats.org/drawingml/2006/main" xmlns:r="http://schemas.openxmlformats.org/officeDocument/2006/relationships" xmlns:p="http://schemas.openxmlformats.org/presentationml/2006/main">
+  <p:cSld>
+    <p:spTree>
+      <p:nvGrpSpPr>
+        <p:cNvPr id="1" name=""/>
+        <p:cNvGrpSpPr/>
+        <p:nvPr/>
+      </p:nvGrpSpPr>
+      <p:grpSpPr>
+        <a:xfrm>
+          <a:off x="0" y="0"/>
+          <a:ext cx="0" cy="0"/>
+          <a:chOff x="0" y="0"/>
+          <a:chExt cx="0" cy="0"/>
+        </a:xfrm>
+      </p:grpSpPr>
+      <p:sp>
+        <p:nvSpPr>
+          <p:cNvPr id="15361" name="Rectangle 1"/>
+          <p:cNvSpPr>
+            <a:spLocks noGrp="1" noChangeArrowheads="1"/>
+          </p:cNvSpPr>
+          <p:nvPr>
+            <p:ph type="title"/>
+          </p:nvPr>
+        </p:nvSpPr>
+        <p:spPr>
+          <a:xfrm>
+            <a:off x="247650" y="304800"/>
+            <a:ext cx="9664700" cy="914400"/>
+          </a:xfrm>
+        </p:spPr>
+        <p:txBody>
+          <a:bodyPr lIns="0" tIns="0" rIns="0" bIns="0" anchor="t"/>
+          <a:lstStyle/>
+          <a:p>
+            <a:pPr algn="l">
+              <a:lnSpc>
+                <a:spcPct val="95000"/>
+              </a:lnSpc>
+            </a:pPr>
+            <a:r>
+              <a:rPr lang="en-US" sz="4300" dirty="0">
+                <a:solidFill>
+                  <a:srgbClr val="DEDEDE"/>
+                </a:solidFill>
+                <a:latin typeface="Trebuchet MS" pitchFamily="34" charset="0"/>
+              </a:rPr>
+              <a:t>Conclusion</a:t>
+            </a:r>
+          </a:p>
+        </p:txBody>
+      </p:sp>
+      <p:sp>
+        <p:nvSpPr>
+          <p:cNvPr id="15362" name="Rectangle 2"/>
+          <p:cNvSpPr>
+            <a:spLocks noGrp="1" noChangeArrowheads="1"/>
+          </p:cNvSpPr>
+          <p:nvPr>
+            <p:ph idx="1"/>
+          </p:nvPr>
+        </p:nvSpPr>
+        <p:spPr>
+          <a:xfrm>
+            <a:off x="247650" y="1828800"/>
+            <a:ext cx="9664700" cy="5486400"/>
+          </a:xfrm>
+        </p:spPr>
+        <p:txBody>
+          <a:bodyPr lIns="0" tIns="0" rIns="0" bIns="0"/>
+          <a:lstStyle/>
+          <a:p>
+            <a:pPr marL="457200" lvl="1" indent="-342900">
+              <a:lnSpc>
+                <a:spcPct val="95000"/>
+              </a:lnSpc>
+              <a:spcBef>
+                <a:spcPct val="0"/>
+              </a:spcBef>
+              <a:buClr>
+                <a:srgbClr val="000000"/>
+              </a:buClr>
+              <a:buFontTx/>
+              <a:buChar char="•"/>
+            </a:pPr>
+            <a:r>
+              <a:rPr lang="en-US" sz="2700" dirty="0" smtClean="0">
+                <a:solidFill>
+                  <a:srgbClr val="DEDEDE"/>
+                </a:solidFill>
+                <a:latin typeface="Trebuchet MS" pitchFamily="34" charset="0"/>
+              </a:rPr>
+              <a:t>What is artificial intelligence?</a:t>
+            </a:r>
+          </a:p>
+          <a:p>
+            <a:pPr marL="457200" lvl="1" indent="-342900">
+              <a:lnSpc>
+                <a:spcPct val="95000"/>
+              </a:lnSpc>
+              <a:spcBef>
+                <a:spcPct val="0"/>
+              </a:spcBef>
+              <a:buClr>
+                <a:srgbClr val="000000"/>
+              </a:buClr>
+              <a:buFontTx/>
+              <a:buChar char="•"/>
+            </a:pPr>
+            <a:endParaRPr lang="en-US" sz="2700" dirty="0" smtClean="0">
+              <a:solidFill>
+                <a:srgbClr val="DEDEDE"/>
+              </a:solidFill>
+              <a:latin typeface="Trebuchet MS" pitchFamily="34" charset="0"/>
+            </a:endParaRPr>
+          </a:p>
+          <a:p>
+            <a:pPr marL="457200" lvl="1" indent="-342900">
+              <a:lnSpc>
+                <a:spcPct val="95000"/>
+              </a:lnSpc>
+              <a:spcBef>
+                <a:spcPct val="0"/>
+              </a:spcBef>
+              <a:buClr>
+                <a:srgbClr val="000000"/>
+              </a:buClr>
+              <a:buFontTx/>
+              <a:buChar char="•"/>
+            </a:pPr>
+            <a:endParaRPr lang="en-US" sz="2700" dirty="0" smtClean="0">
+              <a:solidFill>
+                <a:srgbClr val="DEDEDE"/>
+              </a:solidFill>
+              <a:latin typeface="Trebuchet MS" pitchFamily="34" charset="0"/>
+            </a:endParaRPr>
+          </a:p>
+          <a:p>
+            <a:pPr marL="457200" lvl="1" indent="-342900">
+              <a:lnSpc>
+                <a:spcPct val="95000"/>
+              </a:lnSpc>
+              <a:spcBef>
+                <a:spcPct val="0"/>
+              </a:spcBef>
+              <a:buClr>
+                <a:srgbClr val="000000"/>
+              </a:buClr>
+            </a:pPr>
+            <a:r>
+              <a:rPr lang="en-US" sz="2700" dirty="0" smtClean="0">
+                <a:solidFill>
+                  <a:srgbClr val="DEDEDE"/>
+                </a:solidFill>
+                <a:latin typeface="Trebuchet MS" pitchFamily="34" charset="0"/>
+              </a:rPr>
+              <a:t>How does it affect humanity?</a:t>
+            </a:r>
+          </a:p>
+          <a:p>
+            <a:pPr marL="457200" lvl="1" indent="-342900">
+              <a:lnSpc>
+                <a:spcPct val="95000"/>
+              </a:lnSpc>
+              <a:spcBef>
+                <a:spcPct val="0"/>
+              </a:spcBef>
+              <a:buClr>
+                <a:srgbClr val="000000"/>
+              </a:buClr>
+            </a:pPr>
+            <a:endParaRPr lang="en-US" sz="2700" dirty="0" smtClean="0">
+              <a:solidFill>
+                <a:srgbClr val="DEDEDE"/>
+              </a:solidFill>
+              <a:latin typeface="Trebuchet MS" pitchFamily="34" charset="0"/>
+            </a:endParaRPr>
+          </a:p>
+          <a:p>
+            <a:pPr marL="457200" lvl="1" indent="-342900">
+              <a:lnSpc>
+                <a:spcPct val="95000"/>
+              </a:lnSpc>
+              <a:spcBef>
+                <a:spcPct val="0"/>
+              </a:spcBef>
+              <a:buClr>
+                <a:srgbClr val="000000"/>
+              </a:buClr>
+            </a:pPr>
+            <a:endParaRPr lang="en-US" sz="2700" dirty="0" smtClean="0">
+              <a:solidFill>
+                <a:srgbClr val="DEDEDE"/>
+              </a:solidFill>
+              <a:latin typeface="Trebuchet MS" pitchFamily="34" charset="0"/>
+            </a:endParaRPr>
+          </a:p>
+          <a:p>
+            <a:pPr marL="457200" lvl="1" indent="-342900">
+              <a:lnSpc>
+                <a:spcPct val="95000"/>
+              </a:lnSpc>
+              <a:spcBef>
+                <a:spcPct val="0"/>
+              </a:spcBef>
+              <a:buClr>
+                <a:srgbClr val="000000"/>
+              </a:buClr>
+            </a:pPr>
+            <a:r>
+              <a:rPr lang="en-US" sz="2700" dirty="0" smtClean="0">
+                <a:solidFill>
+                  <a:srgbClr val="DEDEDE"/>
+                </a:solidFill>
+                <a:latin typeface="Trebuchet MS" pitchFamily="34" charset="0"/>
+              </a:rPr>
+              <a:t>What can we do about it?</a:t>
+            </a:r>
+          </a:p>
+          <a:p>
+            <a:pPr marL="0" indent="0">
+              <a:lnSpc>
+                <a:spcPct val="95000"/>
+              </a:lnSpc>
+              <a:spcBef>
+                <a:spcPct val="0"/>
+              </a:spcBef>
+              <a:buNone/>
+            </a:pPr>
+            <a:endParaRPr lang="en-US" sz="2700" dirty="0" smtClean="0">
+              <a:solidFill>
+                <a:srgbClr val="DEDEDE"/>
+              </a:solidFill>
+              <a:latin typeface="Trebuchet MS" pitchFamily="34" charset="0"/>
+            </a:endParaRPr>
+          </a:p>
+        </p:txBody>
+      </p:sp>
+    </p:spTree>
+  </p:cSld>
+  <p:clrMapOvr>
+    <a:masterClrMapping/>
+  </p:clrMapOvr>
+  <p:timing>
+    <p:tnLst>
+      <p:par>
+        <p:cTn id="1" dur="indefinite" restart="never" nodeType="tmRoot"/>
+      </p:par>
+    </p:tnLst>
+  </p:timing>
+</p:sld>
+</file>
+
+<file path=ppt/slides/slide17.xml><?xml version="1.0" encoding="utf-8"?>
+<p:sld xmlns:a="http://schemas.openxmlformats.org/drawingml/2006/main" xmlns:r="http://schemas.openxmlformats.org/officeDocument/2006/relationships" xmlns:p="http://schemas.openxmlformats.org/presentationml/2006/main">
+  <p:cSld>
+    <p:spTree>
+      <p:nvGrpSpPr>
+        <p:cNvPr id="1" name=""/>
+        <p:cNvGrpSpPr/>
+        <p:nvPr/>
+      </p:nvGrpSpPr>
+      <p:grpSpPr>
+        <a:xfrm>
+          <a:off x="0" y="0"/>
+          <a:ext cx="0" cy="0"/>
+          <a:chOff x="0" y="0"/>
+          <a:chExt cx="0" cy="0"/>
+        </a:xfrm>
+      </p:grpSpPr>
+    </p:spTree>
+  </p:cSld>
+  <p:clrMapOvr>
+    <a:masterClrMapping/>
+  </p:clrMapOvr>
+</p:sld>
+</file>
+
+<file path=ppt/slides/slide18.xml><?xml version="1.0" encoding="utf-8"?>
+<p:sld xmlns:a="http://schemas.openxmlformats.org/drawingml/2006/main" xmlns:r="http://schemas.openxmlformats.org/officeDocument/2006/relationships" xmlns:p="http://schemas.openxmlformats.org/presentationml/2006/main">
+  <p:cSld>
+    <p:spTree>
+      <p:nvGrpSpPr>
+        <p:cNvPr id="1" name=""/>
+        <p:cNvGrpSpPr/>
+        <p:nvPr/>
+      </p:nvGrpSpPr>
+      <p:grpSpPr>
+        <a:xfrm>
+          <a:off x="0" y="0"/>
+          <a:ext cx="0" cy="0"/>
+          <a:chOff x="0" y="0"/>
+          <a:chExt cx="0" cy="0"/>
+        </a:xfrm>
+      </p:grpSpPr>
+      <p:sp>
+        <p:nvSpPr>
           <p:cNvPr id="16385" name="Rectangle 1"/>
           <p:cNvSpPr>
             <a:spLocks noGrp="1" noChangeArrowheads="1"/>
@@ -5612,14 +6732,20 @@
               </a:lnSpc>
             </a:pPr>
             <a:r>
-              <a:rPr lang="en-US" sz="4300" dirty="0">
+              <a:rPr lang="en-US" sz="4300" dirty="0" smtClean="0">
                 <a:solidFill>
                   <a:srgbClr val="DEDEDE"/>
                 </a:solidFill>
                 <a:latin typeface="Trebuchet MS" pitchFamily="34" charset="0"/>
               </a:rPr>
-              <a:t>Overview</a:t>
-            </a:r>
+              <a:t>Questions</a:t>
+            </a:r>
+            <a:endParaRPr lang="en-US" sz="4300" dirty="0">
+              <a:solidFill>
+                <a:srgbClr val="DEDEDE"/>
+              </a:solidFill>
+              <a:latin typeface="Trebuchet MS" pitchFamily="34" charset="0"/>
+            </a:endParaRPr>
           </a:p>
         </p:txBody>
       </p:sp>
@@ -5640,7 +6766,9 @@
           </a:xfrm>
         </p:spPr>
         <p:txBody>
-          <a:bodyPr lIns="0" tIns="0" rIns="0" bIns="0"/>
+          <a:bodyPr lIns="0" tIns="0" rIns="0" bIns="0">
+            <a:normAutofit/>
+          </a:bodyPr>
           <a:lstStyle/>
           <a:p>
             <a:pPr marL="457200" lvl="1" indent="-342900">
@@ -5663,7 +6791,7 @@
                 </a:solidFill>
                 <a:latin typeface="Trebuchet MS" pitchFamily="34" charset="0"/>
               </a:rPr>
-              <a:t>Definition</a:t>
+              <a:t>What is artificial intelligence?</a:t>
             </a:r>
           </a:p>
           <a:p>
@@ -5680,16 +6808,12 @@
               <a:buFontTx/>
               <a:buChar char="•"/>
             </a:pPr>
-            <a:r>
-              <a:rPr lang="en-US" sz="2700" dirty="0" smtClean="0">
-                <a:solidFill>
-                  <a:srgbClr val="DEDEDE"/>
-                </a:solidFill>
-                <a:latin typeface="Trebuchet MS" pitchFamily="34" charset="0"/>
-              </a:rPr>
-              <a:t>History</a:t>
-            </a:r>
-            <a:endParaRPr lang="en-US" dirty="0"/>
+            <a:endParaRPr lang="en-US" sz="2700" dirty="0" smtClean="0">
+              <a:solidFill>
+                <a:srgbClr val="DEDEDE"/>
+              </a:solidFill>
+              <a:latin typeface="Trebuchet MS" pitchFamily="34" charset="0"/>
+            </a:endParaRPr>
           </a:p>
           <a:p>
             <a:pPr marL="457200" lvl="1" indent="-342900">
@@ -5705,16 +6829,12 @@
               <a:buFontTx/>
               <a:buChar char="•"/>
             </a:pPr>
-            <a:r>
-              <a:rPr lang="en-US" sz="2700" dirty="0">
-                <a:solidFill>
-                  <a:srgbClr val="DEDEDE"/>
-                </a:solidFill>
-                <a:latin typeface="Trebuchet MS" pitchFamily="34" charset="0"/>
-              </a:rPr>
-              <a:t>Economics</a:t>
-            </a:r>
-            <a:endParaRPr lang="en-US" dirty="0"/>
+            <a:endParaRPr lang="en-US" sz="2700" dirty="0" smtClean="0">
+              <a:solidFill>
+                <a:srgbClr val="DEDEDE"/>
+              </a:solidFill>
+              <a:latin typeface="Trebuchet MS" pitchFamily="34" charset="0"/>
+            </a:endParaRPr>
           </a:p>
           <a:p>
             <a:pPr marL="457200" lvl="1" indent="-342900">
@@ -5727,8 +6847,6 @@
               <a:buClr>
                 <a:srgbClr val="000000"/>
               </a:buClr>
-              <a:buFontTx/>
-              <a:buChar char="•"/>
             </a:pPr>
             <a:r>
               <a:rPr lang="en-US" sz="2700" dirty="0" smtClean="0">
@@ -5737,7 +6855,7 @@
                 </a:solidFill>
                 <a:latin typeface="Trebuchet MS" pitchFamily="34" charset="0"/>
               </a:rPr>
-              <a:t>Philosophy</a:t>
+              <a:t>How does it affect humanity?</a:t>
             </a:r>
           </a:p>
           <a:p>
@@ -5751,19 +6869,13 @@
               <a:buClr>
                 <a:srgbClr val="000000"/>
               </a:buClr>
-              <a:buFontTx/>
-              <a:buChar char="•"/>
-            </a:pPr>
-            <a:r>
-              <a:rPr lang="en-US" sz="2800" dirty="0" smtClean="0">
-                <a:solidFill>
-                  <a:srgbClr val="DEDEDE"/>
-                </a:solidFill>
-                <a:latin typeface="Trebuchet MS" pitchFamily="34" charset="0"/>
-              </a:rPr>
-              <a:t>Ethics</a:t>
-            </a:r>
-            <a:endParaRPr lang="en-US" sz="2800" dirty="0"/>
+            </a:pPr>
+            <a:endParaRPr lang="en-US" sz="2700" dirty="0" smtClean="0">
+              <a:solidFill>
+                <a:srgbClr val="DEDEDE"/>
+              </a:solidFill>
+              <a:latin typeface="Trebuchet MS" pitchFamily="34" charset="0"/>
+            </a:endParaRPr>
           </a:p>
           <a:p>
             <a:pPr marL="457200" lvl="1" indent="-342900">
@@ -5776,19 +6888,13 @@
               <a:buClr>
                 <a:srgbClr val="000000"/>
               </a:buClr>
-              <a:buFontTx/>
-              <a:buChar char="•"/>
-            </a:pPr>
-            <a:r>
-              <a:rPr lang="en-US" sz="2700" dirty="0">
-                <a:solidFill>
-                  <a:srgbClr val="DEDEDE"/>
-                </a:solidFill>
-                <a:latin typeface="Trebuchet MS" pitchFamily="34" charset="0"/>
-              </a:rPr>
-              <a:t>Culture</a:t>
-            </a:r>
-            <a:endParaRPr lang="en-US" dirty="0"/>
+            </a:pPr>
+            <a:endParaRPr lang="en-US" sz="2700" dirty="0" smtClean="0">
+              <a:solidFill>
+                <a:srgbClr val="DEDEDE"/>
+              </a:solidFill>
+              <a:latin typeface="Trebuchet MS" pitchFamily="34" charset="0"/>
+            </a:endParaRPr>
           </a:p>
           <a:p>
             <a:pPr marL="457200" lvl="1" indent="-342900">
@@ -5801,8 +6907,6 @@
               <a:buClr>
                 <a:srgbClr val="000000"/>
               </a:buClr>
-              <a:buFontTx/>
-              <a:buChar char="•"/>
             </a:pPr>
             <a:r>
               <a:rPr lang="en-US" sz="2700" dirty="0" smtClean="0">
@@ -5811,30 +6915,28 @@
                 </a:solidFill>
                 <a:latin typeface="Trebuchet MS" pitchFamily="34" charset="0"/>
               </a:rPr>
-              <a:t>Conclusion </a:t>
-            </a:r>
-            <a:endParaRPr lang="en-US" dirty="0"/>
-          </a:p>
-          <a:p>
-            <a:pPr marL="0" indent="0">
+              <a:t>What can we do about it?</a:t>
+            </a:r>
+          </a:p>
+          <a:p>
+            <a:pPr marL="457200" lvl="1" indent="-342900">
               <a:lnSpc>
                 <a:spcPct val="95000"/>
               </a:lnSpc>
               <a:spcBef>
                 <a:spcPct val="0"/>
               </a:spcBef>
-              <a:buFontTx/>
+              <a:buClr>
+                <a:srgbClr val="000000"/>
+              </a:buClr>
               <a:buNone/>
             </a:pPr>
-            <a:r>
-              <a:rPr lang="en-US" sz="2700" dirty="0">
-                <a:solidFill>
-                  <a:srgbClr val="DEDEDE"/>
-                </a:solidFill>
-                <a:latin typeface="Trebuchet MS" pitchFamily="34" charset="0"/>
-              </a:rPr>
-              <a:t> </a:t>
-            </a:r>
+            <a:endParaRPr lang="en-US" sz="2700" dirty="0" smtClean="0">
+              <a:solidFill>
+                <a:srgbClr val="DEDEDE"/>
+              </a:solidFill>
+              <a:latin typeface="Trebuchet MS" pitchFamily="34" charset="0"/>
+            </a:endParaRPr>
           </a:p>
         </p:txBody>
       </p:sp>
@@ -5885,39 +6987,82 @@
           <a:bodyPr/>
           <a:lstStyle/>
           <a:p>
-            <a:endParaRPr lang="en-US"/>
-          </a:p>
-        </p:txBody>
-      </p:sp>
-      <p:pic>
-        <p:nvPicPr>
-          <p:cNvPr id="4" name="AI fictional media.wmv">
-            <a:hlinkClick r:id="" action="ppaction://media"/>
-          </p:cNvPr>
-          <p:cNvPicPr>
-            <a:picLocks noGrp="1" noRot="1" noChangeAspect="1"/>
-          </p:cNvPicPr>
+            <a:r>
+              <a:rPr lang="en-US" dirty="0" smtClean="0"/>
+              <a:t>Media</a:t>
+            </a:r>
+            <a:endParaRPr lang="en-US" dirty="0"/>
+          </a:p>
+        </p:txBody>
+      </p:sp>
+      <p:sp>
+        <p:nvSpPr>
+          <p:cNvPr id="4" name="Content Placeholder 3"/>
+          <p:cNvSpPr>
+            <a:spLocks noGrp="1"/>
+          </p:cNvSpPr>
           <p:nvPr>
             <p:ph idx="1"/>
-            <a:videoFile r:link="rId1"/>
-          </p:nvPr>
-        </p:nvPicPr>
-        <p:blipFill>
-          <a:blip r:embed="rId3" cstate="print"/>
-          <a:stretch>
-            <a:fillRect/>
-          </a:stretch>
-        </p:blipFill>
-        <p:spPr>
-          <a:xfrm>
-            <a:off x="0" y="0"/>
-            <a:ext cx="10160000" cy="7620000"/>
-          </a:xfrm>
-          <a:prstGeom prst="rect">
-            <a:avLst/>
-          </a:prstGeom>
-        </p:spPr>
-      </p:pic>
+          </p:nvPr>
+        </p:nvSpPr>
+        <p:spPr/>
+        <p:txBody>
+          <a:bodyPr/>
+          <a:lstStyle/>
+          <a:p>
+            <a:r>
+              <a:rPr lang="en-US" dirty="0" smtClean="0"/>
+              <a:t>Portrays AI as </a:t>
+            </a:r>
+          </a:p>
+          <a:p>
+            <a:pPr lvl="1"/>
+            <a:r>
+              <a:rPr lang="en-US" dirty="0" smtClean="0"/>
+              <a:t>Villains</a:t>
+            </a:r>
+          </a:p>
+          <a:p>
+            <a:pPr lvl="1"/>
+            <a:r>
+              <a:rPr lang="en-US" dirty="0" smtClean="0"/>
+              <a:t>Subjugators</a:t>
+            </a:r>
+          </a:p>
+          <a:p>
+            <a:pPr lvl="1"/>
+            <a:r>
+              <a:rPr lang="en-US" dirty="0" smtClean="0"/>
+              <a:t>Human</a:t>
+            </a:r>
+          </a:p>
+          <a:p>
+            <a:pPr lvl="1">
+              <a:buNone/>
+            </a:pPr>
+            <a:endParaRPr lang="en-US" dirty="0" smtClean="0"/>
+          </a:p>
+          <a:p>
+            <a:pPr lvl="1"/>
+            <a:endParaRPr lang="en-US" dirty="0" smtClean="0"/>
+          </a:p>
+          <a:p>
+            <a:pPr lvl="1"/>
+            <a:endParaRPr lang="en-US" dirty="0" smtClean="0"/>
+          </a:p>
+          <a:p>
+            <a:pPr lvl="1"/>
+            <a:endParaRPr lang="en-US" dirty="0" smtClean="0"/>
+          </a:p>
+          <a:p>
+            <a:pPr lvl="1"/>
+            <a:endParaRPr lang="en-US" dirty="0" smtClean="0"/>
+          </a:p>
+          <a:p>
+            <a:endParaRPr lang="en-US" dirty="0"/>
+          </a:p>
+        </p:txBody>
+      </p:sp>
     </p:spTree>
   </p:cSld>
   <p:clrMapOvr>
@@ -5926,150 +7071,7 @@
   <p:timing>
     <p:tnLst>
       <p:par>
-        <p:cTn id="1" dur="indefinite" restart="never" nodeType="tmRoot">
-          <p:childTnLst>
-            <p:seq concurrent="1" nextAc="seek">
-              <p:cTn id="2" dur="indefinite" nodeType="mainSeq">
-                <p:childTnLst>
-                  <p:par>
-                    <p:cTn id="3" fill="hold">
-                      <p:stCondLst>
-                        <p:cond delay="indefinite"/>
-                        <p:cond evt="onBegin" delay="0">
-                          <p:tn val="2"/>
-                        </p:cond>
-                      </p:stCondLst>
-                      <p:childTnLst>
-                        <p:par>
-                          <p:cTn id="4" fill="hold">
-                            <p:stCondLst>
-                              <p:cond delay="0"/>
-                            </p:stCondLst>
-                            <p:childTnLst>
-                              <p:par>
-                                <p:cTn id="5" presetID="1" presetClass="mediacall" presetSubtype="0" fill="hold" nodeType="afterEffect">
-                                  <p:stCondLst>
-                                    <p:cond delay="0"/>
-                                  </p:stCondLst>
-                                  <p:childTnLst>
-                                    <p:cmd type="call" cmd="playFrom(0.0)">
-                                      <p:cBhvr>
-                                        <p:cTn id="6" dur="235435" fill="hold"/>
-                                        <p:tgtEl>
-                                          <p:spTgt spid="4"/>
-                                        </p:tgtEl>
-                                      </p:cBhvr>
-                                    </p:cmd>
-                                  </p:childTnLst>
-                                </p:cTn>
-                              </p:par>
-                            </p:childTnLst>
-                          </p:cTn>
-                        </p:par>
-                      </p:childTnLst>
-                    </p:cTn>
-                  </p:par>
-                </p:childTnLst>
-              </p:cTn>
-              <p:prevCondLst>
-                <p:cond evt="onPrev" delay="0">
-                  <p:tgtEl>
-                    <p:sldTgt/>
-                  </p:tgtEl>
-                </p:cond>
-              </p:prevCondLst>
-              <p:nextCondLst>
-                <p:cond evt="onNext" delay="0">
-                  <p:tgtEl>
-                    <p:sldTgt/>
-                  </p:tgtEl>
-                </p:cond>
-              </p:nextCondLst>
-            </p:seq>
-            <p:video>
-              <p:cMediaNode>
-                <p:cTn id="7" fill="hold" display="0">
-                  <p:stCondLst>
-                    <p:cond delay="indefinite"/>
-                  </p:stCondLst>
-                  <p:endCondLst>
-                    <p:cond evt="onNext" delay="0">
-                      <p:tgtEl>
-                        <p:sldTgt/>
-                      </p:tgtEl>
-                    </p:cond>
-                    <p:cond evt="onPrev" delay="0">
-                      <p:tgtEl>
-                        <p:sldTgt/>
-                      </p:tgtEl>
-                    </p:cond>
-                  </p:endCondLst>
-                </p:cTn>
-                <p:tgtEl>
-                  <p:spTgt spid="4"/>
-                </p:tgtEl>
-              </p:cMediaNode>
-            </p:video>
-            <p:seq concurrent="1" nextAc="seek">
-              <p:cTn id="8" restart="whenNotActive" fill="hold" evtFilter="cancelBubble" nodeType="interactiveSeq">
-                <p:stCondLst>
-                  <p:cond evt="onClick" delay="0">
-                    <p:tgtEl>
-                      <p:spTgt spid="4"/>
-                    </p:tgtEl>
-                  </p:cond>
-                </p:stCondLst>
-                <p:endSync evt="end" delay="0">
-                  <p:rtn val="all"/>
-                </p:endSync>
-                <p:childTnLst>
-                  <p:par>
-                    <p:cTn id="9" fill="hold">
-                      <p:stCondLst>
-                        <p:cond delay="0"/>
-                      </p:stCondLst>
-                      <p:childTnLst>
-                        <p:par>
-                          <p:cTn id="10" fill="hold">
-                            <p:stCondLst>
-                              <p:cond delay="0"/>
-                            </p:stCondLst>
-                            <p:childTnLst>
-                              <p:par>
-                                <p:cTn id="11" presetID="2" presetClass="mediacall" presetSubtype="0" fill="hold" nodeType="clickEffect">
-                                  <p:stCondLst>
-                                    <p:cond delay="0"/>
-                                  </p:stCondLst>
-                                  <p:childTnLst>
-                                    <p:cmd type="call" cmd="togglePause">
-                                      <p:cBhvr>
-                                        <p:cTn id="12" dur="1" fill="hold"/>
-                                        <p:tgtEl>
-                                          <p:spTgt spid="4"/>
-                                        </p:tgtEl>
-                                      </p:cBhvr>
-                                    </p:cmd>
-                                  </p:childTnLst>
-                                </p:cTn>
-                              </p:par>
-                            </p:childTnLst>
-                          </p:cTn>
-                        </p:par>
-                      </p:childTnLst>
-                    </p:cTn>
-                  </p:par>
-                </p:childTnLst>
-              </p:cTn>
-              <p:nextCondLst>
-                <p:cond evt="onClick" delay="0">
-                  <p:tgtEl>
-                    <p:spTgt spid="4"/>
-                  </p:tgtEl>
-                </p:cond>
-              </p:nextCondLst>
-            </p:seq>
-          </p:childTnLst>
-        </p:cTn>
+        <p:cTn id="1" dur="indefinite" restart="never" nodeType="tmRoot"/>
       </p:par>
     </p:tnLst>
   </p:timing>
@@ -6132,8 +7134,20 @@
           <a:lstStyle/>
           <a:p>
             <a:r>
-              <a:rPr lang="en-US" dirty="0" err="1" smtClean="0"/>
-              <a:t>blarg</a:t>
+              <a:rPr lang="en-US" dirty="0" smtClean="0"/>
+              <a:t>AI (modern)</a:t>
+            </a:r>
+          </a:p>
+          <a:p>
+            <a:r>
+              <a:rPr lang="en-US" dirty="0" smtClean="0"/>
+              <a:t>AGI</a:t>
+            </a:r>
+          </a:p>
+          <a:p>
+            <a:r>
+              <a:rPr lang="en-US" dirty="0" smtClean="0"/>
+              <a:t>Friendly AI</a:t>
             </a:r>
             <a:endParaRPr lang="en-US" dirty="0"/>
           </a:p>
@@ -6197,14 +7211,20 @@
               </a:lnSpc>
             </a:pPr>
             <a:r>
-              <a:rPr lang="en-US" sz="4300" dirty="0">
+              <a:rPr lang="en-US" sz="4300" dirty="0" smtClean="0">
                 <a:solidFill>
                   <a:srgbClr val="DEDEDE"/>
                 </a:solidFill>
                 <a:latin typeface="Trebuchet MS" pitchFamily="34" charset="0"/>
               </a:rPr>
-              <a:t>History</a:t>
-            </a:r>
+              <a:t>Timeline</a:t>
+            </a:r>
+            <a:endParaRPr lang="en-US" sz="4300" dirty="0">
+              <a:solidFill>
+                <a:srgbClr val="DEDEDE"/>
+              </a:solidFill>
+              <a:latin typeface="Trebuchet MS" pitchFamily="34" charset="0"/>
+            </a:endParaRPr>
           </a:p>
         </p:txBody>
       </p:sp>
@@ -6241,18 +7261,146 @@
               <a:buFontTx/>
               <a:buChar char="•"/>
             </a:pPr>
-            <a:r>
-              <a:rPr lang="en-US" sz="2700" dirty="0">
-                <a:solidFill>
-                  <a:srgbClr val="DEDEDE"/>
-                </a:solidFill>
-                <a:latin typeface="Trebuchet MS" pitchFamily="34" charset="0"/>
-              </a:rPr>
-              <a:t>First suggested by Alan Turing in the 1950's</a:t>
-            </a:r>
-          </a:p>
-        </p:txBody>
-      </p:sp>
+            <a:endParaRPr lang="en-US" sz="2700" dirty="0" smtClean="0">
+              <a:solidFill>
+                <a:srgbClr val="DEDEDE"/>
+              </a:solidFill>
+              <a:latin typeface="Trebuchet MS" pitchFamily="34" charset="0"/>
+            </a:endParaRPr>
+          </a:p>
+          <a:p>
+            <a:pPr marL="457200" lvl="1" indent="-342900">
+              <a:lnSpc>
+                <a:spcPct val="95000"/>
+              </a:lnSpc>
+              <a:spcBef>
+                <a:spcPct val="0"/>
+              </a:spcBef>
+              <a:buClr>
+                <a:srgbClr val="000000"/>
+              </a:buClr>
+              <a:buFontTx/>
+              <a:buChar char="•"/>
+            </a:pPr>
+            <a:endParaRPr lang="en-US" sz="2500" dirty="0" smtClean="0">
+              <a:solidFill>
+                <a:srgbClr val="DEDEDE"/>
+              </a:solidFill>
+              <a:latin typeface="Trebuchet MS" pitchFamily="34" charset="0"/>
+            </a:endParaRPr>
+          </a:p>
+          <a:p>
+            <a:pPr marL="457200" lvl="1" indent="-342900">
+              <a:lnSpc>
+                <a:spcPct val="95000"/>
+              </a:lnSpc>
+              <a:spcBef>
+                <a:spcPct val="0"/>
+              </a:spcBef>
+              <a:buClr>
+                <a:srgbClr val="000000"/>
+              </a:buClr>
+              <a:buFontTx/>
+              <a:buChar char="•"/>
+            </a:pPr>
+            <a:endParaRPr lang="en-US" sz="2700" dirty="0" smtClean="0">
+              <a:solidFill>
+                <a:srgbClr val="DEDEDE"/>
+              </a:solidFill>
+              <a:latin typeface="Trebuchet MS" pitchFamily="34" charset="0"/>
+            </a:endParaRPr>
+          </a:p>
+          <a:p>
+            <a:pPr marL="457200" lvl="1" indent="-342900">
+              <a:lnSpc>
+                <a:spcPct val="95000"/>
+              </a:lnSpc>
+              <a:spcBef>
+                <a:spcPct val="0"/>
+              </a:spcBef>
+              <a:buClr>
+                <a:srgbClr val="000000"/>
+              </a:buClr>
+              <a:buFontTx/>
+              <a:buChar char="•"/>
+            </a:pPr>
+            <a:endParaRPr lang="en-US" sz="2700" dirty="0" smtClean="0">
+              <a:solidFill>
+                <a:srgbClr val="DEDEDE"/>
+              </a:solidFill>
+              <a:latin typeface="Trebuchet MS" pitchFamily="34" charset="0"/>
+            </a:endParaRPr>
+          </a:p>
+          <a:p>
+            <a:pPr marL="457200" lvl="1" indent="-342900">
+              <a:lnSpc>
+                <a:spcPct val="95000"/>
+              </a:lnSpc>
+              <a:spcBef>
+                <a:spcPct val="0"/>
+              </a:spcBef>
+              <a:buClr>
+                <a:srgbClr val="000000"/>
+              </a:buClr>
+              <a:buFontTx/>
+              <a:buChar char="•"/>
+            </a:pPr>
+            <a:endParaRPr lang="en-US" sz="2700" dirty="0" smtClean="0">
+              <a:solidFill>
+                <a:srgbClr val="DEDEDE"/>
+              </a:solidFill>
+              <a:latin typeface="Trebuchet MS" pitchFamily="34" charset="0"/>
+            </a:endParaRPr>
+          </a:p>
+          <a:p>
+            <a:pPr marL="457200" lvl="1" indent="-342900">
+              <a:lnSpc>
+                <a:spcPct val="95000"/>
+              </a:lnSpc>
+              <a:spcBef>
+                <a:spcPct val="0"/>
+              </a:spcBef>
+              <a:buClr>
+                <a:srgbClr val="000000"/>
+              </a:buClr>
+              <a:buFontTx/>
+              <a:buChar char="•"/>
+            </a:pPr>
+            <a:endParaRPr lang="en-US" sz="2700" dirty="0">
+              <a:solidFill>
+                <a:srgbClr val="DEDEDE"/>
+              </a:solidFill>
+              <a:latin typeface="Trebuchet MS" pitchFamily="34" charset="0"/>
+            </a:endParaRPr>
+          </a:p>
+        </p:txBody>
+      </p:sp>
+      <p:pic>
+        <p:nvPicPr>
+          <p:cNvPr id="1026" name="Picture 2" descr="C:\Users\Sean\Desktop\Untitled.png"/>
+          <p:cNvPicPr>
+            <a:picLocks noChangeAspect="1" noChangeArrowheads="1"/>
+          </p:cNvPicPr>
+          <p:nvPr/>
+        </p:nvPicPr>
+        <p:blipFill>
+          <a:blip r:embed="rId3"/>
+          <a:srcRect/>
+          <a:stretch>
+            <a:fillRect/>
+          </a:stretch>
+        </p:blipFill>
+        <p:spPr bwMode="auto">
+          <a:xfrm>
+            <a:off x="431800" y="1371600"/>
+            <a:ext cx="9372600" cy="5772552"/>
+          </a:xfrm>
+          <a:prstGeom prst="rect">
+            <a:avLst/>
+          </a:prstGeom>
+          <a:noFill/>
+        </p:spPr>
+      </p:pic>
     </p:spTree>
   </p:cSld>
   <p:clrMapOvr>
@@ -6287,259 +7435,51 @@
       </p:grpSpPr>
       <p:sp>
         <p:nvSpPr>
-          <p:cNvPr id="5121" name="Rectangle 1"/>
-          <p:cNvSpPr>
-            <a:spLocks noGrp="1" noChangeArrowheads="1"/>
+          <p:cNvPr id="2" name="Title 1"/>
+          <p:cNvSpPr>
+            <a:spLocks noGrp="1"/>
           </p:cNvSpPr>
           <p:nvPr>
             <p:ph type="title"/>
           </p:nvPr>
         </p:nvSpPr>
-        <p:spPr>
-          <a:xfrm>
-            <a:off x="239713" y="296863"/>
-            <a:ext cx="9664700" cy="1357312"/>
-          </a:xfrm>
-        </p:spPr>
-        <p:txBody>
-          <a:bodyPr lIns="0" tIns="0" rIns="0" bIns="0" anchor="t"/>
-          <a:lstStyle/>
-          <a:p>
-            <a:pPr algn="l">
-              <a:lnSpc>
-                <a:spcPct val="95000"/>
-              </a:lnSpc>
-            </a:pPr>
-            <a:r>
-              <a:rPr lang="en-US" sz="4300" dirty="0">
-                <a:solidFill>
-                  <a:srgbClr val="DEDEDE"/>
-                </a:solidFill>
-                <a:latin typeface="Trebuchet MS" pitchFamily="34" charset="0"/>
-              </a:rPr>
-              <a:t>Economics</a:t>
-            </a:r>
-            <a:r>
-              <a:rPr lang="en-US" dirty="0"/>
-              <a:t/>
-            </a:r>
-            <a:br>
-              <a:rPr lang="en-US" dirty="0"/>
-            </a:br>
-            <a:r>
-              <a:rPr lang="en-US" sz="4300" dirty="0">
-                <a:solidFill>
-                  <a:srgbClr val="DEDEDE"/>
-                </a:solidFill>
-                <a:latin typeface="Trebuchet MS" pitchFamily="34" charset="0"/>
-              </a:rPr>
-              <a:t> </a:t>
-            </a:r>
-          </a:p>
-        </p:txBody>
-      </p:sp>
-      <p:pic>
-        <p:nvPicPr>
-          <p:cNvPr id="5124" name="Picture 4"/>
-          <p:cNvPicPr>
-            <a:picLocks noChangeAspect="1" noChangeArrowheads="1"/>
-          </p:cNvPicPr>
-          <p:nvPr/>
-        </p:nvPicPr>
-        <p:blipFill>
-          <a:blip r:embed="rId3" cstate="print"/>
-          <a:srcRect/>
-          <a:stretch>
-            <a:fillRect/>
-          </a:stretch>
-        </p:blipFill>
-        <p:spPr bwMode="auto">
-          <a:xfrm>
-            <a:off x="1565275" y="889000"/>
-            <a:ext cx="30163" cy="6011863"/>
-          </a:xfrm>
-          <a:prstGeom prst="rect">
-            <a:avLst/>
-          </a:prstGeom>
-          <a:noFill/>
-        </p:spPr>
-      </p:pic>
-      <p:sp>
-        <p:nvSpPr>
-          <p:cNvPr id="5" name="TextBox 4"/>
-          <p:cNvSpPr txBox="1"/>
-          <p:nvPr/>
-        </p:nvSpPr>
-        <p:spPr>
-          <a:xfrm>
-            <a:off x="279400" y="1752600"/>
-            <a:ext cx="9220200" cy="3831818"/>
-          </a:xfrm>
-          <a:prstGeom prst="rect">
-            <a:avLst/>
-          </a:prstGeom>
-          <a:noFill/>
-        </p:spPr>
-        <p:txBody>
-          <a:bodyPr wrap="square" rtlCol="0">
-            <a:spAutoFit/>
-          </a:bodyPr>
-          <a:lstStyle/>
-          <a:p>
-            <a:pPr>
-              <a:buFont typeface="Arial" pitchFamily="34" charset="0"/>
-              <a:buChar char="•"/>
-            </a:pPr>
-            <a:r>
-              <a:rPr lang="en-US" sz="2700" dirty="0" smtClean="0">
-                <a:solidFill>
-                  <a:srgbClr val="DEDEDE"/>
-                </a:solidFill>
-                <a:latin typeface="Trebuchet MS" pitchFamily="34" charset="0"/>
-              </a:rPr>
-              <a:t>Automotive</a:t>
-            </a:r>
-          </a:p>
-          <a:p>
-            <a:pPr>
-              <a:buFont typeface="Arial" pitchFamily="34" charset="0"/>
-              <a:buChar char="•"/>
-            </a:pPr>
-            <a:endParaRPr lang="en-US" sz="2700" dirty="0" smtClean="0">
-              <a:solidFill>
-                <a:srgbClr val="DEDEDE"/>
-              </a:solidFill>
-              <a:latin typeface="Trebuchet MS" pitchFamily="34" charset="0"/>
-            </a:endParaRPr>
-          </a:p>
-          <a:p>
-            <a:pPr>
-              <a:buFont typeface="Arial" pitchFamily="34" charset="0"/>
-              <a:buChar char="•"/>
-            </a:pPr>
-            <a:endParaRPr lang="en-US" sz="2700" dirty="0" smtClean="0">
-              <a:solidFill>
-                <a:srgbClr val="DEDEDE"/>
-              </a:solidFill>
-              <a:latin typeface="Trebuchet MS" pitchFamily="34" charset="0"/>
-            </a:endParaRPr>
-          </a:p>
-          <a:p>
-            <a:pPr>
-              <a:buFont typeface="Arial" pitchFamily="34" charset="0"/>
-              <a:buChar char="•"/>
-            </a:pPr>
-            <a:r>
-              <a:rPr lang="en-US" sz="2700" dirty="0" smtClean="0">
-                <a:solidFill>
-                  <a:srgbClr val="DEDEDE"/>
-                </a:solidFill>
-                <a:latin typeface="Trebuchet MS" pitchFamily="34" charset="0"/>
-              </a:rPr>
-              <a:t>Shipping</a:t>
-            </a:r>
-          </a:p>
-          <a:p>
-            <a:pPr>
-              <a:buFont typeface="Arial" pitchFamily="34" charset="0"/>
-              <a:buChar char="•"/>
-            </a:pPr>
-            <a:endParaRPr lang="en-US" sz="2700" dirty="0" smtClean="0">
-              <a:solidFill>
-                <a:srgbClr val="DEDEDE"/>
-              </a:solidFill>
-              <a:latin typeface="Trebuchet MS" pitchFamily="34" charset="0"/>
-            </a:endParaRPr>
-          </a:p>
-          <a:p>
-            <a:pPr>
-              <a:buFont typeface="Arial" pitchFamily="34" charset="0"/>
-              <a:buChar char="•"/>
-            </a:pPr>
-            <a:endParaRPr lang="en-US" sz="2700" dirty="0" smtClean="0">
-              <a:solidFill>
-                <a:srgbClr val="DEDEDE"/>
-              </a:solidFill>
-              <a:latin typeface="Trebuchet MS" pitchFamily="34" charset="0"/>
-            </a:endParaRPr>
-          </a:p>
-          <a:p>
-            <a:pPr>
-              <a:buFont typeface="Arial" pitchFamily="34" charset="0"/>
-              <a:buChar char="•"/>
-            </a:pPr>
-            <a:r>
-              <a:rPr lang="en-US" sz="2700" dirty="0" smtClean="0">
-                <a:solidFill>
-                  <a:srgbClr val="DEDEDE"/>
-                </a:solidFill>
-                <a:latin typeface="Trebuchet MS" pitchFamily="34" charset="0"/>
-              </a:rPr>
-              <a:t>Agriculture</a:t>
-            </a:r>
-          </a:p>
-          <a:p>
-            <a:pPr>
-              <a:buFont typeface="Arial" pitchFamily="34" charset="0"/>
-              <a:buChar char="•"/>
-            </a:pPr>
-            <a:endParaRPr lang="en-US" sz="2700" dirty="0" smtClean="0">
-              <a:solidFill>
-                <a:srgbClr val="DEDEDE"/>
-              </a:solidFill>
-              <a:latin typeface="Trebuchet MS" pitchFamily="34" charset="0"/>
-            </a:endParaRPr>
-          </a:p>
-          <a:p>
-            <a:pPr>
-              <a:buFont typeface="Arial" pitchFamily="34" charset="0"/>
-              <a:buChar char="•"/>
-            </a:pPr>
-            <a:endParaRPr lang="en-US" sz="2700" dirty="0">
-              <a:solidFill>
-                <a:srgbClr val="DEDEDE"/>
-              </a:solidFill>
-              <a:latin typeface="Trebuchet MS" pitchFamily="34" charset="0"/>
-            </a:endParaRPr>
-          </a:p>
-        </p:txBody>
-      </p:sp>
-      <p:pic>
-        <p:nvPicPr>
-          <p:cNvPr id="6" name="Picture 5" descr="avg_worker.jpg"/>
-          <p:cNvPicPr>
-            <a:picLocks noChangeAspect="1"/>
-          </p:cNvPicPr>
-          <p:nvPr/>
-        </p:nvPicPr>
-        <p:blipFill>
-          <a:blip r:embed="rId4" cstate="print"/>
-          <a:stretch>
-            <a:fillRect/>
-          </a:stretch>
-        </p:blipFill>
-        <p:spPr>
-          <a:xfrm>
-            <a:off x="2871162" y="2667000"/>
-            <a:ext cx="7288838" cy="4953000"/>
-          </a:xfrm>
-          <a:prstGeom prst="rect">
-            <a:avLst/>
-          </a:prstGeom>
-        </p:spPr>
-      </p:pic>
+        <p:spPr/>
+        <p:txBody>
+          <a:bodyPr/>
+          <a:lstStyle/>
+          <a:p>
+            <a:r>
+              <a:rPr lang="en-US" dirty="0" smtClean="0"/>
+              <a:t>Timeline (cont)</a:t>
+            </a:r>
+            <a:endParaRPr lang="en-US" dirty="0"/>
+          </a:p>
+        </p:txBody>
+      </p:sp>
+      <p:sp>
+        <p:nvSpPr>
+          <p:cNvPr id="3" name="Content Placeholder 2"/>
+          <p:cNvSpPr>
+            <a:spLocks noGrp="1"/>
+          </p:cNvSpPr>
+          <p:nvPr>
+            <p:ph idx="1"/>
+          </p:nvPr>
+        </p:nvSpPr>
+        <p:spPr/>
+        <p:txBody>
+          <a:bodyPr/>
+          <a:lstStyle/>
+          <a:p>
+            <a:endParaRPr lang="en-US"/>
+          </a:p>
+        </p:txBody>
+      </p:sp>
     </p:spTree>
   </p:cSld>
   <p:clrMapOvr>
     <a:masterClrMapping/>
   </p:clrMapOvr>
-  <p:timing>
-    <p:tnLst>
-      <p:par>
-        <p:cTn id="1" dur="indefinite" restart="never" nodeType="tmRoot"/>
-      </p:par>
-    </p:tnLst>
-  </p:timing>
 </p:sld>
 </file>
 
@@ -6562,7 +7502,7 @@
       </p:grpSpPr>
       <p:sp>
         <p:nvSpPr>
-          <p:cNvPr id="6145" name="Rectangle 1"/>
+          <p:cNvPr id="5121" name="Rectangle 1"/>
           <p:cNvSpPr>
             <a:spLocks noGrp="1" noChangeArrowheads="1"/>
           </p:cNvSpPr>
@@ -6572,8 +7512,8 @@
         </p:nvSpPr>
         <p:spPr>
           <a:xfrm>
-            <a:off x="247650" y="304800"/>
-            <a:ext cx="9664700" cy="914400"/>
+            <a:off x="239713" y="296863"/>
+            <a:ext cx="9664700" cy="1357312"/>
           </a:xfrm>
         </p:spPr>
         <p:txBody>
@@ -6592,68 +7532,17 @@
                 </a:solidFill>
                 <a:latin typeface="Trebuchet MS" pitchFamily="34" charset="0"/>
               </a:rPr>
-              <a:t>Philosophy</a:t>
-            </a:r>
-          </a:p>
-        </p:txBody>
-      </p:sp>
-      <p:sp>
-        <p:nvSpPr>
-          <p:cNvPr id="6146" name="Rectangle 2"/>
-          <p:cNvSpPr>
-            <a:spLocks noGrp="1" noChangeArrowheads="1"/>
-          </p:cNvSpPr>
-          <p:nvPr>
-            <p:ph idx="1"/>
-          </p:nvPr>
-        </p:nvSpPr>
-        <p:spPr>
-          <a:xfrm>
-            <a:off x="247650" y="1828800"/>
-            <a:ext cx="9664700" cy="5486400"/>
-          </a:xfrm>
-        </p:spPr>
-        <p:txBody>
-          <a:bodyPr lIns="0" tIns="0" rIns="0" bIns="0"/>
-          <a:lstStyle/>
-          <a:p>
-            <a:pPr marL="457200" lvl="1" indent="-342900">
-              <a:lnSpc>
-                <a:spcPct val="95000"/>
-              </a:lnSpc>
-              <a:spcBef>
-                <a:spcPct val="0"/>
-              </a:spcBef>
-              <a:buClr>
-                <a:srgbClr val="000000"/>
-              </a:buClr>
-              <a:buFontTx/>
-              <a:buChar char="•"/>
-            </a:pPr>
-            <a:r>
-              <a:rPr lang="en-US" sz="2700" dirty="0">
-                <a:solidFill>
-                  <a:srgbClr val="DEDEDE"/>
-                </a:solidFill>
-                <a:latin typeface="Trebuchet MS" pitchFamily="34" charset="0"/>
-              </a:rPr>
-              <a:t>All about asking questions, and putting them in context</a:t>
-            </a:r>
-            <a:endParaRPr lang="en-US" dirty="0"/>
-          </a:p>
-          <a:p>
-            <a:pPr marL="0" indent="0">
-              <a:lnSpc>
-                <a:spcPct val="95000"/>
-              </a:lnSpc>
-              <a:spcBef>
-                <a:spcPct val="0"/>
-              </a:spcBef>
-              <a:buFontTx/>
-              <a:buNone/>
-            </a:pPr>
-            <a:r>
-              <a:rPr lang="en-US" sz="2700" dirty="0">
+              <a:t>Economics</a:t>
+            </a:r>
+            <a:r>
+              <a:rPr lang="en-US" dirty="0"/>
+              <a:t/>
+            </a:r>
+            <a:br>
+              <a:rPr lang="en-US" dirty="0"/>
+            </a:br>
+            <a:r>
+              <a:rPr lang="en-US" sz="4300" dirty="0">
                 <a:solidFill>
                   <a:srgbClr val="DEDEDE"/>
                 </a:solidFill>
@@ -6661,135 +7550,19 @@
               </a:rPr>
               <a:t> </a:t>
             </a:r>
-            <a:endParaRPr lang="en-US" dirty="0"/>
-          </a:p>
-          <a:p>
-            <a:pPr marL="0" indent="0">
-              <a:lnSpc>
-                <a:spcPct val="95000"/>
-              </a:lnSpc>
-              <a:spcBef>
-                <a:spcPct val="0"/>
-              </a:spcBef>
-              <a:buFontTx/>
-              <a:buNone/>
-            </a:pPr>
-            <a:r>
-              <a:rPr lang="en-US" sz="2700" dirty="0">
-                <a:solidFill>
-                  <a:srgbClr val="DEDEDE"/>
-                </a:solidFill>
-                <a:latin typeface="Trebuchet MS" pitchFamily="34" charset="0"/>
-              </a:rPr>
-              <a:t> </a:t>
-            </a:r>
-            <a:endParaRPr lang="en-US" dirty="0"/>
-          </a:p>
-          <a:p>
-            <a:pPr marL="457200" lvl="1" indent="-342900">
-              <a:lnSpc>
-                <a:spcPct val="95000"/>
-              </a:lnSpc>
-              <a:spcBef>
-                <a:spcPct val="0"/>
-              </a:spcBef>
-              <a:buClr>
-                <a:srgbClr val="000000"/>
-              </a:buClr>
-              <a:buFontTx/>
-              <a:buChar char="•"/>
-            </a:pPr>
-            <a:r>
-              <a:rPr lang="en-US" sz="2700" dirty="0">
-                <a:solidFill>
-                  <a:srgbClr val="DEDEDE"/>
-                </a:solidFill>
-                <a:latin typeface="Trebuchet MS" pitchFamily="34" charset="0"/>
-              </a:rPr>
-              <a:t>After asking questions, ask how they reflect upon </a:t>
-            </a:r>
-            <a:r>
-              <a:rPr lang="en-US" sz="2700" dirty="0" smtClean="0">
-                <a:solidFill>
-                  <a:srgbClr val="DEDEDE"/>
-                </a:solidFill>
-                <a:latin typeface="Trebuchet MS" pitchFamily="34" charset="0"/>
-              </a:rPr>
-              <a:t>yourself</a:t>
-            </a:r>
-          </a:p>
-          <a:p>
-            <a:pPr marL="457200" lvl="1" indent="-342900">
-              <a:lnSpc>
-                <a:spcPct val="95000"/>
-              </a:lnSpc>
-              <a:spcBef>
-                <a:spcPct val="0"/>
-              </a:spcBef>
-              <a:buClr>
-                <a:srgbClr val="000000"/>
-              </a:buClr>
-              <a:buFontTx/>
-              <a:buChar char="•"/>
-            </a:pPr>
-            <a:endParaRPr lang="en-US" sz="2700" dirty="0" smtClean="0">
-              <a:solidFill>
-                <a:srgbClr val="DEDEDE"/>
-              </a:solidFill>
-              <a:latin typeface="Trebuchet MS" pitchFamily="34" charset="0"/>
-            </a:endParaRPr>
-          </a:p>
-          <a:p>
-            <a:pPr marL="457200" lvl="1" indent="-342900">
-              <a:lnSpc>
-                <a:spcPct val="95000"/>
-              </a:lnSpc>
-              <a:spcBef>
-                <a:spcPct val="0"/>
-              </a:spcBef>
-              <a:buClr>
-                <a:srgbClr val="000000"/>
-              </a:buClr>
-              <a:buNone/>
-            </a:pPr>
-            <a:endParaRPr lang="en-US" dirty="0"/>
-          </a:p>
-          <a:p>
-            <a:pPr marL="457200" lvl="1" indent="-342900">
-              <a:lnSpc>
-                <a:spcPct val="95000"/>
-              </a:lnSpc>
-              <a:spcBef>
-                <a:spcPct val="0"/>
-              </a:spcBef>
-              <a:buClr>
-                <a:srgbClr val="000000"/>
-              </a:buClr>
-              <a:buFontTx/>
-              <a:buChar char="•"/>
-            </a:pPr>
-            <a:r>
-              <a:rPr lang="en-US" sz="2700" dirty="0">
-                <a:solidFill>
-                  <a:srgbClr val="DEDEDE"/>
-                </a:solidFill>
-                <a:latin typeface="Trebuchet MS" pitchFamily="34" charset="0"/>
-              </a:rPr>
-              <a:t>Philosophy asks whether something is true.</a:t>
-            </a:r>
           </a:p>
         </p:txBody>
       </p:sp>
       <p:pic>
         <p:nvPicPr>
-          <p:cNvPr id="6148" name="Picture 4"/>
+          <p:cNvPr id="5124" name="Picture 4"/>
           <p:cNvPicPr>
             <a:picLocks noChangeAspect="1" noChangeArrowheads="1"/>
           </p:cNvPicPr>
           <p:nvPr/>
         </p:nvPicPr>
         <p:blipFill>
-          <a:blip r:embed="rId3" cstate="print"/>
+          <a:blip r:embed="rId3"/>
           <a:srcRect/>
           <a:stretch>
             <a:fillRect/>
@@ -6797,8 +7570,174 @@
         </p:blipFill>
         <p:spPr bwMode="auto">
           <a:xfrm>
-            <a:off x="7207250" y="3546475"/>
-            <a:ext cx="2732088" cy="3856038"/>
+            <a:off x="1565275" y="889000"/>
+            <a:ext cx="30163" cy="6011863"/>
+          </a:xfrm>
+          <a:prstGeom prst="rect">
+            <a:avLst/>
+          </a:prstGeom>
+          <a:noFill/>
+        </p:spPr>
+      </p:pic>
+      <p:sp>
+        <p:nvSpPr>
+          <p:cNvPr id="5" name="TextBox 4"/>
+          <p:cNvSpPr txBox="1"/>
+          <p:nvPr/>
+        </p:nvSpPr>
+        <p:spPr>
+          <a:xfrm>
+            <a:off x="279400" y="1752600"/>
+            <a:ext cx="9220200" cy="3831818"/>
+          </a:xfrm>
+          <a:prstGeom prst="rect">
+            <a:avLst/>
+          </a:prstGeom>
+          <a:noFill/>
+        </p:spPr>
+        <p:txBody>
+          <a:bodyPr wrap="square" rtlCol="0">
+            <a:spAutoFit/>
+          </a:bodyPr>
+          <a:lstStyle/>
+          <a:p>
+            <a:pPr>
+              <a:buFont typeface="Arial" pitchFamily="34" charset="0"/>
+              <a:buChar char="•"/>
+            </a:pPr>
+            <a:r>
+              <a:rPr lang="en-US" sz="2700" dirty="0" smtClean="0">
+                <a:solidFill>
+                  <a:srgbClr val="DEDEDE"/>
+                </a:solidFill>
+                <a:latin typeface="Trebuchet MS" pitchFamily="34" charset="0"/>
+              </a:rPr>
+              <a:t>Automotive</a:t>
+            </a:r>
+          </a:p>
+          <a:p>
+            <a:pPr>
+              <a:buFont typeface="Arial" pitchFamily="34" charset="0"/>
+              <a:buChar char="•"/>
+            </a:pPr>
+            <a:endParaRPr lang="en-US" sz="2700" dirty="0" smtClean="0">
+              <a:solidFill>
+                <a:srgbClr val="DEDEDE"/>
+              </a:solidFill>
+              <a:latin typeface="Trebuchet MS" pitchFamily="34" charset="0"/>
+            </a:endParaRPr>
+          </a:p>
+          <a:p>
+            <a:pPr>
+              <a:buFont typeface="Arial" pitchFamily="34" charset="0"/>
+              <a:buChar char="•"/>
+            </a:pPr>
+            <a:endParaRPr lang="en-US" sz="2700" dirty="0" smtClean="0">
+              <a:solidFill>
+                <a:srgbClr val="DEDEDE"/>
+              </a:solidFill>
+              <a:latin typeface="Trebuchet MS" pitchFamily="34" charset="0"/>
+            </a:endParaRPr>
+          </a:p>
+          <a:p>
+            <a:pPr>
+              <a:buFont typeface="Arial" pitchFamily="34" charset="0"/>
+              <a:buChar char="•"/>
+            </a:pPr>
+            <a:r>
+              <a:rPr lang="en-US" sz="2700" dirty="0" smtClean="0">
+                <a:solidFill>
+                  <a:srgbClr val="DEDEDE"/>
+                </a:solidFill>
+                <a:latin typeface="Trebuchet MS" pitchFamily="34" charset="0"/>
+              </a:rPr>
+              <a:t>Shipping</a:t>
+            </a:r>
+          </a:p>
+          <a:p>
+            <a:pPr>
+              <a:buFont typeface="Arial" pitchFamily="34" charset="0"/>
+              <a:buChar char="•"/>
+            </a:pPr>
+            <a:endParaRPr lang="en-US" sz="2700" dirty="0" smtClean="0">
+              <a:solidFill>
+                <a:srgbClr val="DEDEDE"/>
+              </a:solidFill>
+              <a:latin typeface="Trebuchet MS" pitchFamily="34" charset="0"/>
+            </a:endParaRPr>
+          </a:p>
+          <a:p>
+            <a:pPr>
+              <a:buFont typeface="Arial" pitchFamily="34" charset="0"/>
+              <a:buChar char="•"/>
+            </a:pPr>
+            <a:endParaRPr lang="en-US" sz="2700" dirty="0" smtClean="0">
+              <a:solidFill>
+                <a:srgbClr val="DEDEDE"/>
+              </a:solidFill>
+              <a:latin typeface="Trebuchet MS" pitchFamily="34" charset="0"/>
+            </a:endParaRPr>
+          </a:p>
+          <a:p>
+            <a:pPr>
+              <a:buFont typeface="Arial" pitchFamily="34" charset="0"/>
+              <a:buChar char="•"/>
+            </a:pPr>
+            <a:r>
+              <a:rPr lang="en-US" sz="2700" dirty="0" smtClean="0">
+                <a:solidFill>
+                  <a:srgbClr val="DEDEDE"/>
+                </a:solidFill>
+                <a:latin typeface="Trebuchet MS" pitchFamily="34" charset="0"/>
+              </a:rPr>
+              <a:t>Agriculture</a:t>
+            </a:r>
+          </a:p>
+          <a:p>
+            <a:pPr>
+              <a:buFont typeface="Arial" pitchFamily="34" charset="0"/>
+              <a:buChar char="•"/>
+            </a:pPr>
+            <a:endParaRPr lang="en-US" sz="2700" dirty="0" smtClean="0">
+              <a:solidFill>
+                <a:srgbClr val="DEDEDE"/>
+              </a:solidFill>
+              <a:latin typeface="Trebuchet MS" pitchFamily="34" charset="0"/>
+            </a:endParaRPr>
+          </a:p>
+          <a:p>
+            <a:pPr>
+              <a:buFont typeface="Arial" pitchFamily="34" charset="0"/>
+              <a:buChar char="•"/>
+            </a:pPr>
+            <a:endParaRPr lang="en-US" sz="2700" dirty="0">
+              <a:solidFill>
+                <a:srgbClr val="DEDEDE"/>
+              </a:solidFill>
+              <a:latin typeface="Trebuchet MS" pitchFamily="34" charset="0"/>
+            </a:endParaRPr>
+          </a:p>
+        </p:txBody>
+      </p:sp>
+      <p:pic>
+        <p:nvPicPr>
+          <p:cNvPr id="1026" name="Picture 2" descr="C:\Users\Sean\Desktop\sexy folder\Future Economics\avg_worker.jpg"/>
+          <p:cNvPicPr>
+            <a:picLocks noChangeAspect="1" noChangeArrowheads="1"/>
+          </p:cNvPicPr>
+          <p:nvPr/>
+        </p:nvPicPr>
+        <p:blipFill>
+          <a:blip r:embed="rId4"/>
+          <a:srcRect/>
+          <a:stretch>
+            <a:fillRect/>
+          </a:stretch>
+        </p:blipFill>
+        <p:spPr bwMode="auto">
+          <a:xfrm>
+            <a:off x="3860800" y="3352800"/>
+            <a:ext cx="5676884" cy="3857625"/>
           </a:xfrm>
           <a:prstGeom prst="rect">
             <a:avLst/>
@@ -6840,7 +7779,7 @@
       </p:grpSpPr>
       <p:sp>
         <p:nvSpPr>
-          <p:cNvPr id="9217" name="Rectangle 1"/>
+          <p:cNvPr id="6145" name="Rectangle 1"/>
           <p:cNvSpPr>
             <a:spLocks noGrp="1" noChangeArrowheads="1"/>
           </p:cNvSpPr>
@@ -6870,14 +7809,14 @@
                 </a:solidFill>
                 <a:latin typeface="Trebuchet MS" pitchFamily="34" charset="0"/>
               </a:rPr>
-              <a:t>Common Philosophical Questions</a:t>
-            </a:r>
-          </a:p>
-        </p:txBody>
-      </p:sp>
-      <p:sp>
-        <p:nvSpPr>
-          <p:cNvPr id="9218" name="Rectangle 2"/>
+              <a:t>Philosophy</a:t>
+            </a:r>
+          </a:p>
+        </p:txBody>
+      </p:sp>
+      <p:sp>
+        <p:nvSpPr>
+          <p:cNvPr id="6146" name="Rectangle 2"/>
           <p:cNvSpPr>
             <a:spLocks noGrp="1" noChangeArrowheads="1"/>
           </p:cNvSpPr>
@@ -6894,6 +7833,29 @@
         <p:txBody>
           <a:bodyPr lIns="0" tIns="0" rIns="0" bIns="0"/>
           <a:lstStyle/>
+          <a:p>
+            <a:pPr marL="457200" lvl="1" indent="-342900">
+              <a:lnSpc>
+                <a:spcPct val="95000"/>
+              </a:lnSpc>
+              <a:spcBef>
+                <a:spcPct val="0"/>
+              </a:spcBef>
+              <a:buClr>
+                <a:srgbClr val="000000"/>
+              </a:buClr>
+            </a:pPr>
+            <a:r>
+              <a:rPr lang="en-US" sz="2700" dirty="0">
+                <a:solidFill>
+                  <a:srgbClr val="DEDEDE"/>
+                </a:solidFill>
+                <a:latin typeface="Trebuchet MS" pitchFamily="34" charset="0"/>
+              </a:rPr>
+              <a:t>All about asking questions, and putting them in context</a:t>
+            </a:r>
+            <a:endParaRPr lang="en-US" dirty="0"/>
+          </a:p>
           <a:p>
             <a:pPr marL="0" indent="0">
               <a:lnSpc>
@@ -6902,19 +7864,14 @@
               <a:spcBef>
                 <a:spcPct val="0"/>
               </a:spcBef>
-              <a:buFontTx/>
               <a:buNone/>
             </a:pPr>
-            <a:r>
-              <a:rPr lang="en-US" sz="2700" dirty="0">
-                <a:solidFill>
-                  <a:srgbClr val="DEDEDE"/>
-                </a:solidFill>
-                <a:latin typeface="Trebuchet MS" pitchFamily="34" charset="0"/>
-              </a:rPr>
-              <a:t>Can a machine feel emotions?</a:t>
-            </a:r>
-            <a:endParaRPr lang="en-US" dirty="0"/>
+            <a:endParaRPr lang="en-US" sz="2700" dirty="0" smtClean="0">
+              <a:solidFill>
+                <a:srgbClr val="DEDEDE"/>
+              </a:solidFill>
+              <a:latin typeface="Trebuchet MS" pitchFamily="34" charset="0"/>
+            </a:endParaRPr>
           </a:p>
           <a:p>
             <a:pPr marL="0" indent="0">
@@ -6924,26 +7881,30 @@
               <a:spcBef>
                 <a:spcPct val="0"/>
               </a:spcBef>
-              <a:buFontTx/>
               <a:buNone/>
             </a:pPr>
-            <a:endParaRPr lang="en-US" sz="2700" dirty="0">
-              <a:solidFill>
-                <a:srgbClr val="DEDEDE"/>
-              </a:solidFill>
-              <a:latin typeface="Trebuchet MS" pitchFamily="34" charset="0"/>
-            </a:endParaRPr>
-          </a:p>
-          <a:p>
-            <a:pPr marL="0" indent="0">
+            <a:r>
+              <a:rPr lang="en-US" sz="2700" dirty="0">
+                <a:solidFill>
+                  <a:srgbClr val="DEDEDE"/>
+                </a:solidFill>
+                <a:latin typeface="Trebuchet MS" pitchFamily="34" charset="0"/>
+              </a:rPr>
+              <a:t> </a:t>
+            </a:r>
+            <a:endParaRPr lang="en-US" dirty="0"/>
+          </a:p>
+          <a:p>
+            <a:pPr marL="457200" lvl="1" indent="-342900">
               <a:lnSpc>
                 <a:spcPct val="95000"/>
               </a:lnSpc>
               <a:spcBef>
                 <a:spcPct val="0"/>
               </a:spcBef>
-              <a:buFontTx/>
-              <a:buNone/>
+              <a:buClr>
+                <a:srgbClr val="000000"/>
+              </a:buClr>
             </a:pPr>
             <a:r>
               <a:rPr lang="en-US" sz="2700" dirty="0">
@@ -6952,22 +7913,31 @@
                 </a:solidFill>
                 <a:latin typeface="Trebuchet MS" pitchFamily="34" charset="0"/>
               </a:rPr>
-              <a:t>Does an AI have a soul?</a:t>
-            </a:r>
-            <a:endParaRPr lang="en-US" dirty="0"/>
-          </a:p>
-          <a:p>
-            <a:pPr marL="0" indent="0">
+              <a:t>After asking questions, ask how they reflect upon </a:t>
+            </a:r>
+            <a:r>
+              <a:rPr lang="en-US" sz="2700" dirty="0" smtClean="0">
+                <a:solidFill>
+                  <a:srgbClr val="DEDEDE"/>
+                </a:solidFill>
+                <a:latin typeface="Trebuchet MS" pitchFamily="34" charset="0"/>
+              </a:rPr>
+              <a:t>yourself</a:t>
+            </a:r>
+          </a:p>
+          <a:p>
+            <a:pPr marL="457200" lvl="1" indent="-342900">
               <a:lnSpc>
                 <a:spcPct val="95000"/>
               </a:lnSpc>
               <a:spcBef>
                 <a:spcPct val="0"/>
               </a:spcBef>
-              <a:buFontTx/>
-              <a:buNone/>
-            </a:pPr>
-            <a:endParaRPr lang="en-US" sz="2700" dirty="0">
+              <a:buClr>
+                <a:srgbClr val="000000"/>
+              </a:buClr>
+            </a:pPr>
+            <a:endParaRPr lang="en-US" sz="2700" dirty="0" smtClean="0">
               <a:solidFill>
                 <a:srgbClr val="DEDEDE"/>
               </a:solidFill>
@@ -6975,15 +7945,30 @@
             </a:endParaRPr>
           </a:p>
           <a:p>
-            <a:pPr marL="0" indent="0">
+            <a:pPr marL="457200" lvl="1" indent="-342900">
               <a:lnSpc>
                 <a:spcPct val="95000"/>
               </a:lnSpc>
               <a:spcBef>
                 <a:spcPct val="0"/>
               </a:spcBef>
-              <a:buFontTx/>
-              <a:buNone/>
+              <a:buClr>
+                <a:srgbClr val="000000"/>
+              </a:buClr>
+            </a:pPr>
+            <a:endParaRPr lang="en-US" dirty="0"/>
+          </a:p>
+          <a:p>
+            <a:pPr marL="457200" lvl="1" indent="-342900">
+              <a:lnSpc>
+                <a:spcPct val="95000"/>
+              </a:lnSpc>
+              <a:spcBef>
+                <a:spcPct val="0"/>
+              </a:spcBef>
+              <a:buClr>
+                <a:srgbClr val="000000"/>
+              </a:buClr>
             </a:pPr>
             <a:r>
               <a:rPr lang="en-US" sz="2700" dirty="0">
@@ -6992,11 +7977,37 @@
                 </a:solidFill>
                 <a:latin typeface="Trebuchet MS" pitchFamily="34" charset="0"/>
               </a:rPr>
-              <a:t>Is an AI a person?</a:t>
-            </a:r>
-          </a:p>
-        </p:txBody>
-      </p:sp>
+              <a:t>Philosophy asks whether something is true.</a:t>
+            </a:r>
+          </a:p>
+        </p:txBody>
+      </p:sp>
+      <p:pic>
+        <p:nvPicPr>
+          <p:cNvPr id="6148" name="Picture 4"/>
+          <p:cNvPicPr>
+            <a:picLocks noChangeAspect="1" noChangeArrowheads="1"/>
+          </p:cNvPicPr>
+          <p:nvPr/>
+        </p:nvPicPr>
+        <p:blipFill>
+          <a:blip r:embed="rId3"/>
+          <a:srcRect/>
+          <a:stretch>
+            <a:fillRect/>
+          </a:stretch>
+        </p:blipFill>
+        <p:spPr bwMode="auto">
+          <a:xfrm>
+            <a:off x="7207250" y="3546475"/>
+            <a:ext cx="2732088" cy="3856038"/>
+          </a:xfrm>
+          <a:prstGeom prst="rect">
+            <a:avLst/>
+          </a:prstGeom>
+          <a:noFill/>
+        </p:spPr>
+      </p:pic>
     </p:spTree>
   </p:cSld>
   <p:clrMapOvr>
@@ -7031,7 +8042,7 @@
       </p:grpSpPr>
       <p:sp>
         <p:nvSpPr>
-          <p:cNvPr id="11265" name="Rectangle 1"/>
+          <p:cNvPr id="9217" name="Rectangle 1"/>
           <p:cNvSpPr>
             <a:spLocks noGrp="1" noChangeArrowheads="1"/>
           </p:cNvSpPr>
@@ -7055,20 +8066,20 @@
               </a:lnSpc>
             </a:pPr>
             <a:r>
-              <a:rPr lang="en-US" sz="4300">
+              <a:rPr lang="en-US" sz="4300" dirty="0">
                 <a:solidFill>
                   <a:srgbClr val="DEDEDE"/>
                 </a:solidFill>
                 <a:latin typeface="Trebuchet MS" pitchFamily="34" charset="0"/>
               </a:rPr>
-              <a:t>Ethics</a:t>
-            </a:r>
-          </a:p>
-        </p:txBody>
-      </p:sp>
-      <p:sp>
-        <p:nvSpPr>
-          <p:cNvPr id="11266" name="Rectangle 2"/>
+              <a:t>Common Philosophical Questions</a:t>
+            </a:r>
+          </a:p>
+        </p:txBody>
+      </p:sp>
+      <p:sp>
+        <p:nvSpPr>
+          <p:cNvPr id="9218" name="Rectangle 2"/>
           <p:cNvSpPr>
             <a:spLocks noGrp="1" noChangeArrowheads="1"/>
           </p:cNvSpPr>
@@ -7093,74 +8104,64 @@
               <a:spcBef>
                 <a:spcPct val="0"/>
               </a:spcBef>
-              <a:buFontTx/>
-              <a:buNone/>
-            </a:pPr>
-            <a:r>
-              <a:rPr lang="en-US" sz="2700">
+            </a:pPr>
+            <a:r>
+              <a:rPr lang="en-US" sz="2700" dirty="0">
                 <a:solidFill>
                   <a:srgbClr val="DEDEDE"/>
                 </a:solidFill>
                 <a:latin typeface="Trebuchet MS" pitchFamily="34" charset="0"/>
               </a:rPr>
-              <a:t> </a:t>
-            </a:r>
-          </a:p>
-        </p:txBody>
-      </p:sp>
-      <p:sp>
-        <p:nvSpPr>
-          <p:cNvPr id="6" name="Rectangle 5"/>
-          <p:cNvSpPr/>
-          <p:nvPr/>
-        </p:nvSpPr>
-        <p:spPr>
-          <a:xfrm>
-            <a:off x="660400" y="1614784"/>
-            <a:ext cx="8686800" cy="2065950"/>
-          </a:xfrm>
-          <a:prstGeom prst="rect">
-            <a:avLst/>
-          </a:prstGeom>
-        </p:spPr>
-        <p:txBody>
-          <a:bodyPr wrap="square">
-            <a:spAutoFit/>
-          </a:bodyPr>
-          <a:lstStyle/>
-          <a:p>
-            <a:pPr lvl="1" indent="-342900">
+              <a:t>Can a machine feel emotions?</a:t>
+            </a:r>
+            <a:endParaRPr lang="en-US" dirty="0"/>
+          </a:p>
+          <a:p>
+            <a:pPr marL="0" indent="0">
               <a:lnSpc>
                 <a:spcPct val="95000"/>
               </a:lnSpc>
-              <a:buClr>
-                <a:srgbClr val="000000"/>
-              </a:buClr>
-              <a:buFontTx/>
-              <a:buChar char="•"/>
-            </a:pPr>
-            <a:r>
-              <a:rPr lang="en-US" sz="2700" dirty="0" smtClean="0">
+              <a:spcBef>
+                <a:spcPct val="0"/>
+              </a:spcBef>
+            </a:pPr>
+            <a:endParaRPr lang="en-US" sz="2700" dirty="0">
+              <a:solidFill>
+                <a:srgbClr val="DEDEDE"/>
+              </a:solidFill>
+              <a:latin typeface="Trebuchet MS" pitchFamily="34" charset="0"/>
+            </a:endParaRPr>
+          </a:p>
+          <a:p>
+            <a:pPr marL="0" indent="0">
+              <a:lnSpc>
+                <a:spcPct val="95000"/>
+              </a:lnSpc>
+              <a:spcBef>
+                <a:spcPct val="0"/>
+              </a:spcBef>
+            </a:pPr>
+            <a:r>
+              <a:rPr lang="en-US" sz="2700" dirty="0">
                 <a:solidFill>
                   <a:srgbClr val="DEDEDE"/>
                 </a:solidFill>
                 <a:latin typeface="Trebuchet MS" pitchFamily="34" charset="0"/>
               </a:rPr>
-              <a:t>What is truly right? For humans? For robots?</a:t>
-            </a:r>
-          </a:p>
-          <a:p>
-            <a:pPr lvl="1" indent="-342900">
+              <a:t>Does an AI have a soul?</a:t>
+            </a:r>
+            <a:endParaRPr lang="en-US" dirty="0"/>
+          </a:p>
+          <a:p>
+            <a:pPr marL="0" indent="0">
               <a:lnSpc>
                 <a:spcPct val="95000"/>
               </a:lnSpc>
-              <a:buClr>
-                <a:srgbClr val="000000"/>
-              </a:buClr>
-              <a:buFontTx/>
-              <a:buChar char="•"/>
-            </a:pPr>
-            <a:endParaRPr lang="en-US" sz="2700" dirty="0" smtClean="0">
+              <a:spcBef>
+                <a:spcPct val="0"/>
+              </a:spcBef>
+            </a:pPr>
+            <a:endParaRPr lang="en-US" sz="2700" dirty="0">
               <a:solidFill>
                 <a:srgbClr val="DEDEDE"/>
               </a:solidFill>
@@ -7168,63 +8169,22 @@
             </a:endParaRPr>
           </a:p>
           <a:p>
-            <a:pPr lvl="1" indent="-342900">
+            <a:pPr marL="0" indent="0">
               <a:lnSpc>
                 <a:spcPct val="95000"/>
               </a:lnSpc>
-              <a:buClr>
-                <a:srgbClr val="000000"/>
-              </a:buClr>
-              <a:buFontTx/>
-              <a:buChar char="•"/>
-            </a:pPr>
-            <a:r>
-              <a:rPr lang="en-US" sz="2700" dirty="0" smtClean="0">
+              <a:spcBef>
+                <a:spcPct val="0"/>
+              </a:spcBef>
+            </a:pPr>
+            <a:r>
+              <a:rPr lang="en-US" sz="2700" dirty="0">
                 <a:solidFill>
                   <a:srgbClr val="DEDEDE"/>
                 </a:solidFill>
                 <a:latin typeface="Trebuchet MS" pitchFamily="34" charset="0"/>
               </a:rPr>
-              <a:t>Capable of so much, but to what extent?</a:t>
-            </a:r>
-          </a:p>
-          <a:p>
-            <a:pPr lvl="1" indent="-342900">
-              <a:lnSpc>
-                <a:spcPct val="95000"/>
-              </a:lnSpc>
-              <a:buClr>
-                <a:srgbClr val="000000"/>
-              </a:buClr>
-              <a:buFontTx/>
-              <a:buChar char="•"/>
-            </a:pPr>
-            <a:endParaRPr lang="en-US" sz="2700" dirty="0" smtClean="0">
-              <a:solidFill>
-                <a:srgbClr val="DEDEDE"/>
-              </a:solidFill>
-              <a:latin typeface="Trebuchet MS" pitchFamily="34" charset="0"/>
-            </a:endParaRPr>
-          </a:p>
-          <a:p>
-            <a:pPr lvl="1" indent="-342900">
-              <a:lnSpc>
-                <a:spcPct val="95000"/>
-              </a:lnSpc>
-              <a:buClr>
-                <a:srgbClr val="000000"/>
-              </a:buClr>
-              <a:buFontTx/>
-              <a:buChar char="•"/>
-            </a:pPr>
-            <a:r>
-              <a:rPr lang="en-US" sz="2700" dirty="0" smtClean="0">
-                <a:solidFill>
-                  <a:srgbClr val="DEDEDE"/>
-                </a:solidFill>
-                <a:latin typeface="Trebuchet MS" pitchFamily="34" charset="0"/>
-              </a:rPr>
-              <a:t>Replacing humans with robots.</a:t>
+              <a:t>Is an AI a person?</a:t>
             </a:r>
           </a:p>
         </p:txBody>

--- a/trunk/artififical intelligence.pptx
+++ b/trunk/artififical intelligence.pptx
@@ -6112,7 +6112,6 @@
               <a:rPr lang="en-US" dirty="0" smtClean="0"/>
               <a:t>Rogue AI</a:t>
             </a:r>
-            <a:endParaRPr lang="en-US" dirty="0" smtClean="0"/>
           </a:p>
         </p:txBody>
       </p:sp>
@@ -6204,7 +6203,6 @@
               <a:rPr lang="en-US" dirty="0" smtClean="0"/>
               <a:t>Say no to the red button</a:t>
             </a:r>
-            <a:endParaRPr lang="en-US" dirty="0" smtClean="0"/>
           </a:p>
         </p:txBody>
       </p:sp>
@@ -7063,6 +7061,105 @@
           </a:p>
         </p:txBody>
       </p:sp>
+      <p:pic>
+        <p:nvPicPr>
+          <p:cNvPr id="1027" name="Picture 3"/>
+          <p:cNvPicPr>
+            <a:picLocks noChangeAspect="1" noChangeArrowheads="1"/>
+          </p:cNvPicPr>
+          <p:nvPr/>
+        </p:nvPicPr>
+        <p:blipFill>
+          <a:blip r:embed="rId2"/>
+          <a:srcRect/>
+          <a:stretch>
+            <a:fillRect/>
+          </a:stretch>
+        </p:blipFill>
+        <p:spPr bwMode="auto">
+          <a:xfrm>
+            <a:off x="889000" y="4267200"/>
+            <a:ext cx="2165910" cy="3062288"/>
+          </a:xfrm>
+          <a:prstGeom prst="rect">
+            <a:avLst/>
+          </a:prstGeom>
+          <a:noFill/>
+          <a:ln w="9525">
+            <a:noFill/>
+            <a:miter lim="800000"/>
+            <a:headEnd/>
+            <a:tailEnd/>
+          </a:ln>
+          <a:effectLst/>
+        </p:spPr>
+      </p:pic>
+      <p:pic>
+        <p:nvPicPr>
+          <p:cNvPr id="1028" name="Picture 4"/>
+          <p:cNvPicPr>
+            <a:picLocks noChangeAspect="1" noChangeArrowheads="1"/>
+          </p:cNvPicPr>
+          <p:nvPr/>
+        </p:nvPicPr>
+        <p:blipFill>
+          <a:blip r:embed="rId3"/>
+          <a:srcRect/>
+          <a:stretch>
+            <a:fillRect/>
+          </a:stretch>
+        </p:blipFill>
+        <p:spPr bwMode="auto">
+          <a:xfrm>
+            <a:off x="4089400" y="4267200"/>
+            <a:ext cx="2166938" cy="3037846"/>
+          </a:xfrm>
+          <a:prstGeom prst="rect">
+            <a:avLst/>
+          </a:prstGeom>
+          <a:noFill/>
+          <a:ln w="9525">
+            <a:noFill/>
+            <a:miter lim="800000"/>
+            <a:headEnd/>
+            <a:tailEnd/>
+          </a:ln>
+          <a:effectLst/>
+        </p:spPr>
+      </p:pic>
+      <p:pic>
+        <p:nvPicPr>
+          <p:cNvPr id="1029" name="Picture 5"/>
+          <p:cNvPicPr>
+            <a:picLocks noChangeAspect="1" noChangeArrowheads="1"/>
+          </p:cNvPicPr>
+          <p:nvPr/>
+        </p:nvPicPr>
+        <p:blipFill>
+          <a:blip r:embed="rId4"/>
+          <a:srcRect/>
+          <a:stretch>
+            <a:fillRect/>
+          </a:stretch>
+        </p:blipFill>
+        <p:spPr bwMode="auto">
+          <a:xfrm>
+            <a:off x="7137400" y="4267200"/>
+            <a:ext cx="2057400" cy="3044952"/>
+          </a:xfrm>
+          <a:prstGeom prst="rect">
+            <a:avLst/>
+          </a:prstGeom>
+          <a:noFill/>
+          <a:ln w="9525">
+            <a:noFill/>
+            <a:miter lim="800000"/>
+            <a:headEnd/>
+            <a:tailEnd/>
+          </a:ln>
+          <a:effectLst/>
+        </p:spPr>
+      </p:pic>
     </p:spTree>
   </p:cSld>
   <p:clrMapOvr>
@@ -7475,6 +7572,32 @@
           </a:p>
         </p:txBody>
       </p:sp>
+      <p:pic>
+        <p:nvPicPr>
+          <p:cNvPr id="2050" name="Picture 2" descr="C:\Users\Sean\Desktop\Untitled.png"/>
+          <p:cNvPicPr>
+            <a:picLocks noChangeAspect="1" noChangeArrowheads="1"/>
+          </p:cNvPicPr>
+          <p:nvPr/>
+        </p:nvPicPr>
+        <p:blipFill>
+          <a:blip r:embed="rId2"/>
+          <a:srcRect/>
+          <a:stretch>
+            <a:fillRect/>
+          </a:stretch>
+        </p:blipFill>
+        <p:spPr bwMode="auto">
+          <a:xfrm>
+            <a:off x="431800" y="1600200"/>
+            <a:ext cx="9144000" cy="5716587"/>
+          </a:xfrm>
+          <a:prstGeom prst="rect">
+            <a:avLst/>
+          </a:prstGeom>
+          <a:noFill/>
+        </p:spPr>
+      </p:pic>
     </p:spTree>
   </p:cSld>
   <p:clrMapOvr>

--- a/trunk/artififical intelligence.pptx
+++ b/trunk/artififical intelligence.pptx
@@ -1317,6 +1317,112 @@
               <a:rPr lang="en-US" smtClean="0"/>
               <a:pPr/>
               <a:t>10</a:t>
+            </a:fld>
+            <a:endParaRPr lang="en-US"/>
+          </a:p>
+        </p:txBody>
+      </p:sp>
+    </p:spTree>
+  </p:cSld>
+  <p:clrMapOvr>
+    <a:masterClrMapping/>
+  </p:clrMapOvr>
+</p:notes>
+</file>
+
+<file path=ppt/notesSlides/notesSlide6.xml><?xml version="1.0" encoding="utf-8"?>
+<p:notes xmlns:a="http://schemas.openxmlformats.org/drawingml/2006/main" xmlns:r="http://schemas.openxmlformats.org/officeDocument/2006/relationships" xmlns:p="http://schemas.openxmlformats.org/presentationml/2006/main">
+  <p:cSld>
+    <p:spTree>
+      <p:nvGrpSpPr>
+        <p:cNvPr id="1" name=""/>
+        <p:cNvGrpSpPr/>
+        <p:nvPr/>
+      </p:nvGrpSpPr>
+      <p:grpSpPr>
+        <a:xfrm>
+          <a:off x="0" y="0"/>
+          <a:ext cx="0" cy="0"/>
+          <a:chOff x="0" y="0"/>
+          <a:chExt cx="0" cy="0"/>
+        </a:xfrm>
+      </p:grpSpPr>
+      <p:sp>
+        <p:nvSpPr>
+          <p:cNvPr id="2" name="Slide Image Placeholder 1"/>
+          <p:cNvSpPr>
+            <a:spLocks noGrp="1" noRot="1" noChangeAspect="1"/>
+          </p:cNvSpPr>
+          <p:nvPr>
+            <p:ph type="sldImg"/>
+          </p:nvPr>
+        </p:nvSpPr>
+        <p:spPr/>
+      </p:sp>
+      <p:sp>
+        <p:nvSpPr>
+          <p:cNvPr id="3" name="Notes Placeholder 2"/>
+          <p:cNvSpPr>
+            <a:spLocks noGrp="1"/>
+          </p:cNvSpPr>
+          <p:nvPr>
+            <p:ph type="body" idx="1"/>
+          </p:nvPr>
+        </p:nvSpPr>
+        <p:spPr/>
+        <p:txBody>
+          <a:bodyPr>
+            <a:normAutofit/>
+          </a:bodyPr>
+          <a:lstStyle/>
+          <a:p>
+            <a:r>
+              <a:rPr lang="en-US" dirty="0" smtClean="0"/>
+              <a:t>-</a:t>
+            </a:r>
+            <a:r>
+              <a:rPr lang="en-US" dirty="0" err="1" smtClean="0"/>
+              <a:t>Viki</a:t>
+            </a:r>
+            <a:r>
+              <a:rPr lang="en-US" baseline="0" dirty="0" smtClean="0"/>
+              <a:t> Picture : http://getdclu.wordpress.com/2009/08/25/making-and-controlling-a-robotic-public</a:t>
+            </a:r>
+            <a:r>
+              <a:rPr lang="en-US" baseline="0" dirty="0" smtClean="0"/>
+              <a:t>/</a:t>
+            </a:r>
+          </a:p>
+          <a:p>
+            <a:r>
+              <a:rPr lang="en-US" baseline="0" smtClean="0"/>
+              <a:t>- Assembly Line : http://robotsftw.com/2009/08/so-are-robots-stealing-our-jobs/</a:t>
+            </a:r>
+          </a:p>
+          <a:p>
+            <a:endParaRPr lang="en-US" dirty="0"/>
+          </a:p>
+        </p:txBody>
+      </p:sp>
+      <p:sp>
+        <p:nvSpPr>
+          <p:cNvPr id="4" name="Slide Number Placeholder 3"/>
+          <p:cNvSpPr>
+            <a:spLocks noGrp="1"/>
+          </p:cNvSpPr>
+          <p:nvPr>
+            <p:ph type="sldNum" sz="quarter" idx="10"/>
+          </p:nvPr>
+        </p:nvSpPr>
+        <p:spPr/>
+        <p:txBody>
+          <a:bodyPr/>
+          <a:lstStyle/>
+          <a:p>
+            <a:fld id="{35E8DBCF-1A31-4444-8CFB-0DA56D6CEB6C}" type="slidenum">
+              <a:rPr lang="en-US" smtClean="0"/>
+              <a:pPr/>
+              <a:t>14</a:t>
             </a:fld>
             <a:endParaRPr lang="en-US"/>
           </a:p>
@@ -5668,7 +5774,7 @@
           <p:nvPr/>
         </p:nvPicPr>
         <p:blipFill>
-          <a:blip r:embed="rId2"/>
+          <a:blip r:embed="rId2" cstate="print"/>
           <a:srcRect/>
           <a:stretch>
             <a:fillRect/>
@@ -5694,7 +5800,7 @@
           <p:nvPr/>
         </p:nvPicPr>
         <p:blipFill>
-          <a:blip r:embed="rId3"/>
+          <a:blip r:embed="rId3" cstate="print"/>
           <a:srcRect/>
           <a:stretch>
             <a:fillRect/>
@@ -5925,7 +6031,7 @@
           <p:nvPr/>
         </p:nvPicPr>
         <p:blipFill>
-          <a:blip r:embed="rId2"/>
+          <a:blip r:embed="rId2" cstate="print"/>
           <a:srcRect/>
           <a:stretch>
             <a:fillRect/>
@@ -5951,7 +6057,7 @@
           <p:nvPr/>
         </p:nvPicPr>
         <p:blipFill>
-          <a:blip r:embed="rId3"/>
+          <a:blip r:embed="rId3" cstate="print"/>
           <a:srcRect/>
           <a:stretch>
             <a:fillRect/>
@@ -6009,7 +6115,7 @@
           <p:nvPr/>
         </p:nvPicPr>
         <p:blipFill>
-          <a:blip r:embed="rId2"/>
+          <a:blip r:embed="rId2" cstate="print"/>
           <a:srcRect/>
           <a:stretch>
             <a:fillRect/>
@@ -6108,6 +6214,9 @@
             <a:endParaRPr lang="en-US" dirty="0" smtClean="0"/>
           </a:p>
           <a:p>
+            <a:endParaRPr lang="en-US" dirty="0" smtClean="0"/>
+          </a:p>
+          <a:p>
             <a:r>
               <a:rPr lang="en-US" dirty="0" smtClean="0"/>
               <a:t>Rogue AI</a:t>
@@ -6115,11 +6224,70 @@
           </a:p>
         </p:txBody>
       </p:sp>
+      <p:pic>
+        <p:nvPicPr>
+          <p:cNvPr id="5126" name="Picture 6" descr="http://getdclu.files.wordpress.com/2009/08/ethics-making-and-controlling-a-robotic-public.jpg?w=568&amp;h=289"/>
+          <p:cNvPicPr>
+            <a:picLocks noChangeAspect="1" noChangeArrowheads="1"/>
+          </p:cNvPicPr>
+          <p:nvPr/>
+        </p:nvPicPr>
+        <p:blipFill>
+          <a:blip r:embed="rId3" cstate="print"/>
+          <a:srcRect/>
+          <a:stretch>
+            <a:fillRect/>
+          </a:stretch>
+        </p:blipFill>
+        <p:spPr bwMode="auto">
+          <a:xfrm>
+            <a:off x="4394200" y="4495800"/>
+            <a:ext cx="5410200" cy="2800351"/>
+          </a:xfrm>
+          <a:prstGeom prst="rect">
+            <a:avLst/>
+          </a:prstGeom>
+          <a:noFill/>
+        </p:spPr>
+      </p:pic>
+      <p:pic>
+        <p:nvPicPr>
+          <p:cNvPr id="6146" name="Picture 2" descr="Robots"/>
+          <p:cNvPicPr>
+            <a:picLocks noChangeAspect="1" noChangeArrowheads="1"/>
+          </p:cNvPicPr>
+          <p:nvPr/>
+        </p:nvPicPr>
+        <p:blipFill>
+          <a:blip r:embed="rId4" cstate="print"/>
+          <a:srcRect/>
+          <a:stretch>
+            <a:fillRect/>
+          </a:stretch>
+        </p:blipFill>
+        <p:spPr bwMode="auto">
+          <a:xfrm>
+            <a:off x="5308600" y="914400"/>
+            <a:ext cx="3657600" cy="2755392"/>
+          </a:xfrm>
+          <a:prstGeom prst="rect">
+            <a:avLst/>
+          </a:prstGeom>
+          <a:noFill/>
+        </p:spPr>
+      </p:pic>
     </p:spTree>
   </p:cSld>
   <p:clrMapOvr>
     <a:masterClrMapping/>
   </p:clrMapOvr>
+  <p:timing>
+    <p:tnLst>
+      <p:par>
+        <p:cTn id="1" dur="indefinite" restart="never" nodeType="tmRoot"/>
+      </p:par>
+    </p:tnLst>
+  </p:timing>
 </p:sld>
 </file>
 
@@ -6215,7 +6383,7 @@
           <p:nvPr/>
         </p:nvPicPr>
         <p:blipFill>
-          <a:blip r:embed="rId2"/>
+          <a:blip r:embed="rId2" cstate="print"/>
           <a:srcRect/>
           <a:stretch>
             <a:fillRect/>
@@ -6248,7 +6416,7 @@
           <p:nvPr/>
         </p:nvPicPr>
         <p:blipFill>
-          <a:blip r:embed="rId3"/>
+          <a:blip r:embed="rId3" cstate="print"/>
           <a:srcRect/>
           <a:stretch>
             <a:fillRect/>
@@ -6277,6 +6445,13 @@
   <p:clrMapOvr>
     <a:masterClrMapping/>
   </p:clrMapOvr>
+  <p:timing>
+    <p:tnLst>
+      <p:par>
+        <p:cTn id="1" dur="indefinite" restart="never" nodeType="tmRoot"/>
+      </p:par>
+    </p:tnLst>
+  </p:timing>
 </p:sld>
 </file>
 
@@ -6430,6 +6605,27 @@
               <a:buClr>
                 <a:srgbClr val="000000"/>
               </a:buClr>
+              <a:buFontTx/>
+              <a:buChar char="•"/>
+            </a:pPr>
+            <a:endParaRPr lang="en-US" sz="2700" dirty="0" smtClean="0">
+              <a:solidFill>
+                <a:srgbClr val="DEDEDE"/>
+              </a:solidFill>
+              <a:latin typeface="Trebuchet MS" pitchFamily="34" charset="0"/>
+            </a:endParaRPr>
+          </a:p>
+          <a:p>
+            <a:pPr marL="457200" lvl="1" indent="-342900">
+              <a:lnSpc>
+                <a:spcPct val="95000"/>
+              </a:lnSpc>
+              <a:spcBef>
+                <a:spcPct val="0"/>
+              </a:spcBef>
+              <a:buClr>
+                <a:srgbClr val="000000"/>
+              </a:buClr>
             </a:pPr>
             <a:r>
               <a:rPr lang="en-US" sz="2700" dirty="0" smtClean="0">
@@ -6440,6 +6636,25 @@
               </a:rPr>
               <a:t>How does it affect humanity?</a:t>
             </a:r>
+          </a:p>
+          <a:p>
+            <a:pPr marL="457200" lvl="1" indent="-342900">
+              <a:lnSpc>
+                <a:spcPct val="95000"/>
+              </a:lnSpc>
+              <a:spcBef>
+                <a:spcPct val="0"/>
+              </a:spcBef>
+              <a:buClr>
+                <a:srgbClr val="000000"/>
+              </a:buClr>
+            </a:pPr>
+            <a:endParaRPr lang="en-US" sz="2700" dirty="0" smtClean="0">
+              <a:solidFill>
+                <a:srgbClr val="DEDEDE"/>
+              </a:solidFill>
+              <a:latin typeface="Trebuchet MS" pitchFamily="34" charset="0"/>
+            </a:endParaRPr>
           </a:p>
           <a:p>
             <a:pPr marL="457200" lvl="1" indent="-342900">
@@ -6845,6 +7060,27 @@
               <a:buClr>
                 <a:srgbClr val="000000"/>
               </a:buClr>
+              <a:buFontTx/>
+              <a:buChar char="•"/>
+            </a:pPr>
+            <a:endParaRPr lang="en-US" sz="2700" dirty="0" smtClean="0">
+              <a:solidFill>
+                <a:srgbClr val="DEDEDE"/>
+              </a:solidFill>
+              <a:latin typeface="Trebuchet MS" pitchFamily="34" charset="0"/>
+            </a:endParaRPr>
+          </a:p>
+          <a:p>
+            <a:pPr marL="457200" lvl="1" indent="-342900">
+              <a:lnSpc>
+                <a:spcPct val="95000"/>
+              </a:lnSpc>
+              <a:spcBef>
+                <a:spcPct val="0"/>
+              </a:spcBef>
+              <a:buClr>
+                <a:srgbClr val="000000"/>
+              </a:buClr>
             </a:pPr>
             <a:r>
               <a:rPr lang="en-US" sz="2700" dirty="0" smtClean="0">
@@ -6855,6 +7091,25 @@
               </a:rPr>
               <a:t>How does it affect humanity?</a:t>
             </a:r>
+          </a:p>
+          <a:p>
+            <a:pPr marL="457200" lvl="1" indent="-342900">
+              <a:lnSpc>
+                <a:spcPct val="95000"/>
+              </a:lnSpc>
+              <a:spcBef>
+                <a:spcPct val="0"/>
+              </a:spcBef>
+              <a:buClr>
+                <a:srgbClr val="000000"/>
+              </a:buClr>
+            </a:pPr>
+            <a:endParaRPr lang="en-US" sz="2700" dirty="0" smtClean="0">
+              <a:solidFill>
+                <a:srgbClr val="DEDEDE"/>
+              </a:solidFill>
+              <a:latin typeface="Trebuchet MS" pitchFamily="34" charset="0"/>
+            </a:endParaRPr>
           </a:p>
           <a:p>
             <a:pPr marL="457200" lvl="1" indent="-342900">
@@ -7070,7 +7325,7 @@
           <p:nvPr/>
         </p:nvPicPr>
         <p:blipFill>
-          <a:blip r:embed="rId2"/>
+          <a:blip r:embed="rId2" cstate="print"/>
           <a:srcRect/>
           <a:stretch>
             <a:fillRect/>
@@ -7103,7 +7358,7 @@
           <p:nvPr/>
         </p:nvPicPr>
         <p:blipFill>
-          <a:blip r:embed="rId3"/>
+          <a:blip r:embed="rId3" cstate="print"/>
           <a:srcRect/>
           <a:stretch>
             <a:fillRect/>
@@ -7136,7 +7391,7 @@
           <p:nvPr/>
         </p:nvPicPr>
         <p:blipFill>
-          <a:blip r:embed="rId4"/>
+          <a:blip r:embed="rId4" cstate="print"/>
           <a:srcRect/>
           <a:stretch>
             <a:fillRect/>
@@ -7481,7 +7736,7 @@
           <p:nvPr/>
         </p:nvPicPr>
         <p:blipFill>
-          <a:blip r:embed="rId3"/>
+          <a:blip r:embed="rId3" cstate="print"/>
           <a:srcRect/>
           <a:stretch>
             <a:fillRect/>
@@ -7581,7 +7836,7 @@
           <p:nvPr/>
         </p:nvPicPr>
         <p:blipFill>
-          <a:blip r:embed="rId2"/>
+          <a:blip r:embed="rId2" cstate="print"/>
           <a:srcRect/>
           <a:stretch>
             <a:fillRect/>
@@ -7685,7 +7940,7 @@
           <p:nvPr/>
         </p:nvPicPr>
         <p:blipFill>
-          <a:blip r:embed="rId3"/>
+          <a:blip r:embed="rId3" cstate="print"/>
           <a:srcRect/>
           <a:stretch>
             <a:fillRect/>
@@ -7851,7 +8106,7 @@
           <p:nvPr/>
         </p:nvPicPr>
         <p:blipFill>
-          <a:blip r:embed="rId4"/>
+          <a:blip r:embed="rId4" cstate="print"/>
           <a:srcRect/>
           <a:stretch>
             <a:fillRect/>
@@ -8114,7 +8369,7 @@
           <p:nvPr/>
         </p:nvPicPr>
         <p:blipFill>
-          <a:blip r:embed="rId3"/>
+          <a:blip r:embed="rId3" cstate="print"/>
           <a:srcRect/>
           <a:stretch>
             <a:fillRect/>

--- a/trunk/artififical intelligence.pptx
+++ b/trunk/artififical intelligence.pptx
@@ -5,27 +5,26 @@
     <p:sldMasterId id="2147483660" r:id="rId1"/>
   </p:sldMasterIdLst>
   <p:notesMasterIdLst>
-    <p:notesMasterId r:id="rId20"/>
+    <p:notesMasterId r:id="rId19"/>
   </p:notesMasterIdLst>
   <p:sldIdLst>
     <p:sldId id="256" r:id="rId2"/>
-    <p:sldId id="257" r:id="rId3"/>
+    <p:sldId id="275" r:id="rId3"/>
     <p:sldId id="269" r:id="rId4"/>
     <p:sldId id="268" r:id="rId5"/>
     <p:sldId id="258" r:id="rId6"/>
     <p:sldId id="271" r:id="rId7"/>
-    <p:sldId id="259" r:id="rId8"/>
-    <p:sldId id="260" r:id="rId9"/>
+    <p:sldId id="276" r:id="rId8"/>
+    <p:sldId id="277" r:id="rId9"/>
     <p:sldId id="261" r:id="rId10"/>
-    <p:sldId id="270" r:id="rId11"/>
-    <p:sldId id="263" r:id="rId12"/>
-    <p:sldId id="264" r:id="rId13"/>
+    <p:sldId id="281" r:id="rId11"/>
+    <p:sldId id="278" r:id="rId12"/>
+    <p:sldId id="279" r:id="rId13"/>
     <p:sldId id="265" r:id="rId14"/>
     <p:sldId id="272" r:id="rId15"/>
     <p:sldId id="273" r:id="rId16"/>
-    <p:sldId id="266" r:id="rId17"/>
-    <p:sldId id="274" r:id="rId18"/>
-    <p:sldId id="267" r:id="rId19"/>
+    <p:sldId id="280" r:id="rId17"/>
+    <p:sldId id="267" r:id="rId18"/>
   </p:sldIdLst>
   <p:sldSz cx="10160000" cy="7620000"/>
   <p:notesSz cx="6858000" cy="9144000"/>
@@ -689,66 +688,187 @@
       </p:grpSpPr>
       <p:sp>
         <p:nvSpPr>
-          <p:cNvPr id="2" name="Slide Image Placeholder 1"/>
-          <p:cNvSpPr>
-            <a:spLocks noGrp="1" noRot="1" noChangeAspect="1"/>
-          </p:cNvSpPr>
-          <p:nvPr>
-            <p:ph type="sldImg"/>
-          </p:nvPr>
-        </p:nvSpPr>
-        <p:spPr/>
-      </p:sp>
-      <p:sp>
-        <p:nvSpPr>
-          <p:cNvPr id="3" name="Notes Placeholder 2"/>
-          <p:cNvSpPr>
-            <a:spLocks noGrp="1"/>
-          </p:cNvSpPr>
-          <p:nvPr>
-            <p:ph type="body" idx="1"/>
-          </p:nvPr>
-        </p:nvSpPr>
-        <p:spPr/>
-        <p:txBody>
-          <a:bodyPr>
-            <a:normAutofit/>
-          </a:bodyPr>
-          <a:lstStyle/>
-          <a:p>
-            <a:r>
-              <a:rPr lang="en-US" dirty="0" smtClean="0"/>
-              <a:t>Discussed the fact</a:t>
-            </a:r>
-            <a:r>
-              <a:rPr lang="en-US" baseline="0" dirty="0" smtClean="0"/>
-              <a:t> of lack of numbers in automotives, well aware it’s a hole in our research. Attempting to fix ASAP</a:t>
-            </a:r>
-            <a:endParaRPr lang="en-US" dirty="0"/>
-          </a:p>
-        </p:txBody>
-      </p:sp>
-      <p:sp>
-        <p:nvSpPr>
-          <p:cNvPr id="4" name="Slide Number Placeholder 3"/>
-          <p:cNvSpPr>
-            <a:spLocks noGrp="1"/>
-          </p:cNvSpPr>
-          <p:nvPr>
-            <p:ph type="sldNum" sz="quarter" idx="10"/>
-          </p:nvPr>
-        </p:nvSpPr>
-        <p:spPr/>
+          <p:cNvPr id="7" name="Rectangle 6"/>
+          <p:cNvSpPr>
+            <a:spLocks noGrp="1" noChangeArrowheads="1"/>
+          </p:cNvSpPr>
+          <p:nvPr>
+            <p:ph type="sldNum" sz="quarter" idx="5"/>
+          </p:nvPr>
+        </p:nvSpPr>
+        <p:spPr>
+          <a:ln/>
+        </p:spPr>
         <p:txBody>
           <a:bodyPr/>
           <a:lstStyle/>
           <a:p>
-            <a:fld id="{35E8DBCF-1A31-4444-8CFB-0DA56D6CEB6C}" type="slidenum">
-              <a:rPr lang="en-US" smtClean="0"/>
+            <a:fld id="{2B961348-EAED-42D9-BC65-1B9A33AE06B4}" type="slidenum">
+              <a:rPr lang="en-US"/>
               <a:pPr/>
-              <a:t>7</a:t>
+              <a:t>9</a:t>
             </a:fld>
             <a:endParaRPr lang="en-US"/>
+          </a:p>
+        </p:txBody>
+      </p:sp>
+      <p:sp>
+        <p:nvSpPr>
+          <p:cNvPr id="10241" name="Rectangle 1"/>
+          <p:cNvSpPr>
+            <a:spLocks noGrp="1" noRot="1" noChangeAspect="1" noChangeArrowheads="1"/>
+          </p:cNvSpPr>
+          <p:nvPr>
+            <p:ph type="sldImg"/>
+          </p:nvPr>
+        </p:nvSpPr>
+        <p:spPr>
+          <a:ln/>
+        </p:spPr>
+      </p:sp>
+      <p:sp>
+        <p:nvSpPr>
+          <p:cNvPr id="10242" name="Rectangle 2"/>
+          <p:cNvSpPr>
+            <a:spLocks noGrp="1" noChangeArrowheads="1"/>
+          </p:cNvSpPr>
+          <p:nvPr>
+            <p:ph type="body" idx="1"/>
+          </p:nvPr>
+        </p:nvSpPr>
+        <p:spPr/>
+        <p:txBody>
+          <a:bodyPr lIns="0" tIns="0" rIns="0" bIns="0"/>
+          <a:lstStyle/>
+          <a:p>
+            <a:pPr>
+              <a:lnSpc>
+                <a:spcPct val="95000"/>
+              </a:lnSpc>
+              <a:spcBef>
+                <a:spcPct val="0"/>
+              </a:spcBef>
+            </a:pPr>
+            <a:r>
+              <a:rPr lang="en-US" sz="1600">
+                <a:solidFill>
+                  <a:srgbClr val="DEDEDE"/>
+                </a:solidFill>
+                <a:latin typeface="Trebuchet MS" pitchFamily="34" charset="0"/>
+              </a:rPr>
+              <a:t>Emotions question: Scherer definition of emotions (reaction to input in context of previous experiences and preferences) &amp; reinforcement learning methods that mimic it.</a:t>
+            </a:r>
+            <a:endParaRPr lang="en-US"/>
+          </a:p>
+          <a:p>
+            <a:pPr>
+              <a:lnSpc>
+                <a:spcPct val="95000"/>
+              </a:lnSpc>
+              <a:spcBef>
+                <a:spcPct val="0"/>
+              </a:spcBef>
+            </a:pPr>
+            <a:endParaRPr lang="en-US" sz="1600">
+              <a:solidFill>
+                <a:srgbClr val="DEDEDE"/>
+              </a:solidFill>
+              <a:latin typeface="Trebuchet MS" pitchFamily="34" charset="0"/>
+            </a:endParaRPr>
+          </a:p>
+          <a:p>
+            <a:pPr>
+              <a:lnSpc>
+                <a:spcPct val="95000"/>
+              </a:lnSpc>
+              <a:spcBef>
+                <a:spcPct val="0"/>
+              </a:spcBef>
+            </a:pPr>
+            <a:r>
+              <a:rPr lang="en-US" sz="1600">
+                <a:solidFill>
+                  <a:srgbClr val="DEDEDE"/>
+                </a:solidFill>
+                <a:latin typeface="Trebuchet MS" pitchFamily="34" charset="0"/>
+              </a:rPr>
+              <a:t>Soul question: Much, much more abstract, reflect mostly on wobbly definition of a soul to begin with.  Say that we're not even sure if *we* have a soul. Maybe mention idea of 'ghost in a shell' style constructs.</a:t>
+            </a:r>
+            <a:endParaRPr lang="en-US"/>
+          </a:p>
+          <a:p>
+            <a:pPr>
+              <a:lnSpc>
+                <a:spcPct val="95000"/>
+              </a:lnSpc>
+              <a:spcBef>
+                <a:spcPct val="0"/>
+              </a:spcBef>
+            </a:pPr>
+            <a:endParaRPr lang="en-US" sz="1600">
+              <a:solidFill>
+                <a:srgbClr val="DEDEDE"/>
+              </a:solidFill>
+              <a:latin typeface="Trebuchet MS" pitchFamily="34" charset="0"/>
+            </a:endParaRPr>
+          </a:p>
+          <a:p>
+            <a:pPr>
+              <a:lnSpc>
+                <a:spcPct val="95000"/>
+              </a:lnSpc>
+              <a:spcBef>
+                <a:spcPct val="0"/>
+              </a:spcBef>
+            </a:pPr>
+            <a:r>
+              <a:rPr lang="en-US" sz="1600">
+                <a:solidFill>
+                  <a:srgbClr val="DEDEDE"/>
+                </a:solidFill>
+                <a:latin typeface="Trebuchet MS" pitchFamily="34" charset="0"/>
+              </a:rPr>
+              <a:t>Person question:  Related to soul question, but has more legal ramifications.  Maybe talk a little about  </a:t>
+            </a:r>
+            <a:r>
+              <a:rPr lang="en-US" sz="1600" u="sng">
+                <a:solidFill>
+                  <a:srgbClr val="000099"/>
+                </a:solidFill>
+                <a:latin typeface="Arial" pitchFamily="34" charset="0"/>
+                <a:hlinkClick r:id="rId3"/>
+              </a:rPr>
+              <a:t>ttp://www.physorg.com/news185729677.html</a:t>
+            </a:r>
+            <a:r>
+              <a:rPr lang="en-US" sz="1600">
+                <a:solidFill>
+                  <a:srgbClr val="000000"/>
+                </a:solidFill>
+                <a:latin typeface="Arial" pitchFamily="34" charset="0"/>
+              </a:rPr>
+              <a:t> </a:t>
+            </a:r>
+            <a:endParaRPr lang="en-US"/>
+          </a:p>
+          <a:p>
+            <a:pPr>
+              <a:lnSpc>
+                <a:spcPct val="95000"/>
+              </a:lnSpc>
+              <a:spcBef>
+                <a:spcPct val="0"/>
+              </a:spcBef>
+            </a:pPr>
+            <a:r>
+              <a:rPr lang="en-US" sz="1600">
+                <a:solidFill>
+                  <a:srgbClr val="000000"/>
+                </a:solidFill>
+                <a:latin typeface="Arial" pitchFamily="34" charset="0"/>
+              </a:rPr>
+              <a:t> </a:t>
+            </a:r>
           </a:p>
         </p:txBody>
       </p:sp>
@@ -779,149 +899,188 @@
       </p:grpSpPr>
       <p:sp>
         <p:nvSpPr>
-          <p:cNvPr id="7" name="Rectangle 6"/>
-          <p:cNvSpPr>
-            <a:spLocks noGrp="1" noChangeArrowheads="1"/>
-          </p:cNvSpPr>
-          <p:nvPr>
-            <p:ph type="sldNum" sz="quarter" idx="5"/>
-          </p:nvPr>
-        </p:nvSpPr>
-        <p:spPr>
-          <a:ln/>
-        </p:spPr>
+          <p:cNvPr id="2" name="Slide Image Placeholder 1"/>
+          <p:cNvSpPr>
+            <a:spLocks noGrp="1" noRot="1" noChangeAspect="1"/>
+          </p:cNvSpPr>
+          <p:nvPr>
+            <p:ph type="sldImg"/>
+          </p:nvPr>
+        </p:nvSpPr>
+        <p:spPr/>
+      </p:sp>
+      <p:sp>
+        <p:nvSpPr>
+          <p:cNvPr id="3" name="Notes Placeholder 2"/>
+          <p:cNvSpPr>
+            <a:spLocks noGrp="1"/>
+          </p:cNvSpPr>
+          <p:nvPr>
+            <p:ph type="body" idx="1"/>
+          </p:nvPr>
+        </p:nvSpPr>
+        <p:spPr/>
+        <p:txBody>
+          <a:bodyPr>
+            <a:normAutofit/>
+          </a:bodyPr>
+          <a:lstStyle/>
+          <a:p>
+            <a:r>
+              <a:rPr lang="en-US" dirty="0" smtClean="0"/>
+              <a:t>Sapient bill of rights</a:t>
+            </a:r>
+            <a:r>
+              <a:rPr lang="en-US" baseline="0" dirty="0" smtClean="0"/>
+              <a:t> </a:t>
+            </a:r>
+            <a:r>
+              <a:rPr lang="en-US" dirty="0" smtClean="0"/>
+              <a:t>talk</a:t>
+            </a:r>
+            <a:r>
+              <a:rPr lang="en-US" baseline="0" dirty="0" smtClean="0"/>
+              <a:t> about argument for dolphins/primates rights from </a:t>
+            </a:r>
+            <a:r>
+              <a:rPr lang="en-US" sz="1200" b="0" i="0" u="sng" kern="1200" dirty="0" smtClean="0">
+                <a:solidFill>
+                  <a:schemeClr val="tx1"/>
+                </a:solidFill>
+                <a:latin typeface="Times New Roman" pitchFamily="18" charset="0"/>
+                <a:ea typeface="+mn-ea"/>
+                <a:cs typeface="+mn-cs"/>
+                <a:hlinkClick r:id="rId3"/>
+              </a:rPr>
+              <a:t>http://www.physorg.com/news185729677.html</a:t>
+            </a:r>
+            <a:endParaRPr lang="en-US" sz="1200" b="0" i="0" u="sng" kern="1200" dirty="0" smtClean="0">
+              <a:solidFill>
+                <a:schemeClr val="tx1"/>
+              </a:solidFill>
+              <a:latin typeface="Times New Roman" pitchFamily="18" charset="0"/>
+              <a:ea typeface="+mn-ea"/>
+              <a:cs typeface="+mn-cs"/>
+            </a:endParaRPr>
+          </a:p>
+          <a:p>
+            <a:endParaRPr lang="en-US" sz="1200" b="0" i="0" u="sng" kern="1200" dirty="0" smtClean="0">
+              <a:solidFill>
+                <a:schemeClr val="tx1"/>
+              </a:solidFill>
+              <a:latin typeface="Times New Roman" pitchFamily="18" charset="0"/>
+              <a:ea typeface="+mn-ea"/>
+              <a:cs typeface="+mn-cs"/>
+            </a:endParaRPr>
+          </a:p>
+          <a:p>
+            <a:r>
+              <a:rPr lang="en-US" sz="1200" b="0" i="0" u="none" kern="1200" dirty="0" smtClean="0">
+                <a:solidFill>
+                  <a:schemeClr val="tx1"/>
+                </a:solidFill>
+                <a:latin typeface="Times New Roman" pitchFamily="18" charset="0"/>
+                <a:ea typeface="+mn-ea"/>
+                <a:cs typeface="+mn-cs"/>
+              </a:rPr>
+              <a:t>Mental</a:t>
+            </a:r>
+            <a:r>
+              <a:rPr lang="en-US" sz="1200" b="0" i="0" u="none" kern="1200" baseline="0" dirty="0" smtClean="0">
+                <a:solidFill>
+                  <a:schemeClr val="tx1"/>
+                </a:solidFill>
+                <a:latin typeface="Times New Roman" pitchFamily="18" charset="0"/>
+                <a:ea typeface="+mn-ea"/>
+                <a:cs typeface="+mn-cs"/>
+              </a:rPr>
+              <a:t> Programming/Limiting; talk about that </a:t>
+            </a:r>
+            <a:r>
+              <a:rPr lang="en-US" sz="1200" b="0" i="0" u="none" kern="1200" baseline="0" dirty="0" err="1" smtClean="0">
+                <a:solidFill>
+                  <a:schemeClr val="tx1"/>
+                </a:solidFill>
+                <a:latin typeface="Times New Roman" pitchFamily="18" charset="0"/>
+                <a:ea typeface="+mn-ea"/>
+                <a:cs typeface="+mn-cs"/>
+              </a:rPr>
+              <a:t>kewl</a:t>
+            </a:r>
+            <a:r>
+              <a:rPr lang="en-US" sz="1200" b="0" i="0" u="none" kern="1200" baseline="0" dirty="0" smtClean="0">
+                <a:solidFill>
+                  <a:schemeClr val="tx1"/>
+                </a:solidFill>
+                <a:latin typeface="Times New Roman" pitchFamily="18" charset="0"/>
+                <a:ea typeface="+mn-ea"/>
+                <a:cs typeface="+mn-cs"/>
+              </a:rPr>
+              <a:t> brain modification wave thingy device I saw on NOVA: self: find better sources damn you</a:t>
+            </a:r>
+          </a:p>
+          <a:p>
+            <a:endParaRPr lang="en-US" sz="1200" b="0" i="0" u="none" kern="1200" baseline="0" dirty="0" smtClean="0">
+              <a:solidFill>
+                <a:schemeClr val="tx1"/>
+              </a:solidFill>
+              <a:latin typeface="Times New Roman" pitchFamily="18" charset="0"/>
+              <a:ea typeface="+mn-ea"/>
+              <a:cs typeface="+mn-cs"/>
+            </a:endParaRPr>
+          </a:p>
+          <a:p>
+            <a:r>
+              <a:rPr lang="en-US" sz="1200" b="0" i="0" u="none" kern="1200" baseline="0" dirty="0" smtClean="0">
+                <a:solidFill>
+                  <a:schemeClr val="tx1"/>
+                </a:solidFill>
+                <a:latin typeface="Times New Roman" pitchFamily="18" charset="0"/>
+                <a:ea typeface="+mn-ea"/>
+                <a:cs typeface="+mn-cs"/>
+              </a:rPr>
+              <a:t>What is ‘human’ </a:t>
+            </a:r>
+            <a:r>
+              <a:rPr lang="en-US" dirty="0" smtClean="0"/>
+              <a:t>talk</a:t>
+            </a:r>
+            <a:r>
+              <a:rPr lang="en-US" baseline="0" dirty="0" smtClean="0"/>
+              <a:t> about sentience quotient (get sources from wiki)</a:t>
+            </a:r>
+            <a:endParaRPr lang="en-US" sz="1200" b="0" i="0" u="none" kern="1200" baseline="0" dirty="0" smtClean="0">
+              <a:solidFill>
+                <a:schemeClr val="tx1"/>
+              </a:solidFill>
+              <a:latin typeface="Times New Roman" pitchFamily="18" charset="0"/>
+              <a:ea typeface="+mn-ea"/>
+              <a:cs typeface="+mn-cs"/>
+            </a:endParaRPr>
+          </a:p>
+        </p:txBody>
+      </p:sp>
+      <p:sp>
+        <p:nvSpPr>
+          <p:cNvPr id="4" name="Slide Number Placeholder 3"/>
+          <p:cNvSpPr>
+            <a:spLocks noGrp="1"/>
+          </p:cNvSpPr>
+          <p:nvPr>
+            <p:ph type="sldNum" sz="quarter" idx="10"/>
+          </p:nvPr>
+        </p:nvSpPr>
+        <p:spPr/>
         <p:txBody>
           <a:bodyPr/>
           <a:lstStyle/>
           <a:p>
-            <a:fld id="{0E7090A5-3AD5-4A5C-B147-B80F16B4B8AE}" type="slidenum">
-              <a:rPr lang="en-US"/>
+            <a:fld id="{35E8DBCF-1A31-4444-8CFB-0DA56D6CEB6C}" type="slidenum">
+              <a:rPr lang="en-US" smtClean="0"/>
               <a:pPr/>
-              <a:t>8</a:t>
+              <a:t>10</a:t>
             </a:fld>
             <a:endParaRPr lang="en-US"/>
-          </a:p>
-        </p:txBody>
-      </p:sp>
-      <p:sp>
-        <p:nvSpPr>
-          <p:cNvPr id="8193" name="Rectangle 1"/>
-          <p:cNvSpPr>
-            <a:spLocks noGrp="1" noRot="1" noChangeAspect="1" noChangeArrowheads="1"/>
-          </p:cNvSpPr>
-          <p:nvPr>
-            <p:ph type="sldImg"/>
-          </p:nvPr>
-        </p:nvSpPr>
-        <p:spPr>
-          <a:ln/>
-        </p:spPr>
-      </p:sp>
-      <p:sp>
-        <p:nvSpPr>
-          <p:cNvPr id="8194" name="Rectangle 2"/>
-          <p:cNvSpPr>
-            <a:spLocks noGrp="1" noChangeArrowheads="1"/>
-          </p:cNvSpPr>
-          <p:nvPr>
-            <p:ph type="body" idx="1"/>
-          </p:nvPr>
-        </p:nvSpPr>
-        <p:spPr/>
-        <p:txBody>
-          <a:bodyPr lIns="0" tIns="0" rIns="0" bIns="0"/>
-          <a:lstStyle/>
-          <a:p>
-            <a:pPr>
-              <a:lnSpc>
-                <a:spcPct val="95000"/>
-              </a:lnSpc>
-              <a:spcBef>
-                <a:spcPct val="0"/>
-              </a:spcBef>
-            </a:pPr>
-            <a:r>
-              <a:rPr lang="en-US" sz="1600">
-                <a:solidFill>
-                  <a:srgbClr val="DEDEDE"/>
-                </a:solidFill>
-                <a:latin typeface="Trebuchet MS" pitchFamily="34" charset="0"/>
-              </a:rPr>
-              <a:t>1st point; important questions in AI: can a machine feel?  does it have a soul?</a:t>
-            </a:r>
-            <a:endParaRPr lang="en-US"/>
-          </a:p>
-          <a:p>
-            <a:pPr>
-              <a:lnSpc>
-                <a:spcPct val="95000"/>
-              </a:lnSpc>
-              <a:spcBef>
-                <a:spcPct val="0"/>
-              </a:spcBef>
-            </a:pPr>
-            <a:r>
-              <a:rPr lang="en-US" sz="1600">
-                <a:solidFill>
-                  <a:srgbClr val="DEDEDE"/>
-                </a:solidFill>
-                <a:latin typeface="Trebuchet MS" pitchFamily="34" charset="0"/>
-              </a:rPr>
-              <a:t> </a:t>
-            </a:r>
-            <a:endParaRPr lang="en-US"/>
-          </a:p>
-          <a:p>
-            <a:pPr>
-              <a:lnSpc>
-                <a:spcPct val="95000"/>
-              </a:lnSpc>
-              <a:spcBef>
-                <a:spcPct val="0"/>
-              </a:spcBef>
-            </a:pPr>
-            <a:r>
-              <a:rPr lang="en-US" sz="1600">
-                <a:solidFill>
-                  <a:srgbClr val="DEDEDE"/>
-                </a:solidFill>
-                <a:latin typeface="Trebuchet MS" pitchFamily="34" charset="0"/>
-              </a:rPr>
-              <a:t>3rd point; exposit on difference between philosophy and ethics (ethics asks what it means *if* something is true) </a:t>
-            </a:r>
-            <a:endParaRPr lang="en-US"/>
-          </a:p>
-          <a:p>
-            <a:pPr>
-              <a:lnSpc>
-                <a:spcPct val="95000"/>
-              </a:lnSpc>
-              <a:spcBef>
-                <a:spcPct val="0"/>
-              </a:spcBef>
-            </a:pPr>
-            <a:endParaRPr lang="en-US" sz="1600">
-              <a:solidFill>
-                <a:srgbClr val="DEDEDE"/>
-              </a:solidFill>
-              <a:latin typeface="Trebuchet MS" pitchFamily="34" charset="0"/>
-            </a:endParaRPr>
-          </a:p>
-          <a:p>
-            <a:pPr>
-              <a:lnSpc>
-                <a:spcPct val="95000"/>
-              </a:lnSpc>
-              <a:spcBef>
-                <a:spcPct val="0"/>
-              </a:spcBef>
-            </a:pPr>
-            <a:endParaRPr lang="en-US" sz="1600">
-              <a:solidFill>
-                <a:srgbClr val="DEDEDE"/>
-              </a:solidFill>
-              <a:latin typeface="Trebuchet MS" pitchFamily="34" charset="0"/>
-            </a:endParaRPr>
           </a:p>
         </p:txBody>
       </p:sp>
@@ -952,217 +1111,6 @@
       </p:grpSpPr>
       <p:sp>
         <p:nvSpPr>
-          <p:cNvPr id="7" name="Rectangle 6"/>
-          <p:cNvSpPr>
-            <a:spLocks noGrp="1" noChangeArrowheads="1"/>
-          </p:cNvSpPr>
-          <p:nvPr>
-            <p:ph type="sldNum" sz="quarter" idx="5"/>
-          </p:nvPr>
-        </p:nvSpPr>
-        <p:spPr>
-          <a:ln/>
-        </p:spPr>
-        <p:txBody>
-          <a:bodyPr/>
-          <a:lstStyle/>
-          <a:p>
-            <a:fld id="{2B961348-EAED-42D9-BC65-1B9A33AE06B4}" type="slidenum">
-              <a:rPr lang="en-US"/>
-              <a:pPr/>
-              <a:t>9</a:t>
-            </a:fld>
-            <a:endParaRPr lang="en-US"/>
-          </a:p>
-        </p:txBody>
-      </p:sp>
-      <p:sp>
-        <p:nvSpPr>
-          <p:cNvPr id="10241" name="Rectangle 1"/>
-          <p:cNvSpPr>
-            <a:spLocks noGrp="1" noRot="1" noChangeAspect="1" noChangeArrowheads="1"/>
-          </p:cNvSpPr>
-          <p:nvPr>
-            <p:ph type="sldImg"/>
-          </p:nvPr>
-        </p:nvSpPr>
-        <p:spPr>
-          <a:ln/>
-        </p:spPr>
-      </p:sp>
-      <p:sp>
-        <p:nvSpPr>
-          <p:cNvPr id="10242" name="Rectangle 2"/>
-          <p:cNvSpPr>
-            <a:spLocks noGrp="1" noChangeArrowheads="1"/>
-          </p:cNvSpPr>
-          <p:nvPr>
-            <p:ph type="body" idx="1"/>
-          </p:nvPr>
-        </p:nvSpPr>
-        <p:spPr/>
-        <p:txBody>
-          <a:bodyPr lIns="0" tIns="0" rIns="0" bIns="0"/>
-          <a:lstStyle/>
-          <a:p>
-            <a:pPr>
-              <a:lnSpc>
-                <a:spcPct val="95000"/>
-              </a:lnSpc>
-              <a:spcBef>
-                <a:spcPct val="0"/>
-              </a:spcBef>
-            </a:pPr>
-            <a:r>
-              <a:rPr lang="en-US" sz="1600">
-                <a:solidFill>
-                  <a:srgbClr val="DEDEDE"/>
-                </a:solidFill>
-                <a:latin typeface="Trebuchet MS" pitchFamily="34" charset="0"/>
-              </a:rPr>
-              <a:t>Emotions question: Scherer definition of emotions (reaction to input in context of previous experiences and preferences) &amp; reinforcement learning methods that mimic it.</a:t>
-            </a:r>
-            <a:endParaRPr lang="en-US"/>
-          </a:p>
-          <a:p>
-            <a:pPr>
-              <a:lnSpc>
-                <a:spcPct val="95000"/>
-              </a:lnSpc>
-              <a:spcBef>
-                <a:spcPct val="0"/>
-              </a:spcBef>
-            </a:pPr>
-            <a:endParaRPr lang="en-US" sz="1600">
-              <a:solidFill>
-                <a:srgbClr val="DEDEDE"/>
-              </a:solidFill>
-              <a:latin typeface="Trebuchet MS" pitchFamily="34" charset="0"/>
-            </a:endParaRPr>
-          </a:p>
-          <a:p>
-            <a:pPr>
-              <a:lnSpc>
-                <a:spcPct val="95000"/>
-              </a:lnSpc>
-              <a:spcBef>
-                <a:spcPct val="0"/>
-              </a:spcBef>
-            </a:pPr>
-            <a:r>
-              <a:rPr lang="en-US" sz="1600">
-                <a:solidFill>
-                  <a:srgbClr val="DEDEDE"/>
-                </a:solidFill>
-                <a:latin typeface="Trebuchet MS" pitchFamily="34" charset="0"/>
-              </a:rPr>
-              <a:t>Soul question: Much, much more abstract, reflect mostly on wobbly definition of a soul to begin with.  Say that we're not even sure if *we* have a soul. Maybe mention idea of 'ghost in a shell' style constructs.</a:t>
-            </a:r>
-            <a:endParaRPr lang="en-US"/>
-          </a:p>
-          <a:p>
-            <a:pPr>
-              <a:lnSpc>
-                <a:spcPct val="95000"/>
-              </a:lnSpc>
-              <a:spcBef>
-                <a:spcPct val="0"/>
-              </a:spcBef>
-            </a:pPr>
-            <a:endParaRPr lang="en-US" sz="1600">
-              <a:solidFill>
-                <a:srgbClr val="DEDEDE"/>
-              </a:solidFill>
-              <a:latin typeface="Trebuchet MS" pitchFamily="34" charset="0"/>
-            </a:endParaRPr>
-          </a:p>
-          <a:p>
-            <a:pPr>
-              <a:lnSpc>
-                <a:spcPct val="95000"/>
-              </a:lnSpc>
-              <a:spcBef>
-                <a:spcPct val="0"/>
-              </a:spcBef>
-            </a:pPr>
-            <a:r>
-              <a:rPr lang="en-US" sz="1600">
-                <a:solidFill>
-                  <a:srgbClr val="DEDEDE"/>
-                </a:solidFill>
-                <a:latin typeface="Trebuchet MS" pitchFamily="34" charset="0"/>
-              </a:rPr>
-              <a:t>Person question:  Related to soul question, but has more legal ramifications.  Maybe talk a little about  </a:t>
-            </a:r>
-            <a:r>
-              <a:rPr lang="en-US" sz="1600" u="sng">
-                <a:solidFill>
-                  <a:srgbClr val="000099"/>
-                </a:solidFill>
-                <a:latin typeface="Arial" pitchFamily="34" charset="0"/>
-                <a:hlinkClick r:id="rId3"/>
-              </a:rPr>
-              <a:t>ttp://www.physorg.com/news185729677.html</a:t>
-            </a:r>
-            <a:r>
-              <a:rPr lang="en-US" sz="1600">
-                <a:solidFill>
-                  <a:srgbClr val="000000"/>
-                </a:solidFill>
-                <a:latin typeface="Arial" pitchFamily="34" charset="0"/>
-              </a:rPr>
-              <a:t> </a:t>
-            </a:r>
-            <a:endParaRPr lang="en-US"/>
-          </a:p>
-          <a:p>
-            <a:pPr>
-              <a:lnSpc>
-                <a:spcPct val="95000"/>
-              </a:lnSpc>
-              <a:spcBef>
-                <a:spcPct val="0"/>
-              </a:spcBef>
-            </a:pPr>
-            <a:r>
-              <a:rPr lang="en-US" sz="1600">
-                <a:solidFill>
-                  <a:srgbClr val="000000"/>
-                </a:solidFill>
-                <a:latin typeface="Arial" pitchFamily="34" charset="0"/>
-              </a:rPr>
-              <a:t> </a:t>
-            </a:r>
-          </a:p>
-        </p:txBody>
-      </p:sp>
-    </p:spTree>
-  </p:cSld>
-  <p:clrMapOvr>
-    <a:masterClrMapping/>
-  </p:clrMapOvr>
-</p:notes>
-</file>
-
-<file path=ppt/notesSlides/notesSlide5.xml><?xml version="1.0" encoding="utf-8"?>
-<p:notes xmlns:a="http://schemas.openxmlformats.org/drawingml/2006/main" xmlns:r="http://schemas.openxmlformats.org/officeDocument/2006/relationships" xmlns:p="http://schemas.openxmlformats.org/presentationml/2006/main">
-  <p:cSld>
-    <p:spTree>
-      <p:nvGrpSpPr>
-        <p:cNvPr id="1" name=""/>
-        <p:cNvGrpSpPr/>
-        <p:nvPr/>
-      </p:nvGrpSpPr>
-      <p:grpSpPr>
-        <a:xfrm>
-          <a:off x="0" y="0"/>
-          <a:ext cx="0" cy="0"/>
-          <a:chOff x="0" y="0"/>
-          <a:chExt cx="0" cy="0"/>
-        </a:xfrm>
-      </p:grpSpPr>
-      <p:sp>
-        <p:nvSpPr>
           <p:cNvPr id="2" name="Slide Image Placeholder 1"/>
           <p:cNvSpPr>
             <a:spLocks noGrp="1" noRot="1" noChangeAspect="1"/>
@@ -1190,192 +1138,6 @@
           </a:bodyPr>
           <a:lstStyle/>
           <a:p>
-            <a:pPr marL="228600" indent="-228600">
-              <a:buAutoNum type="arabicParenR"/>
-            </a:pPr>
-            <a:r>
-              <a:rPr lang="en-US" dirty="0" smtClean="0"/>
-              <a:t>Refer to Asimov’s Three</a:t>
-            </a:r>
-            <a:r>
-              <a:rPr lang="en-US" baseline="0" dirty="0" smtClean="0"/>
-              <a:t> Sets of Robotic Laws, Runaround = Short story introduced by Asimov about a space trip to Mercury involving the use of </a:t>
-            </a:r>
-          </a:p>
-          <a:p>
-            <a:r>
-              <a:rPr lang="en-US" sz="1200" b="0" i="0" kern="1200" dirty="0" smtClean="0">
-                <a:solidFill>
-                  <a:schemeClr val="tx1"/>
-                </a:solidFill>
-                <a:latin typeface="Times New Roman" pitchFamily="18" charset="0"/>
-                <a:ea typeface="+mn-ea"/>
-                <a:cs typeface="+mn-cs"/>
-              </a:rPr>
-              <a:t/>
-            </a:r>
-            <a:br>
-              <a:rPr lang="en-US" sz="1200" b="0" i="0" kern="1200" dirty="0" smtClean="0">
-                <a:solidFill>
-                  <a:schemeClr val="tx1"/>
-                </a:solidFill>
-                <a:latin typeface="Times New Roman" pitchFamily="18" charset="0"/>
-                <a:ea typeface="+mn-ea"/>
-                <a:cs typeface="+mn-cs"/>
-              </a:rPr>
-            </a:br>
-            <a:r>
-              <a:rPr lang="en-US" sz="1200" b="0" i="0" kern="1200" dirty="0" smtClean="0">
-                <a:solidFill>
-                  <a:schemeClr val="tx1"/>
-                </a:solidFill>
-                <a:latin typeface="Times New Roman" pitchFamily="18" charset="0"/>
-                <a:ea typeface="+mn-ea"/>
-                <a:cs typeface="+mn-cs"/>
-              </a:rPr>
-              <a:t>	A robot may not injure a human being, or, through inaction, allow a human being to come to harm.</a:t>
-            </a:r>
-          </a:p>
-          <a:p>
-            <a:r>
-              <a:rPr lang="en-US" sz="1200" b="0" i="0" kern="1200" dirty="0" smtClean="0">
-                <a:solidFill>
-                  <a:schemeClr val="tx1"/>
-                </a:solidFill>
-                <a:latin typeface="Times New Roman" pitchFamily="18" charset="0"/>
-                <a:ea typeface="+mn-ea"/>
-                <a:cs typeface="+mn-cs"/>
-              </a:rPr>
-              <a:t>	A robot must obey orders given it by human beings except where such orders would conflict with the First Law.</a:t>
-            </a:r>
-          </a:p>
-          <a:p>
-            <a:r>
-              <a:rPr lang="en-US" sz="1200" b="0" i="0" kern="1200" dirty="0" smtClean="0">
-                <a:solidFill>
-                  <a:schemeClr val="tx1"/>
-                </a:solidFill>
-                <a:latin typeface="Times New Roman" pitchFamily="18" charset="0"/>
-                <a:ea typeface="+mn-ea"/>
-                <a:cs typeface="+mn-cs"/>
-              </a:rPr>
-              <a:t>	A robot must protect its own existence as long as such protection does not conflict with the First or Second Law. (</a:t>
-            </a:r>
-            <a:r>
-              <a:rPr lang="en-US" sz="1200" b="0" i="1" kern="1200" dirty="0" smtClean="0">
-                <a:solidFill>
-                  <a:schemeClr val="tx1"/>
-                </a:solidFill>
-                <a:latin typeface="Times New Roman" pitchFamily="18" charset="0"/>
-                <a:ea typeface="+mn-ea"/>
-                <a:cs typeface="+mn-cs"/>
-              </a:rPr>
-              <a:t>I, Robot,</a:t>
-            </a:r>
-            <a:r>
-              <a:rPr lang="en-US" sz="1200" b="0" i="0" kern="1200" dirty="0" smtClean="0">
-                <a:solidFill>
-                  <a:schemeClr val="tx1"/>
-                </a:solidFill>
-                <a:latin typeface="Times New Roman" pitchFamily="18" charset="0"/>
-                <a:ea typeface="+mn-ea"/>
-                <a:cs typeface="+mn-cs"/>
-              </a:rPr>
-              <a:t>6)</a:t>
-            </a:r>
-          </a:p>
-          <a:p>
-            <a:pPr marL="685800" lvl="1" indent="-228600">
-              <a:buAutoNum type="arabicParenR"/>
-            </a:pPr>
-            <a:endParaRPr lang="en-US" baseline="0" dirty="0" smtClean="0"/>
-          </a:p>
-          <a:p>
-            <a:pPr marL="228600" indent="-228600">
-              <a:buAutoNum type="arabicParenR"/>
-            </a:pPr>
-            <a:endParaRPr lang="en-US" dirty="0"/>
-          </a:p>
-        </p:txBody>
-      </p:sp>
-      <p:sp>
-        <p:nvSpPr>
-          <p:cNvPr id="4" name="Slide Number Placeholder 3"/>
-          <p:cNvSpPr>
-            <a:spLocks noGrp="1"/>
-          </p:cNvSpPr>
-          <p:nvPr>
-            <p:ph type="sldNum" sz="quarter" idx="10"/>
-          </p:nvPr>
-        </p:nvSpPr>
-        <p:spPr/>
-        <p:txBody>
-          <a:bodyPr/>
-          <a:lstStyle/>
-          <a:p>
-            <a:fld id="{35E8DBCF-1A31-4444-8CFB-0DA56D6CEB6C}" type="slidenum">
-              <a:rPr lang="en-US" smtClean="0"/>
-              <a:pPr/>
-              <a:t>10</a:t>
-            </a:fld>
-            <a:endParaRPr lang="en-US"/>
-          </a:p>
-        </p:txBody>
-      </p:sp>
-    </p:spTree>
-  </p:cSld>
-  <p:clrMapOvr>
-    <a:masterClrMapping/>
-  </p:clrMapOvr>
-</p:notes>
-</file>
-
-<file path=ppt/notesSlides/notesSlide6.xml><?xml version="1.0" encoding="utf-8"?>
-<p:notes xmlns:a="http://schemas.openxmlformats.org/drawingml/2006/main" xmlns:r="http://schemas.openxmlformats.org/officeDocument/2006/relationships" xmlns:p="http://schemas.openxmlformats.org/presentationml/2006/main">
-  <p:cSld>
-    <p:spTree>
-      <p:nvGrpSpPr>
-        <p:cNvPr id="1" name=""/>
-        <p:cNvGrpSpPr/>
-        <p:nvPr/>
-      </p:nvGrpSpPr>
-      <p:grpSpPr>
-        <a:xfrm>
-          <a:off x="0" y="0"/>
-          <a:ext cx="0" cy="0"/>
-          <a:chOff x="0" y="0"/>
-          <a:chExt cx="0" cy="0"/>
-        </a:xfrm>
-      </p:grpSpPr>
-      <p:sp>
-        <p:nvSpPr>
-          <p:cNvPr id="2" name="Slide Image Placeholder 1"/>
-          <p:cNvSpPr>
-            <a:spLocks noGrp="1" noRot="1" noChangeAspect="1"/>
-          </p:cNvSpPr>
-          <p:nvPr>
-            <p:ph type="sldImg"/>
-          </p:nvPr>
-        </p:nvSpPr>
-        <p:spPr/>
-      </p:sp>
-      <p:sp>
-        <p:nvSpPr>
-          <p:cNvPr id="3" name="Notes Placeholder 2"/>
-          <p:cNvSpPr>
-            <a:spLocks noGrp="1"/>
-          </p:cNvSpPr>
-          <p:nvPr>
-            <p:ph type="body" idx="1"/>
-          </p:nvPr>
-        </p:nvSpPr>
-        <p:spPr/>
-        <p:txBody>
-          <a:bodyPr>
-            <a:normAutofit/>
-          </a:bodyPr>
-          <a:lstStyle/>
-          <a:p>
             <a:r>
               <a:rPr lang="en-US" dirty="0" smtClean="0"/>
               <a:t>-</a:t>
@@ -1386,11 +1148,7 @@
             </a:r>
             <a:r>
               <a:rPr lang="en-US" baseline="0" dirty="0" smtClean="0"/>
-              <a:t> Picture : http://getdclu.wordpress.com/2009/08/25/making-and-controlling-a-robotic-public</a:t>
-            </a:r>
-            <a:r>
-              <a:rPr lang="en-US" baseline="0" dirty="0" smtClean="0"/>
-              <a:t>/</a:t>
+              <a:t> Picture : http://getdclu.wordpress.com/2009/08/25/making-and-controlling-a-robotic-public/</a:t>
             </a:r>
           </a:p>
           <a:p>
@@ -5055,42 +4813,6 @@
                 <a:spcPct val="0"/>
               </a:spcBef>
             </a:pPr>
-            <a:r>
-              <a:rPr lang="en-US" dirty="0">
-                <a:solidFill>
-                  <a:srgbClr val="DEDEDE"/>
-                </a:solidFill>
-                <a:latin typeface="Trebuchet MS" pitchFamily="34" charset="0"/>
-              </a:rPr>
-              <a:t>Brian Santo-Domingo</a:t>
-            </a:r>
-            <a:endParaRPr lang="en-US" dirty="0"/>
-          </a:p>
-          <a:p>
-            <a:pPr>
-              <a:lnSpc>
-                <a:spcPct val="95000"/>
-              </a:lnSpc>
-              <a:spcBef>
-                <a:spcPct val="0"/>
-              </a:spcBef>
-            </a:pPr>
-            <a:endParaRPr lang="en-US" dirty="0">
-              <a:solidFill>
-                <a:srgbClr val="DEDEDE"/>
-              </a:solidFill>
-              <a:latin typeface="Trebuchet MS" pitchFamily="34" charset="0"/>
-            </a:endParaRPr>
-          </a:p>
-          <a:p>
-            <a:pPr>
-              <a:lnSpc>
-                <a:spcPct val="95000"/>
-              </a:lnSpc>
-              <a:spcBef>
-                <a:spcPct val="0"/>
-              </a:spcBef>
-            </a:pPr>
             <a:endParaRPr lang="en-US" dirty="0">
               <a:solidFill>
                 <a:srgbClr val="DEDEDE"/>
@@ -5134,422 +4856,132 @@
       </p:grpSpPr>
       <p:sp>
         <p:nvSpPr>
-          <p:cNvPr id="11265" name="Rectangle 1"/>
-          <p:cNvSpPr>
-            <a:spLocks noGrp="1" noChangeArrowheads="1"/>
+          <p:cNvPr id="2" name="Title 1"/>
+          <p:cNvSpPr>
+            <a:spLocks noGrp="1"/>
           </p:cNvSpPr>
           <p:nvPr>
             <p:ph type="title"/>
           </p:nvPr>
         </p:nvSpPr>
-        <p:spPr>
-          <a:xfrm>
-            <a:off x="247650" y="304800"/>
-            <a:ext cx="9664700" cy="914400"/>
-          </a:xfrm>
-        </p:spPr>
-        <p:txBody>
-          <a:bodyPr lIns="0" tIns="0" rIns="0" bIns="0" anchor="t"/>
-          <a:lstStyle/>
-          <a:p>
-            <a:pPr algn="l">
-              <a:lnSpc>
-                <a:spcPct val="95000"/>
-              </a:lnSpc>
-            </a:pPr>
-            <a:r>
-              <a:rPr lang="en-US" sz="4300">
-                <a:solidFill>
-                  <a:srgbClr val="DEDEDE"/>
-                </a:solidFill>
-                <a:latin typeface="Trebuchet MS" pitchFamily="34" charset="0"/>
-              </a:rPr>
+        <p:spPr/>
+        <p:txBody>
+          <a:bodyPr/>
+          <a:lstStyle/>
+          <a:p>
+            <a:r>
+              <a:rPr lang="en-US" dirty="0" smtClean="0"/>
               <a:t>Ethics</a:t>
             </a:r>
-          </a:p>
-        </p:txBody>
-      </p:sp>
-      <p:sp>
-        <p:nvSpPr>
-          <p:cNvPr id="11266" name="Rectangle 2"/>
-          <p:cNvSpPr>
-            <a:spLocks noGrp="1" noChangeArrowheads="1"/>
+            <a:endParaRPr lang="en-US" dirty="0"/>
+          </a:p>
+        </p:txBody>
+      </p:sp>
+      <p:sp>
+        <p:nvSpPr>
+          <p:cNvPr id="3" name="Content Placeholder 2"/>
+          <p:cNvSpPr>
+            <a:spLocks noGrp="1"/>
           </p:cNvSpPr>
           <p:nvPr>
             <p:ph idx="1"/>
           </p:nvPr>
         </p:nvSpPr>
-        <p:spPr>
-          <a:xfrm>
-            <a:off x="247650" y="1828800"/>
-            <a:ext cx="9664700" cy="5486400"/>
-          </a:xfrm>
-        </p:spPr>
-        <p:txBody>
-          <a:bodyPr lIns="0" tIns="0" rIns="0" bIns="0"/>
-          <a:lstStyle/>
-          <a:p>
-            <a:pPr marL="0" indent="0">
-              <a:lnSpc>
-                <a:spcPct val="95000"/>
-              </a:lnSpc>
-              <a:spcBef>
-                <a:spcPct val="0"/>
-              </a:spcBef>
-              <a:buFontTx/>
+        <p:spPr/>
+        <p:txBody>
+          <a:bodyPr>
+            <a:normAutofit/>
+          </a:bodyPr>
+          <a:lstStyle/>
+          <a:p>
+            <a:r>
+              <a:rPr lang="en-US" dirty="0" smtClean="0"/>
+              <a:t>Moral Vs. Practical</a:t>
+            </a:r>
+          </a:p>
+          <a:p>
+            <a:pPr lvl="1"/>
+            <a:r>
+              <a:rPr lang="en-US" dirty="0" smtClean="0"/>
+              <a:t>Sapient Bill of Rights</a:t>
+            </a:r>
+          </a:p>
+          <a:p>
+            <a:pPr>
               <a:buNone/>
             </a:pPr>
-            <a:r>
-              <a:rPr lang="en-US" sz="2700" dirty="0">
-                <a:solidFill>
-                  <a:srgbClr val="DEDEDE"/>
-                </a:solidFill>
-                <a:latin typeface="Trebuchet MS" pitchFamily="34" charset="0"/>
-              </a:rPr>
-              <a:t> </a:t>
-            </a:r>
-          </a:p>
-        </p:txBody>
-      </p:sp>
-      <p:sp>
-        <p:nvSpPr>
-          <p:cNvPr id="4" name="Rectangle 2"/>
-          <p:cNvSpPr txBox="1">
-            <a:spLocks noChangeArrowheads="1"/>
-          </p:cNvSpPr>
-          <p:nvPr/>
-        </p:nvSpPr>
-        <p:spPr>
-          <a:xfrm>
-            <a:off x="400050" y="1981200"/>
-            <a:ext cx="9664700" cy="5486400"/>
-          </a:xfrm>
-          <a:prstGeom prst="rect">
-            <a:avLst/>
-          </a:prstGeom>
-        </p:spPr>
-        <p:txBody>
-          <a:bodyPr vert="horz" lIns="0" tIns="0" rIns="0" bIns="0">
-            <a:normAutofit/>
-          </a:bodyPr>
-          <a:lstStyle/>
-          <a:p>
-            <a:pPr marL="0" marR="0" lvl="0" indent="0" algn="l" defTabSz="914400" rtl="0" eaLnBrk="1" fontAlgn="auto" latinLnBrk="0" hangingPunct="1">
-              <a:lnSpc>
-                <a:spcPct val="95000"/>
-              </a:lnSpc>
-              <a:spcBef>
-                <a:spcPct val="0"/>
-              </a:spcBef>
-              <a:spcAft>
-                <a:spcPts val="0"/>
-              </a:spcAft>
-              <a:buClr>
-                <a:schemeClr val="accent1"/>
-              </a:buClr>
-              <a:buSzPct val="80000"/>
-              <a:tabLst/>
-              <a:defRPr/>
-            </a:pPr>
-            <a:endParaRPr kumimoji="0" lang="en-US" sz="2700" b="0" i="0" u="none" strike="noStrike" kern="1200" cap="none" spc="0" normalizeH="0" baseline="0" noProof="0" dirty="0">
-              <a:ln>
-                <a:noFill/>
-              </a:ln>
-              <a:solidFill>
-                <a:srgbClr val="DEDEDE"/>
-              </a:solidFill>
-              <a:effectLst/>
-              <a:uLnTx/>
-              <a:uFillTx/>
-              <a:latin typeface="Trebuchet MS" pitchFamily="34" charset="0"/>
-              <a:ea typeface="+mn-ea"/>
-              <a:cs typeface="+mn-cs"/>
-            </a:endParaRPr>
-          </a:p>
-        </p:txBody>
-      </p:sp>
-      <p:sp>
-        <p:nvSpPr>
-          <p:cNvPr id="5" name="Rectangle 4"/>
-          <p:cNvSpPr/>
-          <p:nvPr/>
-        </p:nvSpPr>
-        <p:spPr>
-          <a:xfrm>
-            <a:off x="431800" y="1295401"/>
-            <a:ext cx="9296400" cy="3907993"/>
-          </a:xfrm>
-          <a:prstGeom prst="rect">
-            <a:avLst/>
-          </a:prstGeom>
-        </p:spPr>
-        <p:txBody>
-          <a:bodyPr wrap="square">
-            <a:spAutoFit/>
-          </a:bodyPr>
-          <a:lstStyle/>
-          <a:p>
-            <a:pPr lvl="1" indent="-342900">
-              <a:lnSpc>
-                <a:spcPct val="95000"/>
-              </a:lnSpc>
-              <a:buClr>
-                <a:srgbClr val="000000"/>
-              </a:buClr>
-              <a:buFontTx/>
-              <a:buChar char="•"/>
-            </a:pPr>
-            <a:r>
-              <a:rPr lang="en-US" sz="2700" dirty="0" smtClean="0">
-                <a:solidFill>
-                  <a:srgbClr val="DEDEDE"/>
-                </a:solidFill>
-                <a:latin typeface="Trebuchet MS" pitchFamily="34" charset="0"/>
-              </a:rPr>
-              <a:t>What is truly right? For humans? For robots?</a:t>
-            </a:r>
-          </a:p>
-          <a:p>
-            <a:pPr lvl="2" indent="-342900">
-              <a:lnSpc>
-                <a:spcPct val="95000"/>
-              </a:lnSpc>
-              <a:buClr>
-                <a:srgbClr val="000000"/>
-              </a:buClr>
-              <a:buFontTx/>
-              <a:buChar char="•"/>
-            </a:pPr>
-            <a:r>
-              <a:rPr lang="en-US" sz="2700" dirty="0" smtClean="0">
-                <a:solidFill>
-                  <a:srgbClr val="DEDEDE"/>
-                </a:solidFill>
-                <a:latin typeface="Trebuchet MS" pitchFamily="34" charset="0"/>
-              </a:rPr>
-              <a:t>Asimov’s Three Sets of Robotic Laws (Runaround)</a:t>
-            </a:r>
-          </a:p>
-          <a:p>
-            <a:pPr lvl="3" indent="-342900">
-              <a:lnSpc>
-                <a:spcPct val="95000"/>
-              </a:lnSpc>
-              <a:buClr>
-                <a:srgbClr val="000000"/>
-              </a:buClr>
-            </a:pPr>
-            <a:endParaRPr lang="en-US" sz="2700" dirty="0" smtClean="0">
-              <a:solidFill>
-                <a:srgbClr val="DEDEDE"/>
-              </a:solidFill>
-              <a:latin typeface="Trebuchet MS" pitchFamily="34" charset="0"/>
-            </a:endParaRPr>
-          </a:p>
-          <a:p>
-            <a:pPr lvl="1" indent="-342900">
-              <a:lnSpc>
-                <a:spcPct val="95000"/>
-              </a:lnSpc>
-              <a:buClr>
-                <a:srgbClr val="000000"/>
-              </a:buClr>
-              <a:buFontTx/>
-              <a:buChar char="•"/>
-            </a:pPr>
-            <a:r>
-              <a:rPr lang="en-US" sz="2700" dirty="0" smtClean="0">
-                <a:solidFill>
-                  <a:srgbClr val="DEDEDE"/>
-                </a:solidFill>
-                <a:latin typeface="Trebuchet MS" pitchFamily="34" charset="0"/>
-              </a:rPr>
-              <a:t>Replacing humans with robots</a:t>
-            </a:r>
-            <a:br>
-              <a:rPr lang="en-US" sz="2700" dirty="0" smtClean="0">
-                <a:solidFill>
-                  <a:srgbClr val="DEDEDE"/>
-                </a:solidFill>
-                <a:latin typeface="Trebuchet MS" pitchFamily="34" charset="0"/>
-              </a:rPr>
-            </a:br>
-            <a:endParaRPr lang="en-US" sz="2700" dirty="0" smtClean="0">
-              <a:solidFill>
-                <a:srgbClr val="DEDEDE"/>
-              </a:solidFill>
-              <a:latin typeface="Trebuchet MS" pitchFamily="34" charset="0"/>
-            </a:endParaRPr>
-          </a:p>
-          <a:p>
-            <a:pPr lvl="1" indent="-342900">
-              <a:lnSpc>
-                <a:spcPct val="95000"/>
-              </a:lnSpc>
-              <a:buClr>
-                <a:srgbClr val="000000"/>
-              </a:buClr>
-              <a:buFontTx/>
-              <a:buChar char="•"/>
-            </a:pPr>
-            <a:r>
-              <a:rPr lang="en-US" sz="2700" dirty="0" smtClean="0">
-                <a:solidFill>
-                  <a:srgbClr val="DEDEDE"/>
-                </a:solidFill>
-                <a:latin typeface="Trebuchet MS" pitchFamily="34" charset="0"/>
-              </a:rPr>
-              <a:t>Capable of so much, but to what extent?</a:t>
-            </a:r>
-          </a:p>
-          <a:p>
-            <a:pPr lvl="2" indent="-342900">
-              <a:lnSpc>
-                <a:spcPct val="95000"/>
-              </a:lnSpc>
-              <a:buClr>
-                <a:srgbClr val="000000"/>
-              </a:buClr>
-              <a:buFontTx/>
-              <a:buChar char="•"/>
-            </a:pPr>
-            <a:r>
-              <a:rPr lang="en-US" sz="2700" dirty="0" smtClean="0">
-                <a:solidFill>
-                  <a:srgbClr val="DEDEDE"/>
-                </a:solidFill>
-                <a:latin typeface="Trebuchet MS" pitchFamily="34" charset="0"/>
-              </a:rPr>
-              <a:t>“We have hundreds of examples today of Narrow AI… and the narrowness is gradually getting less narrow”</a:t>
-            </a:r>
-          </a:p>
-          <a:p>
-            <a:pPr lvl="3" indent="-342900">
-              <a:lnSpc>
-                <a:spcPct val="95000"/>
-              </a:lnSpc>
-              <a:buClr>
-                <a:srgbClr val="000000"/>
-              </a:buClr>
-              <a:buFontTx/>
-              <a:buChar char="•"/>
-            </a:pPr>
-            <a:r>
-              <a:rPr lang="en-US" sz="1800" dirty="0" err="1" smtClean="0">
-                <a:solidFill>
-                  <a:srgbClr val="DEDEDE"/>
-                </a:solidFill>
-                <a:latin typeface="Trebuchet MS" pitchFamily="34" charset="0"/>
-              </a:rPr>
-              <a:t>Kurzweil’s</a:t>
-            </a:r>
-            <a:r>
-              <a:rPr lang="en-US" sz="1800" dirty="0" smtClean="0">
-                <a:solidFill>
-                  <a:srgbClr val="DEDEDE"/>
-                </a:solidFill>
-                <a:latin typeface="Trebuchet MS" pitchFamily="34" charset="0"/>
-              </a:rPr>
-              <a:t> “Merging with the Machines”</a:t>
-            </a:r>
-            <a:r>
-              <a:rPr lang="en-US" sz="2700" dirty="0" smtClean="0">
-                <a:solidFill>
-                  <a:srgbClr val="DEDEDE"/>
-                </a:solidFill>
-                <a:latin typeface="Trebuchet MS" pitchFamily="34" charset="0"/>
-              </a:rPr>
-              <a:t/>
-            </a:r>
-            <a:br>
-              <a:rPr lang="en-US" sz="2700" dirty="0" smtClean="0">
-                <a:solidFill>
-                  <a:srgbClr val="DEDEDE"/>
-                </a:solidFill>
-                <a:latin typeface="Trebuchet MS" pitchFamily="34" charset="0"/>
-              </a:rPr>
-            </a:br>
-            <a:endParaRPr lang="en-US" sz="2700" dirty="0" smtClean="0">
-              <a:solidFill>
-                <a:srgbClr val="DEDEDE"/>
-              </a:solidFill>
-              <a:latin typeface="Trebuchet MS" pitchFamily="34" charset="0"/>
-            </a:endParaRPr>
+            <a:endParaRPr lang="en-US" dirty="0" smtClean="0"/>
+          </a:p>
+          <a:p>
+            <a:r>
+              <a:rPr lang="en-US" dirty="0" smtClean="0"/>
+              <a:t>Mental Programming/Limiting</a:t>
+            </a:r>
+          </a:p>
+          <a:p>
+            <a:pPr lvl="1"/>
+            <a:r>
+              <a:rPr lang="en-US" dirty="0" smtClean="0"/>
+              <a:t>If not one, why the other?</a:t>
+            </a:r>
+          </a:p>
+          <a:p>
+            <a:pPr lvl="1"/>
+            <a:endParaRPr lang="en-US" dirty="0" smtClean="0"/>
+          </a:p>
+          <a:p>
+            <a:r>
+              <a:rPr lang="en-US" dirty="0" smtClean="0"/>
+              <a:t>Citizenship for AI</a:t>
+            </a:r>
+          </a:p>
+          <a:p>
+            <a:pPr lvl="1"/>
+            <a:r>
+              <a:rPr lang="en-US" dirty="0" smtClean="0"/>
+              <a:t>What is ‘Human?’</a:t>
+            </a:r>
           </a:p>
         </p:txBody>
       </p:sp>
       <p:pic>
         <p:nvPicPr>
-          <p:cNvPr id="6" name="Picture 5" descr="worthingtonterminator.jpg"/>
+          <p:cNvPr id="1027" name="Picture 3"/>
           <p:cNvPicPr>
-            <a:picLocks noChangeAspect="1"/>
+            <a:picLocks noChangeAspect="1" noChangeArrowheads="1"/>
           </p:cNvPicPr>
           <p:nvPr/>
         </p:nvPicPr>
         <p:blipFill>
-          <a:blip r:embed="rId3" cstate="print"/>
+          <a:blip r:embed="rId3"/>
+          <a:srcRect/>
           <a:stretch>
             <a:fillRect/>
           </a:stretch>
         </p:blipFill>
-        <p:spPr>
+        <p:spPr bwMode="auto">
           <a:xfrm>
-            <a:off x="3683000" y="4876800"/>
-            <a:ext cx="6477000" cy="2743200"/>
-          </a:xfrm>
-          <a:prstGeom prst="rect">
-            <a:avLst/>
-          </a:prstGeom>
-        </p:spPr>
-      </p:pic>
-      <p:sp>
-        <p:nvSpPr>
-          <p:cNvPr id="8" name="TextBox 7"/>
-          <p:cNvSpPr txBox="1"/>
-          <p:nvPr/>
-        </p:nvSpPr>
-        <p:spPr>
-          <a:xfrm>
-            <a:off x="3784600" y="6789003"/>
-            <a:ext cx="2286000" cy="830997"/>
+            <a:off x="5918200" y="228600"/>
+            <a:ext cx="3962401" cy="3186112"/>
           </a:xfrm>
           <a:prstGeom prst="rect">
             <a:avLst/>
           </a:prstGeom>
           <a:noFill/>
+          <a:ln w="9525">
+            <a:noFill/>
+            <a:miter lim="800000"/>
+            <a:headEnd/>
+            <a:tailEnd/>
+          </a:ln>
+          <a:effectLst/>
         </p:spPr>
-        <p:txBody>
-          <a:bodyPr wrap="square" rtlCol="0">
-            <a:spAutoFit/>
-          </a:bodyPr>
-          <a:lstStyle/>
-          <a:p>
-            <a:r>
-              <a:rPr lang="en-US" sz="1600" dirty="0" smtClean="0"/>
-              <a:t>Sam Worthington as Marcus Wright, </a:t>
-            </a:r>
-          </a:p>
-          <a:p>
-            <a:r>
-              <a:rPr lang="en-US" sz="1600" dirty="0" smtClean="0"/>
-              <a:t>Terminator Salvation</a:t>
-            </a:r>
-            <a:endParaRPr lang="en-US" sz="1600" dirty="0"/>
-          </a:p>
-        </p:txBody>
-      </p:sp>
+      </p:pic>
     </p:spTree>
   </p:cSld>
   <p:clrMapOvr>
     <a:masterClrMapping/>
   </p:clrMapOvr>
-  <p:timing>
-    <p:tnLst>
-      <p:par>
-        <p:cTn id="1" dur="indefinite" restart="never" nodeType="tmRoot"/>
-      </p:par>
-    </p:tnLst>
-  </p:timing>
 </p:sld>
 </file>
 
@@ -5572,202 +5004,66 @@
       </p:grpSpPr>
       <p:sp>
         <p:nvSpPr>
-          <p:cNvPr id="12289" name="Rectangle 1"/>
-          <p:cNvSpPr>
-            <a:spLocks noGrp="1" noChangeArrowheads="1"/>
+          <p:cNvPr id="2" name="Title 1"/>
+          <p:cNvSpPr>
+            <a:spLocks noGrp="1"/>
           </p:cNvSpPr>
           <p:nvPr>
             <p:ph type="title"/>
+          </p:nvPr>
+        </p:nvSpPr>
+        <p:spPr/>
+        <p:txBody>
+          <a:bodyPr/>
+          <a:lstStyle/>
+          <a:p>
+            <a:r>
+              <a:rPr lang="en-US" dirty="0" smtClean="0"/>
+              <a:t>Culture</a:t>
+            </a:r>
+            <a:endParaRPr lang="en-US" dirty="0"/>
+          </a:p>
+        </p:txBody>
+      </p:sp>
+      <p:sp>
+        <p:nvSpPr>
+          <p:cNvPr id="3" name="Content Placeholder 2"/>
+          <p:cNvSpPr>
+            <a:spLocks noGrp="1"/>
+          </p:cNvSpPr>
+          <p:nvPr>
+            <p:ph idx="1"/>
           </p:nvPr>
         </p:nvSpPr>
         <p:spPr>
           <a:xfrm>
-            <a:off x="247650" y="304800"/>
-            <a:ext cx="9664700" cy="914400"/>
+            <a:off x="508000" y="1778000"/>
+            <a:ext cx="8915400" cy="5028848"/>
           </a:xfrm>
         </p:spPr>
         <p:txBody>
-          <a:bodyPr lIns="0" tIns="0" rIns="0" bIns="0" anchor="t"/>
-          <a:lstStyle/>
-          <a:p>
-            <a:pPr algn="l">
-              <a:lnSpc>
-                <a:spcPct val="95000"/>
-              </a:lnSpc>
-            </a:pPr>
-            <a:r>
-              <a:rPr lang="en-US" sz="4300">
-                <a:solidFill>
-                  <a:srgbClr val="DEDEDE"/>
-                </a:solidFill>
-                <a:latin typeface="Trebuchet MS" pitchFamily="34" charset="0"/>
-              </a:rPr>
-              <a:t>Culture</a:t>
-            </a:r>
-          </a:p>
-        </p:txBody>
-      </p:sp>
-      <p:sp>
-        <p:nvSpPr>
-          <p:cNvPr id="12290" name="Rectangle 2"/>
-          <p:cNvSpPr>
-            <a:spLocks noGrp="1" noChangeArrowheads="1"/>
-          </p:cNvSpPr>
-          <p:nvPr>
-            <p:ph idx="1"/>
-          </p:nvPr>
-        </p:nvSpPr>
-        <p:spPr>
-          <a:xfrm>
-            <a:off x="247650" y="1524000"/>
-            <a:ext cx="9667875" cy="5551488"/>
-          </a:xfrm>
-        </p:spPr>
-        <p:txBody>
-          <a:bodyPr lIns="0" tIns="0" rIns="0" bIns="0"/>
-          <a:lstStyle/>
-          <a:p>
-            <a:pPr marL="457200" lvl="1" indent="-342900">
-              <a:lnSpc>
-                <a:spcPct val="95000"/>
-              </a:lnSpc>
-              <a:spcBef>
-                <a:spcPct val="0"/>
-              </a:spcBef>
-              <a:buClr>
-                <a:srgbClr val="000000"/>
-              </a:buClr>
-              <a:buFontTx/>
-              <a:buChar char="•"/>
-            </a:pPr>
-            <a:r>
-              <a:rPr lang="en-US" sz="2700">
-                <a:solidFill>
-                  <a:srgbClr val="DEDEDE"/>
-                </a:solidFill>
-                <a:latin typeface="Trebuchet MS" pitchFamily="34" charset="0"/>
-              </a:rPr>
-              <a:t>Idea of helping mankind with AI has been around since 1988</a:t>
-            </a:r>
-            <a:endParaRPr lang="en-US"/>
-          </a:p>
-          <a:p>
-            <a:pPr marL="0" indent="0">
-              <a:lnSpc>
-                <a:spcPct val="95000"/>
-              </a:lnSpc>
-              <a:spcBef>
-                <a:spcPct val="0"/>
-              </a:spcBef>
-              <a:buFontTx/>
-              <a:buNone/>
-            </a:pPr>
-            <a:r>
-              <a:rPr lang="en-US" sz="2700">
-                <a:solidFill>
-                  <a:srgbClr val="DEDEDE"/>
-                </a:solidFill>
-                <a:latin typeface="Trebuchet MS" pitchFamily="34" charset="0"/>
-              </a:rPr>
-              <a:t> </a:t>
-            </a:r>
-            <a:endParaRPr lang="en-US"/>
-          </a:p>
-          <a:p>
-            <a:pPr marL="0" indent="0">
-              <a:lnSpc>
-                <a:spcPct val="95000"/>
-              </a:lnSpc>
-              <a:spcBef>
-                <a:spcPct val="0"/>
-              </a:spcBef>
-              <a:buFontTx/>
-              <a:buNone/>
-            </a:pPr>
-            <a:r>
-              <a:rPr lang="en-US" sz="2700">
-                <a:solidFill>
-                  <a:srgbClr val="DEDEDE"/>
-                </a:solidFill>
-                <a:latin typeface="Trebuchet MS" pitchFamily="34" charset="0"/>
-              </a:rPr>
-              <a:t> </a:t>
-            </a:r>
-            <a:endParaRPr lang="en-US"/>
-          </a:p>
-          <a:p>
-            <a:pPr marL="457200" lvl="1" indent="-342900">
-              <a:lnSpc>
-                <a:spcPct val="95000"/>
-              </a:lnSpc>
-              <a:spcBef>
-                <a:spcPct val="0"/>
-              </a:spcBef>
-              <a:buClr>
-                <a:srgbClr val="000000"/>
-              </a:buClr>
-              <a:buFontTx/>
-              <a:buChar char="•"/>
-            </a:pPr>
-            <a:r>
-              <a:rPr lang="en-US" sz="2700">
-                <a:solidFill>
-                  <a:srgbClr val="DEDEDE"/>
-                </a:solidFill>
-                <a:latin typeface="Trebuchet MS" pitchFamily="34" charset="0"/>
-              </a:rPr>
-              <a:t>Intelligent knowledge gatherer systems such as Isabel help doctors make the tougher decisions in their career</a:t>
-            </a:r>
-            <a:endParaRPr lang="en-US"/>
-          </a:p>
-          <a:p>
-            <a:pPr marL="0" indent="0">
-              <a:lnSpc>
-                <a:spcPct val="95000"/>
-              </a:lnSpc>
-              <a:spcBef>
-                <a:spcPct val="0"/>
-              </a:spcBef>
-              <a:buFontTx/>
-              <a:buNone/>
-            </a:pPr>
-            <a:r>
-              <a:rPr lang="en-US" sz="2700">
-                <a:solidFill>
-                  <a:srgbClr val="DEDEDE"/>
-                </a:solidFill>
-                <a:latin typeface="Trebuchet MS" pitchFamily="34" charset="0"/>
-              </a:rPr>
-              <a:t> </a:t>
-            </a:r>
-            <a:endParaRPr lang="en-US"/>
-          </a:p>
-          <a:p>
-            <a:pPr marL="0" indent="0">
-              <a:lnSpc>
-                <a:spcPct val="95000"/>
-              </a:lnSpc>
-              <a:spcBef>
-                <a:spcPct val="0"/>
-              </a:spcBef>
-              <a:buFontTx/>
-              <a:buNone/>
-            </a:pPr>
-            <a:r>
-              <a:rPr lang="en-US" sz="2700">
-                <a:solidFill>
-                  <a:srgbClr val="DEDEDE"/>
-                </a:solidFill>
-                <a:latin typeface="Trebuchet MS" pitchFamily="34" charset="0"/>
-              </a:rPr>
-              <a:t> </a:t>
+          <a:bodyPr/>
+          <a:lstStyle/>
+          <a:p>
+            <a:r>
+              <a:rPr lang="en-US" dirty="0" smtClean="0"/>
+              <a:t>Applicable concepts for mankind since 1988</a:t>
+            </a:r>
+          </a:p>
+          <a:p>
+            <a:endParaRPr lang="en-US" dirty="0" smtClean="0"/>
+          </a:p>
+          <a:p>
+            <a:r>
+              <a:rPr lang="en-US" dirty="0" smtClean="0"/>
+              <a:t>Intelligent knowledge database</a:t>
             </a:r>
           </a:p>
         </p:txBody>
       </p:sp>
       <p:pic>
         <p:nvPicPr>
-          <p:cNvPr id="12292" name="Picture 4"/>
+          <p:cNvPr id="4" name="Picture 4"/>
           <p:cNvPicPr>
             <a:picLocks noChangeAspect="1" noChangeArrowheads="1"/>
           </p:cNvPicPr>
@@ -5782,8 +5078,8 @@
         </p:blipFill>
         <p:spPr bwMode="auto">
           <a:xfrm>
-            <a:off x="914400" y="3860800"/>
-            <a:ext cx="3573463" cy="3538538"/>
+            <a:off x="355600" y="3733800"/>
+            <a:ext cx="3573463" cy="3614738"/>
           </a:xfrm>
           <a:prstGeom prst="rect">
             <a:avLst/>
@@ -5793,7 +5089,7 @@
       </p:pic>
       <p:pic>
         <p:nvPicPr>
-          <p:cNvPr id="12293" name="Picture 5"/>
+          <p:cNvPr id="5" name="Picture 5"/>
           <p:cNvPicPr>
             <a:picLocks noChangeAspect="1" noChangeArrowheads="1"/>
           </p:cNvPicPr>
@@ -5808,7 +5104,7 @@
         </p:blipFill>
         <p:spPr bwMode="auto">
           <a:xfrm>
-            <a:off x="5994400" y="3860800"/>
+            <a:off x="6527800" y="3733800"/>
             <a:ext cx="3324225" cy="3657600"/>
           </a:xfrm>
           <a:prstGeom prst="rect">
@@ -5822,13 +5118,6 @@
   <p:clrMapOvr>
     <a:masterClrMapping/>
   </p:clrMapOvr>
-  <p:timing>
-    <p:tnLst>
-      <p:par>
-        <p:cTn id="1" dur="indefinite" restart="never" nodeType="tmRoot"/>
-      </p:par>
-    </p:tnLst>
-  </p:timing>
 </p:sld>
 </file>
 
@@ -5851,180 +5140,62 @@
       </p:grpSpPr>
       <p:sp>
         <p:nvSpPr>
-          <p:cNvPr id="13313" name="Rectangle 1"/>
-          <p:cNvSpPr>
-            <a:spLocks noGrp="1" noChangeArrowheads="1"/>
+          <p:cNvPr id="2" name="Title 1"/>
+          <p:cNvSpPr>
+            <a:spLocks noGrp="1"/>
           </p:cNvSpPr>
           <p:nvPr>
             <p:ph type="title"/>
           </p:nvPr>
         </p:nvSpPr>
-        <p:spPr>
-          <a:xfrm>
-            <a:off x="247650" y="304800"/>
-            <a:ext cx="9664700" cy="914400"/>
-          </a:xfrm>
-        </p:spPr>
-        <p:txBody>
-          <a:bodyPr lIns="0" tIns="0" rIns="0" bIns="0" anchor="t"/>
-          <a:lstStyle/>
-          <a:p>
-            <a:pPr algn="l">
-              <a:lnSpc>
-                <a:spcPct val="95000"/>
-              </a:lnSpc>
-            </a:pPr>
-            <a:r>
-              <a:rPr lang="en-US" sz="4300">
-                <a:solidFill>
-                  <a:srgbClr val="DEDEDE"/>
-                </a:solidFill>
-                <a:latin typeface="Trebuchet MS" pitchFamily="34" charset="0"/>
-              </a:rPr>
-              <a:t>Culture (cont)</a:t>
-            </a:r>
-          </a:p>
-        </p:txBody>
-      </p:sp>
-      <p:sp>
-        <p:nvSpPr>
-          <p:cNvPr id="13314" name="Rectangle 2"/>
-          <p:cNvSpPr>
-            <a:spLocks noGrp="1" noChangeArrowheads="1"/>
+        <p:spPr/>
+        <p:txBody>
+          <a:bodyPr/>
+          <a:lstStyle/>
+          <a:p>
+            <a:r>
+              <a:rPr lang="en-US" dirty="0" smtClean="0"/>
+              <a:t>Culture</a:t>
+            </a:r>
+            <a:endParaRPr lang="en-US" dirty="0"/>
+          </a:p>
+        </p:txBody>
+      </p:sp>
+      <p:sp>
+        <p:nvSpPr>
+          <p:cNvPr id="3" name="Content Placeholder 2"/>
+          <p:cNvSpPr>
+            <a:spLocks noGrp="1"/>
           </p:cNvSpPr>
           <p:nvPr>
             <p:ph idx="1"/>
           </p:nvPr>
         </p:nvSpPr>
-        <p:spPr>
-          <a:xfrm>
-            <a:off x="247650" y="1828800"/>
-            <a:ext cx="9664700" cy="5486400"/>
-          </a:xfrm>
-        </p:spPr>
-        <p:txBody>
-          <a:bodyPr lIns="0" tIns="0" rIns="0" bIns="0"/>
-          <a:lstStyle/>
-          <a:p>
-            <a:pPr marL="457200" lvl="1" indent="-342900">
-              <a:lnSpc>
-                <a:spcPct val="95000"/>
-              </a:lnSpc>
-              <a:spcBef>
-                <a:spcPct val="0"/>
-              </a:spcBef>
-              <a:buClr>
-                <a:srgbClr val="000000"/>
-              </a:buClr>
-              <a:buFontTx/>
-              <a:buChar char="•"/>
-            </a:pPr>
-            <a:r>
-              <a:rPr lang="en-US" sz="2700">
-                <a:solidFill>
-                  <a:srgbClr val="DEDEDE"/>
-                </a:solidFill>
-                <a:latin typeface="Trebuchet MS" pitchFamily="34" charset="0"/>
-              </a:rPr>
-              <a:t>Adam utilizes robotics and a unique research intelligence to create, test and document biological experiments</a:t>
-            </a:r>
-            <a:endParaRPr lang="en-US"/>
-          </a:p>
-          <a:p>
-            <a:pPr marL="0" indent="0">
-              <a:lnSpc>
-                <a:spcPct val="95000"/>
-              </a:lnSpc>
-              <a:spcBef>
-                <a:spcPct val="0"/>
-              </a:spcBef>
-              <a:buFontTx/>
-              <a:buNone/>
-            </a:pPr>
-            <a:r>
-              <a:rPr lang="en-US" sz="2700">
-                <a:solidFill>
-                  <a:srgbClr val="DEDEDE"/>
-                </a:solidFill>
-                <a:latin typeface="Trebuchet MS" pitchFamily="34" charset="0"/>
-              </a:rPr>
-              <a:t> </a:t>
-            </a:r>
-            <a:endParaRPr lang="en-US"/>
-          </a:p>
-          <a:p>
-            <a:pPr marL="0" indent="0">
-              <a:lnSpc>
-                <a:spcPct val="95000"/>
-              </a:lnSpc>
-              <a:spcBef>
-                <a:spcPct val="0"/>
-              </a:spcBef>
-              <a:buFontTx/>
-              <a:buNone/>
-            </a:pPr>
-            <a:r>
-              <a:rPr lang="en-US" sz="2700">
-                <a:solidFill>
-                  <a:srgbClr val="DEDEDE"/>
-                </a:solidFill>
-                <a:latin typeface="Trebuchet MS" pitchFamily="34" charset="0"/>
-              </a:rPr>
-              <a:t> </a:t>
-            </a:r>
-            <a:endParaRPr lang="en-US"/>
-          </a:p>
-          <a:p>
-            <a:pPr marL="457200" lvl="1" indent="-342900">
-              <a:lnSpc>
-                <a:spcPct val="95000"/>
-              </a:lnSpc>
-              <a:spcBef>
-                <a:spcPct val="0"/>
-              </a:spcBef>
-              <a:buClr>
-                <a:srgbClr val="000000"/>
-              </a:buClr>
-              <a:buFontTx/>
-              <a:buChar char="•"/>
-            </a:pPr>
-            <a:r>
-              <a:rPr lang="en-US" sz="2700">
-                <a:solidFill>
-                  <a:srgbClr val="DEDEDE"/>
-                </a:solidFill>
-                <a:latin typeface="Trebuchet MS" pitchFamily="34" charset="0"/>
-              </a:rPr>
-              <a:t>DARPA has been funding the creation of self driving cars, some of which are in our very area. </a:t>
-            </a:r>
-            <a:endParaRPr lang="en-US"/>
-          </a:p>
-          <a:p>
-            <a:pPr marL="0" indent="0">
-              <a:lnSpc>
-                <a:spcPct val="95000"/>
-              </a:lnSpc>
-              <a:spcBef>
-                <a:spcPct val="0"/>
-              </a:spcBef>
-              <a:buClr>
-                <a:srgbClr val="000000"/>
-              </a:buClr>
-              <a:buFontTx/>
-              <a:buNone/>
-            </a:pPr>
-            <a:endParaRPr lang="en-US" sz="2700">
-              <a:solidFill>
-                <a:srgbClr val="DEDEDE"/>
-              </a:solidFill>
-              <a:latin typeface="Trebuchet MS" pitchFamily="34" charset="0"/>
-            </a:endParaRPr>
+        <p:spPr/>
+        <p:txBody>
+          <a:bodyPr/>
+          <a:lstStyle/>
+          <a:p>
+            <a:r>
+              <a:rPr lang="en-US" dirty="0" smtClean="0"/>
+              <a:t>Adam research intelligence</a:t>
+            </a:r>
+          </a:p>
+          <a:p>
+            <a:endParaRPr lang="en-US" dirty="0" smtClean="0"/>
+          </a:p>
+          <a:p>
+            <a:r>
+              <a:rPr lang="en-US" dirty="0" smtClean="0"/>
+              <a:t>DARPA/Google car program’s</a:t>
+            </a:r>
+            <a:endParaRPr lang="en-US" dirty="0"/>
           </a:p>
         </p:txBody>
       </p:sp>
       <p:pic>
         <p:nvPicPr>
-          <p:cNvPr id="13316" name="Picture 4"/>
+          <p:cNvPr id="4" name="Picture 4"/>
           <p:cNvPicPr>
             <a:picLocks noChangeAspect="1" noChangeArrowheads="1"/>
           </p:cNvPicPr>
@@ -6050,7 +5221,7 @@
       </p:pic>
       <p:pic>
         <p:nvPicPr>
-          <p:cNvPr id="13317" name="Picture 5"/>
+          <p:cNvPr id="5" name="Picture 5"/>
           <p:cNvPicPr>
             <a:picLocks noChangeAspect="1" noChangeArrowheads="1"/>
           </p:cNvPicPr>
@@ -6065,8 +5236,8 @@
         </p:blipFill>
         <p:spPr bwMode="auto">
           <a:xfrm>
-            <a:off x="5994400" y="4673600"/>
-            <a:ext cx="3805238" cy="2363788"/>
+            <a:off x="5830844" y="4572000"/>
+            <a:ext cx="3968794" cy="2465388"/>
           </a:xfrm>
           <a:prstGeom prst="rect">
             <a:avLst/>
@@ -6079,13 +5250,6 @@
   <p:clrMapOvr>
     <a:masterClrMapping/>
   </p:clrMapOvr>
-  <p:timing>
-    <p:tnLst>
-      <p:par>
-        <p:cTn id="1" dur="indefinite" restart="never" nodeType="tmRoot"/>
-      </p:par>
-    </p:tnLst>
-  </p:timing>
 </p:sld>
 </file>
 
@@ -6474,299 +5638,68 @@
       </p:grpSpPr>
       <p:sp>
         <p:nvSpPr>
-          <p:cNvPr id="15361" name="Rectangle 1"/>
-          <p:cNvSpPr>
-            <a:spLocks noGrp="1" noChangeArrowheads="1"/>
+          <p:cNvPr id="2" name="Title 1"/>
+          <p:cNvSpPr>
+            <a:spLocks noGrp="1"/>
           </p:cNvSpPr>
           <p:nvPr>
             <p:ph type="title"/>
           </p:nvPr>
         </p:nvSpPr>
-        <p:spPr>
-          <a:xfrm>
-            <a:off x="247650" y="304800"/>
-            <a:ext cx="9664700" cy="914400"/>
-          </a:xfrm>
-        </p:spPr>
-        <p:txBody>
-          <a:bodyPr lIns="0" tIns="0" rIns="0" bIns="0" anchor="t"/>
-          <a:lstStyle/>
-          <a:p>
-            <a:pPr algn="l">
-              <a:lnSpc>
-                <a:spcPct val="95000"/>
-              </a:lnSpc>
-            </a:pPr>
-            <a:r>
-              <a:rPr lang="en-US" sz="4300" dirty="0">
-                <a:solidFill>
-                  <a:srgbClr val="DEDEDE"/>
-                </a:solidFill>
-                <a:latin typeface="Trebuchet MS" pitchFamily="34" charset="0"/>
-              </a:rPr>
+        <p:spPr/>
+        <p:txBody>
+          <a:bodyPr/>
+          <a:lstStyle/>
+          <a:p>
+            <a:r>
+              <a:rPr lang="en-US" dirty="0" smtClean="0"/>
               <a:t>Conclusion</a:t>
             </a:r>
-          </a:p>
-        </p:txBody>
-      </p:sp>
-      <p:sp>
-        <p:nvSpPr>
-          <p:cNvPr id="15362" name="Rectangle 2"/>
-          <p:cNvSpPr>
-            <a:spLocks noGrp="1" noChangeArrowheads="1"/>
+            <a:endParaRPr lang="en-US" dirty="0"/>
+          </a:p>
+        </p:txBody>
+      </p:sp>
+      <p:sp>
+        <p:nvSpPr>
+          <p:cNvPr id="3" name="Content Placeholder 2"/>
+          <p:cNvSpPr>
+            <a:spLocks noGrp="1"/>
           </p:cNvSpPr>
           <p:nvPr>
             <p:ph idx="1"/>
           </p:nvPr>
         </p:nvSpPr>
-        <p:spPr>
-          <a:xfrm>
-            <a:off x="247650" y="1828800"/>
-            <a:ext cx="9664700" cy="5486400"/>
-          </a:xfrm>
-        </p:spPr>
-        <p:txBody>
-          <a:bodyPr lIns="0" tIns="0" rIns="0" bIns="0"/>
-          <a:lstStyle/>
-          <a:p>
-            <a:pPr marL="457200" lvl="1" indent="-342900">
-              <a:lnSpc>
-                <a:spcPct val="95000"/>
-              </a:lnSpc>
-              <a:spcBef>
-                <a:spcPct val="0"/>
-              </a:spcBef>
-              <a:buClr>
-                <a:srgbClr val="000000"/>
-              </a:buClr>
-              <a:buFontTx/>
-              <a:buChar char="•"/>
-            </a:pPr>
-            <a:r>
-              <a:rPr lang="en-US" sz="2700" dirty="0" smtClean="0">
-                <a:solidFill>
-                  <a:srgbClr val="DEDEDE"/>
-                </a:solidFill>
-                <a:latin typeface="Trebuchet MS" pitchFamily="34" charset="0"/>
-              </a:rPr>
+        <p:spPr/>
+        <p:txBody>
+          <a:bodyPr/>
+          <a:lstStyle/>
+          <a:p>
+            <a:r>
+              <a:rPr lang="en-US" dirty="0" smtClean="0"/>
               <a:t>What is artificial intelligence?</a:t>
             </a:r>
           </a:p>
           <a:p>
-            <a:pPr marL="457200" lvl="1" indent="-342900">
-              <a:lnSpc>
-                <a:spcPct val="95000"/>
-              </a:lnSpc>
-              <a:spcBef>
-                <a:spcPct val="0"/>
-              </a:spcBef>
-              <a:buClr>
-                <a:srgbClr val="000000"/>
-              </a:buClr>
-              <a:buFontTx/>
-              <a:buChar char="•"/>
-            </a:pPr>
-            <a:endParaRPr lang="en-US" sz="2700" dirty="0" smtClean="0">
-              <a:solidFill>
-                <a:srgbClr val="DEDEDE"/>
-              </a:solidFill>
-              <a:latin typeface="Trebuchet MS" pitchFamily="34" charset="0"/>
-            </a:endParaRPr>
-          </a:p>
-          <a:p>
-            <a:pPr marL="457200" lvl="1" indent="-342900">
-              <a:lnSpc>
-                <a:spcPct val="95000"/>
-              </a:lnSpc>
-              <a:spcBef>
-                <a:spcPct val="0"/>
-              </a:spcBef>
-              <a:buClr>
-                <a:srgbClr val="000000"/>
-              </a:buClr>
-              <a:buFontTx/>
-              <a:buChar char="•"/>
-            </a:pPr>
-            <a:endParaRPr lang="en-US" sz="2700" dirty="0" smtClean="0">
-              <a:solidFill>
-                <a:srgbClr val="DEDEDE"/>
-              </a:solidFill>
-              <a:latin typeface="Trebuchet MS" pitchFamily="34" charset="0"/>
-            </a:endParaRPr>
-          </a:p>
-          <a:p>
-            <a:pPr marL="457200" lvl="1" indent="-342900">
-              <a:lnSpc>
-                <a:spcPct val="95000"/>
-              </a:lnSpc>
-              <a:spcBef>
-                <a:spcPct val="0"/>
-              </a:spcBef>
-              <a:buClr>
-                <a:srgbClr val="000000"/>
-              </a:buClr>
-              <a:buFontTx/>
-              <a:buChar char="•"/>
-            </a:pPr>
-            <a:endParaRPr lang="en-US" sz="2700" dirty="0" smtClean="0">
-              <a:solidFill>
-                <a:srgbClr val="DEDEDE"/>
-              </a:solidFill>
-              <a:latin typeface="Trebuchet MS" pitchFamily="34" charset="0"/>
-            </a:endParaRPr>
-          </a:p>
-          <a:p>
-            <a:pPr marL="457200" lvl="1" indent="-342900">
-              <a:lnSpc>
-                <a:spcPct val="95000"/>
-              </a:lnSpc>
-              <a:spcBef>
-                <a:spcPct val="0"/>
-              </a:spcBef>
-              <a:buClr>
-                <a:srgbClr val="000000"/>
-              </a:buClr>
-            </a:pPr>
-            <a:r>
-              <a:rPr lang="en-US" sz="2700" dirty="0" smtClean="0">
-                <a:solidFill>
-                  <a:srgbClr val="DEDEDE"/>
-                </a:solidFill>
-                <a:latin typeface="Trebuchet MS" pitchFamily="34" charset="0"/>
-              </a:rPr>
+            <a:endParaRPr lang="en-US" dirty="0" smtClean="0"/>
+          </a:p>
+          <a:p>
+            <a:r>
+              <a:rPr lang="en-US" dirty="0" smtClean="0"/>
               <a:t>How does it affect humanity?</a:t>
             </a:r>
           </a:p>
           <a:p>
-            <a:pPr marL="457200" lvl="1" indent="-342900">
-              <a:lnSpc>
-                <a:spcPct val="95000"/>
-              </a:lnSpc>
-              <a:spcBef>
-                <a:spcPct val="0"/>
-              </a:spcBef>
-              <a:buClr>
-                <a:srgbClr val="000000"/>
-              </a:buClr>
-            </a:pPr>
-            <a:endParaRPr lang="en-US" sz="2700" dirty="0" smtClean="0">
-              <a:solidFill>
-                <a:srgbClr val="DEDEDE"/>
-              </a:solidFill>
-              <a:latin typeface="Trebuchet MS" pitchFamily="34" charset="0"/>
-            </a:endParaRPr>
-          </a:p>
-          <a:p>
-            <a:pPr marL="457200" lvl="1" indent="-342900">
-              <a:lnSpc>
-                <a:spcPct val="95000"/>
-              </a:lnSpc>
-              <a:spcBef>
-                <a:spcPct val="0"/>
-              </a:spcBef>
-              <a:buClr>
-                <a:srgbClr val="000000"/>
-              </a:buClr>
-            </a:pPr>
-            <a:endParaRPr lang="en-US" sz="2700" dirty="0" smtClean="0">
-              <a:solidFill>
-                <a:srgbClr val="DEDEDE"/>
-              </a:solidFill>
-              <a:latin typeface="Trebuchet MS" pitchFamily="34" charset="0"/>
-            </a:endParaRPr>
-          </a:p>
-          <a:p>
-            <a:pPr marL="457200" lvl="1" indent="-342900">
-              <a:lnSpc>
-                <a:spcPct val="95000"/>
-              </a:lnSpc>
-              <a:spcBef>
-                <a:spcPct val="0"/>
-              </a:spcBef>
-              <a:buClr>
-                <a:srgbClr val="000000"/>
-              </a:buClr>
-            </a:pPr>
-            <a:endParaRPr lang="en-US" sz="2700" dirty="0" smtClean="0">
-              <a:solidFill>
-                <a:srgbClr val="DEDEDE"/>
-              </a:solidFill>
-              <a:latin typeface="Trebuchet MS" pitchFamily="34" charset="0"/>
-            </a:endParaRPr>
-          </a:p>
-          <a:p>
-            <a:pPr marL="457200" lvl="1" indent="-342900">
-              <a:lnSpc>
-                <a:spcPct val="95000"/>
-              </a:lnSpc>
-              <a:spcBef>
-                <a:spcPct val="0"/>
-              </a:spcBef>
-              <a:buClr>
-                <a:srgbClr val="000000"/>
-              </a:buClr>
-            </a:pPr>
-            <a:r>
-              <a:rPr lang="en-US" sz="2700" dirty="0" smtClean="0">
-                <a:solidFill>
-                  <a:srgbClr val="DEDEDE"/>
-                </a:solidFill>
-                <a:latin typeface="Trebuchet MS" pitchFamily="34" charset="0"/>
-              </a:rPr>
+            <a:endParaRPr lang="en-US" dirty="0" smtClean="0"/>
+          </a:p>
+          <a:p>
+            <a:r>
+              <a:rPr lang="en-US" dirty="0" smtClean="0"/>
               <a:t>What can we do about it?</a:t>
             </a:r>
-          </a:p>
-          <a:p>
-            <a:pPr marL="0" indent="0">
-              <a:lnSpc>
-                <a:spcPct val="95000"/>
-              </a:lnSpc>
-              <a:spcBef>
-                <a:spcPct val="0"/>
-              </a:spcBef>
-              <a:buNone/>
-            </a:pPr>
-            <a:endParaRPr lang="en-US" sz="2700" dirty="0" smtClean="0">
-              <a:solidFill>
-                <a:srgbClr val="DEDEDE"/>
-              </a:solidFill>
-              <a:latin typeface="Trebuchet MS" pitchFamily="34" charset="0"/>
-            </a:endParaRPr>
-          </a:p>
-        </p:txBody>
-      </p:sp>
-    </p:spTree>
-  </p:cSld>
-  <p:clrMapOvr>
-    <a:masterClrMapping/>
-  </p:clrMapOvr>
-  <p:timing>
-    <p:tnLst>
-      <p:par>
-        <p:cTn id="1" dur="indefinite" restart="never" nodeType="tmRoot"/>
-      </p:par>
-    </p:tnLst>
-  </p:timing>
-</p:sld>
-</file>
-
-<file path=ppt/slides/slide17.xml><?xml version="1.0" encoding="utf-8"?>
-<p:sld xmlns:a="http://schemas.openxmlformats.org/drawingml/2006/main" xmlns:r="http://schemas.openxmlformats.org/officeDocument/2006/relationships" xmlns:p="http://schemas.openxmlformats.org/presentationml/2006/main">
-  <p:cSld>
-    <p:spTree>
-      <p:nvGrpSpPr>
-        <p:cNvPr id="1" name=""/>
-        <p:cNvGrpSpPr/>
-        <p:nvPr/>
-      </p:nvGrpSpPr>
-      <p:grpSpPr>
-        <a:xfrm>
-          <a:off x="0" y="0"/>
-          <a:ext cx="0" cy="0"/>
-          <a:chOff x="0" y="0"/>
-          <a:chExt cx="0" cy="0"/>
-        </a:xfrm>
-      </p:grpSpPr>
+            <a:endParaRPr lang="en-US" dirty="0"/>
+          </a:p>
+        </p:txBody>
+      </p:sp>
     </p:spTree>
   </p:cSld>
   <p:clrMapOvr>
@@ -6775,7 +5708,7 @@
 </p:sld>
 </file>
 
-<file path=ppt/slides/slide18.xml><?xml version="1.0" encoding="utf-8"?>
+<file path=ppt/slides/slide17.xml><?xml version="1.0" encoding="utf-8"?>
 <p:sld xmlns:a="http://schemas.openxmlformats.org/drawingml/2006/main" xmlns:r="http://schemas.openxmlformats.org/officeDocument/2006/relationships" xmlns:p="http://schemas.openxmlformats.org/presentationml/2006/main">
   <p:cSld>
     <p:spTree>
@@ -6921,275 +5854,65 @@
       </p:grpSpPr>
       <p:sp>
         <p:nvSpPr>
-          <p:cNvPr id="3073" name="Rectangle 1"/>
-          <p:cNvSpPr>
-            <a:spLocks noGrp="1" noChangeArrowheads="1"/>
+          <p:cNvPr id="2" name="Title 1"/>
+          <p:cNvSpPr>
+            <a:spLocks noGrp="1"/>
           </p:cNvSpPr>
           <p:nvPr>
             <p:ph type="title"/>
           </p:nvPr>
         </p:nvSpPr>
-        <p:spPr>
-          <a:xfrm>
-            <a:off x="247650" y="304800"/>
-            <a:ext cx="9664700" cy="914400"/>
-          </a:xfrm>
-        </p:spPr>
-        <p:txBody>
-          <a:bodyPr lIns="0" tIns="0" rIns="0" bIns="0" anchor="t"/>
-          <a:lstStyle/>
-          <a:p>
-            <a:pPr algn="l">
-              <a:lnSpc>
-                <a:spcPct val="95000"/>
-              </a:lnSpc>
-            </a:pPr>
-            <a:r>
-              <a:rPr lang="en-US" sz="4300" dirty="0" smtClean="0">
-                <a:solidFill>
-                  <a:srgbClr val="DEDEDE"/>
-                </a:solidFill>
-                <a:latin typeface="Trebuchet MS" pitchFamily="34" charset="0"/>
-              </a:rPr>
+        <p:spPr/>
+        <p:txBody>
+          <a:bodyPr/>
+          <a:lstStyle/>
+          <a:p>
+            <a:r>
+              <a:rPr lang="en-US" dirty="0" smtClean="0"/>
               <a:t>Questions</a:t>
             </a:r>
-            <a:endParaRPr lang="en-US" sz="4300" dirty="0">
-              <a:solidFill>
-                <a:srgbClr val="DEDEDE"/>
-              </a:solidFill>
-              <a:latin typeface="Trebuchet MS" pitchFamily="34" charset="0"/>
-            </a:endParaRPr>
-          </a:p>
-        </p:txBody>
-      </p:sp>
-      <p:sp>
-        <p:nvSpPr>
-          <p:cNvPr id="3074" name="Rectangle 2"/>
-          <p:cNvSpPr>
-            <a:spLocks noGrp="1" noChangeArrowheads="1"/>
+            <a:endParaRPr lang="en-US" dirty="0"/>
+          </a:p>
+        </p:txBody>
+      </p:sp>
+      <p:sp>
+        <p:nvSpPr>
+          <p:cNvPr id="3" name="Content Placeholder 2"/>
+          <p:cNvSpPr>
+            <a:spLocks noGrp="1"/>
           </p:cNvSpPr>
           <p:nvPr>
             <p:ph idx="1"/>
           </p:nvPr>
         </p:nvSpPr>
-        <p:spPr>
-          <a:xfrm>
-            <a:off x="247650" y="1828800"/>
-            <a:ext cx="9664700" cy="5486400"/>
-          </a:xfrm>
-        </p:spPr>
-        <p:txBody>
-          <a:bodyPr lIns="0" tIns="0" rIns="0" bIns="0">
-            <a:normAutofit/>
-          </a:bodyPr>
-          <a:lstStyle/>
-          <a:p>
-            <a:pPr marL="457200" lvl="1" indent="-342900">
-              <a:lnSpc>
-                <a:spcPct val="95000"/>
-              </a:lnSpc>
-              <a:spcBef>
-                <a:spcPct val="0"/>
-              </a:spcBef>
-              <a:buClr>
-                <a:srgbClr val="000000"/>
-              </a:buClr>
-              <a:buFontTx/>
-              <a:buChar char="•"/>
-            </a:pPr>
-            <a:r>
-              <a:rPr lang="en-US" sz="2700" dirty="0" smtClean="0">
-                <a:solidFill>
-                  <a:srgbClr val="DEDEDE"/>
-                </a:solidFill>
-                <a:latin typeface="Trebuchet MS" pitchFamily="34" charset="0"/>
-              </a:rPr>
+        <p:spPr/>
+        <p:txBody>
+          <a:bodyPr/>
+          <a:lstStyle/>
+          <a:p>
+            <a:r>
+              <a:rPr lang="en-US" dirty="0" smtClean="0"/>
               <a:t>What is artificial intelligence?</a:t>
             </a:r>
           </a:p>
           <a:p>
-            <a:pPr marL="457200" lvl="1" indent="-342900">
-              <a:lnSpc>
-                <a:spcPct val="95000"/>
-              </a:lnSpc>
-              <a:spcBef>
-                <a:spcPct val="0"/>
-              </a:spcBef>
-              <a:buClr>
-                <a:srgbClr val="000000"/>
-              </a:buClr>
-              <a:buFontTx/>
-              <a:buChar char="•"/>
-            </a:pPr>
-            <a:endParaRPr lang="en-US" sz="2700" dirty="0" smtClean="0">
-              <a:solidFill>
-                <a:srgbClr val="DEDEDE"/>
-              </a:solidFill>
-              <a:latin typeface="Trebuchet MS" pitchFamily="34" charset="0"/>
-            </a:endParaRPr>
-          </a:p>
-          <a:p>
-            <a:pPr marL="457200" lvl="1" indent="-342900">
-              <a:lnSpc>
-                <a:spcPct val="95000"/>
-              </a:lnSpc>
-              <a:spcBef>
-                <a:spcPct val="0"/>
-              </a:spcBef>
-              <a:buClr>
-                <a:srgbClr val="000000"/>
-              </a:buClr>
-              <a:buFontTx/>
-              <a:buChar char="•"/>
-            </a:pPr>
-            <a:endParaRPr lang="en-US" sz="2700" dirty="0" smtClean="0">
-              <a:solidFill>
-                <a:srgbClr val="DEDEDE"/>
-              </a:solidFill>
-              <a:latin typeface="Trebuchet MS" pitchFamily="34" charset="0"/>
-            </a:endParaRPr>
-          </a:p>
-          <a:p>
-            <a:pPr marL="457200" lvl="1" indent="-342900">
-              <a:lnSpc>
-                <a:spcPct val="95000"/>
-              </a:lnSpc>
-              <a:spcBef>
-                <a:spcPct val="0"/>
-              </a:spcBef>
-              <a:buClr>
-                <a:srgbClr val="000000"/>
-              </a:buClr>
-              <a:buFontTx/>
-              <a:buChar char="•"/>
-            </a:pPr>
-            <a:endParaRPr lang="en-US" sz="2700" dirty="0" smtClean="0">
-              <a:solidFill>
-                <a:srgbClr val="DEDEDE"/>
-              </a:solidFill>
-              <a:latin typeface="Trebuchet MS" pitchFamily="34" charset="0"/>
-            </a:endParaRPr>
-          </a:p>
-          <a:p>
-            <a:pPr marL="457200" lvl="1" indent="-342900">
-              <a:lnSpc>
-                <a:spcPct val="95000"/>
-              </a:lnSpc>
-              <a:spcBef>
-                <a:spcPct val="0"/>
-              </a:spcBef>
-              <a:buClr>
-                <a:srgbClr val="000000"/>
-              </a:buClr>
-            </a:pPr>
-            <a:r>
-              <a:rPr lang="en-US" sz="2700" dirty="0" smtClean="0">
-                <a:solidFill>
-                  <a:srgbClr val="DEDEDE"/>
-                </a:solidFill>
-                <a:latin typeface="Trebuchet MS" pitchFamily="34" charset="0"/>
-              </a:rPr>
+            <a:endParaRPr lang="en-US" dirty="0" smtClean="0"/>
+          </a:p>
+          <a:p>
+            <a:r>
+              <a:rPr lang="en-US" dirty="0" smtClean="0"/>
               <a:t>How does it affect humanity?</a:t>
             </a:r>
           </a:p>
           <a:p>
-            <a:pPr marL="457200" lvl="1" indent="-342900">
-              <a:lnSpc>
-                <a:spcPct val="95000"/>
-              </a:lnSpc>
-              <a:spcBef>
-                <a:spcPct val="0"/>
-              </a:spcBef>
-              <a:buClr>
-                <a:srgbClr val="000000"/>
-              </a:buClr>
-            </a:pPr>
-            <a:endParaRPr lang="en-US" sz="2700" dirty="0" smtClean="0">
-              <a:solidFill>
-                <a:srgbClr val="DEDEDE"/>
-              </a:solidFill>
-              <a:latin typeface="Trebuchet MS" pitchFamily="34" charset="0"/>
-            </a:endParaRPr>
-          </a:p>
-          <a:p>
-            <a:pPr marL="457200" lvl="1" indent="-342900">
-              <a:lnSpc>
-                <a:spcPct val="95000"/>
-              </a:lnSpc>
-              <a:spcBef>
-                <a:spcPct val="0"/>
-              </a:spcBef>
-              <a:buClr>
-                <a:srgbClr val="000000"/>
-              </a:buClr>
-            </a:pPr>
-            <a:endParaRPr lang="en-US" sz="2700" dirty="0" smtClean="0">
-              <a:solidFill>
-                <a:srgbClr val="DEDEDE"/>
-              </a:solidFill>
-              <a:latin typeface="Trebuchet MS" pitchFamily="34" charset="0"/>
-            </a:endParaRPr>
-          </a:p>
-          <a:p>
-            <a:pPr marL="457200" lvl="1" indent="-342900">
-              <a:lnSpc>
-                <a:spcPct val="95000"/>
-              </a:lnSpc>
-              <a:spcBef>
-                <a:spcPct val="0"/>
-              </a:spcBef>
-              <a:buClr>
-                <a:srgbClr val="000000"/>
-              </a:buClr>
-            </a:pPr>
-            <a:endParaRPr lang="en-US" sz="2700" dirty="0" smtClean="0">
-              <a:solidFill>
-                <a:srgbClr val="DEDEDE"/>
-              </a:solidFill>
-              <a:latin typeface="Trebuchet MS" pitchFamily="34" charset="0"/>
-            </a:endParaRPr>
-          </a:p>
-          <a:p>
-            <a:pPr marL="457200" lvl="1" indent="-342900">
-              <a:lnSpc>
-                <a:spcPct val="95000"/>
-              </a:lnSpc>
-              <a:spcBef>
-                <a:spcPct val="0"/>
-              </a:spcBef>
-              <a:buClr>
-                <a:srgbClr val="000000"/>
-              </a:buClr>
-            </a:pPr>
-            <a:r>
-              <a:rPr lang="en-US" sz="2700" dirty="0" smtClean="0">
-                <a:solidFill>
-                  <a:srgbClr val="DEDEDE"/>
-                </a:solidFill>
-                <a:latin typeface="Trebuchet MS" pitchFamily="34" charset="0"/>
-              </a:rPr>
+            <a:endParaRPr lang="en-US" dirty="0" smtClean="0"/>
+          </a:p>
+          <a:p>
+            <a:r>
+              <a:rPr lang="en-US" dirty="0" smtClean="0"/>
               <a:t>What can we do about it?</a:t>
             </a:r>
-          </a:p>
-          <a:p>
-            <a:pPr marL="457200" lvl="1" indent="-342900">
-              <a:lnSpc>
-                <a:spcPct val="95000"/>
-              </a:lnSpc>
-              <a:spcBef>
-                <a:spcPct val="0"/>
-              </a:spcBef>
-              <a:buClr>
-                <a:srgbClr val="000000"/>
-              </a:buClr>
-              <a:buNone/>
-            </a:pPr>
-            <a:endParaRPr lang="en-US" sz="2700" dirty="0" smtClean="0">
-              <a:solidFill>
-                <a:srgbClr val="DEDEDE"/>
-              </a:solidFill>
-              <a:latin typeface="Trebuchet MS" pitchFamily="34" charset="0"/>
-            </a:endParaRPr>
+            <a:endParaRPr lang="en-US" dirty="0"/>
           </a:p>
         </p:txBody>
       </p:sp>
@@ -7198,13 +5921,6 @@
   <p:clrMapOvr>
     <a:masterClrMapping/>
   </p:clrMapOvr>
-  <p:timing>
-    <p:tnLst>
-      <p:par>
-        <p:cTn id="1" dur="indefinite" restart="never" nodeType="tmRoot"/>
-      </p:par>
-    </p:tnLst>
-  </p:timing>
 </p:sld>
 </file>
 
@@ -7880,67 +6596,84 @@
       </p:grpSpPr>
       <p:sp>
         <p:nvSpPr>
-          <p:cNvPr id="5121" name="Rectangle 1"/>
-          <p:cNvSpPr>
-            <a:spLocks noGrp="1" noChangeArrowheads="1"/>
+          <p:cNvPr id="2" name="Title 1"/>
+          <p:cNvSpPr>
+            <a:spLocks noGrp="1"/>
           </p:cNvSpPr>
           <p:nvPr>
             <p:ph type="title"/>
           </p:nvPr>
         </p:nvSpPr>
-        <p:spPr>
-          <a:xfrm>
-            <a:off x="239713" y="296863"/>
-            <a:ext cx="9664700" cy="1357312"/>
-          </a:xfrm>
-        </p:spPr>
-        <p:txBody>
-          <a:bodyPr lIns="0" tIns="0" rIns="0" bIns="0" anchor="t"/>
-          <a:lstStyle/>
-          <a:p>
-            <a:pPr algn="l">
-              <a:lnSpc>
-                <a:spcPct val="95000"/>
-              </a:lnSpc>
-            </a:pPr>
-            <a:r>
-              <a:rPr lang="en-US" sz="4300" dirty="0">
-                <a:solidFill>
-                  <a:srgbClr val="DEDEDE"/>
-                </a:solidFill>
-                <a:latin typeface="Trebuchet MS" pitchFamily="34" charset="0"/>
-              </a:rPr>
+        <p:spPr/>
+        <p:txBody>
+          <a:bodyPr/>
+          <a:lstStyle/>
+          <a:p>
+            <a:r>
+              <a:rPr lang="en-US" dirty="0" smtClean="0"/>
               <a:t>Economics</a:t>
             </a:r>
-            <a:r>
-              <a:rPr lang="en-US" dirty="0"/>
-              <a:t/>
-            </a:r>
-            <a:br>
-              <a:rPr lang="en-US" dirty="0"/>
-            </a:br>
-            <a:r>
-              <a:rPr lang="en-US" sz="4300" dirty="0">
-                <a:solidFill>
-                  <a:srgbClr val="DEDEDE"/>
-                </a:solidFill>
-                <a:latin typeface="Trebuchet MS" pitchFamily="34" charset="0"/>
-              </a:rPr>
-              <a:t> </a:t>
-            </a:r>
+            <a:endParaRPr lang="en-US" dirty="0"/>
+          </a:p>
+        </p:txBody>
+      </p:sp>
+      <p:sp>
+        <p:nvSpPr>
+          <p:cNvPr id="3" name="Content Placeholder 2"/>
+          <p:cNvSpPr>
+            <a:spLocks noGrp="1"/>
+          </p:cNvSpPr>
+          <p:nvPr>
+            <p:ph idx="1"/>
+          </p:nvPr>
+        </p:nvSpPr>
+        <p:spPr/>
+        <p:txBody>
+          <a:bodyPr/>
+          <a:lstStyle/>
+          <a:p>
+            <a:r>
+              <a:rPr lang="en-US" dirty="0" smtClean="0"/>
+              <a:t>Automotive</a:t>
+            </a:r>
+          </a:p>
+          <a:p>
+            <a:endParaRPr lang="en-US" dirty="0" smtClean="0"/>
+          </a:p>
+          <a:p>
+            <a:endParaRPr lang="en-US" dirty="0" smtClean="0"/>
+          </a:p>
+          <a:p>
+            <a:r>
+              <a:rPr lang="en-US" dirty="0" smtClean="0"/>
+              <a:t>Shipping</a:t>
+            </a:r>
+          </a:p>
+          <a:p>
+            <a:endParaRPr lang="en-US" dirty="0" smtClean="0"/>
+          </a:p>
+          <a:p>
+            <a:endParaRPr lang="en-US" dirty="0" smtClean="0"/>
+          </a:p>
+          <a:p>
+            <a:r>
+              <a:rPr lang="en-US" dirty="0" smtClean="0"/>
+              <a:t>Agriculture</a:t>
+            </a:r>
+            <a:endParaRPr lang="en-US" dirty="0"/>
           </a:p>
         </p:txBody>
       </p:sp>
       <p:pic>
         <p:nvPicPr>
-          <p:cNvPr id="5124" name="Picture 4"/>
+          <p:cNvPr id="4" name="Picture 2" descr="C:\Users\Sean\Desktop\sexy folder\Future Economics\avg_worker.jpg"/>
           <p:cNvPicPr>
             <a:picLocks noChangeAspect="1" noChangeArrowheads="1"/>
           </p:cNvPicPr>
           <p:nvPr/>
         </p:nvPicPr>
         <p:blipFill>
-          <a:blip r:embed="rId3" cstate="print"/>
+          <a:blip r:embed="rId2" cstate="print"/>
           <a:srcRect/>
           <a:stretch>
             <a:fillRect/>
@@ -7948,173 +6681,7 @@
         </p:blipFill>
         <p:spPr bwMode="auto">
           <a:xfrm>
-            <a:off x="1565275" y="889000"/>
-            <a:ext cx="30163" cy="6011863"/>
-          </a:xfrm>
-          <a:prstGeom prst="rect">
-            <a:avLst/>
-          </a:prstGeom>
-          <a:noFill/>
-        </p:spPr>
-      </p:pic>
-      <p:sp>
-        <p:nvSpPr>
-          <p:cNvPr id="5" name="TextBox 4"/>
-          <p:cNvSpPr txBox="1"/>
-          <p:nvPr/>
-        </p:nvSpPr>
-        <p:spPr>
-          <a:xfrm>
-            <a:off x="279400" y="1752600"/>
-            <a:ext cx="9220200" cy="3831818"/>
-          </a:xfrm>
-          <a:prstGeom prst="rect">
-            <a:avLst/>
-          </a:prstGeom>
-          <a:noFill/>
-        </p:spPr>
-        <p:txBody>
-          <a:bodyPr wrap="square" rtlCol="0">
-            <a:spAutoFit/>
-          </a:bodyPr>
-          <a:lstStyle/>
-          <a:p>
-            <a:pPr>
-              <a:buFont typeface="Arial" pitchFamily="34" charset="0"/>
-              <a:buChar char="•"/>
-            </a:pPr>
-            <a:r>
-              <a:rPr lang="en-US" sz="2700" dirty="0" smtClean="0">
-                <a:solidFill>
-                  <a:srgbClr val="DEDEDE"/>
-                </a:solidFill>
-                <a:latin typeface="Trebuchet MS" pitchFamily="34" charset="0"/>
-              </a:rPr>
-              <a:t>Automotive</a:t>
-            </a:r>
-          </a:p>
-          <a:p>
-            <a:pPr>
-              <a:buFont typeface="Arial" pitchFamily="34" charset="0"/>
-              <a:buChar char="•"/>
-            </a:pPr>
-            <a:endParaRPr lang="en-US" sz="2700" dirty="0" smtClean="0">
-              <a:solidFill>
-                <a:srgbClr val="DEDEDE"/>
-              </a:solidFill>
-              <a:latin typeface="Trebuchet MS" pitchFamily="34" charset="0"/>
-            </a:endParaRPr>
-          </a:p>
-          <a:p>
-            <a:pPr>
-              <a:buFont typeface="Arial" pitchFamily="34" charset="0"/>
-              <a:buChar char="•"/>
-            </a:pPr>
-            <a:endParaRPr lang="en-US" sz="2700" dirty="0" smtClean="0">
-              <a:solidFill>
-                <a:srgbClr val="DEDEDE"/>
-              </a:solidFill>
-              <a:latin typeface="Trebuchet MS" pitchFamily="34" charset="0"/>
-            </a:endParaRPr>
-          </a:p>
-          <a:p>
-            <a:pPr>
-              <a:buFont typeface="Arial" pitchFamily="34" charset="0"/>
-              <a:buChar char="•"/>
-            </a:pPr>
-            <a:r>
-              <a:rPr lang="en-US" sz="2700" dirty="0" smtClean="0">
-                <a:solidFill>
-                  <a:srgbClr val="DEDEDE"/>
-                </a:solidFill>
-                <a:latin typeface="Trebuchet MS" pitchFamily="34" charset="0"/>
-              </a:rPr>
-              <a:t>Shipping</a:t>
-            </a:r>
-          </a:p>
-          <a:p>
-            <a:pPr>
-              <a:buFont typeface="Arial" pitchFamily="34" charset="0"/>
-              <a:buChar char="•"/>
-            </a:pPr>
-            <a:endParaRPr lang="en-US" sz="2700" dirty="0" smtClean="0">
-              <a:solidFill>
-                <a:srgbClr val="DEDEDE"/>
-              </a:solidFill>
-              <a:latin typeface="Trebuchet MS" pitchFamily="34" charset="0"/>
-            </a:endParaRPr>
-          </a:p>
-          <a:p>
-            <a:pPr>
-              <a:buFont typeface="Arial" pitchFamily="34" charset="0"/>
-              <a:buChar char="•"/>
-            </a:pPr>
-            <a:endParaRPr lang="en-US" sz="2700" dirty="0" smtClean="0">
-              <a:solidFill>
-                <a:srgbClr val="DEDEDE"/>
-              </a:solidFill>
-              <a:latin typeface="Trebuchet MS" pitchFamily="34" charset="0"/>
-            </a:endParaRPr>
-          </a:p>
-          <a:p>
-            <a:pPr>
-              <a:buFont typeface="Arial" pitchFamily="34" charset="0"/>
-              <a:buChar char="•"/>
-            </a:pPr>
-            <a:r>
-              <a:rPr lang="en-US" sz="2700" dirty="0" smtClean="0">
-                <a:solidFill>
-                  <a:srgbClr val="DEDEDE"/>
-                </a:solidFill>
-                <a:latin typeface="Trebuchet MS" pitchFamily="34" charset="0"/>
-              </a:rPr>
-              <a:t>Agriculture</a:t>
-            </a:r>
-          </a:p>
-          <a:p>
-            <a:pPr>
-              <a:buFont typeface="Arial" pitchFamily="34" charset="0"/>
-              <a:buChar char="•"/>
-            </a:pPr>
-            <a:endParaRPr lang="en-US" sz="2700" dirty="0" smtClean="0">
-              <a:solidFill>
-                <a:srgbClr val="DEDEDE"/>
-              </a:solidFill>
-              <a:latin typeface="Trebuchet MS" pitchFamily="34" charset="0"/>
-            </a:endParaRPr>
-          </a:p>
-          <a:p>
-            <a:pPr>
-              <a:buFont typeface="Arial" pitchFamily="34" charset="0"/>
-              <a:buChar char="•"/>
-            </a:pPr>
-            <a:endParaRPr lang="en-US" sz="2700" dirty="0">
-              <a:solidFill>
-                <a:srgbClr val="DEDEDE"/>
-              </a:solidFill>
-              <a:latin typeface="Trebuchet MS" pitchFamily="34" charset="0"/>
-            </a:endParaRPr>
-          </a:p>
-        </p:txBody>
-      </p:sp>
-      <p:pic>
-        <p:nvPicPr>
-          <p:cNvPr id="1026" name="Picture 2" descr="C:\Users\Sean\Desktop\sexy folder\Future Economics\avg_worker.jpg"/>
-          <p:cNvPicPr>
-            <a:picLocks noChangeAspect="1" noChangeArrowheads="1"/>
-          </p:cNvPicPr>
-          <p:nvPr/>
-        </p:nvPicPr>
-        <p:blipFill>
-          <a:blip r:embed="rId4" cstate="print"/>
-          <a:srcRect/>
-          <a:stretch>
-            <a:fillRect/>
-          </a:stretch>
-        </p:blipFill>
-        <p:spPr bwMode="auto">
-          <a:xfrm>
-            <a:off x="3860800" y="3352800"/>
+            <a:off x="3937000" y="3200400"/>
             <a:ext cx="5676884" cy="3857625"/>
           </a:xfrm>
           <a:prstGeom prst="rect">
@@ -8128,13 +6695,6 @@
   <p:clrMapOvr>
     <a:masterClrMapping/>
   </p:clrMapOvr>
-  <p:timing>
-    <p:tnLst>
-      <p:par>
-        <p:cTn id="1" dur="indefinite" restart="never" nodeType="tmRoot"/>
-      </p:par>
-    </p:tnLst>
-  </p:timing>
 </p:sld>
 </file>
 
@@ -8157,219 +6717,93 @@
       </p:grpSpPr>
       <p:sp>
         <p:nvSpPr>
-          <p:cNvPr id="6145" name="Rectangle 1"/>
-          <p:cNvSpPr>
-            <a:spLocks noGrp="1" noChangeArrowheads="1"/>
+          <p:cNvPr id="2" name="Title 1"/>
+          <p:cNvSpPr>
+            <a:spLocks noGrp="1"/>
           </p:cNvSpPr>
           <p:nvPr>
             <p:ph type="title"/>
+          </p:nvPr>
+        </p:nvSpPr>
+        <p:spPr/>
+        <p:txBody>
+          <a:bodyPr/>
+          <a:lstStyle/>
+          <a:p>
+            <a:r>
+              <a:rPr lang="en-US" dirty="0" smtClean="0"/>
+              <a:t>Philosophy</a:t>
+            </a:r>
+            <a:endParaRPr lang="en-US" dirty="0"/>
+          </a:p>
+        </p:txBody>
+      </p:sp>
+      <p:sp>
+        <p:nvSpPr>
+          <p:cNvPr id="3" name="Content Placeholder 2"/>
+          <p:cNvSpPr>
+            <a:spLocks noGrp="1"/>
+          </p:cNvSpPr>
+          <p:nvPr>
+            <p:ph idx="1"/>
           </p:nvPr>
         </p:nvSpPr>
         <p:spPr>
           <a:xfrm>
-            <a:off x="247650" y="304800"/>
-            <a:ext cx="9664700" cy="914400"/>
+            <a:off x="508000" y="1778000"/>
+            <a:ext cx="9652000" cy="5028848"/>
           </a:xfrm>
         </p:spPr>
         <p:txBody>
-          <a:bodyPr lIns="0" tIns="0" rIns="0" bIns="0" anchor="t"/>
-          <a:lstStyle/>
-          <a:p>
-            <a:pPr algn="l">
-              <a:lnSpc>
-                <a:spcPct val="95000"/>
-              </a:lnSpc>
-            </a:pPr>
-            <a:r>
-              <a:rPr lang="en-US" sz="4300" dirty="0">
-                <a:solidFill>
-                  <a:srgbClr val="DEDEDE"/>
-                </a:solidFill>
-                <a:latin typeface="Trebuchet MS" pitchFamily="34" charset="0"/>
-              </a:rPr>
-              <a:t>Philosophy</a:t>
-            </a:r>
-          </a:p>
-        </p:txBody>
-      </p:sp>
-      <p:sp>
-        <p:nvSpPr>
-          <p:cNvPr id="6146" name="Rectangle 2"/>
-          <p:cNvSpPr>
-            <a:spLocks noGrp="1" noChangeArrowheads="1"/>
-          </p:cNvSpPr>
-          <p:nvPr>
-            <p:ph idx="1"/>
-          </p:nvPr>
-        </p:nvSpPr>
-        <p:spPr>
-          <a:xfrm>
-            <a:off x="247650" y="1828800"/>
-            <a:ext cx="9664700" cy="5486400"/>
-          </a:xfrm>
-        </p:spPr>
-        <p:txBody>
-          <a:bodyPr lIns="0" tIns="0" rIns="0" bIns="0"/>
-          <a:lstStyle/>
-          <a:p>
-            <a:pPr marL="457200" lvl="1" indent="-342900">
-              <a:lnSpc>
-                <a:spcPct val="95000"/>
-              </a:lnSpc>
-              <a:spcBef>
-                <a:spcPct val="0"/>
-              </a:spcBef>
-              <a:buClr>
-                <a:srgbClr val="000000"/>
-              </a:buClr>
-            </a:pPr>
-            <a:r>
-              <a:rPr lang="en-US" sz="2700" dirty="0">
-                <a:solidFill>
-                  <a:srgbClr val="DEDEDE"/>
-                </a:solidFill>
-                <a:latin typeface="Trebuchet MS" pitchFamily="34" charset="0"/>
-              </a:rPr>
+          <a:bodyPr>
+            <a:normAutofit/>
+          </a:bodyPr>
+          <a:lstStyle/>
+          <a:p>
+            <a:r>
+              <a:rPr lang="en-US" sz="2400" dirty="0" smtClean="0"/>
               <a:t>All about asking questions, and putting them in context</a:t>
             </a:r>
-            <a:endParaRPr lang="en-US" dirty="0"/>
-          </a:p>
-          <a:p>
-            <a:pPr marL="0" indent="0">
-              <a:lnSpc>
-                <a:spcPct val="95000"/>
-              </a:lnSpc>
-              <a:spcBef>
-                <a:spcPct val="0"/>
-              </a:spcBef>
+          </a:p>
+          <a:p>
+            <a:endParaRPr lang="en-US" sz="2400" dirty="0" smtClean="0"/>
+          </a:p>
+          <a:p>
+            <a:endParaRPr lang="en-US" sz="2400" dirty="0" smtClean="0"/>
+          </a:p>
+          <a:p>
+            <a:r>
+              <a:rPr lang="en-US" sz="2400" dirty="0" smtClean="0"/>
+              <a:t>After asking questions, ask how they reflect upon yourself</a:t>
+            </a:r>
+          </a:p>
+          <a:p>
+            <a:pPr>
               <a:buNone/>
             </a:pPr>
-            <a:endParaRPr lang="en-US" sz="2700" dirty="0" smtClean="0">
-              <a:solidFill>
-                <a:srgbClr val="DEDEDE"/>
-              </a:solidFill>
-              <a:latin typeface="Trebuchet MS" pitchFamily="34" charset="0"/>
-            </a:endParaRPr>
-          </a:p>
-          <a:p>
-            <a:pPr marL="0" indent="0">
-              <a:lnSpc>
-                <a:spcPct val="95000"/>
-              </a:lnSpc>
-              <a:spcBef>
-                <a:spcPct val="0"/>
-              </a:spcBef>
-              <a:buNone/>
-            </a:pPr>
-            <a:r>
-              <a:rPr lang="en-US" sz="2700" dirty="0">
-                <a:solidFill>
-                  <a:srgbClr val="DEDEDE"/>
-                </a:solidFill>
-                <a:latin typeface="Trebuchet MS" pitchFamily="34" charset="0"/>
-              </a:rPr>
-              <a:t> </a:t>
-            </a:r>
-            <a:endParaRPr lang="en-US" dirty="0"/>
-          </a:p>
-          <a:p>
-            <a:pPr marL="457200" lvl="1" indent="-342900">
-              <a:lnSpc>
-                <a:spcPct val="95000"/>
-              </a:lnSpc>
-              <a:spcBef>
-                <a:spcPct val="0"/>
-              </a:spcBef>
-              <a:buClr>
-                <a:srgbClr val="000000"/>
-              </a:buClr>
-            </a:pPr>
-            <a:r>
-              <a:rPr lang="en-US" sz="2700" dirty="0">
-                <a:solidFill>
-                  <a:srgbClr val="DEDEDE"/>
-                </a:solidFill>
-                <a:latin typeface="Trebuchet MS" pitchFamily="34" charset="0"/>
-              </a:rPr>
-              <a:t>After asking questions, ask how they reflect upon </a:t>
-            </a:r>
-            <a:r>
-              <a:rPr lang="en-US" sz="2700" dirty="0" smtClean="0">
-                <a:solidFill>
-                  <a:srgbClr val="DEDEDE"/>
-                </a:solidFill>
-                <a:latin typeface="Trebuchet MS" pitchFamily="34" charset="0"/>
-              </a:rPr>
-              <a:t>yourself</a:t>
-            </a:r>
-          </a:p>
-          <a:p>
-            <a:pPr marL="457200" lvl="1" indent="-342900">
-              <a:lnSpc>
-                <a:spcPct val="95000"/>
-              </a:lnSpc>
-              <a:spcBef>
-                <a:spcPct val="0"/>
-              </a:spcBef>
-              <a:buClr>
-                <a:srgbClr val="000000"/>
-              </a:buClr>
-            </a:pPr>
-            <a:endParaRPr lang="en-US" sz="2700" dirty="0" smtClean="0">
-              <a:solidFill>
-                <a:srgbClr val="DEDEDE"/>
-              </a:solidFill>
-              <a:latin typeface="Trebuchet MS" pitchFamily="34" charset="0"/>
-            </a:endParaRPr>
-          </a:p>
-          <a:p>
-            <a:pPr marL="457200" lvl="1" indent="-342900">
-              <a:lnSpc>
-                <a:spcPct val="95000"/>
-              </a:lnSpc>
-              <a:spcBef>
-                <a:spcPct val="0"/>
-              </a:spcBef>
-              <a:buClr>
-                <a:srgbClr val="000000"/>
-              </a:buClr>
-            </a:pPr>
-            <a:endParaRPr lang="en-US" dirty="0"/>
-          </a:p>
-          <a:p>
-            <a:pPr marL="457200" lvl="1" indent="-342900">
-              <a:lnSpc>
-                <a:spcPct val="95000"/>
-              </a:lnSpc>
-              <a:spcBef>
-                <a:spcPct val="0"/>
-              </a:spcBef>
-              <a:buClr>
-                <a:srgbClr val="000000"/>
-              </a:buClr>
-            </a:pPr>
-            <a:r>
-              <a:rPr lang="en-US" sz="2700" dirty="0">
-                <a:solidFill>
-                  <a:srgbClr val="DEDEDE"/>
-                </a:solidFill>
-                <a:latin typeface="Trebuchet MS" pitchFamily="34" charset="0"/>
-              </a:rPr>
-              <a:t>Philosophy asks whether something is true.</a:t>
+            <a:endParaRPr lang="en-US" sz="2400" dirty="0" smtClean="0"/>
+          </a:p>
+          <a:p>
+            <a:endParaRPr lang="en-US" sz="2400" dirty="0" smtClean="0"/>
+          </a:p>
+          <a:p>
+            <a:r>
+              <a:rPr lang="en-US" sz="2400" dirty="0" smtClean="0"/>
+              <a:t>Philosophy asks whether something is true</a:t>
             </a:r>
           </a:p>
         </p:txBody>
       </p:sp>
       <p:pic>
         <p:nvPicPr>
-          <p:cNvPr id="6148" name="Picture 4"/>
+          <p:cNvPr id="4" name="Picture 4"/>
           <p:cNvPicPr>
             <a:picLocks noChangeAspect="1" noChangeArrowheads="1"/>
           </p:cNvPicPr>
           <p:nvPr/>
         </p:nvPicPr>
         <p:blipFill>
-          <a:blip r:embed="rId3" cstate="print"/>
+          <a:blip r:embed="rId2" cstate="print"/>
           <a:srcRect/>
           <a:stretch>
             <a:fillRect/>
@@ -8377,7 +6811,7 @@
         </p:blipFill>
         <p:spPr bwMode="auto">
           <a:xfrm>
-            <a:off x="7207250" y="3546475"/>
+            <a:off x="7213600" y="3581400"/>
             <a:ext cx="2732088" cy="3856038"/>
           </a:xfrm>
           <a:prstGeom prst="rect">
@@ -8391,13 +6825,6 @@
   <p:clrMapOvr>
     <a:masterClrMapping/>
   </p:clrMapOvr>
-  <p:timing>
-    <p:tnLst>
-      <p:par>
-        <p:cTn id="1" dur="indefinite" restart="never" nodeType="tmRoot"/>
-      </p:par>
-    </p:tnLst>
-  </p:timing>
 </p:sld>
 </file>
 
